--- a/授業資料/授業資料：ビット処理.pptx
+++ b/授業資料/授業資料：ビット処理.pptx
@@ -5,7 +5,7 @@
     <p:sldMasterId id="2147483666" r:id="rId1"/>
   </p:sldMasterIdLst>
   <p:notesMasterIdLst>
-    <p:notesMasterId r:id="rId15"/>
+    <p:notesMasterId r:id="rId27"/>
   </p:notesMasterIdLst>
   <p:sldIdLst>
     <p:sldId id="272" r:id="rId2"/>
@@ -21,6 +21,18 @@
     <p:sldId id="274" r:id="rId12"/>
     <p:sldId id="275" r:id="rId13"/>
     <p:sldId id="276" r:id="rId14"/>
+    <p:sldId id="289" r:id="rId15"/>
+    <p:sldId id="277" r:id="rId16"/>
+    <p:sldId id="278" r:id="rId17"/>
+    <p:sldId id="279" r:id="rId18"/>
+    <p:sldId id="280" r:id="rId19"/>
+    <p:sldId id="282" r:id="rId20"/>
+    <p:sldId id="283" r:id="rId21"/>
+    <p:sldId id="284" r:id="rId22"/>
+    <p:sldId id="285" r:id="rId23"/>
+    <p:sldId id="286" r:id="rId24"/>
+    <p:sldId id="287" r:id="rId25"/>
+    <p:sldId id="288" r:id="rId26"/>
   </p:sldIdLst>
   <p:sldSz cx="12192000" cy="6858000"/>
   <p:notesSz cx="12192000" cy="6858000"/>
@@ -220,7 +232,7 @@
           <a:p>
             <a:fld id="{087996C2-12BB-4EB0-A0AF-5C45AD62C633}" type="datetimeFigureOut">
               <a:rPr kumimoji="1" lang="ja-JP" altLang="en-US" smtClean="0"/>
-              <a:t>2024/6/15</a:t>
+              <a:t>2025/6/23</a:t>
             </a:fld>
             <a:endParaRPr kumimoji="1" lang="ja-JP" altLang="en-US"/>
           </a:p>
@@ -800,7 +812,7 @@
           <a:p>
             <a:fld id="{1D8BD707-D9CF-40AE-B4C6-C98DA3205C09}" type="datetimeFigureOut">
               <a:rPr lang="en-US" smtClean="0"/>
-              <a:t>6/15/2024</a:t>
+              <a:t>6/23/2025</a:t>
             </a:fld>
             <a:endParaRPr lang="en-US"/>
           </a:p>
@@ -1030,7 +1042,7 @@
           <a:p>
             <a:fld id="{1D8BD707-D9CF-40AE-B4C6-C98DA3205C09}" type="datetimeFigureOut">
               <a:rPr lang="en-US" smtClean="0"/>
-              <a:t>6/15/2024</a:t>
+              <a:t>6/23/2025</a:t>
             </a:fld>
             <a:endParaRPr lang="en-US"/>
           </a:p>
@@ -1270,7 +1282,7 @@
           <a:p>
             <a:fld id="{1D8BD707-D9CF-40AE-B4C6-C98DA3205C09}" type="datetimeFigureOut">
               <a:rPr lang="en-US" smtClean="0"/>
-              <a:t>6/15/2024</a:t>
+              <a:t>6/23/2025</a:t>
             </a:fld>
             <a:endParaRPr lang="en-US"/>
           </a:p>
@@ -1516,7 +1528,7 @@
           <a:p>
             <a:fld id="{1D8BD707-D9CF-40AE-B4C6-C98DA3205C09}" type="datetimeFigureOut">
               <a:rPr lang="en-US" smtClean="0"/>
-              <a:t>6/15/2024</a:t>
+              <a:t>6/23/2025</a:t>
             </a:fld>
             <a:endParaRPr lang="en-US"/>
           </a:p>
@@ -1791,7 +1803,7 @@
           <a:p>
             <a:fld id="{1D8BD707-D9CF-40AE-B4C6-C98DA3205C09}" type="datetimeFigureOut">
               <a:rPr lang="en-US" smtClean="0"/>
-              <a:t>6/15/2024</a:t>
+              <a:t>6/23/2025</a:t>
             </a:fld>
             <a:endParaRPr lang="en-US"/>
           </a:p>
@@ -2120,7 +2132,7 @@
           <a:p>
             <a:fld id="{1D8BD707-D9CF-40AE-B4C6-C98DA3205C09}" type="datetimeFigureOut">
               <a:rPr lang="en-US" smtClean="0"/>
-              <a:t>6/15/2024</a:t>
+              <a:t>6/23/2025</a:t>
             </a:fld>
             <a:endParaRPr lang="en-US"/>
           </a:p>
@@ -2596,7 +2608,7 @@
           <a:p>
             <a:fld id="{1D8BD707-D9CF-40AE-B4C6-C98DA3205C09}" type="datetimeFigureOut">
               <a:rPr lang="en-US" smtClean="0"/>
-              <a:t>6/15/2024</a:t>
+              <a:t>6/23/2025</a:t>
             </a:fld>
             <a:endParaRPr lang="en-US"/>
           </a:p>
@@ -2737,7 +2749,7 @@
           <a:p>
             <a:fld id="{1D8BD707-D9CF-40AE-B4C6-C98DA3205C09}" type="datetimeFigureOut">
               <a:rPr lang="en-US" smtClean="0"/>
-              <a:t>6/15/2024</a:t>
+              <a:t>6/23/2025</a:t>
             </a:fld>
             <a:endParaRPr lang="en-US"/>
           </a:p>
@@ -2850,7 +2862,7 @@
           <a:p>
             <a:fld id="{1D8BD707-D9CF-40AE-B4C6-C98DA3205C09}" type="datetimeFigureOut">
               <a:rPr lang="en-US" smtClean="0"/>
-              <a:t>6/15/2024</a:t>
+              <a:t>6/23/2025</a:t>
             </a:fld>
             <a:endParaRPr lang="en-US"/>
           </a:p>
@@ -3193,7 +3205,7 @@
           <a:p>
             <a:fld id="{1D8BD707-D9CF-40AE-B4C6-C98DA3205C09}" type="datetimeFigureOut">
               <a:rPr lang="en-US" smtClean="0"/>
-              <a:t>6/15/2024</a:t>
+              <a:t>6/23/2025</a:t>
             </a:fld>
             <a:endParaRPr lang="en-US"/>
           </a:p>
@@ -3497,7 +3509,7 @@
           <a:p>
             <a:fld id="{1D8BD707-D9CF-40AE-B4C6-C98DA3205C09}" type="datetimeFigureOut">
               <a:rPr lang="en-US" smtClean="0"/>
-              <a:t>6/15/2024</a:t>
+              <a:t>6/23/2025</a:t>
             </a:fld>
             <a:endParaRPr lang="en-US"/>
           </a:p>
@@ -3770,7 +3782,7 @@
           <a:p>
             <a:fld id="{1D8BD707-D9CF-40AE-B4C6-C98DA3205C09}" type="datetimeFigureOut">
               <a:rPr lang="en-US" smtClean="0"/>
-              <a:t>6/15/2024</a:t>
+              <a:t>6/23/2025</a:t>
             </a:fld>
             <a:endParaRPr lang="en-US"/>
           </a:p>
@@ -4330,48 +4342,41 @@
           <a:lstStyle/>
           <a:p>
             <a:endParaRPr kumimoji="1" lang="en-US" altLang="ja-JP" sz="4000" dirty="0">
-              <a:latin typeface="VDL ラインＧアール R" panose="020B0400000000000000" pitchFamily="34" charset="-128"/>
-              <a:ea typeface="VDL ラインＧアール R" panose="020B0400000000000000" pitchFamily="34" charset="-128"/>
+              <a:latin typeface="+mn-ea"/>
             </a:endParaRPr>
           </a:p>
           <a:p>
             <a:r>
               <a:rPr kumimoji="1" lang="ja-JP" altLang="en-US" sz="4000" dirty="0">
-                <a:latin typeface="VDL ラインＧアール R" panose="020B0400000000000000" pitchFamily="34" charset="-128"/>
-                <a:ea typeface="VDL ラインＧアール R" panose="020B0400000000000000" pitchFamily="34" charset="-128"/>
+                <a:latin typeface="+mn-ea"/>
               </a:rPr>
               <a:t>ゲームソフト分野</a:t>
             </a:r>
             <a:endParaRPr kumimoji="1" lang="en-US" altLang="ja-JP" sz="4000" dirty="0">
-              <a:latin typeface="VDL ラインＧアール R" panose="020B0400000000000000" pitchFamily="34" charset="-128"/>
-              <a:ea typeface="VDL ラインＧアール R" panose="020B0400000000000000" pitchFamily="34" charset="-128"/>
+              <a:latin typeface="+mn-ea"/>
             </a:endParaRPr>
           </a:p>
           <a:p>
             <a:r>
               <a:rPr kumimoji="1" lang="en-US" altLang="ja-JP" sz="4000" dirty="0">
-                <a:latin typeface="VDL ラインＧアール R" panose="020B0400000000000000" pitchFamily="34" charset="-128"/>
-                <a:ea typeface="VDL ラインＧアール R" panose="020B0400000000000000" pitchFamily="34" charset="-128"/>
+                <a:latin typeface="+mn-ea"/>
               </a:rPr>
               <a:t>1</a:t>
             </a:r>
             <a:r>
               <a:rPr kumimoji="1" lang="ja-JP" altLang="en-US" sz="4000" dirty="0">
-                <a:latin typeface="VDL ラインＧアール R" panose="020B0400000000000000" pitchFamily="34" charset="-128"/>
-                <a:ea typeface="VDL ラインＧアール R" panose="020B0400000000000000" pitchFamily="34" charset="-128"/>
+                <a:latin typeface="+mn-ea"/>
               </a:rPr>
               <a:t>年　</a:t>
             </a:r>
             <a:r>
               <a:rPr kumimoji="1" lang="en-US" altLang="ja-JP" sz="4000" dirty="0">
-                <a:latin typeface="VDL ラインＧアール R" panose="020B0400000000000000" pitchFamily="34" charset="-128"/>
-                <a:ea typeface="VDL ラインＧアール R" panose="020B0400000000000000" pitchFamily="34" charset="-128"/>
+                <a:latin typeface="+mn-ea"/>
               </a:rPr>
               <a:t>C++</a:t>
             </a:r>
             <a:endParaRPr kumimoji="1" lang="ja-JP" altLang="en-US" sz="4000" dirty="0">
-              <a:latin typeface="VDL ラインＧアール R" panose="020B0400000000000000" pitchFamily="34" charset="-128"/>
-              <a:ea typeface="VDL ラインＧアール R" panose="020B0400000000000000" pitchFamily="34" charset="-128"/>
+              <a:latin typeface="+mn-ea"/>
             </a:endParaRPr>
           </a:p>
         </p:txBody>
@@ -4428,8 +4433,8 @@
                 <a:solidFill>
                   <a:schemeClr val="bg1"/>
                 </a:solidFill>
-                <a:latin typeface="VDL ラインＧアール R" panose="020B0400000000000000" pitchFamily="34" charset="-128"/>
-                <a:ea typeface="VDL ラインＧアール R" panose="020B0400000000000000" pitchFamily="34" charset="-128"/>
+                <a:latin typeface="+mn-ea"/>
+                <a:ea typeface="+mn-ea"/>
               </a:rPr>
               <a:t>ビット処理</a:t>
             </a:r>
@@ -4518,7 +4523,7 @@
         <p:spPr/>
         <p:txBody>
           <a:bodyPr>
-            <a:normAutofit lnSpcReduction="10000"/>
+            <a:normAutofit fontScale="92500" lnSpcReduction="10000"/>
           </a:bodyPr>
           <a:lstStyle/>
           <a:p>
@@ -4705,27 +4710,94 @@
               <a:rPr lang="en-US" altLang="ja-JP" dirty="0"/>
             </a:br>
             <a:r>
-              <a:rPr lang="en-US" altLang="ja-JP" dirty="0"/>
-              <a:t>Sun:0 Mon:1 Tue:2 Wed:3 </a:t>
-            </a:r>
-            <a:r>
               <a:rPr lang="ja-JP" altLang="en-US" dirty="0"/>
-              <a:t>・・・　</a:t>
-            </a:r>
-            <a:r>
-              <a:rPr lang="en-US" altLang="ja-JP" dirty="0"/>
-              <a:t>Sat:6 </a:t>
-            </a:r>
-            <a:r>
-              <a:rPr lang="ja-JP" altLang="en-US" dirty="0"/>
-              <a:t>という連番の</a:t>
+              <a:t>初期値を宣言しないと</a:t>
             </a:r>
             <a:br>
               <a:rPr lang="en-US" altLang="ja-JP" dirty="0"/>
             </a:br>
             <a:r>
               <a:rPr lang="ja-JP" altLang="en-US" dirty="0"/>
-              <a:t>整数値になる</a:t>
+              <a:t>　　</a:t>
+            </a:r>
+            <a:r>
+              <a:rPr lang="en-US" altLang="ja-JP" dirty="0"/>
+              <a:t>Sun:</a:t>
+            </a:r>
+            <a:r>
+              <a:rPr lang="en-US" altLang="ja-JP" dirty="0">
+                <a:solidFill>
+                  <a:srgbClr val="00B0F0"/>
+                </a:solidFill>
+              </a:rPr>
+              <a:t>0</a:t>
+            </a:r>
+            <a:r>
+              <a:rPr lang="en-US" altLang="ja-JP" dirty="0"/>
+              <a:t> Mon:</a:t>
+            </a:r>
+            <a:r>
+              <a:rPr lang="en-US" altLang="ja-JP" dirty="0">
+                <a:solidFill>
+                  <a:srgbClr val="00B0F0"/>
+                </a:solidFill>
+              </a:rPr>
+              <a:t>1</a:t>
+            </a:r>
+            <a:r>
+              <a:rPr lang="en-US" altLang="ja-JP" dirty="0"/>
+              <a:t> Tue:</a:t>
+            </a:r>
+            <a:r>
+              <a:rPr lang="en-US" altLang="ja-JP" dirty="0">
+                <a:solidFill>
+                  <a:srgbClr val="00B0F0"/>
+                </a:solidFill>
+              </a:rPr>
+              <a:t>2</a:t>
+            </a:r>
+            <a:r>
+              <a:rPr lang="en-US" altLang="ja-JP" dirty="0"/>
+              <a:t> Wed:</a:t>
+            </a:r>
+            <a:r>
+              <a:rPr lang="en-US" altLang="ja-JP" dirty="0">
+                <a:solidFill>
+                  <a:srgbClr val="00B0F0"/>
+                </a:solidFill>
+              </a:rPr>
+              <a:t>3</a:t>
+            </a:r>
+            <a:r>
+              <a:rPr lang="en-US" altLang="ja-JP" dirty="0"/>
+              <a:t> </a:t>
+            </a:r>
+            <a:r>
+              <a:rPr lang="ja-JP" altLang="en-US" dirty="0"/>
+              <a:t>・・・　</a:t>
+            </a:r>
+            <a:r>
+              <a:rPr lang="en-US" altLang="ja-JP" dirty="0"/>
+              <a:t>Sat:</a:t>
+            </a:r>
+            <a:r>
+              <a:rPr lang="en-US" altLang="ja-JP" dirty="0">
+                <a:solidFill>
+                  <a:srgbClr val="00B0F0"/>
+                </a:solidFill>
+              </a:rPr>
+              <a:t>6</a:t>
+            </a:r>
+            <a:r>
+              <a:rPr lang="en-US" altLang="ja-JP" dirty="0"/>
+              <a:t> </a:t>
+            </a:r>
+            <a:br>
+              <a:rPr lang="en-US" altLang="ja-JP" dirty="0"/>
+            </a:br>
+            <a:r>
+              <a:rPr lang="ja-JP" altLang="en-US" dirty="0"/>
+              <a:t>という連番の整数値になる</a:t>
             </a:r>
             <a:endParaRPr kumimoji="1" lang="en-US" altLang="ja-JP" dirty="0"/>
           </a:p>
@@ -4813,13 +4885,13 @@
         <p:spPr/>
         <p:txBody>
           <a:bodyPr>
-            <a:normAutofit lnSpcReduction="10000"/>
+            <a:normAutofit/>
           </a:bodyPr>
           <a:lstStyle/>
           <a:p>
             <a:r>
               <a:rPr kumimoji="1" lang="ja-JP" altLang="en-US" dirty="0"/>
-              <a:t>例</a:t>
+              <a:t>初期値を入れた例</a:t>
             </a:r>
             <a:br>
               <a:rPr lang="en-US" altLang="ja-JP" dirty="0"/>
@@ -4885,7 +4957,39 @@
                   <a:srgbClr val="00B050"/>
                 </a:solidFill>
               </a:rPr>
-              <a:t>= 10, Wed, Thu, Fri = 20, Sat</a:t>
+              <a:t>= </a:t>
+            </a:r>
+            <a:r>
+              <a:rPr lang="en-US" altLang="ja-JP" dirty="0">
+                <a:solidFill>
+                  <a:srgbClr val="FF0000"/>
+                </a:solidFill>
+              </a:rPr>
+              <a:t>10</a:t>
+            </a:r>
+            <a:r>
+              <a:rPr lang="en-US" altLang="ja-JP" dirty="0">
+                <a:solidFill>
+                  <a:srgbClr val="00B050"/>
+                </a:solidFill>
+              </a:rPr>
+              <a:t>, Wed, Thu, Fri = </a:t>
+            </a:r>
+            <a:r>
+              <a:rPr lang="en-US" altLang="ja-JP" dirty="0">
+                <a:solidFill>
+                  <a:srgbClr val="00B0F0"/>
+                </a:solidFill>
+              </a:rPr>
+              <a:t>20</a:t>
+            </a:r>
+            <a:r>
+              <a:rPr lang="en-US" altLang="ja-JP" dirty="0">
+                <a:solidFill>
+                  <a:srgbClr val="00B050"/>
+                </a:solidFill>
+              </a:rPr>
+              <a:t>, Sat</a:t>
             </a:r>
             <a:br>
               <a:rPr lang="en-US" altLang="ja-JP" dirty="0"/>
@@ -4919,14 +5023,38 @@
             </a:br>
             <a:r>
               <a:rPr lang="en-US" altLang="ja-JP" dirty="0"/>
-              <a:t>Tue:10 Wed:11 Thu:12 </a:t>
+              <a:t>Tue:</a:t>
+            </a:r>
+            <a:r>
+              <a:rPr lang="en-US" altLang="ja-JP" dirty="0">
+                <a:solidFill>
+                  <a:srgbClr val="FF0000"/>
+                </a:solidFill>
+              </a:rPr>
+              <a:t>10</a:t>
+            </a:r>
+            <a:r>
+              <a:rPr lang="en-US" altLang="ja-JP" dirty="0"/>
+              <a:t> Wed:11 Thu:12 </a:t>
             </a:r>
             <a:br>
               <a:rPr lang="en-US" altLang="ja-JP" dirty="0"/>
             </a:br>
             <a:r>
               <a:rPr lang="en-US" altLang="ja-JP" dirty="0"/>
-              <a:t>Fri:20 Sat:21 </a:t>
+              <a:t>Fri:</a:t>
+            </a:r>
+            <a:r>
+              <a:rPr lang="en-US" altLang="ja-JP" dirty="0">
+                <a:solidFill>
+                  <a:srgbClr val="00B0F0"/>
+                </a:solidFill>
+              </a:rPr>
+              <a:t>20</a:t>
+            </a:r>
+            <a:r>
+              <a:rPr lang="en-US" altLang="ja-JP" dirty="0"/>
+              <a:t> Sat:21 </a:t>
             </a:r>
             <a:br>
               <a:rPr lang="en-US" altLang="ja-JP" dirty="0"/>
@@ -4936,14 +5064,7 @@
             </a:br>
             <a:r>
               <a:rPr lang="ja-JP" altLang="en-US" dirty="0"/>
-              <a:t>というように値を設定することも可能</a:t>
-            </a:r>
-            <a:br>
-              <a:rPr lang="en-US" altLang="ja-JP" dirty="0"/>
-            </a:br>
-            <a:r>
-              <a:rPr lang="ja-JP" altLang="en-US" dirty="0"/>
-              <a:t>さらに設定した値以降は連番となる</a:t>
+              <a:t>設定した値以降が連番となる</a:t>
             </a:r>
             <a:endParaRPr kumimoji="1" lang="en-US" altLang="ja-JP" dirty="0"/>
           </a:p>
@@ -5135,7 +5256,15 @@
           <a:p>
             <a:r>
               <a:rPr lang="ja-JP" altLang="en-US" dirty="0"/>
-              <a:t>攻撃↑　</a:t>
+              <a:t>攻撃</a:t>
+            </a:r>
+            <a:r>
+              <a:rPr lang="ja-JP" altLang="en-US" b="1" dirty="0"/>
+              <a:t>↑</a:t>
+            </a:r>
+            <a:r>
+              <a:rPr lang="ja-JP" altLang="en-US" dirty="0"/>
+              <a:t>　</a:t>
             </a:r>
             <a:r>
               <a:rPr lang="en-US" altLang="ja-JP" dirty="0" err="1"/>
@@ -5161,7 +5290,15 @@
           <a:p>
             <a:r>
               <a:rPr lang="ja-JP" altLang="en-US" dirty="0"/>
-              <a:t>攻撃↓　</a:t>
+              <a:t>攻撃</a:t>
+            </a:r>
+            <a:r>
+              <a:rPr lang="ja-JP" altLang="en-US" b="1" dirty="0"/>
+              <a:t>↓</a:t>
+            </a:r>
+            <a:r>
+              <a:rPr lang="ja-JP" altLang="en-US" dirty="0"/>
+              <a:t>　</a:t>
             </a:r>
             <a:r>
               <a:rPr lang="en-US" altLang="ja-JP" dirty="0" err="1"/>
@@ -5409,7 +5546,19 @@
             </a:br>
             <a:r>
               <a:rPr kumimoji="1" lang="en-US" altLang="ja-JP" dirty="0"/>
-              <a:t>Status | Poison		0000 0000(</a:t>
+              <a:t>Status </a:t>
+            </a:r>
+            <a:r>
+              <a:rPr kumimoji="1" lang="en-US" altLang="ja-JP" b="1" dirty="0">
+                <a:solidFill>
+                  <a:srgbClr val="FF0000"/>
+                </a:solidFill>
+              </a:rPr>
+              <a:t>|</a:t>
+            </a:r>
+            <a:r>
+              <a:rPr kumimoji="1" lang="en-US" altLang="ja-JP" dirty="0"/>
+              <a:t> Poison		0000 0000(</a:t>
             </a:r>
             <a:r>
               <a:rPr kumimoji="1" lang="en-US" altLang="ja-JP" dirty="0" err="1"/>
@@ -5476,7 +5625,19 @@
             </a:br>
             <a:r>
               <a:rPr kumimoji="1" lang="en-US" altLang="ja-JP" dirty="0"/>
-              <a:t>Status | Sleep		0000 000</a:t>
+              <a:t>Status </a:t>
+            </a:r>
+            <a:r>
+              <a:rPr kumimoji="1" lang="en-US" altLang="ja-JP" b="1" dirty="0">
+                <a:solidFill>
+                  <a:srgbClr val="FF0000"/>
+                </a:solidFill>
+              </a:rPr>
+              <a:t>|</a:t>
+            </a:r>
+            <a:r>
+              <a:rPr kumimoji="1" lang="en-US" altLang="ja-JP" dirty="0"/>
+              <a:t> Sleep		0000 000</a:t>
             </a:r>
             <a:r>
               <a:rPr kumimoji="1" lang="en-US" altLang="ja-JP" dirty="0">
@@ -5542,8 +5703,104 @@
             </a:r>
             <a:r>
               <a:rPr kumimoji="1" lang="en-US" altLang="ja-JP" dirty="0"/>
-              <a:t>(Poison &amp; Sleep)</a:t>
-            </a:r>
+              <a:t>(Poison</a:t>
+            </a:r>
+            <a:r>
+              <a:rPr kumimoji="1" lang="ja-JP" altLang="en-US" dirty="0"/>
+              <a:t>＋</a:t>
+            </a:r>
+            <a:r>
+              <a:rPr kumimoji="1" lang="en-US" altLang="ja-JP" dirty="0"/>
+              <a:t>Sleep)</a:t>
+            </a:r>
+          </a:p>
+        </p:txBody>
+      </p:sp>
+      <p:sp>
+        <p:nvSpPr>
+          <p:cNvPr id="4" name="テキスト ボックス 3">
+            <a:extLst>
+              <a:ext uri="{FF2B5EF4-FFF2-40B4-BE49-F238E27FC236}">
+                <a16:creationId xmlns:a16="http://schemas.microsoft.com/office/drawing/2014/main" id="{CD9FEE7A-7E36-4222-86E4-C64CD41E5F0D}"/>
+              </a:ext>
+            </a:extLst>
+          </p:cNvPr>
+          <p:cNvSpPr txBox="1"/>
+          <p:nvPr/>
+        </p:nvSpPr>
+        <p:spPr>
+          <a:xfrm>
+            <a:off x="2514600" y="3810000"/>
+            <a:ext cx="566181" cy="461665"/>
+          </a:xfrm>
+          <a:prstGeom prst="rect">
+            <a:avLst/>
+          </a:prstGeom>
+          <a:noFill/>
+        </p:spPr>
+        <p:txBody>
+          <a:bodyPr wrap="none" rtlCol="0">
+            <a:spAutoFit/>
+          </a:bodyPr>
+          <a:lstStyle/>
+          <a:p>
+            <a:r>
+              <a:rPr kumimoji="1" lang="en-US" altLang="ja-JP" sz="2400" dirty="0">
+                <a:solidFill>
+                  <a:srgbClr val="FF0000"/>
+                </a:solidFill>
+              </a:rPr>
+              <a:t>OR</a:t>
+            </a:r>
+            <a:endParaRPr kumimoji="1" lang="ja-JP" altLang="en-US" sz="2400" dirty="0">
+              <a:solidFill>
+                <a:srgbClr val="FF0000"/>
+              </a:solidFill>
+            </a:endParaRPr>
+          </a:p>
+        </p:txBody>
+      </p:sp>
+      <p:sp>
+        <p:nvSpPr>
+          <p:cNvPr id="5" name="テキスト ボックス 4">
+            <a:extLst>
+              <a:ext uri="{FF2B5EF4-FFF2-40B4-BE49-F238E27FC236}">
+                <a16:creationId xmlns:a16="http://schemas.microsoft.com/office/drawing/2014/main" id="{8ABC4B70-2086-4AED-84E1-587E4756966C}"/>
+              </a:ext>
+            </a:extLst>
+          </p:cNvPr>
+          <p:cNvSpPr txBox="1"/>
+          <p:nvPr/>
+        </p:nvSpPr>
+        <p:spPr>
+          <a:xfrm>
+            <a:off x="2514600" y="5257800"/>
+            <a:ext cx="566181" cy="461665"/>
+          </a:xfrm>
+          <a:prstGeom prst="rect">
+            <a:avLst/>
+          </a:prstGeom>
+          <a:noFill/>
+        </p:spPr>
+        <p:txBody>
+          <a:bodyPr wrap="none" rtlCol="0">
+            <a:spAutoFit/>
+          </a:bodyPr>
+          <a:lstStyle/>
+          <a:p>
+            <a:r>
+              <a:rPr kumimoji="1" lang="en-US" altLang="ja-JP" sz="2400" dirty="0">
+                <a:solidFill>
+                  <a:srgbClr val="FF0000"/>
+                </a:solidFill>
+              </a:rPr>
+              <a:t>OR</a:t>
+            </a:r>
+            <a:endParaRPr kumimoji="1" lang="ja-JP" altLang="en-US" sz="2400" dirty="0">
+              <a:solidFill>
+                <a:srgbClr val="FF0000"/>
+              </a:solidFill>
+            </a:endParaRPr>
           </a:p>
         </p:txBody>
       </p:sp>
@@ -5551,6 +5808,1399 @@
     <p:extLst>
       <p:ext uri="{BB962C8B-B14F-4D97-AF65-F5344CB8AC3E}">
         <p14:creationId xmlns:p14="http://schemas.microsoft.com/office/powerpoint/2010/main" val="3404536877"/>
+      </p:ext>
+    </p:extLst>
+  </p:cSld>
+  <p:clrMapOvr>
+    <a:masterClrMapping/>
+  </p:clrMapOvr>
+</p:sld>
+</file>
+
+<file path=ppt/slides/slide14.xml><?xml version="1.0" encoding="utf-8"?>
+<p:sld xmlns:a="http://schemas.openxmlformats.org/drawingml/2006/main" xmlns:r="http://schemas.openxmlformats.org/officeDocument/2006/relationships" xmlns:p="http://schemas.openxmlformats.org/presentationml/2006/main">
+  <p:cSld>
+    <p:spTree>
+      <p:nvGrpSpPr>
+        <p:cNvPr id="1" name=""/>
+        <p:cNvGrpSpPr/>
+        <p:nvPr/>
+      </p:nvGrpSpPr>
+      <p:grpSpPr>
+        <a:xfrm>
+          <a:off x="0" y="0"/>
+          <a:ext cx="0" cy="0"/>
+          <a:chOff x="0" y="0"/>
+          <a:chExt cx="0" cy="0"/>
+        </a:xfrm>
+      </p:grpSpPr>
+      <p:sp>
+        <p:nvSpPr>
+          <p:cNvPr id="2" name="タイトル 1">
+            <a:extLst>
+              <a:ext uri="{FF2B5EF4-FFF2-40B4-BE49-F238E27FC236}">
+                <a16:creationId xmlns:a16="http://schemas.microsoft.com/office/drawing/2014/main" id="{5B438378-E70B-D0A9-515C-B6E7AECAD9F8}"/>
+              </a:ext>
+            </a:extLst>
+          </p:cNvPr>
+          <p:cNvSpPr>
+            <a:spLocks noGrp="1"/>
+          </p:cNvSpPr>
+          <p:nvPr>
+            <p:ph type="title"/>
+          </p:nvPr>
+        </p:nvSpPr>
+        <p:spPr/>
+        <p:txBody>
+          <a:bodyPr/>
+          <a:lstStyle/>
+          <a:p>
+            <a:r>
+              <a:rPr lang="ja-JP" altLang="en-US" dirty="0"/>
+              <a:t>演習　</a:t>
+            </a:r>
+            <a:r>
+              <a:rPr kumimoji="1" lang="en-US" altLang="ja-JP" dirty="0" err="1"/>
+              <a:t>bit.c</a:t>
+            </a:r>
+            <a:endParaRPr kumimoji="1" lang="ja-JP" altLang="en-US" dirty="0"/>
+          </a:p>
+        </p:txBody>
+      </p:sp>
+      <p:sp>
+        <p:nvSpPr>
+          <p:cNvPr id="3" name="コンテンツ プレースホルダー 2">
+            <a:extLst>
+              <a:ext uri="{FF2B5EF4-FFF2-40B4-BE49-F238E27FC236}">
+                <a16:creationId xmlns:a16="http://schemas.microsoft.com/office/drawing/2014/main" id="{4EB2B356-EDF6-25E4-62BF-DBB51B977CFA}"/>
+              </a:ext>
+            </a:extLst>
+          </p:cNvPr>
+          <p:cNvSpPr>
+            <a:spLocks noGrp="1"/>
+          </p:cNvSpPr>
+          <p:nvPr>
+            <p:ph idx="1"/>
+          </p:nvPr>
+        </p:nvSpPr>
+        <p:spPr/>
+        <p:txBody>
+          <a:bodyPr>
+            <a:normAutofit/>
+          </a:bodyPr>
+          <a:lstStyle/>
+          <a:p>
+            <a:r>
+              <a:rPr kumimoji="1" lang="ja-JP" altLang="en-US" sz="3200" dirty="0"/>
+              <a:t>ビットを用いたフラグデータ管理を行う。</a:t>
+            </a:r>
+            <a:br>
+              <a:rPr kumimoji="1" lang="en-US" altLang="ja-JP" sz="3200" dirty="0"/>
+            </a:br>
+            <a:r>
+              <a:rPr kumimoji="1" lang="ja-JP" altLang="en-US" sz="3200" dirty="0"/>
+              <a:t>各状態を列挙型</a:t>
+            </a:r>
+            <a:r>
+              <a:rPr kumimoji="1" lang="en-US" altLang="ja-JP" sz="3200" dirty="0" err="1"/>
+              <a:t>enum</a:t>
+            </a:r>
+            <a:r>
+              <a:rPr kumimoji="1" lang="ja-JP" altLang="en-US" sz="3200" dirty="0"/>
+              <a:t>で定義して、</a:t>
+            </a:r>
+            <a:br>
+              <a:rPr kumimoji="1" lang="en-US" altLang="ja-JP" sz="3200" dirty="0"/>
+            </a:br>
+            <a:br>
+              <a:rPr kumimoji="1" lang="en-US" altLang="ja-JP" sz="3200" dirty="0"/>
+            </a:br>
+            <a:r>
+              <a:rPr kumimoji="1" lang="ja-JP" altLang="en-US" sz="3200" dirty="0"/>
+              <a:t>・</a:t>
+            </a:r>
+            <a:r>
+              <a:rPr kumimoji="1" lang="en-US" altLang="ja-JP" sz="3200" dirty="0" err="1"/>
+              <a:t>dispStatus</a:t>
+            </a:r>
+            <a:r>
+              <a:rPr lang="ja-JP" altLang="en-US" sz="3200" dirty="0"/>
+              <a:t>関数で現在の状態フラグを表示</a:t>
+            </a:r>
+            <a:br>
+              <a:rPr lang="en-US" altLang="ja-JP" sz="3200" dirty="0"/>
+            </a:br>
+            <a:br>
+              <a:rPr lang="en-US" altLang="ja-JP" sz="3200" dirty="0"/>
+            </a:br>
+            <a:r>
+              <a:rPr lang="ja-JP" altLang="en-US" sz="3200" dirty="0"/>
+              <a:t>・</a:t>
+            </a:r>
+            <a:r>
+              <a:rPr lang="en-US" altLang="ja-JP" sz="3200" dirty="0" err="1"/>
+              <a:t>changeStatus</a:t>
+            </a:r>
+            <a:r>
+              <a:rPr lang="ja-JP" altLang="en-US" sz="3200" dirty="0"/>
+              <a:t>関数で状態フラグをセット</a:t>
+            </a:r>
+            <a:br>
+              <a:rPr lang="en-US" altLang="ja-JP" sz="3200" dirty="0"/>
+            </a:br>
+            <a:br>
+              <a:rPr lang="en-US" altLang="ja-JP" sz="3200" dirty="0"/>
+            </a:br>
+            <a:r>
+              <a:rPr lang="ja-JP" altLang="en-US" sz="3200" dirty="0"/>
+              <a:t>・</a:t>
+            </a:r>
+            <a:r>
+              <a:rPr lang="en-US" altLang="ja-JP" sz="3200" dirty="0" err="1"/>
+              <a:t>clearStatus</a:t>
+            </a:r>
+            <a:r>
+              <a:rPr lang="ja-JP" altLang="en-US" sz="3200" dirty="0"/>
+              <a:t>関数で状態フラグをクリア</a:t>
+            </a:r>
+            <a:br>
+              <a:rPr lang="en-US" altLang="ja-JP" sz="3200" dirty="0"/>
+            </a:br>
+            <a:br>
+              <a:rPr lang="en-US" altLang="ja-JP" sz="3200" dirty="0"/>
+            </a:br>
+            <a:r>
+              <a:rPr lang="ja-JP" altLang="en-US" sz="3200" dirty="0"/>
+              <a:t>するプログラムを作成する</a:t>
+            </a:r>
+            <a:endParaRPr kumimoji="1" lang="en-US" altLang="ja-JP" sz="3200" dirty="0"/>
+          </a:p>
+        </p:txBody>
+      </p:sp>
+    </p:spTree>
+    <p:extLst>
+      <p:ext uri="{BB962C8B-B14F-4D97-AF65-F5344CB8AC3E}">
+        <p14:creationId xmlns:p14="http://schemas.microsoft.com/office/powerpoint/2010/main" val="4052853353"/>
+      </p:ext>
+    </p:extLst>
+  </p:cSld>
+  <p:clrMapOvr>
+    <a:masterClrMapping/>
+  </p:clrMapOvr>
+</p:sld>
+</file>
+
+<file path=ppt/slides/slide15.xml><?xml version="1.0" encoding="utf-8"?>
+<p:sld xmlns:a="http://schemas.openxmlformats.org/drawingml/2006/main" xmlns:r="http://schemas.openxmlformats.org/officeDocument/2006/relationships" xmlns:p="http://schemas.openxmlformats.org/presentationml/2006/main">
+  <p:cSld>
+    <p:spTree>
+      <p:nvGrpSpPr>
+        <p:cNvPr id="1" name=""/>
+        <p:cNvGrpSpPr/>
+        <p:nvPr/>
+      </p:nvGrpSpPr>
+      <p:grpSpPr>
+        <a:xfrm>
+          <a:off x="0" y="0"/>
+          <a:ext cx="0" cy="0"/>
+          <a:chOff x="0" y="0"/>
+          <a:chExt cx="0" cy="0"/>
+        </a:xfrm>
+      </p:grpSpPr>
+      <p:sp>
+        <p:nvSpPr>
+          <p:cNvPr id="2" name="タイトル 1">
+            <a:extLst>
+              <a:ext uri="{FF2B5EF4-FFF2-40B4-BE49-F238E27FC236}">
+                <a16:creationId xmlns:a16="http://schemas.microsoft.com/office/drawing/2014/main" id="{5B438378-E70B-D0A9-515C-B6E7AECAD9F8}"/>
+              </a:ext>
+            </a:extLst>
+          </p:cNvPr>
+          <p:cNvSpPr>
+            <a:spLocks noGrp="1"/>
+          </p:cNvSpPr>
+          <p:nvPr>
+            <p:ph type="title"/>
+          </p:nvPr>
+        </p:nvSpPr>
+        <p:spPr/>
+        <p:txBody>
+          <a:bodyPr/>
+          <a:lstStyle/>
+          <a:p>
+            <a:r>
+              <a:rPr kumimoji="1" lang="en-US" altLang="ja-JP" dirty="0" err="1"/>
+              <a:t>bit.c</a:t>
+            </a:r>
+            <a:endParaRPr kumimoji="1" lang="ja-JP" altLang="en-US" dirty="0"/>
+          </a:p>
+        </p:txBody>
+      </p:sp>
+      <p:sp>
+        <p:nvSpPr>
+          <p:cNvPr id="3" name="コンテンツ プレースホルダー 2">
+            <a:extLst>
+              <a:ext uri="{FF2B5EF4-FFF2-40B4-BE49-F238E27FC236}">
+                <a16:creationId xmlns:a16="http://schemas.microsoft.com/office/drawing/2014/main" id="{4EB2B356-EDF6-25E4-62BF-DBB51B977CFA}"/>
+              </a:ext>
+            </a:extLst>
+          </p:cNvPr>
+          <p:cNvSpPr>
+            <a:spLocks noGrp="1"/>
+          </p:cNvSpPr>
+          <p:nvPr>
+            <p:ph idx="1"/>
+          </p:nvPr>
+        </p:nvSpPr>
+        <p:spPr>
+          <a:xfrm>
+            <a:off x="838200" y="1295400"/>
+            <a:ext cx="10515600" cy="4881563"/>
+          </a:xfrm>
+          <a:ln>
+            <a:solidFill>
+              <a:schemeClr val="tx1"/>
+            </a:solidFill>
+          </a:ln>
+        </p:spPr>
+        <p:txBody>
+          <a:bodyPr>
+            <a:normAutofit/>
+          </a:bodyPr>
+          <a:lstStyle/>
+          <a:p>
+            <a:pPr marL="0" indent="0">
+              <a:buNone/>
+            </a:pPr>
+            <a:r>
+              <a:rPr kumimoji="1" lang="en-US" altLang="ja-JP" dirty="0"/>
+              <a:t>#include&lt;</a:t>
+            </a:r>
+            <a:r>
+              <a:rPr kumimoji="1" lang="en-US" altLang="ja-JP" dirty="0" err="1"/>
+              <a:t>stdio.h</a:t>
+            </a:r>
+            <a:r>
+              <a:rPr kumimoji="1" lang="en-US" altLang="ja-JP" dirty="0"/>
+              <a:t>&gt;</a:t>
+            </a:r>
+            <a:br>
+              <a:rPr kumimoji="1" lang="en-US" altLang="ja-JP" dirty="0"/>
+            </a:br>
+            <a:br>
+              <a:rPr kumimoji="1" lang="en-US" altLang="ja-JP" dirty="0"/>
+            </a:br>
+            <a:r>
+              <a:rPr kumimoji="1" lang="en-US" altLang="ja-JP" dirty="0"/>
+              <a:t>//</a:t>
+            </a:r>
+            <a:r>
+              <a:rPr kumimoji="1" lang="ja-JP" altLang="en-US" dirty="0"/>
+              <a:t>各ビットで状態フラグを管理する</a:t>
+            </a:r>
+            <a:br>
+              <a:rPr lang="en-US" altLang="ja-JP" dirty="0"/>
+            </a:br>
+            <a:r>
+              <a:rPr lang="en-US" altLang="ja-JP" dirty="0" err="1"/>
+              <a:t>enum</a:t>
+            </a:r>
+            <a:r>
+              <a:rPr lang="en-US" altLang="ja-JP" dirty="0"/>
+              <a:t> </a:t>
+            </a:r>
+            <a:r>
+              <a:rPr lang="en-US" altLang="ja-JP" dirty="0" err="1"/>
+              <a:t>BitState</a:t>
+            </a:r>
+            <a:r>
+              <a:rPr lang="en-US" altLang="ja-JP" dirty="0"/>
+              <a:t> {</a:t>
+            </a:r>
+            <a:br>
+              <a:rPr lang="en-US" altLang="ja-JP" dirty="0"/>
+            </a:br>
+            <a:r>
+              <a:rPr lang="en-US" altLang="ja-JP" dirty="0"/>
+              <a:t>  Base = 0,          //00000000</a:t>
+            </a:r>
+            <a:r>
+              <a:rPr lang="ja-JP" altLang="en-US" dirty="0"/>
+              <a:t>（初期状態）</a:t>
+            </a:r>
+            <a:br>
+              <a:rPr lang="en-US" altLang="ja-JP" dirty="0"/>
+            </a:br>
+            <a:r>
+              <a:rPr lang="en-US" altLang="ja-JP" dirty="0"/>
+              <a:t>  Poison = 1 &lt;&lt; 0,   //00000001</a:t>
+            </a:r>
+            <a:r>
+              <a:rPr lang="ja-JP" altLang="en-US" dirty="0"/>
+              <a:t>（毒）</a:t>
+            </a:r>
+            <a:br>
+              <a:rPr lang="en-US" altLang="ja-JP" dirty="0"/>
+            </a:br>
+            <a:r>
+              <a:rPr lang="en-US" altLang="ja-JP" dirty="0"/>
+              <a:t>  Sleep = 1 &lt;&lt; 1,    //00000010</a:t>
+            </a:r>
+            <a:r>
+              <a:rPr lang="ja-JP" altLang="en-US" dirty="0"/>
+              <a:t>（眠り）</a:t>
+            </a:r>
+            <a:br>
+              <a:rPr lang="en-US" altLang="ja-JP" dirty="0"/>
+            </a:br>
+            <a:r>
+              <a:rPr lang="en-US" altLang="ja-JP" dirty="0"/>
+              <a:t>  Para = 1 &lt;&lt; 2,     //00000100</a:t>
+            </a:r>
+            <a:r>
+              <a:rPr lang="ja-JP" altLang="en-US" dirty="0"/>
+              <a:t>（麻痺）</a:t>
+            </a:r>
+            <a:br>
+              <a:rPr lang="en-US" altLang="ja-JP" dirty="0"/>
+            </a:br>
+            <a:r>
+              <a:rPr lang="en-US" altLang="ja-JP" dirty="0"/>
+              <a:t>  Burn = 1 &lt;&lt; 3,     //00001000</a:t>
+            </a:r>
+            <a:r>
+              <a:rPr lang="ja-JP" altLang="en-US" dirty="0"/>
+              <a:t>（火傷）</a:t>
+            </a:r>
+            <a:br>
+              <a:rPr lang="en-US" altLang="ja-JP" dirty="0"/>
+            </a:br>
+            <a:r>
+              <a:rPr lang="en-US" altLang="ja-JP" dirty="0"/>
+              <a:t>  </a:t>
+            </a:r>
+            <a:r>
+              <a:rPr lang="en-US" altLang="ja-JP" dirty="0" err="1"/>
+              <a:t>AtkUp</a:t>
+            </a:r>
+            <a:r>
+              <a:rPr lang="en-US" altLang="ja-JP" dirty="0"/>
+              <a:t> = 1 &lt;&lt; 4,    //00010000</a:t>
+            </a:r>
+            <a:r>
+              <a:rPr lang="ja-JP" altLang="en-US" dirty="0"/>
+              <a:t>（攻撃力アップ）</a:t>
+            </a:r>
+            <a:br>
+              <a:rPr lang="en-US" altLang="ja-JP" dirty="0"/>
+            </a:br>
+            <a:r>
+              <a:rPr lang="en-US" altLang="ja-JP" dirty="0"/>
+              <a:t>  </a:t>
+            </a:r>
+            <a:r>
+              <a:rPr lang="en-US" altLang="ja-JP" dirty="0" err="1"/>
+              <a:t>AtkDown</a:t>
+            </a:r>
+            <a:r>
+              <a:rPr lang="en-US" altLang="ja-JP" dirty="0"/>
+              <a:t> = 1 &lt;&lt; 5   //00100000</a:t>
+            </a:r>
+            <a:r>
+              <a:rPr lang="ja-JP" altLang="en-US" dirty="0"/>
+              <a:t>（攻撃力ダウン）</a:t>
+            </a:r>
+            <a:br>
+              <a:rPr lang="en-US" altLang="ja-JP" dirty="0"/>
+            </a:br>
+            <a:r>
+              <a:rPr lang="en-US" altLang="ja-JP" dirty="0"/>
+              <a:t>};</a:t>
+            </a:r>
+            <a:endParaRPr kumimoji="1" lang="en-US" altLang="ja-JP" dirty="0"/>
+          </a:p>
+        </p:txBody>
+      </p:sp>
+    </p:spTree>
+    <p:extLst>
+      <p:ext uri="{BB962C8B-B14F-4D97-AF65-F5344CB8AC3E}">
+        <p14:creationId xmlns:p14="http://schemas.microsoft.com/office/powerpoint/2010/main" val="116326396"/>
+      </p:ext>
+    </p:extLst>
+  </p:cSld>
+  <p:clrMapOvr>
+    <a:masterClrMapping/>
+  </p:clrMapOvr>
+</p:sld>
+</file>
+
+<file path=ppt/slides/slide16.xml><?xml version="1.0" encoding="utf-8"?>
+<p:sld xmlns:a="http://schemas.openxmlformats.org/drawingml/2006/main" xmlns:r="http://schemas.openxmlformats.org/officeDocument/2006/relationships" xmlns:p="http://schemas.openxmlformats.org/presentationml/2006/main">
+  <p:cSld>
+    <p:spTree>
+      <p:nvGrpSpPr>
+        <p:cNvPr id="1" name=""/>
+        <p:cNvGrpSpPr/>
+        <p:nvPr/>
+      </p:nvGrpSpPr>
+      <p:grpSpPr>
+        <a:xfrm>
+          <a:off x="0" y="0"/>
+          <a:ext cx="0" cy="0"/>
+          <a:chOff x="0" y="0"/>
+          <a:chExt cx="0" cy="0"/>
+        </a:xfrm>
+      </p:grpSpPr>
+      <p:sp>
+        <p:nvSpPr>
+          <p:cNvPr id="2" name="タイトル 1">
+            <a:extLst>
+              <a:ext uri="{FF2B5EF4-FFF2-40B4-BE49-F238E27FC236}">
+                <a16:creationId xmlns:a16="http://schemas.microsoft.com/office/drawing/2014/main" id="{5B438378-E70B-D0A9-515C-B6E7AECAD9F8}"/>
+              </a:ext>
+            </a:extLst>
+          </p:cNvPr>
+          <p:cNvSpPr>
+            <a:spLocks noGrp="1"/>
+          </p:cNvSpPr>
+          <p:nvPr>
+            <p:ph type="title"/>
+          </p:nvPr>
+        </p:nvSpPr>
+        <p:spPr/>
+        <p:txBody>
+          <a:bodyPr/>
+          <a:lstStyle/>
+          <a:p>
+            <a:r>
+              <a:rPr kumimoji="1" lang="en-US" altLang="ja-JP" dirty="0" err="1"/>
+              <a:t>bit.c</a:t>
+            </a:r>
+            <a:endParaRPr kumimoji="1" lang="ja-JP" altLang="en-US" dirty="0"/>
+          </a:p>
+        </p:txBody>
+      </p:sp>
+      <p:sp>
+        <p:nvSpPr>
+          <p:cNvPr id="3" name="コンテンツ プレースホルダー 2">
+            <a:extLst>
+              <a:ext uri="{FF2B5EF4-FFF2-40B4-BE49-F238E27FC236}">
+                <a16:creationId xmlns:a16="http://schemas.microsoft.com/office/drawing/2014/main" id="{4EB2B356-EDF6-25E4-62BF-DBB51B977CFA}"/>
+              </a:ext>
+            </a:extLst>
+          </p:cNvPr>
+          <p:cNvSpPr>
+            <a:spLocks noGrp="1"/>
+          </p:cNvSpPr>
+          <p:nvPr>
+            <p:ph idx="1"/>
+          </p:nvPr>
+        </p:nvSpPr>
+        <p:spPr>
+          <a:ln>
+            <a:solidFill>
+              <a:schemeClr val="tx1"/>
+            </a:solidFill>
+          </a:ln>
+        </p:spPr>
+        <p:txBody>
+          <a:bodyPr>
+            <a:normAutofit/>
+          </a:bodyPr>
+          <a:lstStyle/>
+          <a:p>
+            <a:pPr marL="0" indent="0">
+              <a:buNone/>
+            </a:pPr>
+            <a:r>
+              <a:rPr lang="en-US" altLang="ja-JP" dirty="0"/>
+              <a:t>//</a:t>
+            </a:r>
+            <a:r>
+              <a:rPr lang="ja-JP" altLang="en-US" dirty="0"/>
+              <a:t>符号無し整数を </a:t>
+            </a:r>
+            <a:r>
+              <a:rPr lang="en-US" altLang="ja-JP" dirty="0"/>
+              <a:t>UINT </a:t>
+            </a:r>
+            <a:r>
+              <a:rPr lang="ja-JP" altLang="en-US" dirty="0"/>
+              <a:t>という別名で定義</a:t>
+            </a:r>
+            <a:br>
+              <a:rPr lang="en-US" altLang="ja-JP" dirty="0"/>
+            </a:br>
+            <a:r>
+              <a:rPr kumimoji="1" lang="en-US" altLang="ja-JP" dirty="0"/>
+              <a:t>typedef unsigned int UINT; </a:t>
+            </a:r>
+            <a:br>
+              <a:rPr kumimoji="1" lang="en-US" altLang="ja-JP" dirty="0"/>
+            </a:br>
+            <a:br>
+              <a:rPr kumimoji="1" lang="en-US" altLang="ja-JP" dirty="0"/>
+            </a:br>
+            <a:r>
+              <a:rPr kumimoji="1" lang="en-US" altLang="ja-JP" dirty="0"/>
+              <a:t>void </a:t>
+            </a:r>
+            <a:r>
+              <a:rPr lang="en-US" altLang="ja-JP" dirty="0" err="1"/>
+              <a:t>d</a:t>
+            </a:r>
+            <a:r>
+              <a:rPr kumimoji="1" lang="en-US" altLang="ja-JP" dirty="0" err="1"/>
+              <a:t>ispStatus</a:t>
+            </a:r>
+            <a:r>
+              <a:rPr kumimoji="1" lang="en-US" altLang="ja-JP" dirty="0"/>
+              <a:t>(UINT);</a:t>
+            </a:r>
+            <a:br>
+              <a:rPr kumimoji="1" lang="en-US" altLang="ja-JP" dirty="0"/>
+            </a:br>
+            <a:br>
+              <a:rPr kumimoji="1" lang="en-US" altLang="ja-JP" dirty="0"/>
+            </a:br>
+            <a:r>
+              <a:rPr kumimoji="1" lang="en-US" altLang="ja-JP" dirty="0"/>
+              <a:t>main(){</a:t>
+            </a:r>
+            <a:br>
+              <a:rPr kumimoji="1" lang="en-US" altLang="ja-JP" dirty="0"/>
+            </a:br>
+            <a:r>
+              <a:rPr kumimoji="1" lang="en-US" altLang="ja-JP" dirty="0"/>
+              <a:t>  //</a:t>
+            </a:r>
+            <a:r>
+              <a:rPr kumimoji="1" lang="ja-JP" altLang="en-US" dirty="0"/>
+              <a:t>符号無し整数 </a:t>
+            </a:r>
+            <a:r>
+              <a:rPr kumimoji="1" lang="en-US" altLang="ja-JP" dirty="0"/>
+              <a:t>Status </a:t>
+            </a:r>
+            <a:r>
+              <a:rPr kumimoji="1" lang="ja-JP" altLang="en-US" dirty="0"/>
+              <a:t>を宣言して </a:t>
+            </a:r>
+            <a:r>
+              <a:rPr kumimoji="1" lang="en-US" altLang="ja-JP" dirty="0"/>
+              <a:t>Base(0) </a:t>
+            </a:r>
+            <a:r>
+              <a:rPr kumimoji="1" lang="ja-JP" altLang="en-US" dirty="0"/>
+              <a:t>を代入</a:t>
+            </a:r>
+            <a:br>
+              <a:rPr kumimoji="1" lang="en-US" altLang="ja-JP" dirty="0"/>
+            </a:br>
+            <a:r>
+              <a:rPr kumimoji="1" lang="en-US" altLang="ja-JP" dirty="0"/>
+              <a:t>  UINT Status = Base;</a:t>
+            </a:r>
+            <a:br>
+              <a:rPr kumimoji="1" lang="en-US" altLang="ja-JP" dirty="0"/>
+            </a:br>
+            <a:br>
+              <a:rPr kumimoji="1" lang="en-US" altLang="ja-JP" dirty="0"/>
+            </a:br>
+            <a:r>
+              <a:rPr kumimoji="1" lang="ja-JP" altLang="en-US" dirty="0"/>
+              <a:t>　　</a:t>
+            </a:r>
+            <a:r>
+              <a:rPr kumimoji="1" lang="en-US" altLang="ja-JP" dirty="0"/>
+              <a:t>//</a:t>
+            </a:r>
+            <a:r>
+              <a:rPr lang="ja-JP" altLang="en-US" dirty="0"/>
+              <a:t>現在の状態を表示</a:t>
+            </a:r>
+            <a:br>
+              <a:rPr lang="en-US" altLang="ja-JP" dirty="0"/>
+            </a:br>
+            <a:r>
+              <a:rPr lang="en-US" altLang="ja-JP" dirty="0"/>
+              <a:t>  </a:t>
+            </a:r>
+            <a:r>
+              <a:rPr lang="en-US" altLang="ja-JP" dirty="0" err="1"/>
+              <a:t>dispStatus</a:t>
+            </a:r>
+            <a:r>
+              <a:rPr lang="en-US" altLang="ja-JP" dirty="0"/>
+              <a:t>(Status);</a:t>
+            </a:r>
+            <a:br>
+              <a:rPr lang="en-US" altLang="ja-JP" dirty="0"/>
+            </a:br>
+            <a:r>
+              <a:rPr lang="en-US" altLang="ja-JP" dirty="0"/>
+              <a:t>}</a:t>
+            </a:r>
+            <a:endParaRPr kumimoji="1" lang="en-US" altLang="ja-JP" dirty="0"/>
+          </a:p>
+        </p:txBody>
+      </p:sp>
+    </p:spTree>
+    <p:extLst>
+      <p:ext uri="{BB962C8B-B14F-4D97-AF65-F5344CB8AC3E}">
+        <p14:creationId xmlns:p14="http://schemas.microsoft.com/office/powerpoint/2010/main" val="3751235989"/>
+      </p:ext>
+    </p:extLst>
+  </p:cSld>
+  <p:clrMapOvr>
+    <a:masterClrMapping/>
+  </p:clrMapOvr>
+</p:sld>
+</file>
+
+<file path=ppt/slides/slide17.xml><?xml version="1.0" encoding="utf-8"?>
+<p:sld xmlns:a="http://schemas.openxmlformats.org/drawingml/2006/main" xmlns:r="http://schemas.openxmlformats.org/officeDocument/2006/relationships" xmlns:p="http://schemas.openxmlformats.org/presentationml/2006/main">
+  <p:cSld>
+    <p:spTree>
+      <p:nvGrpSpPr>
+        <p:cNvPr id="1" name=""/>
+        <p:cNvGrpSpPr/>
+        <p:nvPr/>
+      </p:nvGrpSpPr>
+      <p:grpSpPr>
+        <a:xfrm>
+          <a:off x="0" y="0"/>
+          <a:ext cx="0" cy="0"/>
+          <a:chOff x="0" y="0"/>
+          <a:chExt cx="0" cy="0"/>
+        </a:xfrm>
+      </p:grpSpPr>
+      <p:sp>
+        <p:nvSpPr>
+          <p:cNvPr id="2" name="タイトル 1">
+            <a:extLst>
+              <a:ext uri="{FF2B5EF4-FFF2-40B4-BE49-F238E27FC236}">
+                <a16:creationId xmlns:a16="http://schemas.microsoft.com/office/drawing/2014/main" id="{5B438378-E70B-D0A9-515C-B6E7AECAD9F8}"/>
+              </a:ext>
+            </a:extLst>
+          </p:cNvPr>
+          <p:cNvSpPr>
+            <a:spLocks noGrp="1"/>
+          </p:cNvSpPr>
+          <p:nvPr>
+            <p:ph type="title"/>
+          </p:nvPr>
+        </p:nvSpPr>
+        <p:spPr/>
+        <p:txBody>
+          <a:bodyPr/>
+          <a:lstStyle/>
+          <a:p>
+            <a:r>
+              <a:rPr kumimoji="1" lang="en-US" altLang="ja-JP" dirty="0" err="1"/>
+              <a:t>bit.c</a:t>
+            </a:r>
+            <a:endParaRPr kumimoji="1" lang="ja-JP" altLang="en-US" dirty="0"/>
+          </a:p>
+        </p:txBody>
+      </p:sp>
+      <p:sp>
+        <p:nvSpPr>
+          <p:cNvPr id="3" name="コンテンツ プレースホルダー 2">
+            <a:extLst>
+              <a:ext uri="{FF2B5EF4-FFF2-40B4-BE49-F238E27FC236}">
+                <a16:creationId xmlns:a16="http://schemas.microsoft.com/office/drawing/2014/main" id="{4EB2B356-EDF6-25E4-62BF-DBB51B977CFA}"/>
+              </a:ext>
+            </a:extLst>
+          </p:cNvPr>
+          <p:cNvSpPr>
+            <a:spLocks noGrp="1"/>
+          </p:cNvSpPr>
+          <p:nvPr>
+            <p:ph idx="1"/>
+          </p:nvPr>
+        </p:nvSpPr>
+        <p:spPr>
+          <a:ln>
+            <a:solidFill>
+              <a:schemeClr val="tx1"/>
+            </a:solidFill>
+          </a:ln>
+        </p:spPr>
+        <p:txBody>
+          <a:bodyPr>
+            <a:normAutofit lnSpcReduction="10000"/>
+          </a:bodyPr>
+          <a:lstStyle/>
+          <a:p>
+            <a:pPr marL="0" indent="0">
+              <a:buNone/>
+            </a:pPr>
+            <a:r>
+              <a:rPr lang="en-US" altLang="ja-JP" dirty="0" err="1"/>
+              <a:t>dispStatus</a:t>
+            </a:r>
+            <a:r>
+              <a:rPr kumimoji="1" lang="en-US" altLang="ja-JP" dirty="0"/>
+              <a:t>(){</a:t>
+            </a:r>
+            <a:br>
+              <a:rPr kumimoji="1" lang="en-US" altLang="ja-JP" dirty="0"/>
+            </a:br>
+            <a:r>
+              <a:rPr kumimoji="1" lang="en-US" altLang="ja-JP" dirty="0"/>
+              <a:t>  </a:t>
+            </a:r>
+            <a:r>
+              <a:rPr lang="en-US" altLang="ja-JP" dirty="0" err="1"/>
+              <a:t>printf</a:t>
+            </a:r>
+            <a:r>
+              <a:rPr lang="en-US" altLang="ja-JP" dirty="0"/>
+              <a:t>(“****</a:t>
+            </a:r>
+            <a:r>
+              <a:rPr lang="ja-JP" altLang="en-US" dirty="0"/>
+              <a:t>現在の状態****</a:t>
+            </a:r>
+            <a:r>
+              <a:rPr lang="en-US" altLang="ja-JP" dirty="0"/>
+              <a:t>\n”);</a:t>
+            </a:r>
+            <a:br>
+              <a:rPr lang="en-US" altLang="ja-JP" dirty="0"/>
+            </a:br>
+            <a:r>
+              <a:rPr lang="en-US" altLang="ja-JP" dirty="0"/>
+              <a:t>  //</a:t>
+            </a:r>
+            <a:r>
+              <a:rPr lang="ja-JP" altLang="en-US" dirty="0"/>
+              <a:t>各状態をビットの</a:t>
+            </a:r>
+            <a:r>
+              <a:rPr lang="en-US" altLang="ja-JP" dirty="0"/>
+              <a:t>AND</a:t>
+            </a:r>
+            <a:r>
+              <a:rPr lang="ja-JP" altLang="en-US" dirty="0"/>
+              <a:t>演算でチェック</a:t>
+            </a:r>
+            <a:br>
+              <a:rPr lang="en-US" altLang="ja-JP" dirty="0"/>
+            </a:br>
+            <a:r>
+              <a:rPr lang="en-US" altLang="ja-JP" dirty="0"/>
+              <a:t>  if (s &amp; Poison) {</a:t>
+            </a:r>
+            <a:br>
+              <a:rPr lang="en-US" altLang="ja-JP" dirty="0"/>
+            </a:br>
+            <a:r>
+              <a:rPr lang="en-US" altLang="ja-JP" dirty="0"/>
+              <a:t>    </a:t>
+            </a:r>
+            <a:r>
+              <a:rPr lang="en-US" altLang="ja-JP" dirty="0" err="1"/>
+              <a:t>printf</a:t>
+            </a:r>
+            <a:r>
+              <a:rPr lang="en-US" altLang="ja-JP" dirty="0"/>
+              <a:t>(“</a:t>
+            </a:r>
+            <a:r>
+              <a:rPr lang="ja-JP" altLang="en-US" dirty="0"/>
+              <a:t>毒 </a:t>
+            </a:r>
+            <a:r>
+              <a:rPr lang="en-US" altLang="ja-JP" dirty="0"/>
+              <a:t>”);</a:t>
+            </a:r>
+            <a:br>
+              <a:rPr lang="en-US" altLang="ja-JP" dirty="0"/>
+            </a:br>
+            <a:r>
+              <a:rPr lang="en-US" altLang="ja-JP" dirty="0"/>
+              <a:t>  }</a:t>
+            </a:r>
+            <a:br>
+              <a:rPr lang="en-US" altLang="ja-JP" dirty="0"/>
+            </a:br>
+            <a:br>
+              <a:rPr lang="en-US" altLang="ja-JP" dirty="0"/>
+            </a:br>
+            <a:r>
+              <a:rPr lang="en-US" altLang="ja-JP" dirty="0"/>
+              <a:t>  if (s &amp; Sleep) {</a:t>
+            </a:r>
+            <a:br>
+              <a:rPr lang="en-US" altLang="ja-JP" dirty="0"/>
+            </a:br>
+            <a:r>
+              <a:rPr lang="en-US" altLang="ja-JP" dirty="0"/>
+              <a:t>    </a:t>
+            </a:r>
+            <a:r>
+              <a:rPr lang="en-US" altLang="ja-JP" dirty="0" err="1"/>
+              <a:t>printf</a:t>
+            </a:r>
+            <a:r>
+              <a:rPr lang="en-US" altLang="ja-JP" dirty="0"/>
+              <a:t>(“</a:t>
+            </a:r>
+            <a:r>
+              <a:rPr lang="ja-JP" altLang="en-US" dirty="0"/>
+              <a:t>眠り </a:t>
+            </a:r>
+            <a:r>
+              <a:rPr lang="en-US" altLang="ja-JP" dirty="0"/>
+              <a:t>”);</a:t>
+            </a:r>
+            <a:br>
+              <a:rPr lang="en-US" altLang="ja-JP" dirty="0"/>
+            </a:br>
+            <a:r>
+              <a:rPr lang="en-US" altLang="ja-JP" dirty="0"/>
+              <a:t>  }</a:t>
+            </a:r>
+            <a:br>
+              <a:rPr lang="en-US" altLang="ja-JP" dirty="0"/>
+            </a:br>
+            <a:br>
+              <a:rPr lang="en-US" altLang="ja-JP" dirty="0"/>
+            </a:br>
+            <a:r>
+              <a:rPr lang="en-US" altLang="ja-JP" dirty="0"/>
+              <a:t>  if (s &amp; Para) {</a:t>
+            </a:r>
+            <a:br>
+              <a:rPr lang="en-US" altLang="ja-JP" dirty="0"/>
+            </a:br>
+            <a:r>
+              <a:rPr lang="en-US" altLang="ja-JP" dirty="0"/>
+              <a:t>    </a:t>
+            </a:r>
+            <a:r>
+              <a:rPr lang="en-US" altLang="ja-JP" dirty="0" err="1"/>
+              <a:t>printf</a:t>
+            </a:r>
+            <a:r>
+              <a:rPr lang="en-US" altLang="ja-JP" dirty="0"/>
+              <a:t>(“</a:t>
+            </a:r>
+            <a:r>
+              <a:rPr lang="ja-JP" altLang="en-US" dirty="0"/>
+              <a:t>麻痺 </a:t>
+            </a:r>
+            <a:r>
+              <a:rPr lang="en-US" altLang="ja-JP" dirty="0"/>
+              <a:t>");</a:t>
+            </a:r>
+            <a:br>
+              <a:rPr lang="en-US" altLang="ja-JP" dirty="0"/>
+            </a:br>
+            <a:r>
+              <a:rPr lang="en-US" altLang="ja-JP" dirty="0"/>
+              <a:t>  }</a:t>
+            </a:r>
+            <a:endParaRPr kumimoji="1" lang="en-US" altLang="ja-JP" dirty="0"/>
+          </a:p>
+        </p:txBody>
+      </p:sp>
+    </p:spTree>
+    <p:extLst>
+      <p:ext uri="{BB962C8B-B14F-4D97-AF65-F5344CB8AC3E}">
+        <p14:creationId xmlns:p14="http://schemas.microsoft.com/office/powerpoint/2010/main" val="3399837628"/>
+      </p:ext>
+    </p:extLst>
+  </p:cSld>
+  <p:clrMapOvr>
+    <a:masterClrMapping/>
+  </p:clrMapOvr>
+</p:sld>
+</file>
+
+<file path=ppt/slides/slide18.xml><?xml version="1.0" encoding="utf-8"?>
+<p:sld xmlns:a="http://schemas.openxmlformats.org/drawingml/2006/main" xmlns:r="http://schemas.openxmlformats.org/officeDocument/2006/relationships" xmlns:p="http://schemas.openxmlformats.org/presentationml/2006/main">
+  <p:cSld>
+    <p:spTree>
+      <p:nvGrpSpPr>
+        <p:cNvPr id="1" name=""/>
+        <p:cNvGrpSpPr/>
+        <p:nvPr/>
+      </p:nvGrpSpPr>
+      <p:grpSpPr>
+        <a:xfrm>
+          <a:off x="0" y="0"/>
+          <a:ext cx="0" cy="0"/>
+          <a:chOff x="0" y="0"/>
+          <a:chExt cx="0" cy="0"/>
+        </a:xfrm>
+      </p:grpSpPr>
+      <p:sp>
+        <p:nvSpPr>
+          <p:cNvPr id="2" name="タイトル 1">
+            <a:extLst>
+              <a:ext uri="{FF2B5EF4-FFF2-40B4-BE49-F238E27FC236}">
+                <a16:creationId xmlns:a16="http://schemas.microsoft.com/office/drawing/2014/main" id="{5B438378-E70B-D0A9-515C-B6E7AECAD9F8}"/>
+              </a:ext>
+            </a:extLst>
+          </p:cNvPr>
+          <p:cNvSpPr>
+            <a:spLocks noGrp="1"/>
+          </p:cNvSpPr>
+          <p:nvPr>
+            <p:ph type="title"/>
+          </p:nvPr>
+        </p:nvSpPr>
+        <p:spPr/>
+        <p:txBody>
+          <a:bodyPr/>
+          <a:lstStyle/>
+          <a:p>
+            <a:r>
+              <a:rPr kumimoji="1" lang="en-US" altLang="ja-JP" dirty="0" err="1"/>
+              <a:t>bit.c</a:t>
+            </a:r>
+            <a:endParaRPr kumimoji="1" lang="ja-JP" altLang="en-US" dirty="0"/>
+          </a:p>
+        </p:txBody>
+      </p:sp>
+      <p:sp>
+        <p:nvSpPr>
+          <p:cNvPr id="3" name="コンテンツ プレースホルダー 2">
+            <a:extLst>
+              <a:ext uri="{FF2B5EF4-FFF2-40B4-BE49-F238E27FC236}">
+                <a16:creationId xmlns:a16="http://schemas.microsoft.com/office/drawing/2014/main" id="{4EB2B356-EDF6-25E4-62BF-DBB51B977CFA}"/>
+              </a:ext>
+            </a:extLst>
+          </p:cNvPr>
+          <p:cNvSpPr>
+            <a:spLocks noGrp="1"/>
+          </p:cNvSpPr>
+          <p:nvPr>
+            <p:ph idx="1"/>
+          </p:nvPr>
+        </p:nvSpPr>
+        <p:spPr>
+          <a:ln>
+            <a:solidFill>
+              <a:schemeClr val="tx1"/>
+            </a:solidFill>
+          </a:ln>
+        </p:spPr>
+        <p:txBody>
+          <a:bodyPr>
+            <a:normAutofit/>
+          </a:bodyPr>
+          <a:lstStyle/>
+          <a:p>
+            <a:pPr marL="0" indent="0">
+              <a:buNone/>
+            </a:pPr>
+            <a:r>
+              <a:rPr lang="en-US" altLang="ja-JP" dirty="0"/>
+              <a:t>  if (s &amp; Burn) {</a:t>
+            </a:r>
+            <a:br>
+              <a:rPr lang="en-US" altLang="ja-JP" dirty="0"/>
+            </a:br>
+            <a:r>
+              <a:rPr lang="en-US" altLang="ja-JP" dirty="0"/>
+              <a:t>    </a:t>
+            </a:r>
+            <a:r>
+              <a:rPr lang="en-US" altLang="ja-JP" dirty="0" err="1"/>
+              <a:t>printf</a:t>
+            </a:r>
+            <a:r>
+              <a:rPr lang="en-US" altLang="ja-JP" dirty="0"/>
+              <a:t>(“</a:t>
+            </a:r>
+            <a:r>
+              <a:rPr lang="ja-JP" altLang="en-US" dirty="0"/>
+              <a:t>火傷 </a:t>
+            </a:r>
+            <a:r>
+              <a:rPr lang="en-US" altLang="ja-JP" dirty="0"/>
+              <a:t>”);</a:t>
+            </a:r>
+            <a:br>
+              <a:rPr lang="en-US" altLang="ja-JP" dirty="0"/>
+            </a:br>
+            <a:r>
+              <a:rPr lang="en-US" altLang="ja-JP" dirty="0"/>
+              <a:t>  }</a:t>
+            </a:r>
+            <a:br>
+              <a:rPr lang="en-US" altLang="ja-JP" dirty="0"/>
+            </a:br>
+            <a:br>
+              <a:rPr lang="en-US" altLang="ja-JP" dirty="0"/>
+            </a:br>
+            <a:r>
+              <a:rPr lang="en-US" altLang="ja-JP" dirty="0"/>
+              <a:t>  if (s &amp; </a:t>
+            </a:r>
+            <a:r>
+              <a:rPr lang="en-US" altLang="ja-JP" dirty="0" err="1"/>
+              <a:t>AtkUp</a:t>
+            </a:r>
+            <a:r>
+              <a:rPr lang="en-US" altLang="ja-JP" dirty="0"/>
+              <a:t>) {</a:t>
+            </a:r>
+            <a:br>
+              <a:rPr lang="en-US" altLang="ja-JP" dirty="0"/>
+            </a:br>
+            <a:r>
+              <a:rPr lang="en-US" altLang="ja-JP" dirty="0"/>
+              <a:t>    </a:t>
+            </a:r>
+            <a:r>
+              <a:rPr lang="en-US" altLang="ja-JP" dirty="0" err="1"/>
+              <a:t>printf</a:t>
+            </a:r>
+            <a:r>
+              <a:rPr lang="en-US" altLang="ja-JP" dirty="0"/>
+              <a:t>(“</a:t>
+            </a:r>
+            <a:r>
+              <a:rPr lang="ja-JP" altLang="en-US" dirty="0"/>
+              <a:t>攻撃力アップ </a:t>
+            </a:r>
+            <a:r>
+              <a:rPr lang="en-US" altLang="ja-JP" dirty="0"/>
+              <a:t>”);</a:t>
+            </a:r>
+            <a:br>
+              <a:rPr lang="en-US" altLang="ja-JP" dirty="0"/>
+            </a:br>
+            <a:r>
+              <a:rPr lang="en-US" altLang="ja-JP" dirty="0"/>
+              <a:t>  }</a:t>
+            </a:r>
+            <a:br>
+              <a:rPr lang="en-US" altLang="ja-JP" dirty="0"/>
+            </a:br>
+            <a:br>
+              <a:rPr lang="en-US" altLang="ja-JP" dirty="0"/>
+            </a:br>
+            <a:r>
+              <a:rPr lang="en-US" altLang="ja-JP" dirty="0"/>
+              <a:t>  if (s &amp; Para) {</a:t>
+            </a:r>
+            <a:br>
+              <a:rPr lang="en-US" altLang="ja-JP" dirty="0"/>
+            </a:br>
+            <a:r>
+              <a:rPr lang="en-US" altLang="ja-JP" dirty="0"/>
+              <a:t>    </a:t>
+            </a:r>
+            <a:r>
+              <a:rPr lang="en-US" altLang="ja-JP" dirty="0" err="1"/>
+              <a:t>printf</a:t>
+            </a:r>
+            <a:r>
+              <a:rPr lang="en-US" altLang="ja-JP" dirty="0"/>
+              <a:t>(“</a:t>
+            </a:r>
+            <a:r>
+              <a:rPr lang="ja-JP" altLang="en-US" dirty="0"/>
+              <a:t>攻撃力ダウン </a:t>
+            </a:r>
+            <a:r>
+              <a:rPr lang="en-US" altLang="ja-JP" dirty="0"/>
+              <a:t>");</a:t>
+            </a:r>
+            <a:br>
+              <a:rPr lang="en-US" altLang="ja-JP" dirty="0"/>
+            </a:br>
+            <a:r>
+              <a:rPr lang="en-US" altLang="ja-JP" dirty="0"/>
+              <a:t>  }</a:t>
+            </a:r>
+            <a:br>
+              <a:rPr lang="en-US" altLang="ja-JP" dirty="0"/>
+            </a:br>
+            <a:r>
+              <a:rPr lang="en-US" altLang="ja-JP" dirty="0"/>
+              <a:t>}</a:t>
+            </a:r>
+            <a:endParaRPr kumimoji="1" lang="en-US" altLang="ja-JP" dirty="0"/>
+          </a:p>
+        </p:txBody>
+      </p:sp>
+    </p:spTree>
+    <p:extLst>
+      <p:ext uri="{BB962C8B-B14F-4D97-AF65-F5344CB8AC3E}">
+        <p14:creationId xmlns:p14="http://schemas.microsoft.com/office/powerpoint/2010/main" val="2865523086"/>
+      </p:ext>
+    </p:extLst>
+  </p:cSld>
+  <p:clrMapOvr>
+    <a:masterClrMapping/>
+  </p:clrMapOvr>
+</p:sld>
+</file>
+
+<file path=ppt/slides/slide19.xml><?xml version="1.0" encoding="utf-8"?>
+<p:sld xmlns:a="http://schemas.openxmlformats.org/drawingml/2006/main" xmlns:r="http://schemas.openxmlformats.org/officeDocument/2006/relationships" xmlns:p="http://schemas.openxmlformats.org/presentationml/2006/main">
+  <p:cSld>
+    <p:spTree>
+      <p:nvGrpSpPr>
+        <p:cNvPr id="1" name=""/>
+        <p:cNvGrpSpPr/>
+        <p:nvPr/>
+      </p:nvGrpSpPr>
+      <p:grpSpPr>
+        <a:xfrm>
+          <a:off x="0" y="0"/>
+          <a:ext cx="0" cy="0"/>
+          <a:chOff x="0" y="0"/>
+          <a:chExt cx="0" cy="0"/>
+        </a:xfrm>
+      </p:grpSpPr>
+      <p:sp>
+        <p:nvSpPr>
+          <p:cNvPr id="2" name="タイトル 1">
+            <a:extLst>
+              <a:ext uri="{FF2B5EF4-FFF2-40B4-BE49-F238E27FC236}">
+                <a16:creationId xmlns:a16="http://schemas.microsoft.com/office/drawing/2014/main" id="{5B438378-E70B-D0A9-515C-B6E7AECAD9F8}"/>
+              </a:ext>
+            </a:extLst>
+          </p:cNvPr>
+          <p:cNvSpPr>
+            <a:spLocks noGrp="1"/>
+          </p:cNvSpPr>
+          <p:nvPr>
+            <p:ph type="title"/>
+          </p:nvPr>
+        </p:nvSpPr>
+        <p:spPr/>
+        <p:txBody>
+          <a:bodyPr/>
+          <a:lstStyle/>
+          <a:p>
+            <a:r>
+              <a:rPr kumimoji="1" lang="en-US" altLang="ja-JP" dirty="0" err="1"/>
+              <a:t>bit.c</a:t>
+            </a:r>
+            <a:endParaRPr kumimoji="1" lang="ja-JP" altLang="en-US" dirty="0"/>
+          </a:p>
+        </p:txBody>
+      </p:sp>
+      <p:sp>
+        <p:nvSpPr>
+          <p:cNvPr id="3" name="コンテンツ プレースホルダー 2">
+            <a:extLst>
+              <a:ext uri="{FF2B5EF4-FFF2-40B4-BE49-F238E27FC236}">
+                <a16:creationId xmlns:a16="http://schemas.microsoft.com/office/drawing/2014/main" id="{4EB2B356-EDF6-25E4-62BF-DBB51B977CFA}"/>
+              </a:ext>
+            </a:extLst>
+          </p:cNvPr>
+          <p:cNvSpPr>
+            <a:spLocks noGrp="1"/>
+          </p:cNvSpPr>
+          <p:nvPr>
+            <p:ph idx="1"/>
+          </p:nvPr>
+        </p:nvSpPr>
+        <p:spPr>
+          <a:ln>
+            <a:solidFill>
+              <a:schemeClr val="tx1"/>
+            </a:solidFill>
+          </a:ln>
+        </p:spPr>
+        <p:txBody>
+          <a:bodyPr>
+            <a:normAutofit/>
+          </a:bodyPr>
+          <a:lstStyle/>
+          <a:p>
+            <a:pPr marL="0" indent="0">
+              <a:buNone/>
+            </a:pPr>
+            <a:r>
+              <a:rPr kumimoji="1" lang="en-US" altLang="ja-JP" dirty="0"/>
+              <a:t>main(){</a:t>
+            </a:r>
+            <a:br>
+              <a:rPr kumimoji="1" lang="en-US" altLang="ja-JP" dirty="0"/>
+            </a:br>
+            <a:r>
+              <a:rPr kumimoji="1" lang="en-US" altLang="ja-JP" dirty="0"/>
+              <a:t>  //</a:t>
+            </a:r>
+            <a:r>
+              <a:rPr kumimoji="1" lang="ja-JP" altLang="en-US" dirty="0"/>
+              <a:t>符号無し整数 </a:t>
+            </a:r>
+            <a:r>
+              <a:rPr kumimoji="1" lang="en-US" altLang="ja-JP" dirty="0"/>
+              <a:t>Status </a:t>
+            </a:r>
+            <a:r>
+              <a:rPr kumimoji="1" lang="ja-JP" altLang="en-US" dirty="0"/>
+              <a:t>を宣言して </a:t>
+            </a:r>
+            <a:r>
+              <a:rPr kumimoji="1" lang="en-US" altLang="ja-JP" dirty="0"/>
+              <a:t>Base(0) </a:t>
+            </a:r>
+            <a:r>
+              <a:rPr kumimoji="1" lang="ja-JP" altLang="en-US" dirty="0"/>
+              <a:t>を代入</a:t>
+            </a:r>
+            <a:br>
+              <a:rPr kumimoji="1" lang="en-US" altLang="ja-JP" dirty="0"/>
+            </a:br>
+            <a:r>
+              <a:rPr kumimoji="1" lang="en-US" altLang="ja-JP" dirty="0"/>
+              <a:t>  UINT Status = Base;</a:t>
+            </a:r>
+            <a:br>
+              <a:rPr kumimoji="1" lang="en-US" altLang="ja-JP" dirty="0"/>
+            </a:br>
+            <a:br>
+              <a:rPr kumimoji="1" lang="en-US" altLang="ja-JP" dirty="0"/>
+            </a:br>
+            <a:r>
+              <a:rPr kumimoji="1" lang="en-US" altLang="ja-JP" dirty="0"/>
+              <a:t>  </a:t>
+            </a:r>
+            <a:r>
+              <a:rPr kumimoji="1" lang="en-US" altLang="ja-JP" dirty="0">
+                <a:solidFill>
+                  <a:srgbClr val="FF0000"/>
+                </a:solidFill>
+              </a:rPr>
+              <a:t>//</a:t>
+            </a:r>
+            <a:r>
+              <a:rPr kumimoji="1" lang="ja-JP" altLang="en-US" dirty="0">
+                <a:solidFill>
+                  <a:srgbClr val="FF0000"/>
+                </a:solidFill>
+              </a:rPr>
+              <a:t>毒状態にする（</a:t>
+            </a:r>
+            <a:r>
+              <a:rPr kumimoji="1" lang="en-US" altLang="ja-JP" dirty="0">
+                <a:solidFill>
+                  <a:srgbClr val="FF0000"/>
+                </a:solidFill>
+              </a:rPr>
+              <a:t>Status</a:t>
+            </a:r>
+            <a:r>
+              <a:rPr kumimoji="1" lang="ja-JP" altLang="en-US" dirty="0">
+                <a:solidFill>
+                  <a:srgbClr val="FF0000"/>
+                </a:solidFill>
+              </a:rPr>
+              <a:t>に</a:t>
+            </a:r>
+            <a:r>
+              <a:rPr kumimoji="1" lang="en-US" altLang="ja-JP" dirty="0">
+                <a:solidFill>
+                  <a:srgbClr val="FF0000"/>
+                </a:solidFill>
+              </a:rPr>
+              <a:t>Poison</a:t>
+            </a:r>
+            <a:r>
+              <a:rPr kumimoji="1" lang="ja-JP" altLang="en-US" dirty="0">
+                <a:solidFill>
+                  <a:srgbClr val="FF0000"/>
+                </a:solidFill>
+              </a:rPr>
+              <a:t>を</a:t>
+            </a:r>
+            <a:r>
+              <a:rPr kumimoji="1" lang="en-US" altLang="ja-JP" dirty="0">
+                <a:solidFill>
+                  <a:srgbClr val="FF0000"/>
+                </a:solidFill>
+              </a:rPr>
+              <a:t>OR</a:t>
+            </a:r>
+            <a:r>
+              <a:rPr kumimoji="1" lang="ja-JP" altLang="en-US" dirty="0">
+                <a:solidFill>
+                  <a:srgbClr val="FF0000"/>
+                </a:solidFill>
+              </a:rPr>
+              <a:t>演算）</a:t>
+            </a:r>
+            <a:br>
+              <a:rPr kumimoji="1" lang="en-US" altLang="ja-JP" dirty="0">
+                <a:solidFill>
+                  <a:srgbClr val="FF0000"/>
+                </a:solidFill>
+              </a:rPr>
+            </a:br>
+            <a:r>
+              <a:rPr kumimoji="1" lang="en-US" altLang="ja-JP" dirty="0">
+                <a:solidFill>
+                  <a:srgbClr val="FF0000"/>
+                </a:solidFill>
+              </a:rPr>
+              <a:t>  Status = Status | Poison;</a:t>
+            </a:r>
+            <a:br>
+              <a:rPr kumimoji="1" lang="en-US" altLang="ja-JP" dirty="0">
+                <a:solidFill>
+                  <a:srgbClr val="FF0000"/>
+                </a:solidFill>
+              </a:rPr>
+            </a:br>
+            <a:br>
+              <a:rPr kumimoji="1" lang="en-US" altLang="ja-JP" dirty="0"/>
+            </a:br>
+            <a:r>
+              <a:rPr kumimoji="1" lang="ja-JP" altLang="en-US" dirty="0"/>
+              <a:t>　　</a:t>
+            </a:r>
+            <a:r>
+              <a:rPr kumimoji="1" lang="en-US" altLang="ja-JP" dirty="0"/>
+              <a:t>//</a:t>
+            </a:r>
+            <a:r>
+              <a:rPr lang="ja-JP" altLang="en-US" dirty="0"/>
+              <a:t>現在の状態を表示</a:t>
+            </a:r>
+            <a:br>
+              <a:rPr lang="en-US" altLang="ja-JP" dirty="0"/>
+            </a:br>
+            <a:r>
+              <a:rPr lang="en-US" altLang="ja-JP" dirty="0"/>
+              <a:t>  </a:t>
+            </a:r>
+            <a:r>
+              <a:rPr lang="en-US" altLang="ja-JP" dirty="0" err="1"/>
+              <a:t>dispStatus</a:t>
+            </a:r>
+            <a:r>
+              <a:rPr lang="en-US" altLang="ja-JP" dirty="0"/>
+              <a:t>(Status);</a:t>
+            </a:r>
+            <a:br>
+              <a:rPr lang="en-US" altLang="ja-JP" dirty="0"/>
+            </a:br>
+            <a:r>
+              <a:rPr lang="en-US" altLang="ja-JP" dirty="0"/>
+              <a:t>}</a:t>
+            </a:r>
+            <a:endParaRPr kumimoji="1" lang="en-US" altLang="ja-JP" dirty="0"/>
+          </a:p>
+        </p:txBody>
+      </p:sp>
+    </p:spTree>
+    <p:extLst>
+      <p:ext uri="{BB962C8B-B14F-4D97-AF65-F5344CB8AC3E}">
+        <p14:creationId xmlns:p14="http://schemas.microsoft.com/office/powerpoint/2010/main" val="4061889376"/>
       </p:ext>
     </p:extLst>
   </p:cSld>
@@ -5588,6 +7238,10 @@
           </p:nvPr>
         </p:nvSpPr>
         <p:spPr>
+          <a:xfrm>
+            <a:off x="838200" y="409096"/>
+            <a:ext cx="10515600" cy="689932"/>
+          </a:xfrm>
           <a:prstGeom prst="rect">
             <a:avLst/>
           </a:prstGeom>
@@ -5617,9 +7271,10 @@
               <a:t>▮</a:t>
             </a:r>
             <a:r>
-              <a:rPr spc="-10" dirty="0"/>
-              <a:t>bit01.c</a:t>
-            </a:r>
+              <a:rPr lang="ja-JP" altLang="en-US" spc="-10" dirty="0"/>
+              <a:t>ビット処理</a:t>
+            </a:r>
+            <a:endParaRPr spc="-10" dirty="0"/>
           </a:p>
         </p:txBody>
       </p:sp>
@@ -5632,7 +7287,7 @@
         <p:spPr>
           <a:xfrm>
             <a:off x="881278" y="1594561"/>
-            <a:ext cx="10515600" cy="2470548"/>
+            <a:ext cx="10515600" cy="2968120"/>
           </a:xfrm>
           <a:prstGeom prst="rect">
             <a:avLst/>
@@ -5653,18 +7308,25 @@
               </a:spcBef>
             </a:pPr>
             <a:r>
+              <a:rPr lang="ja-JP" altLang="en-US" sz="3200" spc="-20" dirty="0">
+                <a:latin typeface="+mn-ea"/>
+                <a:cs typeface="ＭＳ ゴシック"/>
+              </a:rPr>
+              <a:t>ゲームの</a:t>
+            </a:r>
+            <a:r>
               <a:rPr sz="3200" spc="-20" dirty="0" err="1">
                 <a:latin typeface="+mn-ea"/>
                 <a:cs typeface="ＭＳ ゴシック"/>
               </a:rPr>
-              <a:t>プログラムの中で</a:t>
+              <a:t>中で</a:t>
             </a:r>
             <a:r>
               <a:rPr lang="ja-JP" altLang="en-US" sz="3200" spc="-20" dirty="0">
                 <a:latin typeface="+mn-ea"/>
                 <a:cs typeface="ＭＳ ゴシック"/>
               </a:rPr>
-              <a:t>状態を管理する</a:t>
+              <a:t>状態を管理するとき</a:t>
             </a:r>
             <a:r>
               <a:rPr lang="ja-JP" altLang="en-US" sz="3200" b="1" u="none" spc="-35" dirty="0">
@@ -5696,14 +7358,14 @@
                 <a:latin typeface="+mn-ea"/>
                 <a:cs typeface="ＭＳ ゴシック"/>
               </a:rPr>
-              <a:t>を持</a:t>
+              <a:t>を</a:t>
             </a:r>
             <a:r>
               <a:rPr lang="ja-JP" altLang="en-US" sz="3200" u="none" spc="-20" dirty="0">
                 <a:latin typeface="+mn-ea"/>
                 <a:cs typeface="ＭＳ ゴシック"/>
               </a:rPr>
-              <a:t>たせ</a:t>
+              <a:t>使用する</a:t>
             </a:r>
             <a:br>
               <a:rPr lang="en-US" altLang="ja-JP" sz="3200" u="none" spc="-20" dirty="0">
@@ -5711,12 +7373,18 @@
                 <a:cs typeface="ＭＳ ゴシック"/>
               </a:rPr>
             </a:br>
+            <a:br>
+              <a:rPr lang="en-US" altLang="ja-JP" sz="3200" u="none" spc="-20" dirty="0">
+                <a:latin typeface="+mn-ea"/>
+                <a:cs typeface="ＭＳ ゴシック"/>
+              </a:rPr>
+            </a:br>
             <a:r>
               <a:rPr lang="ja-JP" altLang="en-US" sz="3200" u="none" spc="-20" dirty="0">
                 <a:latin typeface="+mn-ea"/>
                 <a:cs typeface="ＭＳ ゴシック"/>
               </a:rPr>
-              <a:t>たい場合、</a:t>
+              <a:t>例えば、</a:t>
             </a:r>
             <a:r>
               <a:rPr sz="3200" u="none" spc="-25" dirty="0" err="1">
@@ -5792,22 +7460,20 @@
                 <a:latin typeface="+mn-ea"/>
                 <a:cs typeface="ＭＳ ゴシック"/>
               </a:rPr>
-              <a:t>かで状態を管理することが考えられる</a:t>
-            </a:r>
-            <a:endParaRPr sz="3200" dirty="0">
-              <a:latin typeface="+mn-ea"/>
-              <a:cs typeface="ＭＳ ゴシック"/>
-            </a:endParaRPr>
-          </a:p>
-          <a:p>
-            <a:pPr marL="12700">
-              <a:lnSpc>
-                <a:spcPct val="100000"/>
-              </a:lnSpc>
-              <a:spcBef>
-                <a:spcPts val="3840"/>
-              </a:spcBef>
-            </a:pPr>
+              <a:t>かで状態を管理する方法がある</a:t>
+            </a:r>
+            <a:br>
+              <a:rPr lang="en-US" altLang="ja-JP" sz="3200" spc="-20" dirty="0">
+                <a:latin typeface="+mn-ea"/>
+                <a:cs typeface="ＭＳ ゴシック"/>
+              </a:rPr>
+            </a:br>
+            <a:br>
+              <a:rPr lang="en-US" altLang="ja-JP" sz="3200" spc="-20" dirty="0">
+                <a:latin typeface="+mn-ea"/>
+                <a:cs typeface="ＭＳ ゴシック"/>
+              </a:rPr>
+            </a:br>
             <a:r>
               <a:rPr lang="ja-JP" altLang="en-US" sz="3200" dirty="0">
                 <a:latin typeface="+mn-ea"/>
@@ -5851,7 +7517,7 @@
         </p:nvGrpSpPr>
         <p:grpSpPr>
           <a:xfrm>
-            <a:off x="796798" y="4200728"/>
+            <a:off x="796798" y="4601845"/>
             <a:ext cx="9585325" cy="1951355"/>
             <a:chOff x="796798" y="4585461"/>
             <a:chExt cx="9585325" cy="1951355"/>
@@ -5973,7 +7639,7 @@
         </p:nvSpPr>
         <p:spPr>
           <a:xfrm>
-            <a:off x="881278" y="4258132"/>
+            <a:off x="881278" y="4659249"/>
             <a:ext cx="5277350" cy="627736"/>
           </a:xfrm>
           <a:prstGeom prst="rect">
@@ -6059,7 +7725,7 @@
         </p:nvSpPr>
         <p:spPr>
           <a:xfrm>
-            <a:off x="881278" y="4867377"/>
+            <a:off x="881278" y="5268494"/>
             <a:ext cx="5519522" cy="1243289"/>
           </a:xfrm>
           <a:prstGeom prst="rect">
@@ -6202,7 +7868,7 @@
         </p:nvSpPr>
         <p:spPr>
           <a:xfrm>
-            <a:off x="4082034" y="4258132"/>
+            <a:off x="4082034" y="4659249"/>
             <a:ext cx="6738366" cy="1858842"/>
           </a:xfrm>
           <a:prstGeom prst="rect">
@@ -6344,7 +8010,7 @@
         </p:nvGrpSpPr>
         <p:grpSpPr>
           <a:xfrm>
-            <a:off x="6132593" y="5150721"/>
+            <a:off x="6132593" y="5551838"/>
             <a:ext cx="452755" cy="641985"/>
             <a:chOff x="6132593" y="5150721"/>
             <a:chExt cx="452755" cy="641985"/>
@@ -6482,6 +8148,2125 @@
 </p:sld>
 </file>
 
+<file path=ppt/slides/slide20.xml><?xml version="1.0" encoding="utf-8"?>
+<p:sld xmlns:a="http://schemas.openxmlformats.org/drawingml/2006/main" xmlns:r="http://schemas.openxmlformats.org/officeDocument/2006/relationships" xmlns:p="http://schemas.openxmlformats.org/presentationml/2006/main">
+  <p:cSld>
+    <p:spTree>
+      <p:nvGrpSpPr>
+        <p:cNvPr id="1" name=""/>
+        <p:cNvGrpSpPr/>
+        <p:nvPr/>
+      </p:nvGrpSpPr>
+      <p:grpSpPr>
+        <a:xfrm>
+          <a:off x="0" y="0"/>
+          <a:ext cx="0" cy="0"/>
+          <a:chOff x="0" y="0"/>
+          <a:chExt cx="0" cy="0"/>
+        </a:xfrm>
+      </p:grpSpPr>
+      <p:sp>
+        <p:nvSpPr>
+          <p:cNvPr id="2" name="タイトル 1">
+            <a:extLst>
+              <a:ext uri="{FF2B5EF4-FFF2-40B4-BE49-F238E27FC236}">
+                <a16:creationId xmlns:a16="http://schemas.microsoft.com/office/drawing/2014/main" id="{5B438378-E70B-D0A9-515C-B6E7AECAD9F8}"/>
+              </a:ext>
+            </a:extLst>
+          </p:cNvPr>
+          <p:cNvSpPr>
+            <a:spLocks noGrp="1"/>
+          </p:cNvSpPr>
+          <p:nvPr>
+            <p:ph type="title"/>
+          </p:nvPr>
+        </p:nvSpPr>
+        <p:spPr/>
+        <p:txBody>
+          <a:bodyPr/>
+          <a:lstStyle/>
+          <a:p>
+            <a:r>
+              <a:rPr kumimoji="1" lang="en-US" altLang="ja-JP" dirty="0" err="1"/>
+              <a:t>bit.c</a:t>
+            </a:r>
+            <a:endParaRPr kumimoji="1" lang="ja-JP" altLang="en-US" dirty="0"/>
+          </a:p>
+        </p:txBody>
+      </p:sp>
+      <p:sp>
+        <p:nvSpPr>
+          <p:cNvPr id="3" name="コンテンツ プレースホルダー 2">
+            <a:extLst>
+              <a:ext uri="{FF2B5EF4-FFF2-40B4-BE49-F238E27FC236}">
+                <a16:creationId xmlns:a16="http://schemas.microsoft.com/office/drawing/2014/main" id="{4EB2B356-EDF6-25E4-62BF-DBB51B977CFA}"/>
+              </a:ext>
+            </a:extLst>
+          </p:cNvPr>
+          <p:cNvSpPr>
+            <a:spLocks noGrp="1"/>
+          </p:cNvSpPr>
+          <p:nvPr>
+            <p:ph idx="1"/>
+          </p:nvPr>
+        </p:nvSpPr>
+        <p:spPr>
+          <a:ln>
+            <a:solidFill>
+              <a:schemeClr val="tx1"/>
+            </a:solidFill>
+          </a:ln>
+        </p:spPr>
+        <p:txBody>
+          <a:bodyPr>
+            <a:normAutofit lnSpcReduction="10000"/>
+          </a:bodyPr>
+          <a:lstStyle/>
+          <a:p>
+            <a:pPr marL="0" indent="0">
+              <a:buNone/>
+            </a:pPr>
+            <a:r>
+              <a:rPr kumimoji="1" lang="en-US" altLang="ja-JP" dirty="0"/>
+              <a:t>main(){</a:t>
+            </a:r>
+            <a:br>
+              <a:rPr kumimoji="1" lang="en-US" altLang="ja-JP" dirty="0"/>
+            </a:br>
+            <a:r>
+              <a:rPr kumimoji="1" lang="en-US" altLang="ja-JP" dirty="0"/>
+              <a:t>  //</a:t>
+            </a:r>
+            <a:r>
+              <a:rPr kumimoji="1" lang="ja-JP" altLang="en-US" dirty="0"/>
+              <a:t>符号無し整数 </a:t>
+            </a:r>
+            <a:r>
+              <a:rPr kumimoji="1" lang="en-US" altLang="ja-JP" dirty="0"/>
+              <a:t>Status </a:t>
+            </a:r>
+            <a:r>
+              <a:rPr kumimoji="1" lang="ja-JP" altLang="en-US" dirty="0"/>
+              <a:t>を宣言して </a:t>
+            </a:r>
+            <a:r>
+              <a:rPr kumimoji="1" lang="en-US" altLang="ja-JP" dirty="0"/>
+              <a:t>Base(0) </a:t>
+            </a:r>
+            <a:r>
+              <a:rPr kumimoji="1" lang="ja-JP" altLang="en-US" dirty="0"/>
+              <a:t>を代入</a:t>
+            </a:r>
+            <a:br>
+              <a:rPr kumimoji="1" lang="en-US" altLang="ja-JP" dirty="0"/>
+            </a:br>
+            <a:r>
+              <a:rPr kumimoji="1" lang="en-US" altLang="ja-JP" dirty="0"/>
+              <a:t>  UINT Status = Base;</a:t>
+            </a:r>
+            <a:br>
+              <a:rPr kumimoji="1" lang="en-US" altLang="ja-JP" dirty="0"/>
+            </a:br>
+            <a:br>
+              <a:rPr kumimoji="1" lang="en-US" altLang="ja-JP" dirty="0"/>
+            </a:br>
+            <a:r>
+              <a:rPr kumimoji="1" lang="en-US" altLang="ja-JP" dirty="0"/>
+              <a:t>  //</a:t>
+            </a:r>
+            <a:r>
+              <a:rPr kumimoji="1" lang="ja-JP" altLang="en-US" dirty="0"/>
+              <a:t>毒状態にする（</a:t>
+            </a:r>
+            <a:r>
+              <a:rPr kumimoji="1" lang="en-US" altLang="ja-JP" dirty="0"/>
+              <a:t>Status</a:t>
+            </a:r>
+            <a:r>
+              <a:rPr kumimoji="1" lang="ja-JP" altLang="en-US" dirty="0"/>
+              <a:t>に</a:t>
+            </a:r>
+            <a:r>
+              <a:rPr kumimoji="1" lang="en-US" altLang="ja-JP" dirty="0"/>
+              <a:t>Poison</a:t>
+            </a:r>
+            <a:r>
+              <a:rPr kumimoji="1" lang="ja-JP" altLang="en-US" dirty="0"/>
+              <a:t>を</a:t>
+            </a:r>
+            <a:r>
+              <a:rPr kumimoji="1" lang="en-US" altLang="ja-JP" dirty="0"/>
+              <a:t>OR</a:t>
+            </a:r>
+            <a:r>
+              <a:rPr kumimoji="1" lang="ja-JP" altLang="en-US" dirty="0"/>
+              <a:t>演算）</a:t>
+            </a:r>
+            <a:br>
+              <a:rPr kumimoji="1" lang="en-US" altLang="ja-JP" dirty="0"/>
+            </a:br>
+            <a:r>
+              <a:rPr kumimoji="1" lang="en-US" altLang="ja-JP" dirty="0"/>
+              <a:t>  Status = Status | Poison;</a:t>
+            </a:r>
+            <a:br>
+              <a:rPr lang="en-US" altLang="ja-JP" dirty="0"/>
+            </a:br>
+            <a:br>
+              <a:rPr lang="en-US" altLang="ja-JP" dirty="0"/>
+            </a:br>
+            <a:r>
+              <a:rPr lang="en-US" altLang="ja-JP" dirty="0"/>
+              <a:t>  </a:t>
+            </a:r>
+            <a:r>
+              <a:rPr lang="en-US" altLang="ja-JP" dirty="0">
+                <a:solidFill>
+                  <a:srgbClr val="FF0000"/>
+                </a:solidFill>
+              </a:rPr>
+              <a:t>//</a:t>
+            </a:r>
+            <a:r>
+              <a:rPr lang="ja-JP" altLang="en-US" dirty="0">
+                <a:solidFill>
+                  <a:srgbClr val="FF0000"/>
+                </a:solidFill>
+              </a:rPr>
+              <a:t>火傷状態にする（</a:t>
+            </a:r>
+            <a:r>
+              <a:rPr lang="en-US" altLang="ja-JP" dirty="0">
+                <a:solidFill>
+                  <a:srgbClr val="FF0000"/>
+                </a:solidFill>
+              </a:rPr>
+              <a:t>Status</a:t>
+            </a:r>
+            <a:r>
+              <a:rPr lang="ja-JP" altLang="en-US" dirty="0">
+                <a:solidFill>
+                  <a:srgbClr val="FF0000"/>
+                </a:solidFill>
+              </a:rPr>
+              <a:t>に</a:t>
+            </a:r>
+            <a:r>
+              <a:rPr lang="en-US" altLang="ja-JP" dirty="0">
+                <a:solidFill>
+                  <a:srgbClr val="FF0000"/>
+                </a:solidFill>
+              </a:rPr>
+              <a:t>Burn</a:t>
+            </a:r>
+            <a:r>
+              <a:rPr lang="ja-JP" altLang="en-US" dirty="0">
+                <a:solidFill>
+                  <a:srgbClr val="FF0000"/>
+                </a:solidFill>
+              </a:rPr>
+              <a:t>を</a:t>
+            </a:r>
+            <a:r>
+              <a:rPr lang="en-US" altLang="ja-JP" dirty="0">
+                <a:solidFill>
+                  <a:srgbClr val="FF0000"/>
+                </a:solidFill>
+              </a:rPr>
+              <a:t>OR</a:t>
+            </a:r>
+            <a:r>
+              <a:rPr lang="ja-JP" altLang="en-US" dirty="0">
+                <a:solidFill>
+                  <a:srgbClr val="FF0000"/>
+                </a:solidFill>
+              </a:rPr>
+              <a:t>演算）</a:t>
+            </a:r>
+            <a:br>
+              <a:rPr lang="en-US" altLang="ja-JP" dirty="0">
+                <a:solidFill>
+                  <a:srgbClr val="FF0000"/>
+                </a:solidFill>
+              </a:rPr>
+            </a:br>
+            <a:r>
+              <a:rPr lang="en-US" altLang="ja-JP" dirty="0">
+                <a:solidFill>
+                  <a:srgbClr val="FF0000"/>
+                </a:solidFill>
+              </a:rPr>
+              <a:t>  Status |= Burn;</a:t>
+            </a:r>
+            <a:br>
+              <a:rPr lang="en-US" altLang="ja-JP" dirty="0">
+                <a:solidFill>
+                  <a:srgbClr val="FF0000"/>
+                </a:solidFill>
+              </a:rPr>
+            </a:br>
+            <a:br>
+              <a:rPr kumimoji="1" lang="en-US" altLang="ja-JP" dirty="0"/>
+            </a:br>
+            <a:r>
+              <a:rPr kumimoji="1" lang="ja-JP" altLang="en-US" dirty="0"/>
+              <a:t>　　</a:t>
+            </a:r>
+            <a:r>
+              <a:rPr kumimoji="1" lang="en-US" altLang="ja-JP" dirty="0"/>
+              <a:t>//</a:t>
+            </a:r>
+            <a:r>
+              <a:rPr lang="ja-JP" altLang="en-US" dirty="0"/>
+              <a:t>現在の状態を表示</a:t>
+            </a:r>
+            <a:br>
+              <a:rPr lang="en-US" altLang="ja-JP" dirty="0"/>
+            </a:br>
+            <a:r>
+              <a:rPr lang="en-US" altLang="ja-JP" dirty="0"/>
+              <a:t>  </a:t>
+            </a:r>
+            <a:r>
+              <a:rPr lang="en-US" altLang="ja-JP" dirty="0" err="1"/>
+              <a:t>dispStatus</a:t>
+            </a:r>
+            <a:r>
+              <a:rPr lang="en-US" altLang="ja-JP" dirty="0"/>
+              <a:t>(Status);</a:t>
+            </a:r>
+            <a:br>
+              <a:rPr lang="en-US" altLang="ja-JP" dirty="0"/>
+            </a:br>
+            <a:r>
+              <a:rPr lang="en-US" altLang="ja-JP" dirty="0"/>
+              <a:t>}</a:t>
+            </a:r>
+            <a:endParaRPr kumimoji="1" lang="en-US" altLang="ja-JP" dirty="0"/>
+          </a:p>
+        </p:txBody>
+      </p:sp>
+    </p:spTree>
+    <p:extLst>
+      <p:ext uri="{BB962C8B-B14F-4D97-AF65-F5344CB8AC3E}">
+        <p14:creationId xmlns:p14="http://schemas.microsoft.com/office/powerpoint/2010/main" val="1667843084"/>
+      </p:ext>
+    </p:extLst>
+  </p:cSld>
+  <p:clrMapOvr>
+    <a:masterClrMapping/>
+  </p:clrMapOvr>
+</p:sld>
+</file>
+
+<file path=ppt/slides/slide21.xml><?xml version="1.0" encoding="utf-8"?>
+<p:sld xmlns:a="http://schemas.openxmlformats.org/drawingml/2006/main" xmlns:r="http://schemas.openxmlformats.org/officeDocument/2006/relationships" xmlns:p="http://schemas.openxmlformats.org/presentationml/2006/main">
+  <p:cSld>
+    <p:spTree>
+      <p:nvGrpSpPr>
+        <p:cNvPr id="1" name=""/>
+        <p:cNvGrpSpPr/>
+        <p:nvPr/>
+      </p:nvGrpSpPr>
+      <p:grpSpPr>
+        <a:xfrm>
+          <a:off x="0" y="0"/>
+          <a:ext cx="0" cy="0"/>
+          <a:chOff x="0" y="0"/>
+          <a:chExt cx="0" cy="0"/>
+        </a:xfrm>
+      </p:grpSpPr>
+      <p:sp>
+        <p:nvSpPr>
+          <p:cNvPr id="2" name="タイトル 1">
+            <a:extLst>
+              <a:ext uri="{FF2B5EF4-FFF2-40B4-BE49-F238E27FC236}">
+                <a16:creationId xmlns:a16="http://schemas.microsoft.com/office/drawing/2014/main" id="{5B438378-E70B-D0A9-515C-B6E7AECAD9F8}"/>
+              </a:ext>
+            </a:extLst>
+          </p:cNvPr>
+          <p:cNvSpPr>
+            <a:spLocks noGrp="1"/>
+          </p:cNvSpPr>
+          <p:nvPr>
+            <p:ph type="title"/>
+          </p:nvPr>
+        </p:nvSpPr>
+        <p:spPr/>
+        <p:txBody>
+          <a:bodyPr/>
+          <a:lstStyle/>
+          <a:p>
+            <a:r>
+              <a:rPr kumimoji="1" lang="en-US" altLang="ja-JP" dirty="0" err="1"/>
+              <a:t>bit.c</a:t>
+            </a:r>
+            <a:endParaRPr kumimoji="1" lang="ja-JP" altLang="en-US" dirty="0"/>
+          </a:p>
+        </p:txBody>
+      </p:sp>
+      <p:sp>
+        <p:nvSpPr>
+          <p:cNvPr id="3" name="コンテンツ プレースホルダー 2">
+            <a:extLst>
+              <a:ext uri="{FF2B5EF4-FFF2-40B4-BE49-F238E27FC236}">
+                <a16:creationId xmlns:a16="http://schemas.microsoft.com/office/drawing/2014/main" id="{4EB2B356-EDF6-25E4-62BF-DBB51B977CFA}"/>
+              </a:ext>
+            </a:extLst>
+          </p:cNvPr>
+          <p:cNvSpPr>
+            <a:spLocks noGrp="1"/>
+          </p:cNvSpPr>
+          <p:nvPr>
+            <p:ph idx="1"/>
+          </p:nvPr>
+        </p:nvSpPr>
+        <p:spPr>
+          <a:ln>
+            <a:solidFill>
+              <a:schemeClr val="tx1"/>
+            </a:solidFill>
+          </a:ln>
+        </p:spPr>
+        <p:txBody>
+          <a:bodyPr>
+            <a:normAutofit/>
+          </a:bodyPr>
+          <a:lstStyle/>
+          <a:p>
+            <a:pPr marL="0" indent="0">
+              <a:buNone/>
+            </a:pPr>
+            <a:r>
+              <a:rPr kumimoji="1" lang="en-US" altLang="ja-JP" dirty="0">
+                <a:solidFill>
+                  <a:srgbClr val="FF0000"/>
+                </a:solidFill>
+              </a:rPr>
+              <a:t>void </a:t>
+            </a:r>
+            <a:r>
+              <a:rPr kumimoji="1" lang="en-US" altLang="ja-JP" dirty="0" err="1">
+                <a:solidFill>
+                  <a:srgbClr val="FF0000"/>
+                </a:solidFill>
+              </a:rPr>
+              <a:t>changeStatus</a:t>
+            </a:r>
+            <a:r>
+              <a:rPr kumimoji="1" lang="en-US" altLang="ja-JP" dirty="0">
+                <a:solidFill>
+                  <a:srgbClr val="FF0000"/>
+                </a:solidFill>
+              </a:rPr>
+              <a:t>(UINT*)</a:t>
+            </a:r>
+            <a:br>
+              <a:rPr kumimoji="1" lang="en-US" altLang="ja-JP" dirty="0"/>
+            </a:br>
+            <a:br>
+              <a:rPr kumimoji="1" lang="en-US" altLang="ja-JP" dirty="0"/>
+            </a:br>
+            <a:r>
+              <a:rPr kumimoji="1" lang="en-US" altLang="ja-JP" dirty="0"/>
+              <a:t>main(){</a:t>
+            </a:r>
+            <a:br>
+              <a:rPr kumimoji="1" lang="en-US" altLang="ja-JP" dirty="0"/>
+            </a:br>
+            <a:r>
+              <a:rPr kumimoji="1" lang="en-US" altLang="ja-JP" dirty="0"/>
+              <a:t>  //</a:t>
+            </a:r>
+            <a:r>
+              <a:rPr kumimoji="1" lang="ja-JP" altLang="en-US" dirty="0"/>
+              <a:t>符号無し整数 </a:t>
+            </a:r>
+            <a:r>
+              <a:rPr kumimoji="1" lang="en-US" altLang="ja-JP" dirty="0"/>
+              <a:t>Status </a:t>
+            </a:r>
+            <a:r>
+              <a:rPr kumimoji="1" lang="ja-JP" altLang="en-US" dirty="0"/>
+              <a:t>を宣言して </a:t>
+            </a:r>
+            <a:r>
+              <a:rPr kumimoji="1" lang="en-US" altLang="ja-JP" dirty="0"/>
+              <a:t>Base(0) </a:t>
+            </a:r>
+            <a:r>
+              <a:rPr kumimoji="1" lang="ja-JP" altLang="en-US" dirty="0"/>
+              <a:t>を代入</a:t>
+            </a:r>
+            <a:br>
+              <a:rPr kumimoji="1" lang="en-US" altLang="ja-JP" dirty="0"/>
+            </a:br>
+            <a:r>
+              <a:rPr kumimoji="1" lang="en-US" altLang="ja-JP" dirty="0"/>
+              <a:t>  UINT Status = Base;</a:t>
+            </a:r>
+            <a:br>
+              <a:rPr kumimoji="1" lang="en-US" altLang="ja-JP" dirty="0"/>
+            </a:br>
+            <a:br>
+              <a:rPr kumimoji="1" lang="en-US" altLang="ja-JP" dirty="0"/>
+            </a:br>
+            <a:r>
+              <a:rPr kumimoji="1" lang="en-US" altLang="ja-JP" dirty="0">
+                <a:solidFill>
+                  <a:srgbClr val="FF0000"/>
+                </a:solidFill>
+              </a:rPr>
+              <a:t>  //</a:t>
+            </a:r>
+            <a:r>
+              <a:rPr kumimoji="1" lang="ja-JP" altLang="en-US" dirty="0">
+                <a:solidFill>
+                  <a:srgbClr val="FF0000"/>
+                </a:solidFill>
+              </a:rPr>
+              <a:t>状態を変化させる</a:t>
+            </a:r>
+            <a:br>
+              <a:rPr kumimoji="1" lang="en-US" altLang="ja-JP" dirty="0">
+                <a:solidFill>
+                  <a:srgbClr val="FF0000"/>
+                </a:solidFill>
+              </a:rPr>
+            </a:br>
+            <a:r>
+              <a:rPr kumimoji="1" lang="en-US" altLang="ja-JP" dirty="0">
+                <a:solidFill>
+                  <a:srgbClr val="FF0000"/>
+                </a:solidFill>
+              </a:rPr>
+              <a:t>  </a:t>
+            </a:r>
+            <a:r>
+              <a:rPr kumimoji="1" lang="en-US" altLang="ja-JP" dirty="0" err="1">
+                <a:solidFill>
+                  <a:srgbClr val="FF0000"/>
+                </a:solidFill>
+              </a:rPr>
+              <a:t>changeStatus</a:t>
+            </a:r>
+            <a:r>
+              <a:rPr kumimoji="1" lang="en-US" altLang="ja-JP" dirty="0">
+                <a:solidFill>
+                  <a:srgbClr val="FF0000"/>
+                </a:solidFill>
+              </a:rPr>
+              <a:t>(&amp;Status);</a:t>
+            </a:r>
+            <a:br>
+              <a:rPr lang="en-US" altLang="ja-JP" dirty="0">
+                <a:solidFill>
+                  <a:srgbClr val="FF0000"/>
+                </a:solidFill>
+              </a:rPr>
+            </a:br>
+            <a:br>
+              <a:rPr kumimoji="1" lang="en-US" altLang="ja-JP" dirty="0"/>
+            </a:br>
+            <a:r>
+              <a:rPr kumimoji="1" lang="ja-JP" altLang="en-US" dirty="0"/>
+              <a:t>　　</a:t>
+            </a:r>
+            <a:r>
+              <a:rPr kumimoji="1" lang="en-US" altLang="ja-JP" dirty="0"/>
+              <a:t>//</a:t>
+            </a:r>
+            <a:r>
+              <a:rPr lang="ja-JP" altLang="en-US" dirty="0"/>
+              <a:t>現在の状態を表示</a:t>
+            </a:r>
+            <a:br>
+              <a:rPr lang="en-US" altLang="ja-JP" dirty="0"/>
+            </a:br>
+            <a:r>
+              <a:rPr lang="en-US" altLang="ja-JP" dirty="0"/>
+              <a:t>  </a:t>
+            </a:r>
+            <a:r>
+              <a:rPr lang="en-US" altLang="ja-JP" dirty="0" err="1"/>
+              <a:t>dispStatus</a:t>
+            </a:r>
+            <a:r>
+              <a:rPr lang="en-US" altLang="ja-JP" dirty="0"/>
+              <a:t>(Status);</a:t>
+            </a:r>
+            <a:br>
+              <a:rPr lang="en-US" altLang="ja-JP" dirty="0"/>
+            </a:br>
+            <a:r>
+              <a:rPr lang="en-US" altLang="ja-JP" dirty="0"/>
+              <a:t>}</a:t>
+            </a:r>
+            <a:endParaRPr kumimoji="1" lang="en-US" altLang="ja-JP" dirty="0"/>
+          </a:p>
+        </p:txBody>
+      </p:sp>
+    </p:spTree>
+    <p:extLst>
+      <p:ext uri="{BB962C8B-B14F-4D97-AF65-F5344CB8AC3E}">
+        <p14:creationId xmlns:p14="http://schemas.microsoft.com/office/powerpoint/2010/main" val="1528286512"/>
+      </p:ext>
+    </p:extLst>
+  </p:cSld>
+  <p:clrMapOvr>
+    <a:masterClrMapping/>
+  </p:clrMapOvr>
+</p:sld>
+</file>
+
+<file path=ppt/slides/slide22.xml><?xml version="1.0" encoding="utf-8"?>
+<p:sld xmlns:a="http://schemas.openxmlformats.org/drawingml/2006/main" xmlns:r="http://schemas.openxmlformats.org/officeDocument/2006/relationships" xmlns:p="http://schemas.openxmlformats.org/presentationml/2006/main">
+  <p:cSld>
+    <p:spTree>
+      <p:nvGrpSpPr>
+        <p:cNvPr id="1" name=""/>
+        <p:cNvGrpSpPr/>
+        <p:nvPr/>
+      </p:nvGrpSpPr>
+      <p:grpSpPr>
+        <a:xfrm>
+          <a:off x="0" y="0"/>
+          <a:ext cx="0" cy="0"/>
+          <a:chOff x="0" y="0"/>
+          <a:chExt cx="0" cy="0"/>
+        </a:xfrm>
+      </p:grpSpPr>
+      <p:sp>
+        <p:nvSpPr>
+          <p:cNvPr id="2" name="タイトル 1">
+            <a:extLst>
+              <a:ext uri="{FF2B5EF4-FFF2-40B4-BE49-F238E27FC236}">
+                <a16:creationId xmlns:a16="http://schemas.microsoft.com/office/drawing/2014/main" id="{5B438378-E70B-D0A9-515C-B6E7AECAD9F8}"/>
+              </a:ext>
+            </a:extLst>
+          </p:cNvPr>
+          <p:cNvSpPr>
+            <a:spLocks noGrp="1"/>
+          </p:cNvSpPr>
+          <p:nvPr>
+            <p:ph type="title"/>
+          </p:nvPr>
+        </p:nvSpPr>
+        <p:spPr/>
+        <p:txBody>
+          <a:bodyPr/>
+          <a:lstStyle/>
+          <a:p>
+            <a:r>
+              <a:rPr kumimoji="1" lang="en-US" altLang="ja-JP" dirty="0" err="1"/>
+              <a:t>bit.c</a:t>
+            </a:r>
+            <a:endParaRPr kumimoji="1" lang="ja-JP" altLang="en-US" dirty="0"/>
+          </a:p>
+        </p:txBody>
+      </p:sp>
+      <p:sp>
+        <p:nvSpPr>
+          <p:cNvPr id="3" name="コンテンツ プレースホルダー 2">
+            <a:extLst>
+              <a:ext uri="{FF2B5EF4-FFF2-40B4-BE49-F238E27FC236}">
+                <a16:creationId xmlns:a16="http://schemas.microsoft.com/office/drawing/2014/main" id="{4EB2B356-EDF6-25E4-62BF-DBB51B977CFA}"/>
+              </a:ext>
+            </a:extLst>
+          </p:cNvPr>
+          <p:cNvSpPr>
+            <a:spLocks noGrp="1"/>
+          </p:cNvSpPr>
+          <p:nvPr>
+            <p:ph idx="1"/>
+          </p:nvPr>
+        </p:nvSpPr>
+        <p:spPr>
+          <a:ln>
+            <a:solidFill>
+              <a:schemeClr val="tx1"/>
+            </a:solidFill>
+          </a:ln>
+        </p:spPr>
+        <p:txBody>
+          <a:bodyPr>
+            <a:normAutofit/>
+          </a:bodyPr>
+          <a:lstStyle/>
+          <a:p>
+            <a:pPr marL="0" indent="0">
+              <a:buNone/>
+            </a:pPr>
+            <a:r>
+              <a:rPr lang="en-US" altLang="ja-JP" dirty="0" err="1">
+                <a:solidFill>
+                  <a:srgbClr val="FF0000"/>
+                </a:solidFill>
+              </a:rPr>
+              <a:t>changeStatus</a:t>
+            </a:r>
+            <a:r>
+              <a:rPr kumimoji="1" lang="en-US" altLang="ja-JP" dirty="0">
+                <a:solidFill>
+                  <a:srgbClr val="FF0000"/>
+                </a:solidFill>
+              </a:rPr>
+              <a:t>(UINT* status){</a:t>
+            </a:r>
+            <a:br>
+              <a:rPr kumimoji="1" lang="en-US" altLang="ja-JP" dirty="0">
+                <a:solidFill>
+                  <a:srgbClr val="FF0000"/>
+                </a:solidFill>
+              </a:rPr>
+            </a:br>
+            <a:r>
+              <a:rPr kumimoji="1" lang="en-US" altLang="ja-JP" dirty="0">
+                <a:solidFill>
+                  <a:srgbClr val="FF0000"/>
+                </a:solidFill>
+              </a:rPr>
+              <a:t>  int </a:t>
+            </a:r>
+            <a:r>
+              <a:rPr lang="en-US" altLang="ja-JP" dirty="0">
+                <a:solidFill>
+                  <a:srgbClr val="FF0000"/>
+                </a:solidFill>
+              </a:rPr>
+              <a:t>change;</a:t>
+            </a:r>
+            <a:br>
+              <a:rPr kumimoji="1" lang="en-US" altLang="ja-JP" dirty="0">
+                <a:solidFill>
+                  <a:srgbClr val="FF0000"/>
+                </a:solidFill>
+              </a:rPr>
+            </a:br>
+            <a:r>
+              <a:rPr lang="ja-JP" altLang="en-US" dirty="0">
+                <a:solidFill>
+                  <a:srgbClr val="FF0000"/>
+                </a:solidFill>
+              </a:rPr>
+              <a:t>　</a:t>
+            </a:r>
+            <a:r>
+              <a:rPr lang="en-US" altLang="ja-JP" dirty="0">
+                <a:solidFill>
+                  <a:srgbClr val="FF0000"/>
+                </a:solidFill>
+              </a:rPr>
+              <a:t> </a:t>
+            </a:r>
+            <a:r>
+              <a:rPr lang="en-US" altLang="ja-JP" dirty="0" err="1">
+                <a:solidFill>
+                  <a:srgbClr val="FF0000"/>
+                </a:solidFill>
+              </a:rPr>
+              <a:t>printf</a:t>
+            </a:r>
+            <a:r>
+              <a:rPr lang="en-US" altLang="ja-JP" dirty="0">
+                <a:solidFill>
+                  <a:srgbClr val="FF0000"/>
+                </a:solidFill>
+              </a:rPr>
+              <a:t>(“</a:t>
+            </a:r>
+            <a:r>
+              <a:rPr lang="ja-JP" altLang="en-US" dirty="0">
+                <a:solidFill>
+                  <a:srgbClr val="FF0000"/>
+                </a:solidFill>
+              </a:rPr>
+              <a:t>セットする状態を入力</a:t>
+            </a:r>
+            <a:r>
+              <a:rPr lang="en-US" altLang="ja-JP" dirty="0">
+                <a:solidFill>
+                  <a:srgbClr val="FF0000"/>
+                </a:solidFill>
+              </a:rPr>
+              <a:t>\n”);</a:t>
+            </a:r>
+            <a:r>
+              <a:rPr lang="ja-JP" altLang="en-US" dirty="0">
+                <a:solidFill>
+                  <a:srgbClr val="FF0000"/>
+                </a:solidFill>
+              </a:rPr>
+              <a:t> </a:t>
+            </a:r>
+            <a:br>
+              <a:rPr lang="en-US" altLang="ja-JP" dirty="0">
+                <a:solidFill>
+                  <a:srgbClr val="FF0000"/>
+                </a:solidFill>
+              </a:rPr>
+            </a:br>
+            <a:r>
+              <a:rPr lang="en-US" altLang="ja-JP" dirty="0">
+                <a:solidFill>
+                  <a:srgbClr val="FF0000"/>
+                </a:solidFill>
+              </a:rPr>
+              <a:t>  </a:t>
+            </a:r>
+            <a:r>
+              <a:rPr lang="en-US" altLang="ja-JP" dirty="0" err="1">
+                <a:solidFill>
+                  <a:srgbClr val="FF0000"/>
+                </a:solidFill>
+              </a:rPr>
+              <a:t>printf</a:t>
+            </a:r>
+            <a:r>
+              <a:rPr lang="en-US" altLang="ja-JP" dirty="0">
+                <a:solidFill>
+                  <a:srgbClr val="FF0000"/>
+                </a:solidFill>
+              </a:rPr>
+              <a:t>(“%d:</a:t>
+            </a:r>
+            <a:r>
+              <a:rPr lang="ja-JP" altLang="en-US" dirty="0">
+                <a:solidFill>
+                  <a:srgbClr val="FF0000"/>
+                </a:solidFill>
+              </a:rPr>
+              <a:t>毒 </a:t>
+            </a:r>
+            <a:r>
+              <a:rPr lang="en-US" altLang="ja-JP" dirty="0">
+                <a:solidFill>
+                  <a:srgbClr val="FF0000"/>
+                </a:solidFill>
+              </a:rPr>
+              <a:t>%d:</a:t>
+            </a:r>
+            <a:r>
+              <a:rPr lang="ja-JP" altLang="en-US" dirty="0">
+                <a:solidFill>
+                  <a:srgbClr val="FF0000"/>
+                </a:solidFill>
+              </a:rPr>
+              <a:t>眠り </a:t>
+            </a:r>
+            <a:r>
+              <a:rPr lang="en-US" altLang="ja-JP" dirty="0">
+                <a:solidFill>
+                  <a:srgbClr val="FF0000"/>
+                </a:solidFill>
+              </a:rPr>
+              <a:t>%d:</a:t>
+            </a:r>
+            <a:r>
+              <a:rPr lang="ja-JP" altLang="en-US" dirty="0">
+                <a:solidFill>
+                  <a:srgbClr val="FF0000"/>
+                </a:solidFill>
+              </a:rPr>
+              <a:t>麻痺 </a:t>
+            </a:r>
+            <a:r>
+              <a:rPr lang="en-US" altLang="ja-JP" dirty="0">
+                <a:solidFill>
+                  <a:srgbClr val="FF0000"/>
+                </a:solidFill>
+              </a:rPr>
+              <a:t>%d:</a:t>
+            </a:r>
+            <a:r>
+              <a:rPr lang="ja-JP" altLang="en-US" dirty="0">
+                <a:solidFill>
+                  <a:srgbClr val="FF0000"/>
+                </a:solidFill>
+              </a:rPr>
+              <a:t>火傷 </a:t>
+            </a:r>
+            <a:br>
+              <a:rPr lang="en-US" altLang="ja-JP" dirty="0">
+                <a:solidFill>
+                  <a:srgbClr val="FF0000"/>
+                </a:solidFill>
+              </a:rPr>
+            </a:br>
+            <a:r>
+              <a:rPr lang="en-US" altLang="ja-JP" dirty="0">
+                <a:solidFill>
+                  <a:srgbClr val="FF0000"/>
+                </a:solidFill>
+              </a:rPr>
+              <a:t>          %d:</a:t>
+            </a:r>
+            <a:r>
+              <a:rPr lang="ja-JP" altLang="en-US" dirty="0">
+                <a:solidFill>
+                  <a:srgbClr val="FF0000"/>
+                </a:solidFill>
+              </a:rPr>
+              <a:t>攻撃アップ </a:t>
+            </a:r>
+            <a:r>
+              <a:rPr lang="en-US" altLang="ja-JP" dirty="0">
+                <a:solidFill>
+                  <a:srgbClr val="FF0000"/>
+                </a:solidFill>
+              </a:rPr>
+              <a:t>%d</a:t>
+            </a:r>
+            <a:r>
+              <a:rPr lang="ja-JP" altLang="en-US" dirty="0">
+                <a:solidFill>
+                  <a:srgbClr val="FF0000"/>
+                </a:solidFill>
+              </a:rPr>
+              <a:t>攻撃ダウン＞</a:t>
+            </a:r>
+            <a:r>
+              <a:rPr lang="en-US" altLang="ja-JP" dirty="0">
+                <a:solidFill>
+                  <a:srgbClr val="FF0000"/>
+                </a:solidFill>
+              </a:rPr>
+              <a:t>”</a:t>
+            </a:r>
+            <a:br>
+              <a:rPr lang="en-US" altLang="ja-JP" dirty="0">
+                <a:solidFill>
+                  <a:srgbClr val="FF0000"/>
+                </a:solidFill>
+              </a:rPr>
+            </a:br>
+            <a:r>
+              <a:rPr lang="en-US" altLang="ja-JP" dirty="0">
+                <a:solidFill>
+                  <a:srgbClr val="FF0000"/>
+                </a:solidFill>
+              </a:rPr>
+              <a:t>          ,Poison, Sleep, Para, Burn</a:t>
+            </a:r>
+            <a:br>
+              <a:rPr lang="en-US" altLang="ja-JP" dirty="0">
+                <a:solidFill>
+                  <a:srgbClr val="FF0000"/>
+                </a:solidFill>
+              </a:rPr>
+            </a:br>
+            <a:r>
+              <a:rPr lang="en-US" altLang="ja-JP" dirty="0">
+                <a:solidFill>
+                  <a:srgbClr val="FF0000"/>
+                </a:solidFill>
+              </a:rPr>
+              <a:t>          ,</a:t>
+            </a:r>
+            <a:r>
+              <a:rPr lang="en-US" altLang="ja-JP" dirty="0" err="1">
+                <a:solidFill>
+                  <a:srgbClr val="FF0000"/>
+                </a:solidFill>
+              </a:rPr>
+              <a:t>AtkUp</a:t>
+            </a:r>
+            <a:r>
+              <a:rPr lang="en-US" altLang="ja-JP" dirty="0">
+                <a:solidFill>
+                  <a:srgbClr val="FF0000"/>
+                </a:solidFill>
+              </a:rPr>
+              <a:t>, </a:t>
+            </a:r>
+            <a:r>
+              <a:rPr lang="en-US" altLang="ja-JP" dirty="0" err="1">
+                <a:solidFill>
+                  <a:srgbClr val="FF0000"/>
+                </a:solidFill>
+              </a:rPr>
+              <a:t>AtkDown</a:t>
+            </a:r>
+            <a:r>
+              <a:rPr lang="en-US" altLang="ja-JP" dirty="0">
+                <a:solidFill>
+                  <a:srgbClr val="FF0000"/>
+                </a:solidFill>
+              </a:rPr>
+              <a:t>);</a:t>
+            </a:r>
+            <a:br>
+              <a:rPr lang="en-US" altLang="ja-JP" dirty="0">
+                <a:solidFill>
+                  <a:srgbClr val="FF0000"/>
+                </a:solidFill>
+              </a:rPr>
+            </a:br>
+            <a:r>
+              <a:rPr lang="en-US" altLang="ja-JP" dirty="0">
+                <a:solidFill>
+                  <a:srgbClr val="FF0000"/>
+                </a:solidFill>
+              </a:rPr>
+              <a:t>  </a:t>
+            </a:r>
+            <a:r>
+              <a:rPr lang="en-US" altLang="ja-JP" dirty="0" err="1">
+                <a:solidFill>
+                  <a:srgbClr val="FF0000"/>
+                </a:solidFill>
+              </a:rPr>
+              <a:t>scanf</a:t>
+            </a:r>
+            <a:r>
+              <a:rPr lang="en-US" altLang="ja-JP" dirty="0">
+                <a:solidFill>
+                  <a:srgbClr val="FF0000"/>
+                </a:solidFill>
+              </a:rPr>
+              <a:t>(“%d”, &amp;change);</a:t>
+            </a:r>
+            <a:br>
+              <a:rPr lang="en-US" altLang="ja-JP" dirty="0">
+                <a:solidFill>
+                  <a:srgbClr val="FF0000"/>
+                </a:solidFill>
+              </a:rPr>
+            </a:br>
+            <a:r>
+              <a:rPr lang="en-US" altLang="ja-JP" dirty="0">
+                <a:solidFill>
+                  <a:srgbClr val="FF0000"/>
+                </a:solidFill>
+              </a:rPr>
+              <a:t>  </a:t>
+            </a:r>
+            <a:br>
+              <a:rPr lang="en-US" altLang="ja-JP" dirty="0">
+                <a:solidFill>
+                  <a:srgbClr val="FF0000"/>
+                </a:solidFill>
+              </a:rPr>
+            </a:br>
+            <a:r>
+              <a:rPr lang="en-US" altLang="ja-JP" dirty="0">
+                <a:solidFill>
+                  <a:srgbClr val="FF0000"/>
+                </a:solidFill>
+              </a:rPr>
+              <a:t>  //</a:t>
+            </a:r>
+            <a:r>
+              <a:rPr lang="ja-JP" altLang="en-US" dirty="0">
+                <a:solidFill>
+                  <a:srgbClr val="FF0000"/>
+                </a:solidFill>
+              </a:rPr>
+              <a:t>入力された状態値を</a:t>
+            </a:r>
+            <a:r>
+              <a:rPr lang="en-US" altLang="ja-JP" dirty="0">
+                <a:solidFill>
+                  <a:srgbClr val="FF0000"/>
+                </a:solidFill>
+              </a:rPr>
+              <a:t>OR</a:t>
+            </a:r>
+            <a:r>
+              <a:rPr lang="ja-JP" altLang="en-US" dirty="0">
+                <a:solidFill>
+                  <a:srgbClr val="FF0000"/>
+                </a:solidFill>
+              </a:rPr>
+              <a:t>演算する</a:t>
+            </a:r>
+            <a:br>
+              <a:rPr lang="en-US" altLang="ja-JP" dirty="0">
+                <a:solidFill>
+                  <a:srgbClr val="FF0000"/>
+                </a:solidFill>
+              </a:rPr>
+            </a:br>
+            <a:r>
+              <a:rPr lang="en-US" altLang="ja-JP" dirty="0">
+                <a:solidFill>
+                  <a:srgbClr val="FF0000"/>
+                </a:solidFill>
+              </a:rPr>
+              <a:t>  *status |= change;</a:t>
+            </a:r>
+            <a:br>
+              <a:rPr lang="en-US" altLang="ja-JP" dirty="0">
+                <a:solidFill>
+                  <a:srgbClr val="FF0000"/>
+                </a:solidFill>
+              </a:rPr>
+            </a:br>
+            <a:r>
+              <a:rPr lang="en-US" altLang="ja-JP" dirty="0">
+                <a:solidFill>
+                  <a:srgbClr val="FF0000"/>
+                </a:solidFill>
+              </a:rPr>
+              <a:t>}  </a:t>
+            </a:r>
+            <a:endParaRPr kumimoji="1" lang="en-US" altLang="ja-JP" dirty="0">
+              <a:solidFill>
+                <a:srgbClr val="FF0000"/>
+              </a:solidFill>
+            </a:endParaRPr>
+          </a:p>
+        </p:txBody>
+      </p:sp>
+    </p:spTree>
+    <p:extLst>
+      <p:ext uri="{BB962C8B-B14F-4D97-AF65-F5344CB8AC3E}">
+        <p14:creationId xmlns:p14="http://schemas.microsoft.com/office/powerpoint/2010/main" val="3142726399"/>
+      </p:ext>
+    </p:extLst>
+  </p:cSld>
+  <p:clrMapOvr>
+    <a:masterClrMapping/>
+  </p:clrMapOvr>
+</p:sld>
+</file>
+
+<file path=ppt/slides/slide23.xml><?xml version="1.0" encoding="utf-8"?>
+<p:sld xmlns:a="http://schemas.openxmlformats.org/drawingml/2006/main" xmlns:r="http://schemas.openxmlformats.org/officeDocument/2006/relationships" xmlns:p="http://schemas.openxmlformats.org/presentationml/2006/main">
+  <p:cSld>
+    <p:spTree>
+      <p:nvGrpSpPr>
+        <p:cNvPr id="1" name=""/>
+        <p:cNvGrpSpPr/>
+        <p:nvPr/>
+      </p:nvGrpSpPr>
+      <p:grpSpPr>
+        <a:xfrm>
+          <a:off x="0" y="0"/>
+          <a:ext cx="0" cy="0"/>
+          <a:chOff x="0" y="0"/>
+          <a:chExt cx="0" cy="0"/>
+        </a:xfrm>
+      </p:grpSpPr>
+      <p:sp>
+        <p:nvSpPr>
+          <p:cNvPr id="2" name="タイトル 1">
+            <a:extLst>
+              <a:ext uri="{FF2B5EF4-FFF2-40B4-BE49-F238E27FC236}">
+                <a16:creationId xmlns:a16="http://schemas.microsoft.com/office/drawing/2014/main" id="{5B438378-E70B-D0A9-515C-B6E7AECAD9F8}"/>
+              </a:ext>
+            </a:extLst>
+          </p:cNvPr>
+          <p:cNvSpPr>
+            <a:spLocks noGrp="1"/>
+          </p:cNvSpPr>
+          <p:nvPr>
+            <p:ph type="title"/>
+          </p:nvPr>
+        </p:nvSpPr>
+        <p:spPr/>
+        <p:txBody>
+          <a:bodyPr/>
+          <a:lstStyle/>
+          <a:p>
+            <a:r>
+              <a:rPr kumimoji="1" lang="en-US" altLang="ja-JP" dirty="0" err="1"/>
+              <a:t>bit.c</a:t>
+            </a:r>
+            <a:endParaRPr kumimoji="1" lang="ja-JP" altLang="en-US" dirty="0"/>
+          </a:p>
+        </p:txBody>
+      </p:sp>
+      <p:sp>
+        <p:nvSpPr>
+          <p:cNvPr id="3" name="コンテンツ プレースホルダー 2">
+            <a:extLst>
+              <a:ext uri="{FF2B5EF4-FFF2-40B4-BE49-F238E27FC236}">
+                <a16:creationId xmlns:a16="http://schemas.microsoft.com/office/drawing/2014/main" id="{4EB2B356-EDF6-25E4-62BF-DBB51B977CFA}"/>
+              </a:ext>
+            </a:extLst>
+          </p:cNvPr>
+          <p:cNvSpPr>
+            <a:spLocks noGrp="1"/>
+          </p:cNvSpPr>
+          <p:nvPr>
+            <p:ph idx="1"/>
+          </p:nvPr>
+        </p:nvSpPr>
+        <p:spPr>
+          <a:ln>
+            <a:solidFill>
+              <a:schemeClr val="tx1"/>
+            </a:solidFill>
+          </a:ln>
+        </p:spPr>
+        <p:txBody>
+          <a:bodyPr>
+            <a:normAutofit/>
+          </a:bodyPr>
+          <a:lstStyle/>
+          <a:p>
+            <a:pPr marL="0" indent="0">
+              <a:buNone/>
+            </a:pPr>
+            <a:r>
+              <a:rPr kumimoji="1" lang="en-US" altLang="ja-JP" dirty="0"/>
+              <a:t>void </a:t>
+            </a:r>
+            <a:r>
+              <a:rPr kumimoji="1" lang="en-US" altLang="ja-JP" dirty="0" err="1"/>
+              <a:t>changeStatus</a:t>
+            </a:r>
+            <a:r>
+              <a:rPr kumimoji="1" lang="en-US" altLang="ja-JP" dirty="0"/>
+              <a:t>(UINT*)</a:t>
+            </a:r>
+            <a:br>
+              <a:rPr kumimoji="1" lang="en-US" altLang="ja-JP" dirty="0"/>
+            </a:br>
+            <a:r>
+              <a:rPr kumimoji="1" lang="en-US" altLang="ja-JP" dirty="0">
+                <a:solidFill>
+                  <a:srgbClr val="FF0000"/>
+                </a:solidFill>
+              </a:rPr>
+              <a:t>void </a:t>
+            </a:r>
+            <a:r>
+              <a:rPr kumimoji="1" lang="en-US" altLang="ja-JP" dirty="0" err="1">
+                <a:solidFill>
+                  <a:srgbClr val="FF0000"/>
+                </a:solidFill>
+              </a:rPr>
+              <a:t>clearStatus</a:t>
+            </a:r>
+            <a:r>
+              <a:rPr kumimoji="1" lang="en-US" altLang="ja-JP" dirty="0">
+                <a:solidFill>
+                  <a:srgbClr val="FF0000"/>
+                </a:solidFill>
+              </a:rPr>
+              <a:t>(UINT*)</a:t>
+            </a:r>
+            <a:br>
+              <a:rPr kumimoji="1" lang="en-US" altLang="ja-JP" dirty="0"/>
+            </a:br>
+            <a:br>
+              <a:rPr kumimoji="1" lang="en-US" altLang="ja-JP" dirty="0"/>
+            </a:br>
+            <a:r>
+              <a:rPr kumimoji="1" lang="en-US" altLang="ja-JP" dirty="0"/>
+              <a:t>main(){</a:t>
+            </a:r>
+            <a:br>
+              <a:rPr kumimoji="1" lang="en-US" altLang="ja-JP" dirty="0"/>
+            </a:br>
+            <a:r>
+              <a:rPr kumimoji="1" lang="en-US" altLang="ja-JP" dirty="0"/>
+              <a:t>  //</a:t>
+            </a:r>
+            <a:r>
+              <a:rPr kumimoji="1" lang="ja-JP" altLang="en-US" dirty="0"/>
+              <a:t>符号無し整数 </a:t>
+            </a:r>
+            <a:r>
+              <a:rPr kumimoji="1" lang="en-US" altLang="ja-JP" dirty="0"/>
+              <a:t>Status </a:t>
+            </a:r>
+            <a:r>
+              <a:rPr kumimoji="1" lang="ja-JP" altLang="en-US" dirty="0"/>
+              <a:t>を宣言して </a:t>
+            </a:r>
+            <a:r>
+              <a:rPr kumimoji="1" lang="en-US" altLang="ja-JP" dirty="0"/>
+              <a:t>Base(0) </a:t>
+            </a:r>
+            <a:r>
+              <a:rPr kumimoji="1" lang="ja-JP" altLang="en-US" dirty="0"/>
+              <a:t>を代入</a:t>
+            </a:r>
+            <a:br>
+              <a:rPr kumimoji="1" lang="en-US" altLang="ja-JP" dirty="0"/>
+            </a:br>
+            <a:r>
+              <a:rPr kumimoji="1" lang="en-US" altLang="ja-JP" dirty="0"/>
+              <a:t>  UINT Status = Base;</a:t>
+            </a:r>
+            <a:br>
+              <a:rPr kumimoji="1" lang="en-US" altLang="ja-JP" dirty="0"/>
+            </a:br>
+            <a:br>
+              <a:rPr kumimoji="1" lang="en-US" altLang="ja-JP" dirty="0"/>
+            </a:br>
+            <a:r>
+              <a:rPr kumimoji="1" lang="en-US" altLang="ja-JP" dirty="0"/>
+              <a:t>  //</a:t>
+            </a:r>
+            <a:r>
+              <a:rPr kumimoji="1" lang="ja-JP" altLang="en-US" dirty="0"/>
+              <a:t>状態を変化させる</a:t>
+            </a:r>
+            <a:br>
+              <a:rPr kumimoji="1" lang="en-US" altLang="ja-JP" dirty="0"/>
+            </a:br>
+            <a:r>
+              <a:rPr kumimoji="1" lang="en-US" altLang="ja-JP" dirty="0"/>
+              <a:t>  </a:t>
+            </a:r>
+            <a:r>
+              <a:rPr kumimoji="1" lang="en-US" altLang="ja-JP" dirty="0" err="1"/>
+              <a:t>changeStatus</a:t>
+            </a:r>
+            <a:r>
+              <a:rPr kumimoji="1" lang="en-US" altLang="ja-JP" dirty="0"/>
+              <a:t>(&amp;Status);</a:t>
+            </a:r>
+            <a:br>
+              <a:rPr lang="en-US" altLang="ja-JP" dirty="0"/>
+            </a:br>
+            <a:br>
+              <a:rPr kumimoji="1" lang="en-US" altLang="ja-JP" dirty="0"/>
+            </a:br>
+            <a:r>
+              <a:rPr kumimoji="1" lang="ja-JP" altLang="en-US" dirty="0"/>
+              <a:t>　　</a:t>
+            </a:r>
+            <a:r>
+              <a:rPr kumimoji="1" lang="en-US" altLang="ja-JP" dirty="0"/>
+              <a:t>//</a:t>
+            </a:r>
+            <a:r>
+              <a:rPr lang="ja-JP" altLang="en-US" dirty="0"/>
+              <a:t>現在の状態を表示</a:t>
+            </a:r>
+            <a:br>
+              <a:rPr lang="en-US" altLang="ja-JP" dirty="0"/>
+            </a:br>
+            <a:r>
+              <a:rPr lang="en-US" altLang="ja-JP" dirty="0"/>
+              <a:t>  </a:t>
+            </a:r>
+            <a:r>
+              <a:rPr lang="en-US" altLang="ja-JP" dirty="0" err="1"/>
+              <a:t>dispStatus</a:t>
+            </a:r>
+            <a:r>
+              <a:rPr lang="en-US" altLang="ja-JP" dirty="0"/>
+              <a:t>(Status);</a:t>
+            </a:r>
+            <a:endParaRPr kumimoji="1" lang="en-US" altLang="ja-JP" dirty="0"/>
+          </a:p>
+        </p:txBody>
+      </p:sp>
+    </p:spTree>
+    <p:extLst>
+      <p:ext uri="{BB962C8B-B14F-4D97-AF65-F5344CB8AC3E}">
+        <p14:creationId xmlns:p14="http://schemas.microsoft.com/office/powerpoint/2010/main" val="3547726515"/>
+      </p:ext>
+    </p:extLst>
+  </p:cSld>
+  <p:clrMapOvr>
+    <a:masterClrMapping/>
+  </p:clrMapOvr>
+</p:sld>
+</file>
+
+<file path=ppt/slides/slide24.xml><?xml version="1.0" encoding="utf-8"?>
+<p:sld xmlns:a="http://schemas.openxmlformats.org/drawingml/2006/main" xmlns:r="http://schemas.openxmlformats.org/officeDocument/2006/relationships" xmlns:p="http://schemas.openxmlformats.org/presentationml/2006/main">
+  <p:cSld>
+    <p:spTree>
+      <p:nvGrpSpPr>
+        <p:cNvPr id="1" name=""/>
+        <p:cNvGrpSpPr/>
+        <p:nvPr/>
+      </p:nvGrpSpPr>
+      <p:grpSpPr>
+        <a:xfrm>
+          <a:off x="0" y="0"/>
+          <a:ext cx="0" cy="0"/>
+          <a:chOff x="0" y="0"/>
+          <a:chExt cx="0" cy="0"/>
+        </a:xfrm>
+      </p:grpSpPr>
+      <p:sp>
+        <p:nvSpPr>
+          <p:cNvPr id="2" name="タイトル 1">
+            <a:extLst>
+              <a:ext uri="{FF2B5EF4-FFF2-40B4-BE49-F238E27FC236}">
+                <a16:creationId xmlns:a16="http://schemas.microsoft.com/office/drawing/2014/main" id="{5B438378-E70B-D0A9-515C-B6E7AECAD9F8}"/>
+              </a:ext>
+            </a:extLst>
+          </p:cNvPr>
+          <p:cNvSpPr>
+            <a:spLocks noGrp="1"/>
+          </p:cNvSpPr>
+          <p:nvPr>
+            <p:ph type="title"/>
+          </p:nvPr>
+        </p:nvSpPr>
+        <p:spPr/>
+        <p:txBody>
+          <a:bodyPr/>
+          <a:lstStyle/>
+          <a:p>
+            <a:r>
+              <a:rPr kumimoji="1" lang="en-US" altLang="ja-JP" dirty="0" err="1"/>
+              <a:t>bit.c</a:t>
+            </a:r>
+            <a:endParaRPr kumimoji="1" lang="ja-JP" altLang="en-US" dirty="0"/>
+          </a:p>
+        </p:txBody>
+      </p:sp>
+      <p:sp>
+        <p:nvSpPr>
+          <p:cNvPr id="3" name="コンテンツ プレースホルダー 2">
+            <a:extLst>
+              <a:ext uri="{FF2B5EF4-FFF2-40B4-BE49-F238E27FC236}">
+                <a16:creationId xmlns:a16="http://schemas.microsoft.com/office/drawing/2014/main" id="{4EB2B356-EDF6-25E4-62BF-DBB51B977CFA}"/>
+              </a:ext>
+            </a:extLst>
+          </p:cNvPr>
+          <p:cNvSpPr>
+            <a:spLocks noGrp="1"/>
+          </p:cNvSpPr>
+          <p:nvPr>
+            <p:ph idx="1"/>
+          </p:nvPr>
+        </p:nvSpPr>
+        <p:spPr>
+          <a:ln>
+            <a:solidFill>
+              <a:schemeClr val="tx1"/>
+            </a:solidFill>
+          </a:ln>
+        </p:spPr>
+        <p:txBody>
+          <a:bodyPr>
+            <a:normAutofit/>
+          </a:bodyPr>
+          <a:lstStyle/>
+          <a:p>
+            <a:pPr marL="0" indent="0">
+              <a:buNone/>
+            </a:pPr>
+            <a:r>
+              <a:rPr kumimoji="1" lang="en-US" altLang="ja-JP" dirty="0"/>
+              <a:t>  //</a:t>
+            </a:r>
+            <a:r>
+              <a:rPr kumimoji="1" lang="ja-JP" altLang="en-US" dirty="0"/>
+              <a:t>状態を変化させる</a:t>
+            </a:r>
+            <a:br>
+              <a:rPr kumimoji="1" lang="en-US" altLang="ja-JP" dirty="0"/>
+            </a:br>
+            <a:r>
+              <a:rPr kumimoji="1" lang="en-US" altLang="ja-JP" dirty="0"/>
+              <a:t>  </a:t>
+            </a:r>
+            <a:r>
+              <a:rPr kumimoji="1" lang="en-US" altLang="ja-JP" dirty="0" err="1"/>
+              <a:t>changeStatus</a:t>
+            </a:r>
+            <a:r>
+              <a:rPr kumimoji="1" lang="en-US" altLang="ja-JP" dirty="0"/>
+              <a:t>(&amp;Status);</a:t>
+            </a:r>
+            <a:br>
+              <a:rPr kumimoji="1" lang="en-US" altLang="ja-JP" dirty="0"/>
+            </a:br>
+            <a:br>
+              <a:rPr kumimoji="1" lang="en-US" altLang="ja-JP" dirty="0"/>
+            </a:br>
+            <a:r>
+              <a:rPr kumimoji="1" lang="ja-JP" altLang="en-US" dirty="0"/>
+              <a:t>　　</a:t>
+            </a:r>
+            <a:r>
+              <a:rPr kumimoji="1" lang="en-US" altLang="ja-JP" dirty="0"/>
+              <a:t>//</a:t>
+            </a:r>
+            <a:r>
+              <a:rPr lang="ja-JP" altLang="en-US" dirty="0"/>
+              <a:t>現在の状態を表示</a:t>
+            </a:r>
+            <a:br>
+              <a:rPr lang="en-US" altLang="ja-JP" dirty="0"/>
+            </a:br>
+            <a:r>
+              <a:rPr lang="en-US" altLang="ja-JP" dirty="0"/>
+              <a:t>  </a:t>
+            </a:r>
+            <a:r>
+              <a:rPr lang="en-US" altLang="ja-JP" dirty="0" err="1"/>
+              <a:t>dispStatus</a:t>
+            </a:r>
+            <a:r>
+              <a:rPr lang="en-US" altLang="ja-JP" dirty="0"/>
+              <a:t>(Status);</a:t>
+            </a:r>
+            <a:br>
+              <a:rPr lang="en-US" altLang="ja-JP" dirty="0"/>
+            </a:br>
+            <a:br>
+              <a:rPr lang="en-US" altLang="ja-JP" dirty="0"/>
+            </a:br>
+            <a:r>
+              <a:rPr lang="en-US" altLang="ja-JP" dirty="0">
+                <a:solidFill>
+                  <a:srgbClr val="FF0000"/>
+                </a:solidFill>
+              </a:rPr>
+              <a:t>  //</a:t>
+            </a:r>
+            <a:r>
+              <a:rPr lang="ja-JP" altLang="en-US" dirty="0">
+                <a:solidFill>
+                  <a:srgbClr val="FF0000"/>
+                </a:solidFill>
+              </a:rPr>
+              <a:t>状態をクリアする</a:t>
+            </a:r>
+            <a:br>
+              <a:rPr lang="en-US" altLang="ja-JP" dirty="0">
+                <a:solidFill>
+                  <a:srgbClr val="FF0000"/>
+                </a:solidFill>
+              </a:rPr>
+            </a:br>
+            <a:r>
+              <a:rPr lang="en-US" altLang="ja-JP" dirty="0">
+                <a:solidFill>
+                  <a:srgbClr val="FF0000"/>
+                </a:solidFill>
+              </a:rPr>
+              <a:t>  </a:t>
+            </a:r>
+            <a:r>
+              <a:rPr lang="en-US" altLang="ja-JP" dirty="0" err="1">
+                <a:solidFill>
+                  <a:srgbClr val="FF0000"/>
+                </a:solidFill>
+              </a:rPr>
+              <a:t>clearStatus</a:t>
+            </a:r>
+            <a:r>
+              <a:rPr lang="en-US" altLang="ja-JP" dirty="0">
+                <a:solidFill>
+                  <a:srgbClr val="FF0000"/>
+                </a:solidFill>
+              </a:rPr>
+              <a:t>(&amp;Status);</a:t>
+            </a:r>
+            <a:br>
+              <a:rPr lang="en-US" altLang="ja-JP" dirty="0">
+                <a:solidFill>
+                  <a:srgbClr val="FF0000"/>
+                </a:solidFill>
+              </a:rPr>
+            </a:br>
+            <a:br>
+              <a:rPr lang="en-US" altLang="ja-JP" dirty="0">
+                <a:solidFill>
+                  <a:srgbClr val="FF0000"/>
+                </a:solidFill>
+              </a:rPr>
+            </a:br>
+            <a:r>
+              <a:rPr lang="ja-JP" altLang="en-US" dirty="0">
+                <a:solidFill>
+                  <a:srgbClr val="FF0000"/>
+                </a:solidFill>
+              </a:rPr>
+              <a:t>　　</a:t>
+            </a:r>
+            <a:r>
+              <a:rPr lang="en-US" altLang="ja-JP" dirty="0">
+                <a:solidFill>
+                  <a:srgbClr val="FF0000"/>
+                </a:solidFill>
+              </a:rPr>
+              <a:t>//</a:t>
+            </a:r>
+            <a:r>
+              <a:rPr lang="ja-JP" altLang="en-US" dirty="0">
+                <a:solidFill>
+                  <a:srgbClr val="FF0000"/>
+                </a:solidFill>
+              </a:rPr>
+              <a:t>現在の状態を表示</a:t>
+            </a:r>
+            <a:br>
+              <a:rPr lang="en-US" altLang="ja-JP" dirty="0">
+                <a:solidFill>
+                  <a:srgbClr val="FF0000"/>
+                </a:solidFill>
+              </a:rPr>
+            </a:br>
+            <a:r>
+              <a:rPr lang="en-US" altLang="ja-JP" dirty="0">
+                <a:solidFill>
+                  <a:srgbClr val="FF0000"/>
+                </a:solidFill>
+              </a:rPr>
+              <a:t>  </a:t>
+            </a:r>
+            <a:r>
+              <a:rPr lang="en-US" altLang="ja-JP" dirty="0" err="1">
+                <a:solidFill>
+                  <a:srgbClr val="FF0000"/>
+                </a:solidFill>
+              </a:rPr>
+              <a:t>dispStatus</a:t>
+            </a:r>
+            <a:r>
+              <a:rPr lang="en-US" altLang="ja-JP" dirty="0">
+                <a:solidFill>
+                  <a:srgbClr val="FF0000"/>
+                </a:solidFill>
+              </a:rPr>
+              <a:t>(Status);</a:t>
+            </a:r>
+            <a:br>
+              <a:rPr lang="en-US" altLang="ja-JP" dirty="0">
+                <a:solidFill>
+                  <a:srgbClr val="FF0000"/>
+                </a:solidFill>
+              </a:rPr>
+            </a:br>
+            <a:r>
+              <a:rPr lang="en-US" altLang="ja-JP" dirty="0"/>
+              <a:t>}</a:t>
+            </a:r>
+            <a:endParaRPr kumimoji="1" lang="en-US" altLang="ja-JP" dirty="0"/>
+          </a:p>
+        </p:txBody>
+      </p:sp>
+    </p:spTree>
+    <p:extLst>
+      <p:ext uri="{BB962C8B-B14F-4D97-AF65-F5344CB8AC3E}">
+        <p14:creationId xmlns:p14="http://schemas.microsoft.com/office/powerpoint/2010/main" val="1501773338"/>
+      </p:ext>
+    </p:extLst>
+  </p:cSld>
+  <p:clrMapOvr>
+    <a:masterClrMapping/>
+  </p:clrMapOvr>
+</p:sld>
+</file>
+
+<file path=ppt/slides/slide25.xml><?xml version="1.0" encoding="utf-8"?>
+<p:sld xmlns:a="http://schemas.openxmlformats.org/drawingml/2006/main" xmlns:r="http://schemas.openxmlformats.org/officeDocument/2006/relationships" xmlns:p="http://schemas.openxmlformats.org/presentationml/2006/main">
+  <p:cSld>
+    <p:spTree>
+      <p:nvGrpSpPr>
+        <p:cNvPr id="1" name=""/>
+        <p:cNvGrpSpPr/>
+        <p:nvPr/>
+      </p:nvGrpSpPr>
+      <p:grpSpPr>
+        <a:xfrm>
+          <a:off x="0" y="0"/>
+          <a:ext cx="0" cy="0"/>
+          <a:chOff x="0" y="0"/>
+          <a:chExt cx="0" cy="0"/>
+        </a:xfrm>
+      </p:grpSpPr>
+      <p:sp>
+        <p:nvSpPr>
+          <p:cNvPr id="2" name="タイトル 1">
+            <a:extLst>
+              <a:ext uri="{FF2B5EF4-FFF2-40B4-BE49-F238E27FC236}">
+                <a16:creationId xmlns:a16="http://schemas.microsoft.com/office/drawing/2014/main" id="{5B438378-E70B-D0A9-515C-B6E7AECAD9F8}"/>
+              </a:ext>
+            </a:extLst>
+          </p:cNvPr>
+          <p:cNvSpPr>
+            <a:spLocks noGrp="1"/>
+          </p:cNvSpPr>
+          <p:nvPr>
+            <p:ph type="title"/>
+          </p:nvPr>
+        </p:nvSpPr>
+        <p:spPr/>
+        <p:txBody>
+          <a:bodyPr/>
+          <a:lstStyle/>
+          <a:p>
+            <a:r>
+              <a:rPr kumimoji="1" lang="en-US" altLang="ja-JP" dirty="0" err="1"/>
+              <a:t>bit.c</a:t>
+            </a:r>
+            <a:endParaRPr kumimoji="1" lang="ja-JP" altLang="en-US" dirty="0"/>
+          </a:p>
+        </p:txBody>
+      </p:sp>
+      <p:sp>
+        <p:nvSpPr>
+          <p:cNvPr id="3" name="コンテンツ プレースホルダー 2">
+            <a:extLst>
+              <a:ext uri="{FF2B5EF4-FFF2-40B4-BE49-F238E27FC236}">
+                <a16:creationId xmlns:a16="http://schemas.microsoft.com/office/drawing/2014/main" id="{4EB2B356-EDF6-25E4-62BF-DBB51B977CFA}"/>
+              </a:ext>
+            </a:extLst>
+          </p:cNvPr>
+          <p:cNvSpPr>
+            <a:spLocks noGrp="1"/>
+          </p:cNvSpPr>
+          <p:nvPr>
+            <p:ph idx="1"/>
+          </p:nvPr>
+        </p:nvSpPr>
+        <p:spPr>
+          <a:ln>
+            <a:solidFill>
+              <a:schemeClr val="tx1"/>
+            </a:solidFill>
+          </a:ln>
+        </p:spPr>
+        <p:txBody>
+          <a:bodyPr>
+            <a:normAutofit/>
+          </a:bodyPr>
+          <a:lstStyle/>
+          <a:p>
+            <a:pPr marL="0" indent="0">
+              <a:buNone/>
+            </a:pPr>
+            <a:r>
+              <a:rPr lang="en-US" altLang="ja-JP" dirty="0" err="1">
+                <a:solidFill>
+                  <a:srgbClr val="FF0000"/>
+                </a:solidFill>
+              </a:rPr>
+              <a:t>clearStatus</a:t>
+            </a:r>
+            <a:r>
+              <a:rPr kumimoji="1" lang="en-US" altLang="ja-JP" dirty="0">
+                <a:solidFill>
+                  <a:srgbClr val="FF0000"/>
+                </a:solidFill>
+              </a:rPr>
+              <a:t>(UINT* status){</a:t>
+            </a:r>
+            <a:br>
+              <a:rPr kumimoji="1" lang="en-US" altLang="ja-JP" dirty="0">
+                <a:solidFill>
+                  <a:srgbClr val="FF0000"/>
+                </a:solidFill>
+              </a:rPr>
+            </a:br>
+            <a:r>
+              <a:rPr kumimoji="1" lang="en-US" altLang="ja-JP" dirty="0">
+                <a:solidFill>
+                  <a:srgbClr val="FF0000"/>
+                </a:solidFill>
+              </a:rPr>
+              <a:t>  int </a:t>
+            </a:r>
+            <a:r>
+              <a:rPr lang="en-US" altLang="ja-JP" dirty="0">
+                <a:solidFill>
+                  <a:srgbClr val="FF0000"/>
+                </a:solidFill>
+              </a:rPr>
+              <a:t>change;</a:t>
+            </a:r>
+            <a:br>
+              <a:rPr lang="en-US" altLang="ja-JP" dirty="0">
+                <a:solidFill>
+                  <a:srgbClr val="FF0000"/>
+                </a:solidFill>
+              </a:rPr>
+            </a:br>
+            <a:r>
+              <a:rPr lang="ja-JP" altLang="en-US" dirty="0">
+                <a:solidFill>
+                  <a:srgbClr val="FF0000"/>
+                </a:solidFill>
+              </a:rPr>
+              <a:t>　</a:t>
+            </a:r>
+            <a:r>
+              <a:rPr lang="en-US" altLang="ja-JP" dirty="0">
+                <a:solidFill>
+                  <a:srgbClr val="FF0000"/>
+                </a:solidFill>
+              </a:rPr>
+              <a:t> </a:t>
+            </a:r>
+            <a:r>
+              <a:rPr lang="en-US" altLang="ja-JP" dirty="0" err="1">
+                <a:solidFill>
+                  <a:srgbClr val="FF0000"/>
+                </a:solidFill>
+              </a:rPr>
+              <a:t>printf</a:t>
+            </a:r>
+            <a:r>
+              <a:rPr lang="en-US" altLang="ja-JP" dirty="0">
+                <a:solidFill>
+                  <a:srgbClr val="FF0000"/>
+                </a:solidFill>
+              </a:rPr>
+              <a:t>(“</a:t>
+            </a:r>
+            <a:r>
+              <a:rPr lang="ja-JP" altLang="en-US" dirty="0">
+                <a:solidFill>
+                  <a:srgbClr val="FF0000"/>
+                </a:solidFill>
+              </a:rPr>
+              <a:t>解除する状態を入力</a:t>
+            </a:r>
+            <a:r>
+              <a:rPr lang="en-US" altLang="ja-JP" dirty="0">
+                <a:solidFill>
+                  <a:srgbClr val="FF0000"/>
+                </a:solidFill>
+              </a:rPr>
+              <a:t>\n”);</a:t>
+            </a:r>
+            <a:r>
+              <a:rPr lang="ja-JP" altLang="en-US" dirty="0">
+                <a:solidFill>
+                  <a:srgbClr val="FF0000"/>
+                </a:solidFill>
+              </a:rPr>
+              <a:t> </a:t>
+            </a:r>
+            <a:br>
+              <a:rPr kumimoji="1" lang="en-US" altLang="ja-JP" dirty="0">
+                <a:solidFill>
+                  <a:srgbClr val="FF0000"/>
+                </a:solidFill>
+              </a:rPr>
+            </a:br>
+            <a:r>
+              <a:rPr kumimoji="1" lang="en-US" altLang="ja-JP" dirty="0">
+                <a:solidFill>
+                  <a:srgbClr val="FF0000"/>
+                </a:solidFill>
+              </a:rPr>
+              <a:t>  </a:t>
+            </a:r>
+            <a:r>
+              <a:rPr lang="en-US" altLang="ja-JP" dirty="0" err="1">
+                <a:solidFill>
+                  <a:srgbClr val="FF0000"/>
+                </a:solidFill>
+              </a:rPr>
+              <a:t>printf</a:t>
+            </a:r>
+            <a:r>
+              <a:rPr lang="en-US" altLang="ja-JP" dirty="0">
+                <a:solidFill>
+                  <a:srgbClr val="FF0000"/>
+                </a:solidFill>
+              </a:rPr>
+              <a:t>(“%d:</a:t>
+            </a:r>
+            <a:r>
+              <a:rPr lang="ja-JP" altLang="en-US" dirty="0">
+                <a:solidFill>
+                  <a:srgbClr val="FF0000"/>
+                </a:solidFill>
+              </a:rPr>
+              <a:t>毒 </a:t>
+            </a:r>
+            <a:r>
+              <a:rPr lang="en-US" altLang="ja-JP" dirty="0">
+                <a:solidFill>
+                  <a:srgbClr val="FF0000"/>
+                </a:solidFill>
+              </a:rPr>
+              <a:t>%d:</a:t>
+            </a:r>
+            <a:r>
+              <a:rPr lang="ja-JP" altLang="en-US" dirty="0">
+                <a:solidFill>
+                  <a:srgbClr val="FF0000"/>
+                </a:solidFill>
+              </a:rPr>
+              <a:t>眠り </a:t>
+            </a:r>
+            <a:r>
+              <a:rPr lang="en-US" altLang="ja-JP" dirty="0">
+                <a:solidFill>
+                  <a:srgbClr val="FF0000"/>
+                </a:solidFill>
+              </a:rPr>
+              <a:t>%d:</a:t>
+            </a:r>
+            <a:r>
+              <a:rPr lang="ja-JP" altLang="en-US" dirty="0">
+                <a:solidFill>
+                  <a:srgbClr val="FF0000"/>
+                </a:solidFill>
+              </a:rPr>
+              <a:t>麻痺 </a:t>
+            </a:r>
+            <a:r>
+              <a:rPr lang="en-US" altLang="ja-JP" dirty="0">
+                <a:solidFill>
+                  <a:srgbClr val="FF0000"/>
+                </a:solidFill>
+              </a:rPr>
+              <a:t>%d:</a:t>
+            </a:r>
+            <a:r>
+              <a:rPr lang="ja-JP" altLang="en-US" dirty="0">
+                <a:solidFill>
+                  <a:srgbClr val="FF0000"/>
+                </a:solidFill>
+              </a:rPr>
+              <a:t>火傷 </a:t>
+            </a:r>
+            <a:br>
+              <a:rPr lang="en-US" altLang="ja-JP" dirty="0">
+                <a:solidFill>
+                  <a:srgbClr val="FF0000"/>
+                </a:solidFill>
+              </a:rPr>
+            </a:br>
+            <a:r>
+              <a:rPr lang="en-US" altLang="ja-JP" dirty="0">
+                <a:solidFill>
+                  <a:srgbClr val="FF0000"/>
+                </a:solidFill>
+              </a:rPr>
+              <a:t>          %d:</a:t>
+            </a:r>
+            <a:r>
+              <a:rPr lang="ja-JP" altLang="en-US" dirty="0">
+                <a:solidFill>
+                  <a:srgbClr val="FF0000"/>
+                </a:solidFill>
+              </a:rPr>
+              <a:t>攻撃アップ </a:t>
+            </a:r>
+            <a:r>
+              <a:rPr lang="en-US" altLang="ja-JP" dirty="0">
+                <a:solidFill>
+                  <a:srgbClr val="FF0000"/>
+                </a:solidFill>
+              </a:rPr>
+              <a:t>%d</a:t>
+            </a:r>
+            <a:r>
+              <a:rPr lang="ja-JP" altLang="en-US" dirty="0">
+                <a:solidFill>
+                  <a:srgbClr val="FF0000"/>
+                </a:solidFill>
+              </a:rPr>
+              <a:t>攻撃ダウン＞</a:t>
+            </a:r>
+            <a:r>
+              <a:rPr lang="en-US" altLang="ja-JP" dirty="0">
+                <a:solidFill>
+                  <a:srgbClr val="FF0000"/>
+                </a:solidFill>
+              </a:rPr>
+              <a:t>”</a:t>
+            </a:r>
+            <a:br>
+              <a:rPr lang="en-US" altLang="ja-JP" dirty="0">
+                <a:solidFill>
+                  <a:srgbClr val="FF0000"/>
+                </a:solidFill>
+              </a:rPr>
+            </a:br>
+            <a:r>
+              <a:rPr lang="en-US" altLang="ja-JP" dirty="0">
+                <a:solidFill>
+                  <a:srgbClr val="FF0000"/>
+                </a:solidFill>
+              </a:rPr>
+              <a:t>          ,Poison, Sleep, Para, Burn</a:t>
+            </a:r>
+            <a:br>
+              <a:rPr lang="en-US" altLang="ja-JP" dirty="0">
+                <a:solidFill>
+                  <a:srgbClr val="FF0000"/>
+                </a:solidFill>
+              </a:rPr>
+            </a:br>
+            <a:r>
+              <a:rPr lang="en-US" altLang="ja-JP" dirty="0">
+                <a:solidFill>
+                  <a:srgbClr val="FF0000"/>
+                </a:solidFill>
+              </a:rPr>
+              <a:t>          ,</a:t>
+            </a:r>
+            <a:r>
+              <a:rPr lang="en-US" altLang="ja-JP" dirty="0" err="1">
+                <a:solidFill>
+                  <a:srgbClr val="FF0000"/>
+                </a:solidFill>
+              </a:rPr>
+              <a:t>AtkUp</a:t>
+            </a:r>
+            <a:r>
+              <a:rPr lang="en-US" altLang="ja-JP" dirty="0">
+                <a:solidFill>
+                  <a:srgbClr val="FF0000"/>
+                </a:solidFill>
+              </a:rPr>
+              <a:t>, </a:t>
+            </a:r>
+            <a:r>
+              <a:rPr lang="en-US" altLang="ja-JP" dirty="0" err="1">
+                <a:solidFill>
+                  <a:srgbClr val="FF0000"/>
+                </a:solidFill>
+              </a:rPr>
+              <a:t>AtkDown</a:t>
+            </a:r>
+            <a:r>
+              <a:rPr lang="en-US" altLang="ja-JP" dirty="0">
+                <a:solidFill>
+                  <a:srgbClr val="FF0000"/>
+                </a:solidFill>
+              </a:rPr>
+              <a:t>);</a:t>
+            </a:r>
+            <a:br>
+              <a:rPr lang="en-US" altLang="ja-JP" dirty="0">
+                <a:solidFill>
+                  <a:srgbClr val="FF0000"/>
+                </a:solidFill>
+              </a:rPr>
+            </a:br>
+            <a:r>
+              <a:rPr lang="en-US" altLang="ja-JP" dirty="0">
+                <a:solidFill>
+                  <a:srgbClr val="FF0000"/>
+                </a:solidFill>
+              </a:rPr>
+              <a:t>  </a:t>
+            </a:r>
+            <a:r>
+              <a:rPr lang="en-US" altLang="ja-JP" dirty="0" err="1">
+                <a:solidFill>
+                  <a:srgbClr val="FF0000"/>
+                </a:solidFill>
+              </a:rPr>
+              <a:t>scanf</a:t>
+            </a:r>
+            <a:r>
+              <a:rPr lang="en-US" altLang="ja-JP" dirty="0">
+                <a:solidFill>
+                  <a:srgbClr val="FF0000"/>
+                </a:solidFill>
+              </a:rPr>
+              <a:t>(“%d”, &amp;change);</a:t>
+            </a:r>
+            <a:br>
+              <a:rPr lang="en-US" altLang="ja-JP" dirty="0">
+                <a:solidFill>
+                  <a:srgbClr val="FF0000"/>
+                </a:solidFill>
+              </a:rPr>
+            </a:br>
+            <a:r>
+              <a:rPr lang="en-US" altLang="ja-JP" dirty="0">
+                <a:solidFill>
+                  <a:srgbClr val="FF0000"/>
+                </a:solidFill>
+              </a:rPr>
+              <a:t>  </a:t>
+            </a:r>
+            <a:br>
+              <a:rPr lang="en-US" altLang="ja-JP" dirty="0">
+                <a:solidFill>
+                  <a:srgbClr val="FF0000"/>
+                </a:solidFill>
+              </a:rPr>
+            </a:br>
+            <a:r>
+              <a:rPr lang="en-US" altLang="ja-JP" dirty="0">
+                <a:solidFill>
+                  <a:srgbClr val="FF0000"/>
+                </a:solidFill>
+              </a:rPr>
+              <a:t>  //</a:t>
+            </a:r>
+            <a:r>
+              <a:rPr lang="ja-JP" altLang="en-US" dirty="0">
+                <a:solidFill>
+                  <a:srgbClr val="FF0000"/>
+                </a:solidFill>
+              </a:rPr>
+              <a:t>入力された状態値の反転ビットを</a:t>
+            </a:r>
+            <a:r>
+              <a:rPr lang="en-US" altLang="ja-JP" dirty="0">
+                <a:solidFill>
+                  <a:srgbClr val="FF0000"/>
+                </a:solidFill>
+              </a:rPr>
+              <a:t>AND</a:t>
+            </a:r>
+            <a:r>
+              <a:rPr lang="ja-JP" altLang="en-US" dirty="0">
+                <a:solidFill>
+                  <a:srgbClr val="FF0000"/>
+                </a:solidFill>
+              </a:rPr>
+              <a:t>演算する</a:t>
+            </a:r>
+            <a:br>
+              <a:rPr lang="en-US" altLang="ja-JP" dirty="0">
+                <a:solidFill>
+                  <a:srgbClr val="FF0000"/>
+                </a:solidFill>
+              </a:rPr>
+            </a:br>
+            <a:r>
+              <a:rPr lang="en-US" altLang="ja-JP" dirty="0">
+                <a:solidFill>
+                  <a:srgbClr val="FF0000"/>
+                </a:solidFill>
+              </a:rPr>
+              <a:t>  *status &amp;= ~change;</a:t>
+            </a:r>
+            <a:br>
+              <a:rPr lang="en-US" altLang="ja-JP" dirty="0">
+                <a:solidFill>
+                  <a:srgbClr val="FF0000"/>
+                </a:solidFill>
+              </a:rPr>
+            </a:br>
+            <a:r>
+              <a:rPr lang="en-US" altLang="ja-JP" dirty="0">
+                <a:solidFill>
+                  <a:srgbClr val="FF0000"/>
+                </a:solidFill>
+              </a:rPr>
+              <a:t>}  </a:t>
+            </a:r>
+            <a:endParaRPr kumimoji="1" lang="en-US" altLang="ja-JP" dirty="0">
+              <a:solidFill>
+                <a:srgbClr val="FF0000"/>
+              </a:solidFill>
+            </a:endParaRPr>
+          </a:p>
+        </p:txBody>
+      </p:sp>
+    </p:spTree>
+    <p:extLst>
+      <p:ext uri="{BB962C8B-B14F-4D97-AF65-F5344CB8AC3E}">
+        <p14:creationId xmlns:p14="http://schemas.microsoft.com/office/powerpoint/2010/main" val="4241685055"/>
+      </p:ext>
+    </p:extLst>
+  </p:cSld>
+  <p:clrMapOvr>
+    <a:masterClrMapping/>
+  </p:clrMapOvr>
+</p:sld>
+</file>
+
 <file path=ppt/slides/slide3.xml><?xml version="1.0" encoding="utf-8"?>
 <p:sld xmlns:a="http://schemas.openxmlformats.org/drawingml/2006/main" xmlns:r="http://schemas.openxmlformats.org/officeDocument/2006/relationships" xmlns:p="http://schemas.openxmlformats.org/presentationml/2006/main">
   <p:cSld>
@@ -6510,6 +10295,10 @@
           </p:nvPr>
         </p:nvSpPr>
         <p:spPr>
+          <a:xfrm>
+            <a:off x="838200" y="409096"/>
+            <a:ext cx="10515600" cy="689932"/>
+          </a:xfrm>
           <a:prstGeom prst="rect">
             <a:avLst/>
           </a:prstGeom>
@@ -6539,9 +10328,10 @@
               <a:t>▮</a:t>
             </a:r>
             <a:r>
-              <a:rPr spc="-10" dirty="0"/>
-              <a:t>bit01.c</a:t>
-            </a:r>
+              <a:rPr lang="ja-JP" altLang="en-US" spc="-10" dirty="0"/>
+              <a:t>ビット処理</a:t>
+            </a:r>
+            <a:endParaRPr spc="-10" dirty="0"/>
           </a:p>
         </p:txBody>
       </p:sp>
@@ -6915,8 +10705,8 @@
         </p:nvGrpSpPr>
         <p:grpSpPr>
           <a:xfrm>
-            <a:off x="4257802" y="4715002"/>
-            <a:ext cx="1645285" cy="875665"/>
+            <a:off x="5029200" y="4715002"/>
+            <a:ext cx="873887" cy="875665"/>
             <a:chOff x="4257802" y="4715002"/>
             <a:chExt cx="1645285" cy="875665"/>
           </a:xfrm>
@@ -7394,9 +11184,10 @@
               <a:t>▮</a:t>
             </a:r>
             <a:r>
-              <a:rPr spc="-10" dirty="0"/>
-              <a:t>bit01.c</a:t>
-            </a:r>
+              <a:rPr lang="ja-JP" altLang="en-US" spc="-10" dirty="0"/>
+              <a:t>ビット処理</a:t>
+            </a:r>
+            <a:endParaRPr spc="-10" dirty="0"/>
           </a:p>
         </p:txBody>
       </p:sp>
@@ -7881,6 +11672,66 @@
               </a:rPr>
               <a:t>...</a:t>
             </a:r>
+            <a:r>
+              <a:rPr lang="ja-JP" altLang="en-US" sz="3200" spc="-25" dirty="0">
+                <a:solidFill>
+                  <a:srgbClr val="0000FF"/>
+                </a:solidFill>
+                <a:latin typeface="ＭＳ ゴシック"/>
+                <a:cs typeface="ＭＳ ゴシック"/>
+              </a:rPr>
+              <a:t>　</a:t>
+            </a:r>
+            <a:r>
+              <a:rPr lang="en-US" altLang="ja-JP" sz="3200" spc="-25" dirty="0">
+                <a:solidFill>
+                  <a:srgbClr val="0000FF"/>
+                </a:solidFill>
+                <a:latin typeface="ＭＳ ゴシック"/>
+                <a:cs typeface="ＭＳ ゴシック"/>
+              </a:rPr>
+              <a:t>				</a:t>
+            </a:r>
+            <a:r>
+              <a:rPr lang="ja-JP" altLang="en-US" sz="3200" spc="-25" dirty="0">
+                <a:solidFill>
+                  <a:srgbClr val="008000"/>
+                </a:solidFill>
+                <a:latin typeface="ＭＳ ゴシック"/>
+                <a:cs typeface="ＭＳ ゴシック"/>
+              </a:rPr>
+              <a:t> 　</a:t>
+            </a:r>
+            <a:r>
+              <a:rPr lang="en-US" altLang="ja-JP" sz="3200" spc="-25" dirty="0">
+                <a:solidFill>
+                  <a:srgbClr val="008000"/>
+                </a:solidFill>
+                <a:latin typeface="ＭＳ ゴシック"/>
+                <a:cs typeface="ＭＳ ゴシック"/>
+              </a:rPr>
+              <a:t>	//</a:t>
+            </a:r>
+            <a:r>
+              <a:rPr lang="ja-JP" altLang="en-US" sz="3200" spc="-25" dirty="0">
+                <a:solidFill>
+                  <a:srgbClr val="008000"/>
+                </a:solidFill>
+                <a:latin typeface="ＭＳ ゴシック"/>
+                <a:cs typeface="ＭＳ ゴシック"/>
+              </a:rPr>
+              <a:t>どんどん増えていく</a:t>
+            </a:r>
+            <a:r>
+              <a:rPr lang="en-US" altLang="ja-JP" sz="3200" spc="-25" dirty="0">
+                <a:solidFill>
+                  <a:srgbClr val="008000"/>
+                </a:solidFill>
+                <a:latin typeface="ＭＳ ゴシック"/>
+                <a:cs typeface="ＭＳ ゴシック"/>
+              </a:rPr>
+              <a:t>…</a:t>
+            </a:r>
             <a:endParaRPr sz="3200" dirty="0">
               <a:latin typeface="ＭＳ ゴシック"/>
               <a:cs typeface="ＭＳ ゴシック"/>
@@ -7900,7 +11751,21 @@
                 <a:latin typeface="ＭＳ ゴシック"/>
                 <a:cs typeface="ＭＳ ゴシック"/>
               </a:rPr>
-              <a:t>・複数の状態を付与する場合</a:t>
+              <a:t>・</a:t>
+            </a:r>
+            <a:r>
+              <a:rPr lang="ja-JP" altLang="en-US" sz="2800" spc="-40" dirty="0">
+                <a:latin typeface="ＭＳ ゴシック"/>
+                <a:cs typeface="ＭＳ ゴシック"/>
+              </a:rPr>
+              <a:t>また</a:t>
+            </a:r>
+            <a:r>
+              <a:rPr sz="2800" spc="-40" dirty="0" err="1">
+                <a:latin typeface="ＭＳ ゴシック"/>
+                <a:cs typeface="ＭＳ ゴシック"/>
+              </a:rPr>
+              <a:t>複数の状態を付与する場合</a:t>
             </a:r>
             <a:endParaRPr sz="2800" dirty="0">
               <a:latin typeface="ＭＳ ゴシック"/>
@@ -7914,17 +11779,48 @@
               </a:lnSpc>
             </a:pPr>
             <a:r>
+              <a:rPr sz="2800" b="1" spc="-25" dirty="0" err="1">
+                <a:latin typeface="ＭＳ ゴシック"/>
+                <a:cs typeface="ＭＳ ゴシック"/>
+              </a:rPr>
+              <a:t>それぞれのフラグ</a:t>
+            </a:r>
+            <a:r>
+              <a:rPr lang="ja-JP" altLang="en-US" sz="2800" b="1" spc="-25" dirty="0">
+                <a:latin typeface="ＭＳ ゴシック"/>
+                <a:cs typeface="ＭＳ ゴシック"/>
+              </a:rPr>
+              <a:t>の値</a:t>
+            </a:r>
+            <a:r>
               <a:rPr sz="2800" b="1" spc="-25" dirty="0">
-                <a:solidFill>
-                  <a:srgbClr val="FF0000"/>
-                </a:solidFill>
                 <a:latin typeface="ＭＳ ゴシック"/>
                 <a:cs typeface="ＭＳ ゴシック"/>
               </a:rPr>
-              <a:t>それぞれのフラグを変更</a:t>
-            </a:r>
-            <a:r>
-              <a:rPr sz="2800" spc="-35" dirty="0">
+              <a:t>を</a:t>
+            </a:r>
+            <a:r>
+              <a:rPr lang="ja-JP" altLang="en-US" sz="2800" b="1" spc="-25" dirty="0">
+                <a:solidFill>
+                  <a:srgbClr val="FF0000"/>
+                </a:solidFill>
+                <a:latin typeface="ＭＳ ゴシック"/>
+                <a:cs typeface="ＭＳ ゴシック"/>
+              </a:rPr>
+              <a:t>一個ずつ</a:t>
+            </a:r>
+            <a:r>
+              <a:rPr sz="2800" b="1" spc="-25" dirty="0" err="1">
+                <a:solidFill>
+                  <a:srgbClr val="FF0000"/>
+                </a:solidFill>
+                <a:latin typeface="ＭＳ ゴシック"/>
+                <a:cs typeface="ＭＳ ゴシック"/>
+              </a:rPr>
+              <a:t>変更</a:t>
+            </a:r>
+            <a:r>
+              <a:rPr sz="2800" spc="-35" dirty="0" err="1">
                 <a:latin typeface="ＭＳ ゴシック"/>
                 <a:cs typeface="ＭＳ ゴシック"/>
               </a:rPr>
@@ -8138,6 +12034,10 @@
           </p:nvPr>
         </p:nvSpPr>
         <p:spPr>
+          <a:xfrm>
+            <a:off x="838200" y="409096"/>
+            <a:ext cx="10515600" cy="689932"/>
+          </a:xfrm>
           <a:prstGeom prst="rect">
             <a:avLst/>
           </a:prstGeom>
@@ -8167,9 +12067,10 @@
               <a:t>▮</a:t>
             </a:r>
             <a:r>
-              <a:rPr spc="-10" dirty="0"/>
-              <a:t>bit01.c</a:t>
-            </a:r>
+              <a:rPr lang="ja-JP" altLang="en-US" spc="-10" dirty="0"/>
+              <a:t>ビット処理</a:t>
+            </a:r>
+            <a:endParaRPr spc="-10" dirty="0"/>
           </a:p>
         </p:txBody>
       </p:sp>
@@ -8181,7 +12082,7 @@
         </p:nvSpPr>
         <p:spPr>
           <a:xfrm>
-            <a:off x="6858000" y="4254749"/>
+            <a:off x="945548" y="3200400"/>
             <a:ext cx="4824679" cy="1847301"/>
           </a:xfrm>
           <a:prstGeom prst="rect">
@@ -8417,7 +12318,7 @@
               </a:rPr>
               <a:t>を使うと</a:t>
             </a:r>
-            <a:endParaRPr sz="3600">
+            <a:endParaRPr sz="3600" dirty="0">
               <a:latin typeface="ＭＳ ゴシック"/>
               <a:cs typeface="ＭＳ ゴシック"/>
             </a:endParaRPr>
@@ -8447,7 +12348,7 @@
               </a:rPr>
               <a:t>を表すことができる！</a:t>
             </a:r>
-            <a:endParaRPr sz="3600">
+            <a:endParaRPr sz="3600" dirty="0">
               <a:latin typeface="ＭＳ ゴシック"/>
               <a:cs typeface="ＭＳ ゴシック"/>
             </a:endParaRPr>
@@ -8462,7 +12363,7 @@
         </p:nvSpPr>
         <p:spPr>
           <a:xfrm>
-            <a:off x="352977" y="4319687"/>
+            <a:off x="5016805" y="3619426"/>
             <a:ext cx="5735935" cy="504625"/>
           </a:xfrm>
           <a:prstGeom prst="rect">
@@ -8544,7 +12445,7 @@
         </p:nvSpPr>
         <p:spPr>
           <a:xfrm>
-            <a:off x="228600" y="3747710"/>
+            <a:off x="4741527" y="4333242"/>
             <a:ext cx="7417816" cy="505267"/>
           </a:xfrm>
           <a:prstGeom prst="rect">
@@ -8567,13 +12468,19 @@
             </a:pPr>
             <a:r>
               <a:rPr sz="3200" b="1" spc="-25" dirty="0">
+                <a:solidFill>
+                  <a:srgbClr val="00B050"/>
+                </a:solidFill>
                 <a:latin typeface="ＭＳ ゴシック"/>
                 <a:cs typeface="ＭＳ ゴシック"/>
               </a:rPr>
-              <a:t>自身のステータスを管理する</a:t>
+              <a:t>ステータスを管理する</a:t>
             </a:r>
             <a:r>
               <a:rPr sz="3200" b="1" spc="-20" dirty="0">
+                <a:solidFill>
+                  <a:srgbClr val="00B050"/>
+                </a:solidFill>
                 <a:latin typeface="ＭＳ ゴシック"/>
                 <a:cs typeface="ＭＳ ゴシック"/>
               </a:rPr>
@@ -8581,6 +12488,9 @@
             </a:r>
             <a:r>
               <a:rPr sz="3200" b="1" spc="-25" dirty="0">
+                <a:solidFill>
+                  <a:srgbClr val="00B050"/>
+                </a:solidFill>
                 <a:latin typeface="Century Gothic"/>
                 <a:cs typeface="Century Gothic"/>
               </a:rPr>
@@ -8588,12 +12498,28 @@
             </a:r>
             <a:r>
               <a:rPr sz="3200" b="1" spc="-35" dirty="0">
+                <a:solidFill>
+                  <a:srgbClr val="00B050"/>
+                </a:solidFill>
                 <a:latin typeface="ＭＳ ゴシック"/>
                 <a:cs typeface="ＭＳ ゴシック"/>
               </a:rPr>
-              <a:t>つ！</a:t>
+              <a:t>つ</a:t>
+            </a:r>
+            <a:r>
+              <a:rPr lang="ja-JP" altLang="en-US" sz="3200" b="1" spc="-35" dirty="0">
+                <a:solidFill>
+                  <a:srgbClr val="00B050"/>
+                </a:solidFill>
+                <a:latin typeface="ＭＳ ゴシック"/>
+                <a:cs typeface="ＭＳ ゴシック"/>
+              </a:rPr>
+              <a:t>にする</a:t>
             </a:r>
             <a:endParaRPr sz="3200" dirty="0">
+              <a:solidFill>
+                <a:srgbClr val="00B050"/>
+              </a:solidFill>
               <a:latin typeface="ＭＳ ゴシック"/>
               <a:cs typeface="ＭＳ ゴシック"/>
             </a:endParaRPr>
@@ -8613,8 +12539,8 @@
           <p:nvPr/>
         </p:nvSpPr>
         <p:spPr>
-          <a:xfrm flipH="1">
-            <a:off x="6172200" y="4413355"/>
+          <a:xfrm rot="10800000" flipH="1">
+            <a:off x="3979527" y="3702406"/>
             <a:ext cx="685800" cy="421645"/>
           </a:xfrm>
           <a:prstGeom prst="rightArrow">
@@ -8682,6 +12608,10 @@
           </p:nvPr>
         </p:nvSpPr>
         <p:spPr>
+          <a:xfrm>
+            <a:off x="838200" y="409096"/>
+            <a:ext cx="10515600" cy="689932"/>
+          </a:xfrm>
           <a:prstGeom prst="rect">
             <a:avLst/>
           </a:prstGeom>
@@ -8711,9 +12641,10 @@
               <a:t>▮</a:t>
             </a:r>
             <a:r>
-              <a:rPr spc="-10" dirty="0"/>
-              <a:t>bit01.c</a:t>
-            </a:r>
+              <a:rPr lang="ja-JP" altLang="en-US" spc="-10" dirty="0"/>
+              <a:t>ビット処理</a:t>
+            </a:r>
+            <a:endParaRPr spc="-10" dirty="0"/>
           </a:p>
         </p:txBody>
       </p:sp>
@@ -9892,12 +13823,12 @@
         <p:spPr>
           <a:xfrm>
             <a:off x="457388" y="3075432"/>
-            <a:ext cx="10952989" cy="655308"/>
+            <a:ext cx="7190877" cy="655308"/>
           </a:xfrm>
           <a:prstGeom prst="rect">
             <a:avLst/>
           </a:prstGeom>
-          <a:ln w="12700">
+          <a:ln w="38100">
             <a:solidFill>
               <a:srgbClr val="1CACE3"/>
             </a:solidFill>
@@ -9957,10 +13888,10 @@
               <a:t> </a:t>
             </a:r>
             <a:r>
-              <a:rPr sz="4000" spc="-10" dirty="0">
-                <a:cs typeface="ＭＳ ゴシック"/>
-              </a:rPr>
-              <a:t>myState;</a:t>
+              <a:rPr sz="4000" spc="-10" dirty="0" err="1">
+                <a:cs typeface="ＭＳ ゴシック"/>
+              </a:rPr>
+              <a:t>myState</a:t>
             </a:r>
             <a:r>
               <a:rPr sz="4000" dirty="0">
@@ -9968,33 +13899,6 @@
                 <a:cs typeface="ＭＳ ゴシック"/>
               </a:rPr>
               <a:t>	</a:t>
-            </a:r>
-            <a:r>
-              <a:rPr sz="4000" dirty="0">
-                <a:solidFill>
-                  <a:srgbClr val="00AF50"/>
-                </a:solidFill>
-                <a:cs typeface="ＭＳ ゴシック"/>
-              </a:rPr>
-              <a:t>//0000</a:t>
-            </a:r>
-            <a:r>
-              <a:rPr sz="4000" spc="-110" dirty="0">
-                <a:solidFill>
-                  <a:srgbClr val="00AF50"/>
-                </a:solidFill>
-                <a:cs typeface="ＭＳ ゴシック"/>
-              </a:rPr>
-              <a:t> </a:t>
-            </a:r>
-            <a:r>
-              <a:rPr sz="4000" spc="-20" dirty="0">
-                <a:solidFill>
-                  <a:srgbClr val="00AF50"/>
-                </a:solidFill>
-                <a:cs typeface="ＭＳ ゴシック"/>
-              </a:rPr>
-              <a:t>0000</a:t>
             </a:r>
             <a:endParaRPr sz="4000" dirty="0">
               <a:cs typeface="ＭＳ ゴシック"/>
@@ -10067,17 +13971,17 @@
               </a:spcBef>
             </a:pPr>
             <a:r>
-              <a:rPr sz="3200" b="1" spc="-10" dirty="0">
+              <a:rPr sz="3200" b="1" spc="-10" dirty="0" err="1">
                 <a:cs typeface="Century Gothic"/>
               </a:rPr>
               <a:t>myState</a:t>
             </a:r>
             <a:r>
-              <a:rPr sz="3200" spc="-10" dirty="0">
+              <a:rPr lang="ja-JP" altLang="en-US" sz="3200" spc="-10" dirty="0">
                 <a:latin typeface="ＭＳ ゴシック"/>
                 <a:cs typeface="ＭＳ ゴシック"/>
               </a:rPr>
-              <a:t>が持つビットは</a:t>
+              <a:t>は</a:t>
             </a:r>
             <a:r>
               <a:rPr sz="3200" b="1" spc="-10" dirty="0">
@@ -10099,6 +14003,16 @@
               </a:rPr>
               <a:t>ビット</a:t>
             </a:r>
+            <a:r>
+              <a:rPr lang="ja-JP" altLang="en-US" sz="3200" b="1" spc="-45" dirty="0">
+                <a:solidFill>
+                  <a:srgbClr val="FF0000"/>
+                </a:solidFill>
+                <a:latin typeface="ＭＳ ゴシック"/>
+                <a:cs typeface="ＭＳ ゴシック"/>
+              </a:rPr>
+              <a:t>（桁）の数値</a:t>
+            </a:r>
             <a:br>
               <a:rPr lang="en-US" sz="3200" b="1" spc="-45" dirty="0">
                 <a:solidFill>
@@ -10124,6 +14038,9 @@
             </a:r>
             <a:r>
               <a:rPr sz="3200" b="1" u="sng" spc="-10" dirty="0">
+                <a:solidFill>
+                  <a:srgbClr val="00B0F0"/>
+                </a:solidFill>
                 <a:uFill>
                   <a:solidFill>
                     <a:srgbClr val="000000"/>
@@ -10136,6 +14053,9 @@
             </a:r>
             <a:r>
               <a:rPr sz="3200" b="1" u="sng" spc="-45" dirty="0">
+                <a:solidFill>
+                  <a:srgbClr val="00B0F0"/>
+                </a:solidFill>
                 <a:uFill>
                   <a:solidFill>
                     <a:srgbClr val="000000"/>
@@ -10144,10 +14064,13 @@
                 <a:latin typeface="ＭＳ ゴシック"/>
                 <a:cs typeface="ＭＳ ゴシック"/>
               </a:rPr>
-              <a:t>ビットに状態</a:t>
-            </a:r>
-            <a:r>
-              <a:rPr sz="3200" spc="-45" dirty="0">
+              <a:t>ビットに</a:t>
+            </a:r>
+            <a:r>
+              <a:rPr lang="ja-JP" altLang="en-US" sz="3200" b="1" u="sng" spc="-45" dirty="0">
+                <a:solidFill>
+                  <a:srgbClr val="00B0F0"/>
+                </a:solidFill>
                 <a:uFill>
                   <a:solidFill>
                     <a:srgbClr val="000000"/>
@@ -10156,6 +14079,33 @@
                 <a:latin typeface="ＭＳ ゴシック"/>
                 <a:cs typeface="ＭＳ ゴシック"/>
               </a:rPr>
+              <a:t>ひとつの</a:t>
+            </a:r>
+            <a:r>
+              <a:rPr sz="3200" b="1" u="sng" spc="-45" dirty="0" err="1">
+                <a:solidFill>
+                  <a:srgbClr val="00B0F0"/>
+                </a:solidFill>
+                <a:uFill>
+                  <a:solidFill>
+                    <a:srgbClr val="000000"/>
+                  </a:solidFill>
+                </a:uFill>
+                <a:latin typeface="ＭＳ ゴシック"/>
+                <a:cs typeface="ＭＳ ゴシック"/>
+              </a:rPr>
+              <a:t>状態</a:t>
+            </a:r>
+            <a:r>
+              <a:rPr sz="3200" spc="-45" dirty="0" err="1">
+                <a:uFill>
+                  <a:solidFill>
+                    <a:srgbClr val="000000"/>
+                  </a:solidFill>
+                </a:uFill>
+                <a:latin typeface="ＭＳ ゴシック"/>
+                <a:cs typeface="ＭＳ ゴシック"/>
+              </a:rPr>
               <a:t>を当てはめる</a:t>
             </a:r>
             <a:endParaRPr sz="3200" dirty="0">
@@ -10167,49 +14117,183 @@
       </p:sp>
       <p:sp>
         <p:nvSpPr>
-          <p:cNvPr id="7" name="object 7"/>
-          <p:cNvSpPr/>
+          <p:cNvPr id="8" name="テキスト ボックス 7">
+            <a:extLst>
+              <a:ext uri="{FF2B5EF4-FFF2-40B4-BE49-F238E27FC236}">
+                <a16:creationId xmlns:a16="http://schemas.microsoft.com/office/drawing/2014/main" id="{F20F3444-4BB4-4FA7-BF09-A85E04D542ED}"/>
+              </a:ext>
+            </a:extLst>
+          </p:cNvPr>
+          <p:cNvSpPr txBox="1"/>
           <p:nvPr/>
         </p:nvSpPr>
         <p:spPr>
           <a:xfrm>
-            <a:off x="8766967" y="3615270"/>
-            <a:ext cx="26034" cy="0"/>
+            <a:off x="7899072" y="2987587"/>
+            <a:ext cx="3772186" cy="830997"/>
           </a:xfrm>
-          <a:custGeom>
+          <a:prstGeom prst="rect">
             <a:avLst/>
-            <a:gdLst/>
-            <a:ahLst/>
-            <a:cxnLst/>
-            <a:rect l="l" t="t" r="r" b="b"/>
-            <a:pathLst>
-              <a:path w="26034">
-                <a:moveTo>
-                  <a:pt x="0" y="0"/>
-                </a:moveTo>
-                <a:lnTo>
-                  <a:pt x="0" y="0"/>
-                </a:lnTo>
-                <a:lnTo>
-                  <a:pt x="24150" y="0"/>
-                </a:lnTo>
-                <a:lnTo>
-                  <a:pt x="25472" y="0"/>
-                </a:lnTo>
-              </a:path>
-            </a:pathLst>
-          </a:custGeom>
-          <a:ln w="19050">
-            <a:solidFill>
-              <a:srgbClr val="FF5400"/>
-            </a:solidFill>
-          </a:ln>
+          </a:prstGeom>
+          <a:noFill/>
         </p:spPr>
         <p:txBody>
-          <a:bodyPr wrap="square" lIns="0" tIns="0" rIns="0" bIns="0" rtlCol="0"/>
+          <a:bodyPr wrap="none" rtlCol="0">
+            <a:spAutoFit/>
+          </a:bodyPr>
           <a:lstStyle/>
           <a:p>
-            <a:endParaRPr/>
+            <a:r>
+              <a:rPr lang="en-US" altLang="ja-JP" sz="2400" dirty="0">
+                <a:solidFill>
+                  <a:srgbClr val="00AF50"/>
+                </a:solidFill>
+                <a:cs typeface="ＭＳ ゴシック"/>
+              </a:rPr>
+              <a:t>0000</a:t>
+            </a:r>
+            <a:r>
+              <a:rPr lang="ja-JP" altLang="en-US" sz="2400" spc="-110" dirty="0">
+                <a:solidFill>
+                  <a:srgbClr val="00AF50"/>
+                </a:solidFill>
+                <a:cs typeface="ＭＳ ゴシック"/>
+              </a:rPr>
+              <a:t> </a:t>
+            </a:r>
+            <a:r>
+              <a:rPr lang="en-US" altLang="ja-JP" sz="2400" spc="-20" dirty="0">
+                <a:solidFill>
+                  <a:srgbClr val="00AF50"/>
+                </a:solidFill>
+                <a:cs typeface="ＭＳ ゴシック"/>
+              </a:rPr>
+              <a:t>0000</a:t>
+            </a:r>
+            <a:r>
+              <a:rPr lang="ja-JP" altLang="en-US" sz="2400" spc="-20" dirty="0">
+                <a:solidFill>
+                  <a:srgbClr val="00AF50"/>
+                </a:solidFill>
+                <a:cs typeface="ＭＳ ゴシック"/>
+              </a:rPr>
+              <a:t>　</a:t>
+            </a:r>
+            <a:r>
+              <a:rPr lang="en-US" altLang="ja-JP" sz="2400" dirty="0">
+                <a:solidFill>
+                  <a:srgbClr val="00AF50"/>
+                </a:solidFill>
+                <a:cs typeface="ＭＳ ゴシック"/>
+              </a:rPr>
+              <a:t>0000</a:t>
+            </a:r>
+            <a:r>
+              <a:rPr lang="ja-JP" altLang="en-US" sz="2400" spc="-110" dirty="0">
+                <a:solidFill>
+                  <a:srgbClr val="00AF50"/>
+                </a:solidFill>
+                <a:cs typeface="ＭＳ ゴシック"/>
+              </a:rPr>
+              <a:t> </a:t>
+            </a:r>
+            <a:r>
+              <a:rPr lang="en-US" altLang="ja-JP" sz="2400" spc="-20" dirty="0">
+                <a:solidFill>
+                  <a:srgbClr val="00AF50"/>
+                </a:solidFill>
+                <a:cs typeface="ＭＳ ゴシック"/>
+              </a:rPr>
+              <a:t>0000</a:t>
+            </a:r>
+            <a:br>
+              <a:rPr lang="en-US" altLang="ja-JP" sz="2400" spc="-20" dirty="0">
+                <a:solidFill>
+                  <a:srgbClr val="00AF50"/>
+                </a:solidFill>
+                <a:cs typeface="ＭＳ ゴシック"/>
+              </a:rPr>
+            </a:br>
+            <a:r>
+              <a:rPr lang="en-US" altLang="ja-JP" sz="2400" dirty="0">
+                <a:solidFill>
+                  <a:srgbClr val="00AF50"/>
+                </a:solidFill>
+                <a:cs typeface="ＭＳ ゴシック"/>
+              </a:rPr>
+              <a:t>0000</a:t>
+            </a:r>
+            <a:r>
+              <a:rPr lang="ja-JP" altLang="en-US" sz="2400" spc="-110" dirty="0">
+                <a:solidFill>
+                  <a:srgbClr val="00AF50"/>
+                </a:solidFill>
+                <a:cs typeface="ＭＳ ゴシック"/>
+              </a:rPr>
+              <a:t> </a:t>
+            </a:r>
+            <a:r>
+              <a:rPr lang="en-US" altLang="ja-JP" sz="2400" spc="-20" dirty="0">
+                <a:solidFill>
+                  <a:srgbClr val="00AF50"/>
+                </a:solidFill>
+                <a:cs typeface="ＭＳ ゴシック"/>
+              </a:rPr>
+              <a:t>0000</a:t>
+            </a:r>
+            <a:r>
+              <a:rPr lang="ja-JP" altLang="en-US" sz="2400" spc="-20" dirty="0">
+                <a:solidFill>
+                  <a:srgbClr val="00AF50"/>
+                </a:solidFill>
+                <a:cs typeface="ＭＳ ゴシック"/>
+              </a:rPr>
+              <a:t>　</a:t>
+            </a:r>
+            <a:r>
+              <a:rPr lang="en-US" altLang="ja-JP" sz="2400" dirty="0">
+                <a:solidFill>
+                  <a:srgbClr val="FF0000"/>
+                </a:solidFill>
+                <a:highlight>
+                  <a:srgbClr val="FFFF00"/>
+                </a:highlight>
+                <a:cs typeface="ＭＳ ゴシック"/>
+              </a:rPr>
+              <a:t>0000</a:t>
+            </a:r>
+            <a:r>
+              <a:rPr lang="ja-JP" altLang="en-US" sz="2400" spc="-110" dirty="0">
+                <a:solidFill>
+                  <a:srgbClr val="FF0000"/>
+                </a:solidFill>
+                <a:highlight>
+                  <a:srgbClr val="FFFF00"/>
+                </a:highlight>
+                <a:cs typeface="ＭＳ ゴシック"/>
+              </a:rPr>
+              <a:t> </a:t>
+            </a:r>
+            <a:r>
+              <a:rPr lang="en-US" altLang="ja-JP" sz="2400" spc="-20" dirty="0">
+                <a:solidFill>
+                  <a:srgbClr val="FF0000"/>
+                </a:solidFill>
+                <a:highlight>
+                  <a:srgbClr val="FFFF00"/>
+                </a:highlight>
+                <a:cs typeface="ＭＳ ゴシック"/>
+              </a:rPr>
+              <a:t>0000</a:t>
+            </a:r>
+            <a:endParaRPr kumimoji="1" lang="ja-JP" altLang="en-US" sz="2400" dirty="0">
+              <a:solidFill>
+                <a:srgbClr val="FF0000"/>
+              </a:solidFill>
+              <a:highlight>
+                <a:srgbClr val="FFFF00"/>
+              </a:highlight>
+            </a:endParaRPr>
           </a:p>
         </p:txBody>
       </p:sp>
@@ -10249,6 +14333,10 @@
           </p:nvPr>
         </p:nvSpPr>
         <p:spPr>
+          <a:xfrm>
+            <a:off x="838200" y="409096"/>
+            <a:ext cx="10515600" cy="689932"/>
+          </a:xfrm>
           <a:prstGeom prst="rect">
             <a:avLst/>
           </a:prstGeom>
@@ -10278,9 +14366,10 @@
               <a:t>▮</a:t>
             </a:r>
             <a:r>
-              <a:rPr spc="-10" dirty="0"/>
-              <a:t>bit01.c</a:t>
-            </a:r>
+              <a:rPr lang="ja-JP" altLang="en-US" spc="-10" dirty="0"/>
+              <a:t>ビット処理</a:t>
+            </a:r>
+            <a:endParaRPr spc="-10" dirty="0"/>
           </a:p>
         </p:txBody>
       </p:sp>
@@ -11864,9 +15953,10 @@
               <a:t>▮</a:t>
             </a:r>
             <a:r>
-              <a:rPr spc="-10" dirty="0"/>
-              <a:t>bit01.c</a:t>
-            </a:r>
+              <a:rPr lang="ja-JP" altLang="en-US" spc="-10" dirty="0"/>
+              <a:t>ビット処理</a:t>
+            </a:r>
+            <a:endParaRPr spc="-10" dirty="0"/>
           </a:p>
         </p:txBody>
       </p:sp>
@@ -14484,144 +18574,6 @@
           </a:p>
         </p:txBody>
       </p:sp>
-      <p:sp>
-        <p:nvSpPr>
-          <p:cNvPr id="13" name="object 13"/>
-          <p:cNvSpPr/>
-          <p:nvPr/>
-        </p:nvSpPr>
-        <p:spPr>
-          <a:xfrm>
-            <a:off x="6002643" y="2241462"/>
-            <a:ext cx="24130" cy="33655"/>
-          </a:xfrm>
-          <a:custGeom>
-            <a:avLst/>
-            <a:gdLst/>
-            <a:ahLst/>
-            <a:cxnLst/>
-            <a:rect l="l" t="t" r="r" b="b"/>
-            <a:pathLst>
-              <a:path w="24129" h="33655">
-                <a:moveTo>
-                  <a:pt x="16170" y="4997"/>
-                </a:moveTo>
-                <a:lnTo>
-                  <a:pt x="16388" y="4778"/>
-                </a:lnTo>
-                <a:lnTo>
-                  <a:pt x="16752" y="4195"/>
-                </a:lnTo>
-                <a:lnTo>
-                  <a:pt x="17480" y="3686"/>
-                </a:lnTo>
-                <a:lnTo>
-                  <a:pt x="18207" y="3178"/>
-                </a:lnTo>
-                <a:lnTo>
-                  <a:pt x="19674" y="2512"/>
-                </a:lnTo>
-                <a:lnTo>
-                  <a:pt x="20532" y="1944"/>
-                </a:lnTo>
-                <a:lnTo>
-                  <a:pt x="21390" y="1377"/>
-                </a:lnTo>
-                <a:lnTo>
-                  <a:pt x="22068" y="564"/>
-                </a:lnTo>
-                <a:lnTo>
-                  <a:pt x="22627" y="282"/>
-                </a:lnTo>
-                <a:lnTo>
-                  <a:pt x="23186" y="0"/>
-                </a:lnTo>
-                <a:lnTo>
-                  <a:pt x="23790" y="125"/>
-                </a:lnTo>
-                <a:lnTo>
-                  <a:pt x="23887" y="252"/>
-                </a:lnTo>
-                <a:lnTo>
-                  <a:pt x="23983" y="379"/>
-                </a:lnTo>
-                <a:lnTo>
-                  <a:pt x="23575" y="516"/>
-                </a:lnTo>
-                <a:lnTo>
-                  <a:pt x="23205" y="1044"/>
-                </a:lnTo>
-                <a:lnTo>
-                  <a:pt x="22835" y="1572"/>
-                </a:lnTo>
-                <a:lnTo>
-                  <a:pt x="22426" y="2346"/>
-                </a:lnTo>
-                <a:lnTo>
-                  <a:pt x="21668" y="3422"/>
-                </a:lnTo>
-                <a:lnTo>
-                  <a:pt x="20909" y="4498"/>
-                </a:lnTo>
-                <a:lnTo>
-                  <a:pt x="19915" y="5895"/>
-                </a:lnTo>
-                <a:lnTo>
-                  <a:pt x="18655" y="7499"/>
-                </a:lnTo>
-                <a:lnTo>
-                  <a:pt x="17394" y="9102"/>
-                </a:lnTo>
-                <a:lnTo>
-                  <a:pt x="15621" y="11011"/>
-                </a:lnTo>
-                <a:lnTo>
-                  <a:pt x="14105" y="13042"/>
-                </a:lnTo>
-                <a:lnTo>
-                  <a:pt x="12590" y="15074"/>
-                </a:lnTo>
-                <a:lnTo>
-                  <a:pt x="11165" y="17350"/>
-                </a:lnTo>
-                <a:lnTo>
-                  <a:pt x="9562" y="19687"/>
-                </a:lnTo>
-                <a:lnTo>
-                  <a:pt x="7958" y="22023"/>
-                </a:lnTo>
-                <a:lnTo>
-                  <a:pt x="6076" y="24751"/>
-                </a:lnTo>
-                <a:lnTo>
-                  <a:pt x="4482" y="27062"/>
-                </a:lnTo>
-                <a:lnTo>
-                  <a:pt x="2889" y="29373"/>
-                </a:lnTo>
-                <a:lnTo>
-                  <a:pt x="746" y="32468"/>
-                </a:lnTo>
-                <a:lnTo>
-                  <a:pt x="0" y="33549"/>
-                </a:lnTo>
-              </a:path>
-            </a:pathLst>
-          </a:custGeom>
-          <a:ln w="19050">
-            <a:solidFill>
-              <a:srgbClr val="FF5400"/>
-            </a:solidFill>
-          </a:ln>
-        </p:spPr>
-        <p:txBody>
-          <a:bodyPr wrap="square" lIns="0" tIns="0" rIns="0" bIns="0" rtlCol="0"/>
-          <a:lstStyle/>
-          <a:p>
-            <a:endParaRPr/>
-          </a:p>
-        </p:txBody>
-      </p:sp>
       <p:cxnSp>
         <p:nvCxnSpPr>
           <p:cNvPr id="5" name="直線コネクタ 4">

--- a/授業資料/授業資料：ビット処理.pptx
+++ b/授業資料/授業資料：ビット処理.pptx
@@ -5,7 +5,7 @@
     <p:sldMasterId id="2147483666" r:id="rId1"/>
   </p:sldMasterIdLst>
   <p:notesMasterIdLst>
-    <p:notesMasterId r:id="rId27"/>
+    <p:notesMasterId r:id="rId15"/>
   </p:notesMasterIdLst>
   <p:sldIdLst>
     <p:sldId id="272" r:id="rId2"/>
@@ -21,18 +21,6 @@
     <p:sldId id="274" r:id="rId12"/>
     <p:sldId id="275" r:id="rId13"/>
     <p:sldId id="276" r:id="rId14"/>
-    <p:sldId id="289" r:id="rId15"/>
-    <p:sldId id="277" r:id="rId16"/>
-    <p:sldId id="278" r:id="rId17"/>
-    <p:sldId id="279" r:id="rId18"/>
-    <p:sldId id="280" r:id="rId19"/>
-    <p:sldId id="282" r:id="rId20"/>
-    <p:sldId id="283" r:id="rId21"/>
-    <p:sldId id="284" r:id="rId22"/>
-    <p:sldId id="285" r:id="rId23"/>
-    <p:sldId id="286" r:id="rId24"/>
-    <p:sldId id="287" r:id="rId25"/>
-    <p:sldId id="288" r:id="rId26"/>
   </p:sldIdLst>
   <p:sldSz cx="12192000" cy="6858000"/>
   <p:notesSz cx="12192000" cy="6858000"/>
@@ -4545,7 +4533,7 @@
               <a:rPr kumimoji="1" lang="en-US" altLang="ja-JP" dirty="0"/>
             </a:br>
             <a:r>
-              <a:rPr kumimoji="1" lang="en-US" altLang="ja-JP" dirty="0" err="1">
+              <a:rPr kumimoji="1" lang="en-US" altLang="ja-JP" b="1" dirty="0" err="1">
                 <a:solidFill>
                   <a:srgbClr val="FF0000"/>
                 </a:solidFill>
@@ -4650,7 +4638,7 @@
               <a:rPr lang="en-US" altLang="ja-JP" dirty="0"/>
             </a:br>
             <a:r>
-              <a:rPr lang="en-US" altLang="ja-JP" dirty="0" err="1">
+              <a:rPr lang="en-US" altLang="ja-JP" b="1" dirty="0" err="1">
                 <a:solidFill>
                   <a:srgbClr val="FF0000"/>
                 </a:solidFill>
@@ -4933,62 +4921,38 @@
             </a:br>
             <a:r>
               <a:rPr lang="en-US" altLang="ja-JP" dirty="0"/>
-              <a:t>  </a:t>
+              <a:t>  Sun, Mon, Tue</a:t>
+            </a:r>
+            <a:r>
+              <a:rPr lang="ja-JP" altLang="en-US" dirty="0"/>
+              <a:t> </a:t>
+            </a:r>
+            <a:r>
+              <a:rPr lang="en-US" altLang="ja-JP" dirty="0"/>
+              <a:t>= </a:t>
             </a:r>
             <a:r>
               <a:rPr lang="en-US" altLang="ja-JP" dirty="0">
                 <a:solidFill>
-                  <a:srgbClr val="00B050"/>
-                </a:solidFill>
-              </a:rPr>
-              <a:t>Sun, Mon, Tue</a:t>
-            </a:r>
-            <a:r>
-              <a:rPr lang="ja-JP" altLang="en-US" dirty="0">
-                <a:solidFill>
-                  <a:srgbClr val="00B050"/>
-                </a:solidFill>
-              </a:rPr>
-              <a:t> </a:t>
+                  <a:srgbClr val="FF0000"/>
+                </a:solidFill>
+              </a:rPr>
+              <a:t>10</a:t>
+            </a:r>
+            <a:r>
+              <a:rPr lang="en-US" altLang="ja-JP" dirty="0"/>
+              <a:t>, Wed, Thu, Fri = </a:t>
             </a:r>
             <a:r>
               <a:rPr lang="en-US" altLang="ja-JP" dirty="0">
                 <a:solidFill>
-                  <a:srgbClr val="00B050"/>
-                </a:solidFill>
-              </a:rPr>
-              <a:t>= </a:t>
-            </a:r>
-            <a:r>
-              <a:rPr lang="en-US" altLang="ja-JP" dirty="0">
-                <a:solidFill>
-                  <a:srgbClr val="FF0000"/>
-                </a:solidFill>
-              </a:rPr>
-              <a:t>10</a:t>
-            </a:r>
-            <a:r>
-              <a:rPr lang="en-US" altLang="ja-JP" dirty="0">
-                <a:solidFill>
-                  <a:srgbClr val="00B050"/>
-                </a:solidFill>
-              </a:rPr>
-              <a:t>, Wed, Thu, Fri = </a:t>
-            </a:r>
-            <a:r>
-              <a:rPr lang="en-US" altLang="ja-JP" dirty="0">
-                <a:solidFill>
                   <a:srgbClr val="00B0F0"/>
                 </a:solidFill>
               </a:rPr>
               <a:t>20</a:t>
             </a:r>
             <a:r>
-              <a:rPr lang="en-US" altLang="ja-JP" dirty="0">
-                <a:solidFill>
-                  <a:srgbClr val="00B050"/>
-                </a:solidFill>
-              </a:rPr>
+              <a:rPr lang="en-US" altLang="ja-JP" dirty="0"/>
               <a:t>, Sat</a:t>
             </a:r>
             <a:br>
@@ -5016,7 +4980,23 @@
             </a:br>
             <a:r>
               <a:rPr lang="en-US" altLang="ja-JP" dirty="0"/>
-              <a:t>Sun:0 Mon:1 </a:t>
+              <a:t>Sun:</a:t>
+            </a:r>
+            <a:r>
+              <a:rPr lang="ja-JP" altLang="en-US" dirty="0"/>
+              <a:t>　</a:t>
+            </a:r>
+            <a:r>
+              <a:rPr lang="en-US" altLang="ja-JP" dirty="0"/>
+              <a:t>0 Mon:</a:t>
+            </a:r>
+            <a:r>
+              <a:rPr lang="ja-JP" altLang="en-US" dirty="0"/>
+              <a:t>　</a:t>
+            </a:r>
+            <a:r>
+              <a:rPr lang="en-US" altLang="ja-JP" dirty="0"/>
+              <a:t>1 </a:t>
             </a:r>
             <a:br>
               <a:rPr lang="en-US" altLang="ja-JP" dirty="0"/>
@@ -5062,6 +5042,10 @@
             <a:br>
               <a:rPr lang="en-US" altLang="ja-JP" dirty="0"/>
             </a:br>
+            <a:r>
+              <a:rPr lang="ja-JP" altLang="en-US" dirty="0" err="1"/>
+              <a:t>のように</a:t>
+            </a:r>
             <a:r>
               <a:rPr lang="ja-JP" altLang="en-US" dirty="0"/>
               <a:t>設定した値以降が連番となる</a:t>
@@ -5162,7 +5146,7 @@
             </a:r>
             <a:r>
               <a:rPr lang="en-US" altLang="ja-JP" dirty="0"/>
-              <a:t>Base = 0,		//0000 0000 0000 0000</a:t>
+              <a:t>Base = 0,		//0000 0000(0)</a:t>
             </a:r>
             <a:br>
               <a:rPr lang="en-US" altLang="ja-JP" dirty="0"/>
@@ -5176,7 +5160,7 @@
             </a:r>
             <a:r>
               <a:rPr lang="en-US" altLang="ja-JP" dirty="0"/>
-              <a:t>Poison = 1 &lt;&lt; 0,	//0000 0000 0000 000</a:t>
+              <a:t>Poison = 1 &lt;&lt; 0,	//0000 000</a:t>
             </a:r>
             <a:r>
               <a:rPr lang="en-US" altLang="ja-JP" dirty="0">
@@ -5185,6 +5169,10 @@
                 </a:solidFill>
               </a:rPr>
               <a:t>1</a:t>
+            </a:r>
+            <a:r>
+              <a:rPr lang="en-US" altLang="ja-JP" dirty="0"/>
+              <a:t>(1)</a:t>
             </a:r>
           </a:p>
           <a:p>
@@ -5194,7 +5182,7 @@
             </a:r>
             <a:r>
               <a:rPr lang="en-US" altLang="ja-JP" dirty="0"/>
-              <a:t>Sleep = 1 &lt;&lt; 1,		//0000 0000 0000 00</a:t>
+              <a:t>Sleep = 1 &lt;&lt; 1,		//0000 00</a:t>
             </a:r>
             <a:r>
               <a:rPr lang="en-US" altLang="ja-JP" dirty="0">
@@ -5206,7 +5194,7 @@
             </a:r>
             <a:r>
               <a:rPr lang="en-US" altLang="ja-JP" dirty="0"/>
-              <a:t>0</a:t>
+              <a:t>0(2)</a:t>
             </a:r>
           </a:p>
           <a:p>
@@ -5216,7 +5204,7 @@
             </a:r>
             <a:r>
               <a:rPr lang="en-US" altLang="ja-JP" dirty="0"/>
-              <a:t>Paralysis = 1 &lt;&lt; 2,	//0000 0000 0000 0</a:t>
+              <a:t>Paralysis = 1 &lt;&lt; 2,	//0000 0</a:t>
             </a:r>
             <a:r>
               <a:rPr lang="en-US" altLang="ja-JP" dirty="0">
@@ -5228,7 +5216,7 @@
             </a:r>
             <a:r>
               <a:rPr lang="en-US" altLang="ja-JP" dirty="0"/>
-              <a:t>00</a:t>
+              <a:t>00(4)</a:t>
             </a:r>
           </a:p>
           <a:p>
@@ -5238,7 +5226,7 @@
             </a:r>
             <a:r>
               <a:rPr lang="en-US" altLang="ja-JP" dirty="0"/>
-              <a:t>Burn = 1 &lt;&lt; 3,		//0000 0000 0000 </a:t>
+              <a:t>Burn = 1 &lt;&lt; 3,		//0000 </a:t>
             </a:r>
             <a:r>
               <a:rPr lang="en-US" altLang="ja-JP" dirty="0">
@@ -5250,7 +5238,7 @@
             </a:r>
             <a:r>
               <a:rPr lang="en-US" altLang="ja-JP" dirty="0"/>
-              <a:t>000</a:t>
+              <a:t>000(8)</a:t>
             </a:r>
           </a:p>
           <a:p>
@@ -5272,7 +5260,7 @@
             </a:r>
             <a:r>
               <a:rPr lang="en-US" altLang="ja-JP" dirty="0"/>
-              <a:t> = 1 &lt;&lt; 4,	//0000 0000 000</a:t>
+              <a:t> = 1 &lt;&lt; 4,	//000</a:t>
             </a:r>
             <a:r>
               <a:rPr lang="en-US" altLang="ja-JP" dirty="0">
@@ -5284,7 +5272,7 @@
             </a:r>
             <a:r>
               <a:rPr lang="en-US" altLang="ja-JP" dirty="0"/>
-              <a:t> 0000</a:t>
+              <a:t> 0000(16)</a:t>
             </a:r>
           </a:p>
           <a:p>
@@ -5306,7 +5294,7 @@
             </a:r>
             <a:r>
               <a:rPr lang="en-US" altLang="ja-JP" dirty="0"/>
-              <a:t> = 1 &lt;&lt; 5	//0000 0000 00</a:t>
+              <a:t> = 1 &lt;&lt; 5	//00</a:t>
             </a:r>
             <a:r>
               <a:rPr lang="en-US" altLang="ja-JP" dirty="0">
@@ -5318,7 +5306,7 @@
             </a:r>
             <a:r>
               <a:rPr lang="en-US" altLang="ja-JP" dirty="0"/>
-              <a:t>0 0000</a:t>
+              <a:t>0 0000(32)</a:t>
             </a:r>
           </a:p>
           <a:p>
@@ -5481,7 +5469,7 @@
             </a:r>
             <a:r>
               <a:rPr lang="en-US" altLang="ja-JP" dirty="0"/>
-              <a:t>Base = 0,		//0000 0000 0000 0000</a:t>
+              <a:t>Base = 0,		//0000 0000</a:t>
             </a:r>
           </a:p>
           <a:p>
@@ -5491,7 +5479,7 @@
             </a:r>
             <a:r>
               <a:rPr lang="en-US" altLang="ja-JP" dirty="0"/>
-              <a:t>Poison = 1 &lt;&lt; 0,	//0000 0000 0000 000</a:t>
+              <a:t>Poison = 1 &lt;&lt; 0,	//0000 000</a:t>
             </a:r>
             <a:r>
               <a:rPr lang="en-US" altLang="ja-JP" dirty="0">
@@ -5509,7 +5497,7 @@
             </a:r>
             <a:r>
               <a:rPr lang="en-US" altLang="ja-JP" dirty="0"/>
-              <a:t>Sleep = 1 &lt;&lt; 1,		//0000 0000 0000 00</a:t>
+              <a:t>Sleep = 1 &lt;&lt; 1,		//0000 00</a:t>
             </a:r>
             <a:r>
               <a:rPr lang="en-US" altLang="ja-JP" dirty="0">
@@ -5551,14 +5539,26 @@
             <a:r>
               <a:rPr kumimoji="1" lang="en-US" altLang="ja-JP" b="1" dirty="0">
                 <a:solidFill>
+                  <a:srgbClr val="00B050"/>
+                </a:solidFill>
+              </a:rPr>
+              <a:t>|</a:t>
+            </a:r>
+            <a:r>
+              <a:rPr kumimoji="1" lang="en-US" altLang="ja-JP" dirty="0"/>
+              <a:t> </a:t>
+            </a:r>
+            <a:r>
+              <a:rPr kumimoji="1" lang="en-US" altLang="ja-JP" dirty="0">
+                <a:solidFill>
                   <a:srgbClr val="FF0000"/>
                 </a:solidFill>
               </a:rPr>
-              <a:t>|</a:t>
+              <a:t>Poison</a:t>
             </a:r>
             <a:r>
               <a:rPr kumimoji="1" lang="en-US" altLang="ja-JP" dirty="0"/>
-              <a:t> Poison		0000 0000(</a:t>
+              <a:t>		0000 0000 (</a:t>
             </a:r>
             <a:r>
               <a:rPr kumimoji="1" lang="en-US" altLang="ja-JP" dirty="0" err="1"/>
@@ -5581,11 +5581,23 @@
                   <a:srgbClr val="FF0000"/>
                 </a:solidFill>
               </a:rPr>
-              <a:t>1</a:t>
+              <a:t>1 </a:t>
             </a:r>
             <a:r>
               <a:rPr kumimoji="1" lang="en-US" altLang="ja-JP" dirty="0"/>
-              <a:t>(Poison)</a:t>
+              <a:t>(</a:t>
+            </a:r>
+            <a:r>
+              <a:rPr kumimoji="1" lang="en-US" altLang="ja-JP" dirty="0">
+                <a:solidFill>
+                  <a:srgbClr val="FF0000"/>
+                </a:solidFill>
+              </a:rPr>
+              <a:t>Poison</a:t>
+            </a:r>
+            <a:r>
+              <a:rPr kumimoji="1" lang="en-US" altLang="ja-JP" dirty="0"/>
+              <a:t>)</a:t>
             </a:r>
             <a:br>
               <a:rPr kumimoji="1" lang="en-US" altLang="ja-JP" dirty="0"/>
@@ -5600,7 +5612,7 @@
                   <a:srgbClr val="FF0000"/>
                 </a:solidFill>
               </a:rPr>
-              <a:t>1</a:t>
+              <a:t>1 </a:t>
             </a:r>
             <a:r>
               <a:rPr kumimoji="1" lang="en-US" altLang="ja-JP" dirty="0"/>
@@ -5608,7 +5620,15 @@
             </a:r>
             <a:r>
               <a:rPr kumimoji="1" lang="en-US" altLang="ja-JP" dirty="0" err="1"/>
-              <a:t>Status:Poison</a:t>
+              <a:t>Status:</a:t>
+            </a:r>
+            <a:r>
+              <a:rPr kumimoji="1" lang="en-US" altLang="ja-JP" dirty="0" err="1">
+                <a:solidFill>
+                  <a:srgbClr val="FF0000"/>
+                </a:solidFill>
+              </a:rPr>
+              <a:t>Poison</a:t>
             </a:r>
             <a:r>
               <a:rPr kumimoji="1" lang="en-US" altLang="ja-JP" dirty="0"/>
@@ -5630,22 +5650,34 @@
             <a:r>
               <a:rPr kumimoji="1" lang="en-US" altLang="ja-JP" b="1" dirty="0">
                 <a:solidFill>
+                  <a:srgbClr val="00B050"/>
+                </a:solidFill>
+              </a:rPr>
+              <a:t>|</a:t>
+            </a:r>
+            <a:r>
+              <a:rPr kumimoji="1" lang="en-US" altLang="ja-JP" dirty="0"/>
+              <a:t> </a:t>
+            </a:r>
+            <a:r>
+              <a:rPr kumimoji="1" lang="en-US" altLang="ja-JP" dirty="0">
+                <a:solidFill>
+                  <a:srgbClr val="00B0F0"/>
+                </a:solidFill>
+              </a:rPr>
+              <a:t>Sleep</a:t>
+            </a:r>
+            <a:r>
+              <a:rPr kumimoji="1" lang="en-US" altLang="ja-JP" dirty="0"/>
+              <a:t>		0000 000</a:t>
+            </a:r>
+            <a:r>
+              <a:rPr kumimoji="1" lang="en-US" altLang="ja-JP" dirty="0">
+                <a:solidFill>
                   <a:srgbClr val="FF0000"/>
                 </a:solidFill>
               </a:rPr>
-              <a:t>|</a:t>
-            </a:r>
-            <a:r>
-              <a:rPr kumimoji="1" lang="en-US" altLang="ja-JP" dirty="0"/>
-              <a:t> Sleep		0000 000</a:t>
-            </a:r>
-            <a:r>
-              <a:rPr kumimoji="1" lang="en-US" altLang="ja-JP" dirty="0">
-                <a:solidFill>
-                  <a:srgbClr val="FF0000"/>
-                </a:solidFill>
-              </a:rPr>
-              <a:t>1</a:t>
+              <a:t>1 </a:t>
             </a:r>
             <a:r>
               <a:rPr kumimoji="1" lang="en-US" altLang="ja-JP" dirty="0"/>
@@ -5653,7 +5685,15 @@
             </a:r>
             <a:r>
               <a:rPr kumimoji="1" lang="en-US" altLang="ja-JP" dirty="0" err="1"/>
-              <a:t>Status:Poison</a:t>
+              <a:t>Status:</a:t>
+            </a:r>
+            <a:r>
+              <a:rPr kumimoji="1" lang="en-US" altLang="ja-JP" dirty="0" err="1">
+                <a:solidFill>
+                  <a:srgbClr val="FF0000"/>
+                </a:solidFill>
+              </a:rPr>
+              <a:t>Poison</a:t>
             </a:r>
             <a:r>
               <a:rPr kumimoji="1" lang="en-US" altLang="ja-JP" dirty="0"/>
@@ -5676,7 +5716,19 @@
             </a:r>
             <a:r>
               <a:rPr kumimoji="1" lang="en-US" altLang="ja-JP" dirty="0"/>
-              <a:t>0(Sleep)</a:t>
+              <a:t>0 (</a:t>
+            </a:r>
+            <a:r>
+              <a:rPr kumimoji="1" lang="en-US" altLang="ja-JP" dirty="0">
+                <a:solidFill>
+                  <a:srgbClr val="00B0F0"/>
+                </a:solidFill>
+              </a:rPr>
+              <a:t>Sleep</a:t>
+            </a:r>
+            <a:r>
+              <a:rPr kumimoji="1" lang="en-US" altLang="ja-JP" dirty="0"/>
+              <a:t>)</a:t>
             </a:r>
             <a:br>
               <a:rPr kumimoji="1" lang="en-US" altLang="ja-JP" dirty="0"/>
@@ -5699,19 +5751,35 @@
                   <a:srgbClr val="FF0000"/>
                 </a:solidFill>
               </a:rPr>
-              <a:t>1</a:t>
+              <a:t>1 </a:t>
             </a:r>
             <a:r>
               <a:rPr kumimoji="1" lang="en-US" altLang="ja-JP" dirty="0"/>
-              <a:t>(Poison</a:t>
-            </a:r>
-            <a:r>
-              <a:rPr kumimoji="1" lang="ja-JP" altLang="en-US" dirty="0"/>
+              <a:t>(</a:t>
+            </a:r>
+            <a:r>
+              <a:rPr kumimoji="1" lang="en-US" altLang="ja-JP" dirty="0">
+                <a:solidFill>
+                  <a:srgbClr val="00B0F0"/>
+                </a:solidFill>
+              </a:rPr>
+              <a:t>Sleep</a:t>
+            </a:r>
+            <a:r>
+              <a:rPr lang="ja-JP" altLang="en-US" dirty="0"/>
               <a:t>＋</a:t>
             </a:r>
             <a:r>
+              <a:rPr lang="en-US" altLang="ja-JP" dirty="0">
+                <a:solidFill>
+                  <a:srgbClr val="FF0000"/>
+                </a:solidFill>
+              </a:rPr>
+              <a:t>Poison</a:t>
+            </a:r>
+            <a:r>
               <a:rPr kumimoji="1" lang="en-US" altLang="ja-JP" dirty="0"/>
-              <a:t>Sleep)</a:t>
+              <a:t>)</a:t>
             </a:r>
           </a:p>
         </p:txBody>
@@ -5747,14 +5815,14 @@
             <a:r>
               <a:rPr kumimoji="1" lang="en-US" altLang="ja-JP" sz="2400" dirty="0">
                 <a:solidFill>
-                  <a:srgbClr val="FF0000"/>
+                  <a:srgbClr val="00B050"/>
                 </a:solidFill>
               </a:rPr>
               <a:t>OR</a:t>
             </a:r>
             <a:endParaRPr kumimoji="1" lang="ja-JP" altLang="en-US" sz="2400" dirty="0">
               <a:solidFill>
-                <a:srgbClr val="FF0000"/>
+                <a:srgbClr val="00B050"/>
               </a:solidFill>
             </a:endParaRPr>
           </a:p>
@@ -5791,14 +5859,14 @@
             <a:r>
               <a:rPr kumimoji="1" lang="en-US" altLang="ja-JP" sz="2400" dirty="0">
                 <a:solidFill>
-                  <a:srgbClr val="FF0000"/>
+                  <a:srgbClr val="00B050"/>
                 </a:solidFill>
               </a:rPr>
               <a:t>OR</a:t>
             </a:r>
             <a:endParaRPr kumimoji="1" lang="ja-JP" altLang="en-US" sz="2400" dirty="0">
               <a:solidFill>
-                <a:srgbClr val="FF0000"/>
+                <a:srgbClr val="00B050"/>
               </a:solidFill>
             </a:endParaRPr>
           </a:p>
@@ -5808,1399 +5876,6 @@
     <p:extLst>
       <p:ext uri="{BB962C8B-B14F-4D97-AF65-F5344CB8AC3E}">
         <p14:creationId xmlns:p14="http://schemas.microsoft.com/office/powerpoint/2010/main" val="3404536877"/>
-      </p:ext>
-    </p:extLst>
-  </p:cSld>
-  <p:clrMapOvr>
-    <a:masterClrMapping/>
-  </p:clrMapOvr>
-</p:sld>
-</file>
-
-<file path=ppt/slides/slide14.xml><?xml version="1.0" encoding="utf-8"?>
-<p:sld xmlns:a="http://schemas.openxmlformats.org/drawingml/2006/main" xmlns:r="http://schemas.openxmlformats.org/officeDocument/2006/relationships" xmlns:p="http://schemas.openxmlformats.org/presentationml/2006/main">
-  <p:cSld>
-    <p:spTree>
-      <p:nvGrpSpPr>
-        <p:cNvPr id="1" name=""/>
-        <p:cNvGrpSpPr/>
-        <p:nvPr/>
-      </p:nvGrpSpPr>
-      <p:grpSpPr>
-        <a:xfrm>
-          <a:off x="0" y="0"/>
-          <a:ext cx="0" cy="0"/>
-          <a:chOff x="0" y="0"/>
-          <a:chExt cx="0" cy="0"/>
-        </a:xfrm>
-      </p:grpSpPr>
-      <p:sp>
-        <p:nvSpPr>
-          <p:cNvPr id="2" name="タイトル 1">
-            <a:extLst>
-              <a:ext uri="{FF2B5EF4-FFF2-40B4-BE49-F238E27FC236}">
-                <a16:creationId xmlns:a16="http://schemas.microsoft.com/office/drawing/2014/main" id="{5B438378-E70B-D0A9-515C-B6E7AECAD9F8}"/>
-              </a:ext>
-            </a:extLst>
-          </p:cNvPr>
-          <p:cNvSpPr>
-            <a:spLocks noGrp="1"/>
-          </p:cNvSpPr>
-          <p:nvPr>
-            <p:ph type="title"/>
-          </p:nvPr>
-        </p:nvSpPr>
-        <p:spPr/>
-        <p:txBody>
-          <a:bodyPr/>
-          <a:lstStyle/>
-          <a:p>
-            <a:r>
-              <a:rPr lang="ja-JP" altLang="en-US" dirty="0"/>
-              <a:t>演習　</a:t>
-            </a:r>
-            <a:r>
-              <a:rPr kumimoji="1" lang="en-US" altLang="ja-JP" dirty="0" err="1"/>
-              <a:t>bit.c</a:t>
-            </a:r>
-            <a:endParaRPr kumimoji="1" lang="ja-JP" altLang="en-US" dirty="0"/>
-          </a:p>
-        </p:txBody>
-      </p:sp>
-      <p:sp>
-        <p:nvSpPr>
-          <p:cNvPr id="3" name="コンテンツ プレースホルダー 2">
-            <a:extLst>
-              <a:ext uri="{FF2B5EF4-FFF2-40B4-BE49-F238E27FC236}">
-                <a16:creationId xmlns:a16="http://schemas.microsoft.com/office/drawing/2014/main" id="{4EB2B356-EDF6-25E4-62BF-DBB51B977CFA}"/>
-              </a:ext>
-            </a:extLst>
-          </p:cNvPr>
-          <p:cNvSpPr>
-            <a:spLocks noGrp="1"/>
-          </p:cNvSpPr>
-          <p:nvPr>
-            <p:ph idx="1"/>
-          </p:nvPr>
-        </p:nvSpPr>
-        <p:spPr/>
-        <p:txBody>
-          <a:bodyPr>
-            <a:normAutofit/>
-          </a:bodyPr>
-          <a:lstStyle/>
-          <a:p>
-            <a:r>
-              <a:rPr kumimoji="1" lang="ja-JP" altLang="en-US" sz="3200" dirty="0"/>
-              <a:t>ビットを用いたフラグデータ管理を行う。</a:t>
-            </a:r>
-            <a:br>
-              <a:rPr kumimoji="1" lang="en-US" altLang="ja-JP" sz="3200" dirty="0"/>
-            </a:br>
-            <a:r>
-              <a:rPr kumimoji="1" lang="ja-JP" altLang="en-US" sz="3200" dirty="0"/>
-              <a:t>各状態を列挙型</a:t>
-            </a:r>
-            <a:r>
-              <a:rPr kumimoji="1" lang="en-US" altLang="ja-JP" sz="3200" dirty="0" err="1"/>
-              <a:t>enum</a:t>
-            </a:r>
-            <a:r>
-              <a:rPr kumimoji="1" lang="ja-JP" altLang="en-US" sz="3200" dirty="0"/>
-              <a:t>で定義して、</a:t>
-            </a:r>
-            <a:br>
-              <a:rPr kumimoji="1" lang="en-US" altLang="ja-JP" sz="3200" dirty="0"/>
-            </a:br>
-            <a:br>
-              <a:rPr kumimoji="1" lang="en-US" altLang="ja-JP" sz="3200" dirty="0"/>
-            </a:br>
-            <a:r>
-              <a:rPr kumimoji="1" lang="ja-JP" altLang="en-US" sz="3200" dirty="0"/>
-              <a:t>・</a:t>
-            </a:r>
-            <a:r>
-              <a:rPr kumimoji="1" lang="en-US" altLang="ja-JP" sz="3200" dirty="0" err="1"/>
-              <a:t>dispStatus</a:t>
-            </a:r>
-            <a:r>
-              <a:rPr lang="ja-JP" altLang="en-US" sz="3200" dirty="0"/>
-              <a:t>関数で現在の状態フラグを表示</a:t>
-            </a:r>
-            <a:br>
-              <a:rPr lang="en-US" altLang="ja-JP" sz="3200" dirty="0"/>
-            </a:br>
-            <a:br>
-              <a:rPr lang="en-US" altLang="ja-JP" sz="3200" dirty="0"/>
-            </a:br>
-            <a:r>
-              <a:rPr lang="ja-JP" altLang="en-US" sz="3200" dirty="0"/>
-              <a:t>・</a:t>
-            </a:r>
-            <a:r>
-              <a:rPr lang="en-US" altLang="ja-JP" sz="3200" dirty="0" err="1"/>
-              <a:t>changeStatus</a:t>
-            </a:r>
-            <a:r>
-              <a:rPr lang="ja-JP" altLang="en-US" sz="3200" dirty="0"/>
-              <a:t>関数で状態フラグをセット</a:t>
-            </a:r>
-            <a:br>
-              <a:rPr lang="en-US" altLang="ja-JP" sz="3200" dirty="0"/>
-            </a:br>
-            <a:br>
-              <a:rPr lang="en-US" altLang="ja-JP" sz="3200" dirty="0"/>
-            </a:br>
-            <a:r>
-              <a:rPr lang="ja-JP" altLang="en-US" sz="3200" dirty="0"/>
-              <a:t>・</a:t>
-            </a:r>
-            <a:r>
-              <a:rPr lang="en-US" altLang="ja-JP" sz="3200" dirty="0" err="1"/>
-              <a:t>clearStatus</a:t>
-            </a:r>
-            <a:r>
-              <a:rPr lang="ja-JP" altLang="en-US" sz="3200" dirty="0"/>
-              <a:t>関数で状態フラグをクリア</a:t>
-            </a:r>
-            <a:br>
-              <a:rPr lang="en-US" altLang="ja-JP" sz="3200" dirty="0"/>
-            </a:br>
-            <a:br>
-              <a:rPr lang="en-US" altLang="ja-JP" sz="3200" dirty="0"/>
-            </a:br>
-            <a:r>
-              <a:rPr lang="ja-JP" altLang="en-US" sz="3200" dirty="0"/>
-              <a:t>するプログラムを作成する</a:t>
-            </a:r>
-            <a:endParaRPr kumimoji="1" lang="en-US" altLang="ja-JP" sz="3200" dirty="0"/>
-          </a:p>
-        </p:txBody>
-      </p:sp>
-    </p:spTree>
-    <p:extLst>
-      <p:ext uri="{BB962C8B-B14F-4D97-AF65-F5344CB8AC3E}">
-        <p14:creationId xmlns:p14="http://schemas.microsoft.com/office/powerpoint/2010/main" val="4052853353"/>
-      </p:ext>
-    </p:extLst>
-  </p:cSld>
-  <p:clrMapOvr>
-    <a:masterClrMapping/>
-  </p:clrMapOvr>
-</p:sld>
-</file>
-
-<file path=ppt/slides/slide15.xml><?xml version="1.0" encoding="utf-8"?>
-<p:sld xmlns:a="http://schemas.openxmlformats.org/drawingml/2006/main" xmlns:r="http://schemas.openxmlformats.org/officeDocument/2006/relationships" xmlns:p="http://schemas.openxmlformats.org/presentationml/2006/main">
-  <p:cSld>
-    <p:spTree>
-      <p:nvGrpSpPr>
-        <p:cNvPr id="1" name=""/>
-        <p:cNvGrpSpPr/>
-        <p:nvPr/>
-      </p:nvGrpSpPr>
-      <p:grpSpPr>
-        <a:xfrm>
-          <a:off x="0" y="0"/>
-          <a:ext cx="0" cy="0"/>
-          <a:chOff x="0" y="0"/>
-          <a:chExt cx="0" cy="0"/>
-        </a:xfrm>
-      </p:grpSpPr>
-      <p:sp>
-        <p:nvSpPr>
-          <p:cNvPr id="2" name="タイトル 1">
-            <a:extLst>
-              <a:ext uri="{FF2B5EF4-FFF2-40B4-BE49-F238E27FC236}">
-                <a16:creationId xmlns:a16="http://schemas.microsoft.com/office/drawing/2014/main" id="{5B438378-E70B-D0A9-515C-B6E7AECAD9F8}"/>
-              </a:ext>
-            </a:extLst>
-          </p:cNvPr>
-          <p:cNvSpPr>
-            <a:spLocks noGrp="1"/>
-          </p:cNvSpPr>
-          <p:nvPr>
-            <p:ph type="title"/>
-          </p:nvPr>
-        </p:nvSpPr>
-        <p:spPr/>
-        <p:txBody>
-          <a:bodyPr/>
-          <a:lstStyle/>
-          <a:p>
-            <a:r>
-              <a:rPr kumimoji="1" lang="en-US" altLang="ja-JP" dirty="0" err="1"/>
-              <a:t>bit.c</a:t>
-            </a:r>
-            <a:endParaRPr kumimoji="1" lang="ja-JP" altLang="en-US" dirty="0"/>
-          </a:p>
-        </p:txBody>
-      </p:sp>
-      <p:sp>
-        <p:nvSpPr>
-          <p:cNvPr id="3" name="コンテンツ プレースホルダー 2">
-            <a:extLst>
-              <a:ext uri="{FF2B5EF4-FFF2-40B4-BE49-F238E27FC236}">
-                <a16:creationId xmlns:a16="http://schemas.microsoft.com/office/drawing/2014/main" id="{4EB2B356-EDF6-25E4-62BF-DBB51B977CFA}"/>
-              </a:ext>
-            </a:extLst>
-          </p:cNvPr>
-          <p:cNvSpPr>
-            <a:spLocks noGrp="1"/>
-          </p:cNvSpPr>
-          <p:nvPr>
-            <p:ph idx="1"/>
-          </p:nvPr>
-        </p:nvSpPr>
-        <p:spPr>
-          <a:xfrm>
-            <a:off x="838200" y="1295400"/>
-            <a:ext cx="10515600" cy="4881563"/>
-          </a:xfrm>
-          <a:ln>
-            <a:solidFill>
-              <a:schemeClr val="tx1"/>
-            </a:solidFill>
-          </a:ln>
-        </p:spPr>
-        <p:txBody>
-          <a:bodyPr>
-            <a:normAutofit/>
-          </a:bodyPr>
-          <a:lstStyle/>
-          <a:p>
-            <a:pPr marL="0" indent="0">
-              <a:buNone/>
-            </a:pPr>
-            <a:r>
-              <a:rPr kumimoji="1" lang="en-US" altLang="ja-JP" dirty="0"/>
-              <a:t>#include&lt;</a:t>
-            </a:r>
-            <a:r>
-              <a:rPr kumimoji="1" lang="en-US" altLang="ja-JP" dirty="0" err="1"/>
-              <a:t>stdio.h</a:t>
-            </a:r>
-            <a:r>
-              <a:rPr kumimoji="1" lang="en-US" altLang="ja-JP" dirty="0"/>
-              <a:t>&gt;</a:t>
-            </a:r>
-            <a:br>
-              <a:rPr kumimoji="1" lang="en-US" altLang="ja-JP" dirty="0"/>
-            </a:br>
-            <a:br>
-              <a:rPr kumimoji="1" lang="en-US" altLang="ja-JP" dirty="0"/>
-            </a:br>
-            <a:r>
-              <a:rPr kumimoji="1" lang="en-US" altLang="ja-JP" dirty="0"/>
-              <a:t>//</a:t>
-            </a:r>
-            <a:r>
-              <a:rPr kumimoji="1" lang="ja-JP" altLang="en-US" dirty="0"/>
-              <a:t>各ビットで状態フラグを管理する</a:t>
-            </a:r>
-            <a:br>
-              <a:rPr lang="en-US" altLang="ja-JP" dirty="0"/>
-            </a:br>
-            <a:r>
-              <a:rPr lang="en-US" altLang="ja-JP" dirty="0" err="1"/>
-              <a:t>enum</a:t>
-            </a:r>
-            <a:r>
-              <a:rPr lang="en-US" altLang="ja-JP" dirty="0"/>
-              <a:t> </a:t>
-            </a:r>
-            <a:r>
-              <a:rPr lang="en-US" altLang="ja-JP" dirty="0" err="1"/>
-              <a:t>BitState</a:t>
-            </a:r>
-            <a:r>
-              <a:rPr lang="en-US" altLang="ja-JP" dirty="0"/>
-              <a:t> {</a:t>
-            </a:r>
-            <a:br>
-              <a:rPr lang="en-US" altLang="ja-JP" dirty="0"/>
-            </a:br>
-            <a:r>
-              <a:rPr lang="en-US" altLang="ja-JP" dirty="0"/>
-              <a:t>  Base = 0,          //00000000</a:t>
-            </a:r>
-            <a:r>
-              <a:rPr lang="ja-JP" altLang="en-US" dirty="0"/>
-              <a:t>（初期状態）</a:t>
-            </a:r>
-            <a:br>
-              <a:rPr lang="en-US" altLang="ja-JP" dirty="0"/>
-            </a:br>
-            <a:r>
-              <a:rPr lang="en-US" altLang="ja-JP" dirty="0"/>
-              <a:t>  Poison = 1 &lt;&lt; 0,   //00000001</a:t>
-            </a:r>
-            <a:r>
-              <a:rPr lang="ja-JP" altLang="en-US" dirty="0"/>
-              <a:t>（毒）</a:t>
-            </a:r>
-            <a:br>
-              <a:rPr lang="en-US" altLang="ja-JP" dirty="0"/>
-            </a:br>
-            <a:r>
-              <a:rPr lang="en-US" altLang="ja-JP" dirty="0"/>
-              <a:t>  Sleep = 1 &lt;&lt; 1,    //00000010</a:t>
-            </a:r>
-            <a:r>
-              <a:rPr lang="ja-JP" altLang="en-US" dirty="0"/>
-              <a:t>（眠り）</a:t>
-            </a:r>
-            <a:br>
-              <a:rPr lang="en-US" altLang="ja-JP" dirty="0"/>
-            </a:br>
-            <a:r>
-              <a:rPr lang="en-US" altLang="ja-JP" dirty="0"/>
-              <a:t>  Para = 1 &lt;&lt; 2,     //00000100</a:t>
-            </a:r>
-            <a:r>
-              <a:rPr lang="ja-JP" altLang="en-US" dirty="0"/>
-              <a:t>（麻痺）</a:t>
-            </a:r>
-            <a:br>
-              <a:rPr lang="en-US" altLang="ja-JP" dirty="0"/>
-            </a:br>
-            <a:r>
-              <a:rPr lang="en-US" altLang="ja-JP" dirty="0"/>
-              <a:t>  Burn = 1 &lt;&lt; 3,     //00001000</a:t>
-            </a:r>
-            <a:r>
-              <a:rPr lang="ja-JP" altLang="en-US" dirty="0"/>
-              <a:t>（火傷）</a:t>
-            </a:r>
-            <a:br>
-              <a:rPr lang="en-US" altLang="ja-JP" dirty="0"/>
-            </a:br>
-            <a:r>
-              <a:rPr lang="en-US" altLang="ja-JP" dirty="0"/>
-              <a:t>  </a:t>
-            </a:r>
-            <a:r>
-              <a:rPr lang="en-US" altLang="ja-JP" dirty="0" err="1"/>
-              <a:t>AtkUp</a:t>
-            </a:r>
-            <a:r>
-              <a:rPr lang="en-US" altLang="ja-JP" dirty="0"/>
-              <a:t> = 1 &lt;&lt; 4,    //00010000</a:t>
-            </a:r>
-            <a:r>
-              <a:rPr lang="ja-JP" altLang="en-US" dirty="0"/>
-              <a:t>（攻撃力アップ）</a:t>
-            </a:r>
-            <a:br>
-              <a:rPr lang="en-US" altLang="ja-JP" dirty="0"/>
-            </a:br>
-            <a:r>
-              <a:rPr lang="en-US" altLang="ja-JP" dirty="0"/>
-              <a:t>  </a:t>
-            </a:r>
-            <a:r>
-              <a:rPr lang="en-US" altLang="ja-JP" dirty="0" err="1"/>
-              <a:t>AtkDown</a:t>
-            </a:r>
-            <a:r>
-              <a:rPr lang="en-US" altLang="ja-JP" dirty="0"/>
-              <a:t> = 1 &lt;&lt; 5   //00100000</a:t>
-            </a:r>
-            <a:r>
-              <a:rPr lang="ja-JP" altLang="en-US" dirty="0"/>
-              <a:t>（攻撃力ダウン）</a:t>
-            </a:r>
-            <a:br>
-              <a:rPr lang="en-US" altLang="ja-JP" dirty="0"/>
-            </a:br>
-            <a:r>
-              <a:rPr lang="en-US" altLang="ja-JP" dirty="0"/>
-              <a:t>};</a:t>
-            </a:r>
-            <a:endParaRPr kumimoji="1" lang="en-US" altLang="ja-JP" dirty="0"/>
-          </a:p>
-        </p:txBody>
-      </p:sp>
-    </p:spTree>
-    <p:extLst>
-      <p:ext uri="{BB962C8B-B14F-4D97-AF65-F5344CB8AC3E}">
-        <p14:creationId xmlns:p14="http://schemas.microsoft.com/office/powerpoint/2010/main" val="116326396"/>
-      </p:ext>
-    </p:extLst>
-  </p:cSld>
-  <p:clrMapOvr>
-    <a:masterClrMapping/>
-  </p:clrMapOvr>
-</p:sld>
-</file>
-
-<file path=ppt/slides/slide16.xml><?xml version="1.0" encoding="utf-8"?>
-<p:sld xmlns:a="http://schemas.openxmlformats.org/drawingml/2006/main" xmlns:r="http://schemas.openxmlformats.org/officeDocument/2006/relationships" xmlns:p="http://schemas.openxmlformats.org/presentationml/2006/main">
-  <p:cSld>
-    <p:spTree>
-      <p:nvGrpSpPr>
-        <p:cNvPr id="1" name=""/>
-        <p:cNvGrpSpPr/>
-        <p:nvPr/>
-      </p:nvGrpSpPr>
-      <p:grpSpPr>
-        <a:xfrm>
-          <a:off x="0" y="0"/>
-          <a:ext cx="0" cy="0"/>
-          <a:chOff x="0" y="0"/>
-          <a:chExt cx="0" cy="0"/>
-        </a:xfrm>
-      </p:grpSpPr>
-      <p:sp>
-        <p:nvSpPr>
-          <p:cNvPr id="2" name="タイトル 1">
-            <a:extLst>
-              <a:ext uri="{FF2B5EF4-FFF2-40B4-BE49-F238E27FC236}">
-                <a16:creationId xmlns:a16="http://schemas.microsoft.com/office/drawing/2014/main" id="{5B438378-E70B-D0A9-515C-B6E7AECAD9F8}"/>
-              </a:ext>
-            </a:extLst>
-          </p:cNvPr>
-          <p:cNvSpPr>
-            <a:spLocks noGrp="1"/>
-          </p:cNvSpPr>
-          <p:nvPr>
-            <p:ph type="title"/>
-          </p:nvPr>
-        </p:nvSpPr>
-        <p:spPr/>
-        <p:txBody>
-          <a:bodyPr/>
-          <a:lstStyle/>
-          <a:p>
-            <a:r>
-              <a:rPr kumimoji="1" lang="en-US" altLang="ja-JP" dirty="0" err="1"/>
-              <a:t>bit.c</a:t>
-            </a:r>
-            <a:endParaRPr kumimoji="1" lang="ja-JP" altLang="en-US" dirty="0"/>
-          </a:p>
-        </p:txBody>
-      </p:sp>
-      <p:sp>
-        <p:nvSpPr>
-          <p:cNvPr id="3" name="コンテンツ プレースホルダー 2">
-            <a:extLst>
-              <a:ext uri="{FF2B5EF4-FFF2-40B4-BE49-F238E27FC236}">
-                <a16:creationId xmlns:a16="http://schemas.microsoft.com/office/drawing/2014/main" id="{4EB2B356-EDF6-25E4-62BF-DBB51B977CFA}"/>
-              </a:ext>
-            </a:extLst>
-          </p:cNvPr>
-          <p:cNvSpPr>
-            <a:spLocks noGrp="1"/>
-          </p:cNvSpPr>
-          <p:nvPr>
-            <p:ph idx="1"/>
-          </p:nvPr>
-        </p:nvSpPr>
-        <p:spPr>
-          <a:ln>
-            <a:solidFill>
-              <a:schemeClr val="tx1"/>
-            </a:solidFill>
-          </a:ln>
-        </p:spPr>
-        <p:txBody>
-          <a:bodyPr>
-            <a:normAutofit/>
-          </a:bodyPr>
-          <a:lstStyle/>
-          <a:p>
-            <a:pPr marL="0" indent="0">
-              <a:buNone/>
-            </a:pPr>
-            <a:r>
-              <a:rPr lang="en-US" altLang="ja-JP" dirty="0"/>
-              <a:t>//</a:t>
-            </a:r>
-            <a:r>
-              <a:rPr lang="ja-JP" altLang="en-US" dirty="0"/>
-              <a:t>符号無し整数を </a:t>
-            </a:r>
-            <a:r>
-              <a:rPr lang="en-US" altLang="ja-JP" dirty="0"/>
-              <a:t>UINT </a:t>
-            </a:r>
-            <a:r>
-              <a:rPr lang="ja-JP" altLang="en-US" dirty="0"/>
-              <a:t>という別名で定義</a:t>
-            </a:r>
-            <a:br>
-              <a:rPr lang="en-US" altLang="ja-JP" dirty="0"/>
-            </a:br>
-            <a:r>
-              <a:rPr kumimoji="1" lang="en-US" altLang="ja-JP" dirty="0"/>
-              <a:t>typedef unsigned int UINT; </a:t>
-            </a:r>
-            <a:br>
-              <a:rPr kumimoji="1" lang="en-US" altLang="ja-JP" dirty="0"/>
-            </a:br>
-            <a:br>
-              <a:rPr kumimoji="1" lang="en-US" altLang="ja-JP" dirty="0"/>
-            </a:br>
-            <a:r>
-              <a:rPr kumimoji="1" lang="en-US" altLang="ja-JP" dirty="0"/>
-              <a:t>void </a:t>
-            </a:r>
-            <a:r>
-              <a:rPr lang="en-US" altLang="ja-JP" dirty="0" err="1"/>
-              <a:t>d</a:t>
-            </a:r>
-            <a:r>
-              <a:rPr kumimoji="1" lang="en-US" altLang="ja-JP" dirty="0" err="1"/>
-              <a:t>ispStatus</a:t>
-            </a:r>
-            <a:r>
-              <a:rPr kumimoji="1" lang="en-US" altLang="ja-JP" dirty="0"/>
-              <a:t>(UINT);</a:t>
-            </a:r>
-            <a:br>
-              <a:rPr kumimoji="1" lang="en-US" altLang="ja-JP" dirty="0"/>
-            </a:br>
-            <a:br>
-              <a:rPr kumimoji="1" lang="en-US" altLang="ja-JP" dirty="0"/>
-            </a:br>
-            <a:r>
-              <a:rPr kumimoji="1" lang="en-US" altLang="ja-JP" dirty="0"/>
-              <a:t>main(){</a:t>
-            </a:r>
-            <a:br>
-              <a:rPr kumimoji="1" lang="en-US" altLang="ja-JP" dirty="0"/>
-            </a:br>
-            <a:r>
-              <a:rPr kumimoji="1" lang="en-US" altLang="ja-JP" dirty="0"/>
-              <a:t>  //</a:t>
-            </a:r>
-            <a:r>
-              <a:rPr kumimoji="1" lang="ja-JP" altLang="en-US" dirty="0"/>
-              <a:t>符号無し整数 </a:t>
-            </a:r>
-            <a:r>
-              <a:rPr kumimoji="1" lang="en-US" altLang="ja-JP" dirty="0"/>
-              <a:t>Status </a:t>
-            </a:r>
-            <a:r>
-              <a:rPr kumimoji="1" lang="ja-JP" altLang="en-US" dirty="0"/>
-              <a:t>を宣言して </a:t>
-            </a:r>
-            <a:r>
-              <a:rPr kumimoji="1" lang="en-US" altLang="ja-JP" dirty="0"/>
-              <a:t>Base(0) </a:t>
-            </a:r>
-            <a:r>
-              <a:rPr kumimoji="1" lang="ja-JP" altLang="en-US" dirty="0"/>
-              <a:t>を代入</a:t>
-            </a:r>
-            <a:br>
-              <a:rPr kumimoji="1" lang="en-US" altLang="ja-JP" dirty="0"/>
-            </a:br>
-            <a:r>
-              <a:rPr kumimoji="1" lang="en-US" altLang="ja-JP" dirty="0"/>
-              <a:t>  UINT Status = Base;</a:t>
-            </a:r>
-            <a:br>
-              <a:rPr kumimoji="1" lang="en-US" altLang="ja-JP" dirty="0"/>
-            </a:br>
-            <a:br>
-              <a:rPr kumimoji="1" lang="en-US" altLang="ja-JP" dirty="0"/>
-            </a:br>
-            <a:r>
-              <a:rPr kumimoji="1" lang="ja-JP" altLang="en-US" dirty="0"/>
-              <a:t>　　</a:t>
-            </a:r>
-            <a:r>
-              <a:rPr kumimoji="1" lang="en-US" altLang="ja-JP" dirty="0"/>
-              <a:t>//</a:t>
-            </a:r>
-            <a:r>
-              <a:rPr lang="ja-JP" altLang="en-US" dirty="0"/>
-              <a:t>現在の状態を表示</a:t>
-            </a:r>
-            <a:br>
-              <a:rPr lang="en-US" altLang="ja-JP" dirty="0"/>
-            </a:br>
-            <a:r>
-              <a:rPr lang="en-US" altLang="ja-JP" dirty="0"/>
-              <a:t>  </a:t>
-            </a:r>
-            <a:r>
-              <a:rPr lang="en-US" altLang="ja-JP" dirty="0" err="1"/>
-              <a:t>dispStatus</a:t>
-            </a:r>
-            <a:r>
-              <a:rPr lang="en-US" altLang="ja-JP" dirty="0"/>
-              <a:t>(Status);</a:t>
-            </a:r>
-            <a:br>
-              <a:rPr lang="en-US" altLang="ja-JP" dirty="0"/>
-            </a:br>
-            <a:r>
-              <a:rPr lang="en-US" altLang="ja-JP" dirty="0"/>
-              <a:t>}</a:t>
-            </a:r>
-            <a:endParaRPr kumimoji="1" lang="en-US" altLang="ja-JP" dirty="0"/>
-          </a:p>
-        </p:txBody>
-      </p:sp>
-    </p:spTree>
-    <p:extLst>
-      <p:ext uri="{BB962C8B-B14F-4D97-AF65-F5344CB8AC3E}">
-        <p14:creationId xmlns:p14="http://schemas.microsoft.com/office/powerpoint/2010/main" val="3751235989"/>
-      </p:ext>
-    </p:extLst>
-  </p:cSld>
-  <p:clrMapOvr>
-    <a:masterClrMapping/>
-  </p:clrMapOvr>
-</p:sld>
-</file>
-
-<file path=ppt/slides/slide17.xml><?xml version="1.0" encoding="utf-8"?>
-<p:sld xmlns:a="http://schemas.openxmlformats.org/drawingml/2006/main" xmlns:r="http://schemas.openxmlformats.org/officeDocument/2006/relationships" xmlns:p="http://schemas.openxmlformats.org/presentationml/2006/main">
-  <p:cSld>
-    <p:spTree>
-      <p:nvGrpSpPr>
-        <p:cNvPr id="1" name=""/>
-        <p:cNvGrpSpPr/>
-        <p:nvPr/>
-      </p:nvGrpSpPr>
-      <p:grpSpPr>
-        <a:xfrm>
-          <a:off x="0" y="0"/>
-          <a:ext cx="0" cy="0"/>
-          <a:chOff x="0" y="0"/>
-          <a:chExt cx="0" cy="0"/>
-        </a:xfrm>
-      </p:grpSpPr>
-      <p:sp>
-        <p:nvSpPr>
-          <p:cNvPr id="2" name="タイトル 1">
-            <a:extLst>
-              <a:ext uri="{FF2B5EF4-FFF2-40B4-BE49-F238E27FC236}">
-                <a16:creationId xmlns:a16="http://schemas.microsoft.com/office/drawing/2014/main" id="{5B438378-E70B-D0A9-515C-B6E7AECAD9F8}"/>
-              </a:ext>
-            </a:extLst>
-          </p:cNvPr>
-          <p:cNvSpPr>
-            <a:spLocks noGrp="1"/>
-          </p:cNvSpPr>
-          <p:nvPr>
-            <p:ph type="title"/>
-          </p:nvPr>
-        </p:nvSpPr>
-        <p:spPr/>
-        <p:txBody>
-          <a:bodyPr/>
-          <a:lstStyle/>
-          <a:p>
-            <a:r>
-              <a:rPr kumimoji="1" lang="en-US" altLang="ja-JP" dirty="0" err="1"/>
-              <a:t>bit.c</a:t>
-            </a:r>
-            <a:endParaRPr kumimoji="1" lang="ja-JP" altLang="en-US" dirty="0"/>
-          </a:p>
-        </p:txBody>
-      </p:sp>
-      <p:sp>
-        <p:nvSpPr>
-          <p:cNvPr id="3" name="コンテンツ プレースホルダー 2">
-            <a:extLst>
-              <a:ext uri="{FF2B5EF4-FFF2-40B4-BE49-F238E27FC236}">
-                <a16:creationId xmlns:a16="http://schemas.microsoft.com/office/drawing/2014/main" id="{4EB2B356-EDF6-25E4-62BF-DBB51B977CFA}"/>
-              </a:ext>
-            </a:extLst>
-          </p:cNvPr>
-          <p:cNvSpPr>
-            <a:spLocks noGrp="1"/>
-          </p:cNvSpPr>
-          <p:nvPr>
-            <p:ph idx="1"/>
-          </p:nvPr>
-        </p:nvSpPr>
-        <p:spPr>
-          <a:ln>
-            <a:solidFill>
-              <a:schemeClr val="tx1"/>
-            </a:solidFill>
-          </a:ln>
-        </p:spPr>
-        <p:txBody>
-          <a:bodyPr>
-            <a:normAutofit lnSpcReduction="10000"/>
-          </a:bodyPr>
-          <a:lstStyle/>
-          <a:p>
-            <a:pPr marL="0" indent="0">
-              <a:buNone/>
-            </a:pPr>
-            <a:r>
-              <a:rPr lang="en-US" altLang="ja-JP" dirty="0" err="1"/>
-              <a:t>dispStatus</a:t>
-            </a:r>
-            <a:r>
-              <a:rPr kumimoji="1" lang="en-US" altLang="ja-JP" dirty="0"/>
-              <a:t>(){</a:t>
-            </a:r>
-            <a:br>
-              <a:rPr kumimoji="1" lang="en-US" altLang="ja-JP" dirty="0"/>
-            </a:br>
-            <a:r>
-              <a:rPr kumimoji="1" lang="en-US" altLang="ja-JP" dirty="0"/>
-              <a:t>  </a:t>
-            </a:r>
-            <a:r>
-              <a:rPr lang="en-US" altLang="ja-JP" dirty="0" err="1"/>
-              <a:t>printf</a:t>
-            </a:r>
-            <a:r>
-              <a:rPr lang="en-US" altLang="ja-JP" dirty="0"/>
-              <a:t>(“****</a:t>
-            </a:r>
-            <a:r>
-              <a:rPr lang="ja-JP" altLang="en-US" dirty="0"/>
-              <a:t>現在の状態****</a:t>
-            </a:r>
-            <a:r>
-              <a:rPr lang="en-US" altLang="ja-JP" dirty="0"/>
-              <a:t>\n”);</a:t>
-            </a:r>
-            <a:br>
-              <a:rPr lang="en-US" altLang="ja-JP" dirty="0"/>
-            </a:br>
-            <a:r>
-              <a:rPr lang="en-US" altLang="ja-JP" dirty="0"/>
-              <a:t>  //</a:t>
-            </a:r>
-            <a:r>
-              <a:rPr lang="ja-JP" altLang="en-US" dirty="0"/>
-              <a:t>各状態をビットの</a:t>
-            </a:r>
-            <a:r>
-              <a:rPr lang="en-US" altLang="ja-JP" dirty="0"/>
-              <a:t>AND</a:t>
-            </a:r>
-            <a:r>
-              <a:rPr lang="ja-JP" altLang="en-US" dirty="0"/>
-              <a:t>演算でチェック</a:t>
-            </a:r>
-            <a:br>
-              <a:rPr lang="en-US" altLang="ja-JP" dirty="0"/>
-            </a:br>
-            <a:r>
-              <a:rPr lang="en-US" altLang="ja-JP" dirty="0"/>
-              <a:t>  if (s &amp; Poison) {</a:t>
-            </a:r>
-            <a:br>
-              <a:rPr lang="en-US" altLang="ja-JP" dirty="0"/>
-            </a:br>
-            <a:r>
-              <a:rPr lang="en-US" altLang="ja-JP" dirty="0"/>
-              <a:t>    </a:t>
-            </a:r>
-            <a:r>
-              <a:rPr lang="en-US" altLang="ja-JP" dirty="0" err="1"/>
-              <a:t>printf</a:t>
-            </a:r>
-            <a:r>
-              <a:rPr lang="en-US" altLang="ja-JP" dirty="0"/>
-              <a:t>(“</a:t>
-            </a:r>
-            <a:r>
-              <a:rPr lang="ja-JP" altLang="en-US" dirty="0"/>
-              <a:t>毒 </a:t>
-            </a:r>
-            <a:r>
-              <a:rPr lang="en-US" altLang="ja-JP" dirty="0"/>
-              <a:t>”);</a:t>
-            </a:r>
-            <a:br>
-              <a:rPr lang="en-US" altLang="ja-JP" dirty="0"/>
-            </a:br>
-            <a:r>
-              <a:rPr lang="en-US" altLang="ja-JP" dirty="0"/>
-              <a:t>  }</a:t>
-            </a:r>
-            <a:br>
-              <a:rPr lang="en-US" altLang="ja-JP" dirty="0"/>
-            </a:br>
-            <a:br>
-              <a:rPr lang="en-US" altLang="ja-JP" dirty="0"/>
-            </a:br>
-            <a:r>
-              <a:rPr lang="en-US" altLang="ja-JP" dirty="0"/>
-              <a:t>  if (s &amp; Sleep) {</a:t>
-            </a:r>
-            <a:br>
-              <a:rPr lang="en-US" altLang="ja-JP" dirty="0"/>
-            </a:br>
-            <a:r>
-              <a:rPr lang="en-US" altLang="ja-JP" dirty="0"/>
-              <a:t>    </a:t>
-            </a:r>
-            <a:r>
-              <a:rPr lang="en-US" altLang="ja-JP" dirty="0" err="1"/>
-              <a:t>printf</a:t>
-            </a:r>
-            <a:r>
-              <a:rPr lang="en-US" altLang="ja-JP" dirty="0"/>
-              <a:t>(“</a:t>
-            </a:r>
-            <a:r>
-              <a:rPr lang="ja-JP" altLang="en-US" dirty="0"/>
-              <a:t>眠り </a:t>
-            </a:r>
-            <a:r>
-              <a:rPr lang="en-US" altLang="ja-JP" dirty="0"/>
-              <a:t>”);</a:t>
-            </a:r>
-            <a:br>
-              <a:rPr lang="en-US" altLang="ja-JP" dirty="0"/>
-            </a:br>
-            <a:r>
-              <a:rPr lang="en-US" altLang="ja-JP" dirty="0"/>
-              <a:t>  }</a:t>
-            </a:r>
-            <a:br>
-              <a:rPr lang="en-US" altLang="ja-JP" dirty="0"/>
-            </a:br>
-            <a:br>
-              <a:rPr lang="en-US" altLang="ja-JP" dirty="0"/>
-            </a:br>
-            <a:r>
-              <a:rPr lang="en-US" altLang="ja-JP" dirty="0"/>
-              <a:t>  if (s &amp; Para) {</a:t>
-            </a:r>
-            <a:br>
-              <a:rPr lang="en-US" altLang="ja-JP" dirty="0"/>
-            </a:br>
-            <a:r>
-              <a:rPr lang="en-US" altLang="ja-JP" dirty="0"/>
-              <a:t>    </a:t>
-            </a:r>
-            <a:r>
-              <a:rPr lang="en-US" altLang="ja-JP" dirty="0" err="1"/>
-              <a:t>printf</a:t>
-            </a:r>
-            <a:r>
-              <a:rPr lang="en-US" altLang="ja-JP" dirty="0"/>
-              <a:t>(“</a:t>
-            </a:r>
-            <a:r>
-              <a:rPr lang="ja-JP" altLang="en-US" dirty="0"/>
-              <a:t>麻痺 </a:t>
-            </a:r>
-            <a:r>
-              <a:rPr lang="en-US" altLang="ja-JP" dirty="0"/>
-              <a:t>");</a:t>
-            </a:r>
-            <a:br>
-              <a:rPr lang="en-US" altLang="ja-JP" dirty="0"/>
-            </a:br>
-            <a:r>
-              <a:rPr lang="en-US" altLang="ja-JP" dirty="0"/>
-              <a:t>  }</a:t>
-            </a:r>
-            <a:endParaRPr kumimoji="1" lang="en-US" altLang="ja-JP" dirty="0"/>
-          </a:p>
-        </p:txBody>
-      </p:sp>
-    </p:spTree>
-    <p:extLst>
-      <p:ext uri="{BB962C8B-B14F-4D97-AF65-F5344CB8AC3E}">
-        <p14:creationId xmlns:p14="http://schemas.microsoft.com/office/powerpoint/2010/main" val="3399837628"/>
-      </p:ext>
-    </p:extLst>
-  </p:cSld>
-  <p:clrMapOvr>
-    <a:masterClrMapping/>
-  </p:clrMapOvr>
-</p:sld>
-</file>
-
-<file path=ppt/slides/slide18.xml><?xml version="1.0" encoding="utf-8"?>
-<p:sld xmlns:a="http://schemas.openxmlformats.org/drawingml/2006/main" xmlns:r="http://schemas.openxmlformats.org/officeDocument/2006/relationships" xmlns:p="http://schemas.openxmlformats.org/presentationml/2006/main">
-  <p:cSld>
-    <p:spTree>
-      <p:nvGrpSpPr>
-        <p:cNvPr id="1" name=""/>
-        <p:cNvGrpSpPr/>
-        <p:nvPr/>
-      </p:nvGrpSpPr>
-      <p:grpSpPr>
-        <a:xfrm>
-          <a:off x="0" y="0"/>
-          <a:ext cx="0" cy="0"/>
-          <a:chOff x="0" y="0"/>
-          <a:chExt cx="0" cy="0"/>
-        </a:xfrm>
-      </p:grpSpPr>
-      <p:sp>
-        <p:nvSpPr>
-          <p:cNvPr id="2" name="タイトル 1">
-            <a:extLst>
-              <a:ext uri="{FF2B5EF4-FFF2-40B4-BE49-F238E27FC236}">
-                <a16:creationId xmlns:a16="http://schemas.microsoft.com/office/drawing/2014/main" id="{5B438378-E70B-D0A9-515C-B6E7AECAD9F8}"/>
-              </a:ext>
-            </a:extLst>
-          </p:cNvPr>
-          <p:cNvSpPr>
-            <a:spLocks noGrp="1"/>
-          </p:cNvSpPr>
-          <p:nvPr>
-            <p:ph type="title"/>
-          </p:nvPr>
-        </p:nvSpPr>
-        <p:spPr/>
-        <p:txBody>
-          <a:bodyPr/>
-          <a:lstStyle/>
-          <a:p>
-            <a:r>
-              <a:rPr kumimoji="1" lang="en-US" altLang="ja-JP" dirty="0" err="1"/>
-              <a:t>bit.c</a:t>
-            </a:r>
-            <a:endParaRPr kumimoji="1" lang="ja-JP" altLang="en-US" dirty="0"/>
-          </a:p>
-        </p:txBody>
-      </p:sp>
-      <p:sp>
-        <p:nvSpPr>
-          <p:cNvPr id="3" name="コンテンツ プレースホルダー 2">
-            <a:extLst>
-              <a:ext uri="{FF2B5EF4-FFF2-40B4-BE49-F238E27FC236}">
-                <a16:creationId xmlns:a16="http://schemas.microsoft.com/office/drawing/2014/main" id="{4EB2B356-EDF6-25E4-62BF-DBB51B977CFA}"/>
-              </a:ext>
-            </a:extLst>
-          </p:cNvPr>
-          <p:cNvSpPr>
-            <a:spLocks noGrp="1"/>
-          </p:cNvSpPr>
-          <p:nvPr>
-            <p:ph idx="1"/>
-          </p:nvPr>
-        </p:nvSpPr>
-        <p:spPr>
-          <a:ln>
-            <a:solidFill>
-              <a:schemeClr val="tx1"/>
-            </a:solidFill>
-          </a:ln>
-        </p:spPr>
-        <p:txBody>
-          <a:bodyPr>
-            <a:normAutofit/>
-          </a:bodyPr>
-          <a:lstStyle/>
-          <a:p>
-            <a:pPr marL="0" indent="0">
-              <a:buNone/>
-            </a:pPr>
-            <a:r>
-              <a:rPr lang="en-US" altLang="ja-JP" dirty="0"/>
-              <a:t>  if (s &amp; Burn) {</a:t>
-            </a:r>
-            <a:br>
-              <a:rPr lang="en-US" altLang="ja-JP" dirty="0"/>
-            </a:br>
-            <a:r>
-              <a:rPr lang="en-US" altLang="ja-JP" dirty="0"/>
-              <a:t>    </a:t>
-            </a:r>
-            <a:r>
-              <a:rPr lang="en-US" altLang="ja-JP" dirty="0" err="1"/>
-              <a:t>printf</a:t>
-            </a:r>
-            <a:r>
-              <a:rPr lang="en-US" altLang="ja-JP" dirty="0"/>
-              <a:t>(“</a:t>
-            </a:r>
-            <a:r>
-              <a:rPr lang="ja-JP" altLang="en-US" dirty="0"/>
-              <a:t>火傷 </a:t>
-            </a:r>
-            <a:r>
-              <a:rPr lang="en-US" altLang="ja-JP" dirty="0"/>
-              <a:t>”);</a:t>
-            </a:r>
-            <a:br>
-              <a:rPr lang="en-US" altLang="ja-JP" dirty="0"/>
-            </a:br>
-            <a:r>
-              <a:rPr lang="en-US" altLang="ja-JP" dirty="0"/>
-              <a:t>  }</a:t>
-            </a:r>
-            <a:br>
-              <a:rPr lang="en-US" altLang="ja-JP" dirty="0"/>
-            </a:br>
-            <a:br>
-              <a:rPr lang="en-US" altLang="ja-JP" dirty="0"/>
-            </a:br>
-            <a:r>
-              <a:rPr lang="en-US" altLang="ja-JP" dirty="0"/>
-              <a:t>  if (s &amp; </a:t>
-            </a:r>
-            <a:r>
-              <a:rPr lang="en-US" altLang="ja-JP" dirty="0" err="1"/>
-              <a:t>AtkUp</a:t>
-            </a:r>
-            <a:r>
-              <a:rPr lang="en-US" altLang="ja-JP" dirty="0"/>
-              <a:t>) {</a:t>
-            </a:r>
-            <a:br>
-              <a:rPr lang="en-US" altLang="ja-JP" dirty="0"/>
-            </a:br>
-            <a:r>
-              <a:rPr lang="en-US" altLang="ja-JP" dirty="0"/>
-              <a:t>    </a:t>
-            </a:r>
-            <a:r>
-              <a:rPr lang="en-US" altLang="ja-JP" dirty="0" err="1"/>
-              <a:t>printf</a:t>
-            </a:r>
-            <a:r>
-              <a:rPr lang="en-US" altLang="ja-JP" dirty="0"/>
-              <a:t>(“</a:t>
-            </a:r>
-            <a:r>
-              <a:rPr lang="ja-JP" altLang="en-US" dirty="0"/>
-              <a:t>攻撃力アップ </a:t>
-            </a:r>
-            <a:r>
-              <a:rPr lang="en-US" altLang="ja-JP" dirty="0"/>
-              <a:t>”);</a:t>
-            </a:r>
-            <a:br>
-              <a:rPr lang="en-US" altLang="ja-JP" dirty="0"/>
-            </a:br>
-            <a:r>
-              <a:rPr lang="en-US" altLang="ja-JP" dirty="0"/>
-              <a:t>  }</a:t>
-            </a:r>
-            <a:br>
-              <a:rPr lang="en-US" altLang="ja-JP" dirty="0"/>
-            </a:br>
-            <a:br>
-              <a:rPr lang="en-US" altLang="ja-JP" dirty="0"/>
-            </a:br>
-            <a:r>
-              <a:rPr lang="en-US" altLang="ja-JP" dirty="0"/>
-              <a:t>  if (s &amp; Para) {</a:t>
-            </a:r>
-            <a:br>
-              <a:rPr lang="en-US" altLang="ja-JP" dirty="0"/>
-            </a:br>
-            <a:r>
-              <a:rPr lang="en-US" altLang="ja-JP" dirty="0"/>
-              <a:t>    </a:t>
-            </a:r>
-            <a:r>
-              <a:rPr lang="en-US" altLang="ja-JP" dirty="0" err="1"/>
-              <a:t>printf</a:t>
-            </a:r>
-            <a:r>
-              <a:rPr lang="en-US" altLang="ja-JP" dirty="0"/>
-              <a:t>(“</a:t>
-            </a:r>
-            <a:r>
-              <a:rPr lang="ja-JP" altLang="en-US" dirty="0"/>
-              <a:t>攻撃力ダウン </a:t>
-            </a:r>
-            <a:r>
-              <a:rPr lang="en-US" altLang="ja-JP" dirty="0"/>
-              <a:t>");</a:t>
-            </a:r>
-            <a:br>
-              <a:rPr lang="en-US" altLang="ja-JP" dirty="0"/>
-            </a:br>
-            <a:r>
-              <a:rPr lang="en-US" altLang="ja-JP" dirty="0"/>
-              <a:t>  }</a:t>
-            </a:r>
-            <a:br>
-              <a:rPr lang="en-US" altLang="ja-JP" dirty="0"/>
-            </a:br>
-            <a:r>
-              <a:rPr lang="en-US" altLang="ja-JP" dirty="0"/>
-              <a:t>}</a:t>
-            </a:r>
-            <a:endParaRPr kumimoji="1" lang="en-US" altLang="ja-JP" dirty="0"/>
-          </a:p>
-        </p:txBody>
-      </p:sp>
-    </p:spTree>
-    <p:extLst>
-      <p:ext uri="{BB962C8B-B14F-4D97-AF65-F5344CB8AC3E}">
-        <p14:creationId xmlns:p14="http://schemas.microsoft.com/office/powerpoint/2010/main" val="2865523086"/>
-      </p:ext>
-    </p:extLst>
-  </p:cSld>
-  <p:clrMapOvr>
-    <a:masterClrMapping/>
-  </p:clrMapOvr>
-</p:sld>
-</file>
-
-<file path=ppt/slides/slide19.xml><?xml version="1.0" encoding="utf-8"?>
-<p:sld xmlns:a="http://schemas.openxmlformats.org/drawingml/2006/main" xmlns:r="http://schemas.openxmlformats.org/officeDocument/2006/relationships" xmlns:p="http://schemas.openxmlformats.org/presentationml/2006/main">
-  <p:cSld>
-    <p:spTree>
-      <p:nvGrpSpPr>
-        <p:cNvPr id="1" name=""/>
-        <p:cNvGrpSpPr/>
-        <p:nvPr/>
-      </p:nvGrpSpPr>
-      <p:grpSpPr>
-        <a:xfrm>
-          <a:off x="0" y="0"/>
-          <a:ext cx="0" cy="0"/>
-          <a:chOff x="0" y="0"/>
-          <a:chExt cx="0" cy="0"/>
-        </a:xfrm>
-      </p:grpSpPr>
-      <p:sp>
-        <p:nvSpPr>
-          <p:cNvPr id="2" name="タイトル 1">
-            <a:extLst>
-              <a:ext uri="{FF2B5EF4-FFF2-40B4-BE49-F238E27FC236}">
-                <a16:creationId xmlns:a16="http://schemas.microsoft.com/office/drawing/2014/main" id="{5B438378-E70B-D0A9-515C-B6E7AECAD9F8}"/>
-              </a:ext>
-            </a:extLst>
-          </p:cNvPr>
-          <p:cNvSpPr>
-            <a:spLocks noGrp="1"/>
-          </p:cNvSpPr>
-          <p:nvPr>
-            <p:ph type="title"/>
-          </p:nvPr>
-        </p:nvSpPr>
-        <p:spPr/>
-        <p:txBody>
-          <a:bodyPr/>
-          <a:lstStyle/>
-          <a:p>
-            <a:r>
-              <a:rPr kumimoji="1" lang="en-US" altLang="ja-JP" dirty="0" err="1"/>
-              <a:t>bit.c</a:t>
-            </a:r>
-            <a:endParaRPr kumimoji="1" lang="ja-JP" altLang="en-US" dirty="0"/>
-          </a:p>
-        </p:txBody>
-      </p:sp>
-      <p:sp>
-        <p:nvSpPr>
-          <p:cNvPr id="3" name="コンテンツ プレースホルダー 2">
-            <a:extLst>
-              <a:ext uri="{FF2B5EF4-FFF2-40B4-BE49-F238E27FC236}">
-                <a16:creationId xmlns:a16="http://schemas.microsoft.com/office/drawing/2014/main" id="{4EB2B356-EDF6-25E4-62BF-DBB51B977CFA}"/>
-              </a:ext>
-            </a:extLst>
-          </p:cNvPr>
-          <p:cNvSpPr>
-            <a:spLocks noGrp="1"/>
-          </p:cNvSpPr>
-          <p:nvPr>
-            <p:ph idx="1"/>
-          </p:nvPr>
-        </p:nvSpPr>
-        <p:spPr>
-          <a:ln>
-            <a:solidFill>
-              <a:schemeClr val="tx1"/>
-            </a:solidFill>
-          </a:ln>
-        </p:spPr>
-        <p:txBody>
-          <a:bodyPr>
-            <a:normAutofit/>
-          </a:bodyPr>
-          <a:lstStyle/>
-          <a:p>
-            <a:pPr marL="0" indent="0">
-              <a:buNone/>
-            </a:pPr>
-            <a:r>
-              <a:rPr kumimoji="1" lang="en-US" altLang="ja-JP" dirty="0"/>
-              <a:t>main(){</a:t>
-            </a:r>
-            <a:br>
-              <a:rPr kumimoji="1" lang="en-US" altLang="ja-JP" dirty="0"/>
-            </a:br>
-            <a:r>
-              <a:rPr kumimoji="1" lang="en-US" altLang="ja-JP" dirty="0"/>
-              <a:t>  //</a:t>
-            </a:r>
-            <a:r>
-              <a:rPr kumimoji="1" lang="ja-JP" altLang="en-US" dirty="0"/>
-              <a:t>符号無し整数 </a:t>
-            </a:r>
-            <a:r>
-              <a:rPr kumimoji="1" lang="en-US" altLang="ja-JP" dirty="0"/>
-              <a:t>Status </a:t>
-            </a:r>
-            <a:r>
-              <a:rPr kumimoji="1" lang="ja-JP" altLang="en-US" dirty="0"/>
-              <a:t>を宣言して </a:t>
-            </a:r>
-            <a:r>
-              <a:rPr kumimoji="1" lang="en-US" altLang="ja-JP" dirty="0"/>
-              <a:t>Base(0) </a:t>
-            </a:r>
-            <a:r>
-              <a:rPr kumimoji="1" lang="ja-JP" altLang="en-US" dirty="0"/>
-              <a:t>を代入</a:t>
-            </a:r>
-            <a:br>
-              <a:rPr kumimoji="1" lang="en-US" altLang="ja-JP" dirty="0"/>
-            </a:br>
-            <a:r>
-              <a:rPr kumimoji="1" lang="en-US" altLang="ja-JP" dirty="0"/>
-              <a:t>  UINT Status = Base;</a:t>
-            </a:r>
-            <a:br>
-              <a:rPr kumimoji="1" lang="en-US" altLang="ja-JP" dirty="0"/>
-            </a:br>
-            <a:br>
-              <a:rPr kumimoji="1" lang="en-US" altLang="ja-JP" dirty="0"/>
-            </a:br>
-            <a:r>
-              <a:rPr kumimoji="1" lang="en-US" altLang="ja-JP" dirty="0"/>
-              <a:t>  </a:t>
-            </a:r>
-            <a:r>
-              <a:rPr kumimoji="1" lang="en-US" altLang="ja-JP" dirty="0">
-                <a:solidFill>
-                  <a:srgbClr val="FF0000"/>
-                </a:solidFill>
-              </a:rPr>
-              <a:t>//</a:t>
-            </a:r>
-            <a:r>
-              <a:rPr kumimoji="1" lang="ja-JP" altLang="en-US" dirty="0">
-                <a:solidFill>
-                  <a:srgbClr val="FF0000"/>
-                </a:solidFill>
-              </a:rPr>
-              <a:t>毒状態にする（</a:t>
-            </a:r>
-            <a:r>
-              <a:rPr kumimoji="1" lang="en-US" altLang="ja-JP" dirty="0">
-                <a:solidFill>
-                  <a:srgbClr val="FF0000"/>
-                </a:solidFill>
-              </a:rPr>
-              <a:t>Status</a:t>
-            </a:r>
-            <a:r>
-              <a:rPr kumimoji="1" lang="ja-JP" altLang="en-US" dirty="0">
-                <a:solidFill>
-                  <a:srgbClr val="FF0000"/>
-                </a:solidFill>
-              </a:rPr>
-              <a:t>に</a:t>
-            </a:r>
-            <a:r>
-              <a:rPr kumimoji="1" lang="en-US" altLang="ja-JP" dirty="0">
-                <a:solidFill>
-                  <a:srgbClr val="FF0000"/>
-                </a:solidFill>
-              </a:rPr>
-              <a:t>Poison</a:t>
-            </a:r>
-            <a:r>
-              <a:rPr kumimoji="1" lang="ja-JP" altLang="en-US" dirty="0">
-                <a:solidFill>
-                  <a:srgbClr val="FF0000"/>
-                </a:solidFill>
-              </a:rPr>
-              <a:t>を</a:t>
-            </a:r>
-            <a:r>
-              <a:rPr kumimoji="1" lang="en-US" altLang="ja-JP" dirty="0">
-                <a:solidFill>
-                  <a:srgbClr val="FF0000"/>
-                </a:solidFill>
-              </a:rPr>
-              <a:t>OR</a:t>
-            </a:r>
-            <a:r>
-              <a:rPr kumimoji="1" lang="ja-JP" altLang="en-US" dirty="0">
-                <a:solidFill>
-                  <a:srgbClr val="FF0000"/>
-                </a:solidFill>
-              </a:rPr>
-              <a:t>演算）</a:t>
-            </a:r>
-            <a:br>
-              <a:rPr kumimoji="1" lang="en-US" altLang="ja-JP" dirty="0">
-                <a:solidFill>
-                  <a:srgbClr val="FF0000"/>
-                </a:solidFill>
-              </a:rPr>
-            </a:br>
-            <a:r>
-              <a:rPr kumimoji="1" lang="en-US" altLang="ja-JP" dirty="0">
-                <a:solidFill>
-                  <a:srgbClr val="FF0000"/>
-                </a:solidFill>
-              </a:rPr>
-              <a:t>  Status = Status | Poison;</a:t>
-            </a:r>
-            <a:br>
-              <a:rPr kumimoji="1" lang="en-US" altLang="ja-JP" dirty="0">
-                <a:solidFill>
-                  <a:srgbClr val="FF0000"/>
-                </a:solidFill>
-              </a:rPr>
-            </a:br>
-            <a:br>
-              <a:rPr kumimoji="1" lang="en-US" altLang="ja-JP" dirty="0"/>
-            </a:br>
-            <a:r>
-              <a:rPr kumimoji="1" lang="ja-JP" altLang="en-US" dirty="0"/>
-              <a:t>　　</a:t>
-            </a:r>
-            <a:r>
-              <a:rPr kumimoji="1" lang="en-US" altLang="ja-JP" dirty="0"/>
-              <a:t>//</a:t>
-            </a:r>
-            <a:r>
-              <a:rPr lang="ja-JP" altLang="en-US" dirty="0"/>
-              <a:t>現在の状態を表示</a:t>
-            </a:r>
-            <a:br>
-              <a:rPr lang="en-US" altLang="ja-JP" dirty="0"/>
-            </a:br>
-            <a:r>
-              <a:rPr lang="en-US" altLang="ja-JP" dirty="0"/>
-              <a:t>  </a:t>
-            </a:r>
-            <a:r>
-              <a:rPr lang="en-US" altLang="ja-JP" dirty="0" err="1"/>
-              <a:t>dispStatus</a:t>
-            </a:r>
-            <a:r>
-              <a:rPr lang="en-US" altLang="ja-JP" dirty="0"/>
-              <a:t>(Status);</a:t>
-            </a:r>
-            <a:br>
-              <a:rPr lang="en-US" altLang="ja-JP" dirty="0"/>
-            </a:br>
-            <a:r>
-              <a:rPr lang="en-US" altLang="ja-JP" dirty="0"/>
-              <a:t>}</a:t>
-            </a:r>
-            <a:endParaRPr kumimoji="1" lang="en-US" altLang="ja-JP" dirty="0"/>
-          </a:p>
-        </p:txBody>
-      </p:sp>
-    </p:spTree>
-    <p:extLst>
-      <p:ext uri="{BB962C8B-B14F-4D97-AF65-F5344CB8AC3E}">
-        <p14:creationId xmlns:p14="http://schemas.microsoft.com/office/powerpoint/2010/main" val="4061889376"/>
       </p:ext>
     </p:extLst>
   </p:cSld>
@@ -8141,2125 +6816,6 @@
         </p:sp>
       </p:grpSp>
     </p:spTree>
-  </p:cSld>
-  <p:clrMapOvr>
-    <a:masterClrMapping/>
-  </p:clrMapOvr>
-</p:sld>
-</file>
-
-<file path=ppt/slides/slide20.xml><?xml version="1.0" encoding="utf-8"?>
-<p:sld xmlns:a="http://schemas.openxmlformats.org/drawingml/2006/main" xmlns:r="http://schemas.openxmlformats.org/officeDocument/2006/relationships" xmlns:p="http://schemas.openxmlformats.org/presentationml/2006/main">
-  <p:cSld>
-    <p:spTree>
-      <p:nvGrpSpPr>
-        <p:cNvPr id="1" name=""/>
-        <p:cNvGrpSpPr/>
-        <p:nvPr/>
-      </p:nvGrpSpPr>
-      <p:grpSpPr>
-        <a:xfrm>
-          <a:off x="0" y="0"/>
-          <a:ext cx="0" cy="0"/>
-          <a:chOff x="0" y="0"/>
-          <a:chExt cx="0" cy="0"/>
-        </a:xfrm>
-      </p:grpSpPr>
-      <p:sp>
-        <p:nvSpPr>
-          <p:cNvPr id="2" name="タイトル 1">
-            <a:extLst>
-              <a:ext uri="{FF2B5EF4-FFF2-40B4-BE49-F238E27FC236}">
-                <a16:creationId xmlns:a16="http://schemas.microsoft.com/office/drawing/2014/main" id="{5B438378-E70B-D0A9-515C-B6E7AECAD9F8}"/>
-              </a:ext>
-            </a:extLst>
-          </p:cNvPr>
-          <p:cNvSpPr>
-            <a:spLocks noGrp="1"/>
-          </p:cNvSpPr>
-          <p:nvPr>
-            <p:ph type="title"/>
-          </p:nvPr>
-        </p:nvSpPr>
-        <p:spPr/>
-        <p:txBody>
-          <a:bodyPr/>
-          <a:lstStyle/>
-          <a:p>
-            <a:r>
-              <a:rPr kumimoji="1" lang="en-US" altLang="ja-JP" dirty="0" err="1"/>
-              <a:t>bit.c</a:t>
-            </a:r>
-            <a:endParaRPr kumimoji="1" lang="ja-JP" altLang="en-US" dirty="0"/>
-          </a:p>
-        </p:txBody>
-      </p:sp>
-      <p:sp>
-        <p:nvSpPr>
-          <p:cNvPr id="3" name="コンテンツ プレースホルダー 2">
-            <a:extLst>
-              <a:ext uri="{FF2B5EF4-FFF2-40B4-BE49-F238E27FC236}">
-                <a16:creationId xmlns:a16="http://schemas.microsoft.com/office/drawing/2014/main" id="{4EB2B356-EDF6-25E4-62BF-DBB51B977CFA}"/>
-              </a:ext>
-            </a:extLst>
-          </p:cNvPr>
-          <p:cNvSpPr>
-            <a:spLocks noGrp="1"/>
-          </p:cNvSpPr>
-          <p:nvPr>
-            <p:ph idx="1"/>
-          </p:nvPr>
-        </p:nvSpPr>
-        <p:spPr>
-          <a:ln>
-            <a:solidFill>
-              <a:schemeClr val="tx1"/>
-            </a:solidFill>
-          </a:ln>
-        </p:spPr>
-        <p:txBody>
-          <a:bodyPr>
-            <a:normAutofit lnSpcReduction="10000"/>
-          </a:bodyPr>
-          <a:lstStyle/>
-          <a:p>
-            <a:pPr marL="0" indent="0">
-              <a:buNone/>
-            </a:pPr>
-            <a:r>
-              <a:rPr kumimoji="1" lang="en-US" altLang="ja-JP" dirty="0"/>
-              <a:t>main(){</a:t>
-            </a:r>
-            <a:br>
-              <a:rPr kumimoji="1" lang="en-US" altLang="ja-JP" dirty="0"/>
-            </a:br>
-            <a:r>
-              <a:rPr kumimoji="1" lang="en-US" altLang="ja-JP" dirty="0"/>
-              <a:t>  //</a:t>
-            </a:r>
-            <a:r>
-              <a:rPr kumimoji="1" lang="ja-JP" altLang="en-US" dirty="0"/>
-              <a:t>符号無し整数 </a:t>
-            </a:r>
-            <a:r>
-              <a:rPr kumimoji="1" lang="en-US" altLang="ja-JP" dirty="0"/>
-              <a:t>Status </a:t>
-            </a:r>
-            <a:r>
-              <a:rPr kumimoji="1" lang="ja-JP" altLang="en-US" dirty="0"/>
-              <a:t>を宣言して </a:t>
-            </a:r>
-            <a:r>
-              <a:rPr kumimoji="1" lang="en-US" altLang="ja-JP" dirty="0"/>
-              <a:t>Base(0) </a:t>
-            </a:r>
-            <a:r>
-              <a:rPr kumimoji="1" lang="ja-JP" altLang="en-US" dirty="0"/>
-              <a:t>を代入</a:t>
-            </a:r>
-            <a:br>
-              <a:rPr kumimoji="1" lang="en-US" altLang="ja-JP" dirty="0"/>
-            </a:br>
-            <a:r>
-              <a:rPr kumimoji="1" lang="en-US" altLang="ja-JP" dirty="0"/>
-              <a:t>  UINT Status = Base;</a:t>
-            </a:r>
-            <a:br>
-              <a:rPr kumimoji="1" lang="en-US" altLang="ja-JP" dirty="0"/>
-            </a:br>
-            <a:br>
-              <a:rPr kumimoji="1" lang="en-US" altLang="ja-JP" dirty="0"/>
-            </a:br>
-            <a:r>
-              <a:rPr kumimoji="1" lang="en-US" altLang="ja-JP" dirty="0"/>
-              <a:t>  //</a:t>
-            </a:r>
-            <a:r>
-              <a:rPr kumimoji="1" lang="ja-JP" altLang="en-US" dirty="0"/>
-              <a:t>毒状態にする（</a:t>
-            </a:r>
-            <a:r>
-              <a:rPr kumimoji="1" lang="en-US" altLang="ja-JP" dirty="0"/>
-              <a:t>Status</a:t>
-            </a:r>
-            <a:r>
-              <a:rPr kumimoji="1" lang="ja-JP" altLang="en-US" dirty="0"/>
-              <a:t>に</a:t>
-            </a:r>
-            <a:r>
-              <a:rPr kumimoji="1" lang="en-US" altLang="ja-JP" dirty="0"/>
-              <a:t>Poison</a:t>
-            </a:r>
-            <a:r>
-              <a:rPr kumimoji="1" lang="ja-JP" altLang="en-US" dirty="0"/>
-              <a:t>を</a:t>
-            </a:r>
-            <a:r>
-              <a:rPr kumimoji="1" lang="en-US" altLang="ja-JP" dirty="0"/>
-              <a:t>OR</a:t>
-            </a:r>
-            <a:r>
-              <a:rPr kumimoji="1" lang="ja-JP" altLang="en-US" dirty="0"/>
-              <a:t>演算）</a:t>
-            </a:r>
-            <a:br>
-              <a:rPr kumimoji="1" lang="en-US" altLang="ja-JP" dirty="0"/>
-            </a:br>
-            <a:r>
-              <a:rPr kumimoji="1" lang="en-US" altLang="ja-JP" dirty="0"/>
-              <a:t>  Status = Status | Poison;</a:t>
-            </a:r>
-            <a:br>
-              <a:rPr lang="en-US" altLang="ja-JP" dirty="0"/>
-            </a:br>
-            <a:br>
-              <a:rPr lang="en-US" altLang="ja-JP" dirty="0"/>
-            </a:br>
-            <a:r>
-              <a:rPr lang="en-US" altLang="ja-JP" dirty="0"/>
-              <a:t>  </a:t>
-            </a:r>
-            <a:r>
-              <a:rPr lang="en-US" altLang="ja-JP" dirty="0">
-                <a:solidFill>
-                  <a:srgbClr val="FF0000"/>
-                </a:solidFill>
-              </a:rPr>
-              <a:t>//</a:t>
-            </a:r>
-            <a:r>
-              <a:rPr lang="ja-JP" altLang="en-US" dirty="0">
-                <a:solidFill>
-                  <a:srgbClr val="FF0000"/>
-                </a:solidFill>
-              </a:rPr>
-              <a:t>火傷状態にする（</a:t>
-            </a:r>
-            <a:r>
-              <a:rPr lang="en-US" altLang="ja-JP" dirty="0">
-                <a:solidFill>
-                  <a:srgbClr val="FF0000"/>
-                </a:solidFill>
-              </a:rPr>
-              <a:t>Status</a:t>
-            </a:r>
-            <a:r>
-              <a:rPr lang="ja-JP" altLang="en-US" dirty="0">
-                <a:solidFill>
-                  <a:srgbClr val="FF0000"/>
-                </a:solidFill>
-              </a:rPr>
-              <a:t>に</a:t>
-            </a:r>
-            <a:r>
-              <a:rPr lang="en-US" altLang="ja-JP" dirty="0">
-                <a:solidFill>
-                  <a:srgbClr val="FF0000"/>
-                </a:solidFill>
-              </a:rPr>
-              <a:t>Burn</a:t>
-            </a:r>
-            <a:r>
-              <a:rPr lang="ja-JP" altLang="en-US" dirty="0">
-                <a:solidFill>
-                  <a:srgbClr val="FF0000"/>
-                </a:solidFill>
-              </a:rPr>
-              <a:t>を</a:t>
-            </a:r>
-            <a:r>
-              <a:rPr lang="en-US" altLang="ja-JP" dirty="0">
-                <a:solidFill>
-                  <a:srgbClr val="FF0000"/>
-                </a:solidFill>
-              </a:rPr>
-              <a:t>OR</a:t>
-            </a:r>
-            <a:r>
-              <a:rPr lang="ja-JP" altLang="en-US" dirty="0">
-                <a:solidFill>
-                  <a:srgbClr val="FF0000"/>
-                </a:solidFill>
-              </a:rPr>
-              <a:t>演算）</a:t>
-            </a:r>
-            <a:br>
-              <a:rPr lang="en-US" altLang="ja-JP" dirty="0">
-                <a:solidFill>
-                  <a:srgbClr val="FF0000"/>
-                </a:solidFill>
-              </a:rPr>
-            </a:br>
-            <a:r>
-              <a:rPr lang="en-US" altLang="ja-JP" dirty="0">
-                <a:solidFill>
-                  <a:srgbClr val="FF0000"/>
-                </a:solidFill>
-              </a:rPr>
-              <a:t>  Status |= Burn;</a:t>
-            </a:r>
-            <a:br>
-              <a:rPr lang="en-US" altLang="ja-JP" dirty="0">
-                <a:solidFill>
-                  <a:srgbClr val="FF0000"/>
-                </a:solidFill>
-              </a:rPr>
-            </a:br>
-            <a:br>
-              <a:rPr kumimoji="1" lang="en-US" altLang="ja-JP" dirty="0"/>
-            </a:br>
-            <a:r>
-              <a:rPr kumimoji="1" lang="ja-JP" altLang="en-US" dirty="0"/>
-              <a:t>　　</a:t>
-            </a:r>
-            <a:r>
-              <a:rPr kumimoji="1" lang="en-US" altLang="ja-JP" dirty="0"/>
-              <a:t>//</a:t>
-            </a:r>
-            <a:r>
-              <a:rPr lang="ja-JP" altLang="en-US" dirty="0"/>
-              <a:t>現在の状態を表示</a:t>
-            </a:r>
-            <a:br>
-              <a:rPr lang="en-US" altLang="ja-JP" dirty="0"/>
-            </a:br>
-            <a:r>
-              <a:rPr lang="en-US" altLang="ja-JP" dirty="0"/>
-              <a:t>  </a:t>
-            </a:r>
-            <a:r>
-              <a:rPr lang="en-US" altLang="ja-JP" dirty="0" err="1"/>
-              <a:t>dispStatus</a:t>
-            </a:r>
-            <a:r>
-              <a:rPr lang="en-US" altLang="ja-JP" dirty="0"/>
-              <a:t>(Status);</a:t>
-            </a:r>
-            <a:br>
-              <a:rPr lang="en-US" altLang="ja-JP" dirty="0"/>
-            </a:br>
-            <a:r>
-              <a:rPr lang="en-US" altLang="ja-JP" dirty="0"/>
-              <a:t>}</a:t>
-            </a:r>
-            <a:endParaRPr kumimoji="1" lang="en-US" altLang="ja-JP" dirty="0"/>
-          </a:p>
-        </p:txBody>
-      </p:sp>
-    </p:spTree>
-    <p:extLst>
-      <p:ext uri="{BB962C8B-B14F-4D97-AF65-F5344CB8AC3E}">
-        <p14:creationId xmlns:p14="http://schemas.microsoft.com/office/powerpoint/2010/main" val="1667843084"/>
-      </p:ext>
-    </p:extLst>
-  </p:cSld>
-  <p:clrMapOvr>
-    <a:masterClrMapping/>
-  </p:clrMapOvr>
-</p:sld>
-</file>
-
-<file path=ppt/slides/slide21.xml><?xml version="1.0" encoding="utf-8"?>
-<p:sld xmlns:a="http://schemas.openxmlformats.org/drawingml/2006/main" xmlns:r="http://schemas.openxmlformats.org/officeDocument/2006/relationships" xmlns:p="http://schemas.openxmlformats.org/presentationml/2006/main">
-  <p:cSld>
-    <p:spTree>
-      <p:nvGrpSpPr>
-        <p:cNvPr id="1" name=""/>
-        <p:cNvGrpSpPr/>
-        <p:nvPr/>
-      </p:nvGrpSpPr>
-      <p:grpSpPr>
-        <a:xfrm>
-          <a:off x="0" y="0"/>
-          <a:ext cx="0" cy="0"/>
-          <a:chOff x="0" y="0"/>
-          <a:chExt cx="0" cy="0"/>
-        </a:xfrm>
-      </p:grpSpPr>
-      <p:sp>
-        <p:nvSpPr>
-          <p:cNvPr id="2" name="タイトル 1">
-            <a:extLst>
-              <a:ext uri="{FF2B5EF4-FFF2-40B4-BE49-F238E27FC236}">
-                <a16:creationId xmlns:a16="http://schemas.microsoft.com/office/drawing/2014/main" id="{5B438378-E70B-D0A9-515C-B6E7AECAD9F8}"/>
-              </a:ext>
-            </a:extLst>
-          </p:cNvPr>
-          <p:cNvSpPr>
-            <a:spLocks noGrp="1"/>
-          </p:cNvSpPr>
-          <p:nvPr>
-            <p:ph type="title"/>
-          </p:nvPr>
-        </p:nvSpPr>
-        <p:spPr/>
-        <p:txBody>
-          <a:bodyPr/>
-          <a:lstStyle/>
-          <a:p>
-            <a:r>
-              <a:rPr kumimoji="1" lang="en-US" altLang="ja-JP" dirty="0" err="1"/>
-              <a:t>bit.c</a:t>
-            </a:r>
-            <a:endParaRPr kumimoji="1" lang="ja-JP" altLang="en-US" dirty="0"/>
-          </a:p>
-        </p:txBody>
-      </p:sp>
-      <p:sp>
-        <p:nvSpPr>
-          <p:cNvPr id="3" name="コンテンツ プレースホルダー 2">
-            <a:extLst>
-              <a:ext uri="{FF2B5EF4-FFF2-40B4-BE49-F238E27FC236}">
-                <a16:creationId xmlns:a16="http://schemas.microsoft.com/office/drawing/2014/main" id="{4EB2B356-EDF6-25E4-62BF-DBB51B977CFA}"/>
-              </a:ext>
-            </a:extLst>
-          </p:cNvPr>
-          <p:cNvSpPr>
-            <a:spLocks noGrp="1"/>
-          </p:cNvSpPr>
-          <p:nvPr>
-            <p:ph idx="1"/>
-          </p:nvPr>
-        </p:nvSpPr>
-        <p:spPr>
-          <a:ln>
-            <a:solidFill>
-              <a:schemeClr val="tx1"/>
-            </a:solidFill>
-          </a:ln>
-        </p:spPr>
-        <p:txBody>
-          <a:bodyPr>
-            <a:normAutofit/>
-          </a:bodyPr>
-          <a:lstStyle/>
-          <a:p>
-            <a:pPr marL="0" indent="0">
-              <a:buNone/>
-            </a:pPr>
-            <a:r>
-              <a:rPr kumimoji="1" lang="en-US" altLang="ja-JP" dirty="0">
-                <a:solidFill>
-                  <a:srgbClr val="FF0000"/>
-                </a:solidFill>
-              </a:rPr>
-              <a:t>void </a:t>
-            </a:r>
-            <a:r>
-              <a:rPr kumimoji="1" lang="en-US" altLang="ja-JP" dirty="0" err="1">
-                <a:solidFill>
-                  <a:srgbClr val="FF0000"/>
-                </a:solidFill>
-              </a:rPr>
-              <a:t>changeStatus</a:t>
-            </a:r>
-            <a:r>
-              <a:rPr kumimoji="1" lang="en-US" altLang="ja-JP" dirty="0">
-                <a:solidFill>
-                  <a:srgbClr val="FF0000"/>
-                </a:solidFill>
-              </a:rPr>
-              <a:t>(UINT*)</a:t>
-            </a:r>
-            <a:br>
-              <a:rPr kumimoji="1" lang="en-US" altLang="ja-JP" dirty="0"/>
-            </a:br>
-            <a:br>
-              <a:rPr kumimoji="1" lang="en-US" altLang="ja-JP" dirty="0"/>
-            </a:br>
-            <a:r>
-              <a:rPr kumimoji="1" lang="en-US" altLang="ja-JP" dirty="0"/>
-              <a:t>main(){</a:t>
-            </a:r>
-            <a:br>
-              <a:rPr kumimoji="1" lang="en-US" altLang="ja-JP" dirty="0"/>
-            </a:br>
-            <a:r>
-              <a:rPr kumimoji="1" lang="en-US" altLang="ja-JP" dirty="0"/>
-              <a:t>  //</a:t>
-            </a:r>
-            <a:r>
-              <a:rPr kumimoji="1" lang="ja-JP" altLang="en-US" dirty="0"/>
-              <a:t>符号無し整数 </a:t>
-            </a:r>
-            <a:r>
-              <a:rPr kumimoji="1" lang="en-US" altLang="ja-JP" dirty="0"/>
-              <a:t>Status </a:t>
-            </a:r>
-            <a:r>
-              <a:rPr kumimoji="1" lang="ja-JP" altLang="en-US" dirty="0"/>
-              <a:t>を宣言して </a:t>
-            </a:r>
-            <a:r>
-              <a:rPr kumimoji="1" lang="en-US" altLang="ja-JP" dirty="0"/>
-              <a:t>Base(0) </a:t>
-            </a:r>
-            <a:r>
-              <a:rPr kumimoji="1" lang="ja-JP" altLang="en-US" dirty="0"/>
-              <a:t>を代入</a:t>
-            </a:r>
-            <a:br>
-              <a:rPr kumimoji="1" lang="en-US" altLang="ja-JP" dirty="0"/>
-            </a:br>
-            <a:r>
-              <a:rPr kumimoji="1" lang="en-US" altLang="ja-JP" dirty="0"/>
-              <a:t>  UINT Status = Base;</a:t>
-            </a:r>
-            <a:br>
-              <a:rPr kumimoji="1" lang="en-US" altLang="ja-JP" dirty="0"/>
-            </a:br>
-            <a:br>
-              <a:rPr kumimoji="1" lang="en-US" altLang="ja-JP" dirty="0"/>
-            </a:br>
-            <a:r>
-              <a:rPr kumimoji="1" lang="en-US" altLang="ja-JP" dirty="0">
-                <a:solidFill>
-                  <a:srgbClr val="FF0000"/>
-                </a:solidFill>
-              </a:rPr>
-              <a:t>  //</a:t>
-            </a:r>
-            <a:r>
-              <a:rPr kumimoji="1" lang="ja-JP" altLang="en-US" dirty="0">
-                <a:solidFill>
-                  <a:srgbClr val="FF0000"/>
-                </a:solidFill>
-              </a:rPr>
-              <a:t>状態を変化させる</a:t>
-            </a:r>
-            <a:br>
-              <a:rPr kumimoji="1" lang="en-US" altLang="ja-JP" dirty="0">
-                <a:solidFill>
-                  <a:srgbClr val="FF0000"/>
-                </a:solidFill>
-              </a:rPr>
-            </a:br>
-            <a:r>
-              <a:rPr kumimoji="1" lang="en-US" altLang="ja-JP" dirty="0">
-                <a:solidFill>
-                  <a:srgbClr val="FF0000"/>
-                </a:solidFill>
-              </a:rPr>
-              <a:t>  </a:t>
-            </a:r>
-            <a:r>
-              <a:rPr kumimoji="1" lang="en-US" altLang="ja-JP" dirty="0" err="1">
-                <a:solidFill>
-                  <a:srgbClr val="FF0000"/>
-                </a:solidFill>
-              </a:rPr>
-              <a:t>changeStatus</a:t>
-            </a:r>
-            <a:r>
-              <a:rPr kumimoji="1" lang="en-US" altLang="ja-JP" dirty="0">
-                <a:solidFill>
-                  <a:srgbClr val="FF0000"/>
-                </a:solidFill>
-              </a:rPr>
-              <a:t>(&amp;Status);</a:t>
-            </a:r>
-            <a:br>
-              <a:rPr lang="en-US" altLang="ja-JP" dirty="0">
-                <a:solidFill>
-                  <a:srgbClr val="FF0000"/>
-                </a:solidFill>
-              </a:rPr>
-            </a:br>
-            <a:br>
-              <a:rPr kumimoji="1" lang="en-US" altLang="ja-JP" dirty="0"/>
-            </a:br>
-            <a:r>
-              <a:rPr kumimoji="1" lang="ja-JP" altLang="en-US" dirty="0"/>
-              <a:t>　　</a:t>
-            </a:r>
-            <a:r>
-              <a:rPr kumimoji="1" lang="en-US" altLang="ja-JP" dirty="0"/>
-              <a:t>//</a:t>
-            </a:r>
-            <a:r>
-              <a:rPr lang="ja-JP" altLang="en-US" dirty="0"/>
-              <a:t>現在の状態を表示</a:t>
-            </a:r>
-            <a:br>
-              <a:rPr lang="en-US" altLang="ja-JP" dirty="0"/>
-            </a:br>
-            <a:r>
-              <a:rPr lang="en-US" altLang="ja-JP" dirty="0"/>
-              <a:t>  </a:t>
-            </a:r>
-            <a:r>
-              <a:rPr lang="en-US" altLang="ja-JP" dirty="0" err="1"/>
-              <a:t>dispStatus</a:t>
-            </a:r>
-            <a:r>
-              <a:rPr lang="en-US" altLang="ja-JP" dirty="0"/>
-              <a:t>(Status);</a:t>
-            </a:r>
-            <a:br>
-              <a:rPr lang="en-US" altLang="ja-JP" dirty="0"/>
-            </a:br>
-            <a:r>
-              <a:rPr lang="en-US" altLang="ja-JP" dirty="0"/>
-              <a:t>}</a:t>
-            </a:r>
-            <a:endParaRPr kumimoji="1" lang="en-US" altLang="ja-JP" dirty="0"/>
-          </a:p>
-        </p:txBody>
-      </p:sp>
-    </p:spTree>
-    <p:extLst>
-      <p:ext uri="{BB962C8B-B14F-4D97-AF65-F5344CB8AC3E}">
-        <p14:creationId xmlns:p14="http://schemas.microsoft.com/office/powerpoint/2010/main" val="1528286512"/>
-      </p:ext>
-    </p:extLst>
-  </p:cSld>
-  <p:clrMapOvr>
-    <a:masterClrMapping/>
-  </p:clrMapOvr>
-</p:sld>
-</file>
-
-<file path=ppt/slides/slide22.xml><?xml version="1.0" encoding="utf-8"?>
-<p:sld xmlns:a="http://schemas.openxmlformats.org/drawingml/2006/main" xmlns:r="http://schemas.openxmlformats.org/officeDocument/2006/relationships" xmlns:p="http://schemas.openxmlformats.org/presentationml/2006/main">
-  <p:cSld>
-    <p:spTree>
-      <p:nvGrpSpPr>
-        <p:cNvPr id="1" name=""/>
-        <p:cNvGrpSpPr/>
-        <p:nvPr/>
-      </p:nvGrpSpPr>
-      <p:grpSpPr>
-        <a:xfrm>
-          <a:off x="0" y="0"/>
-          <a:ext cx="0" cy="0"/>
-          <a:chOff x="0" y="0"/>
-          <a:chExt cx="0" cy="0"/>
-        </a:xfrm>
-      </p:grpSpPr>
-      <p:sp>
-        <p:nvSpPr>
-          <p:cNvPr id="2" name="タイトル 1">
-            <a:extLst>
-              <a:ext uri="{FF2B5EF4-FFF2-40B4-BE49-F238E27FC236}">
-                <a16:creationId xmlns:a16="http://schemas.microsoft.com/office/drawing/2014/main" id="{5B438378-E70B-D0A9-515C-B6E7AECAD9F8}"/>
-              </a:ext>
-            </a:extLst>
-          </p:cNvPr>
-          <p:cNvSpPr>
-            <a:spLocks noGrp="1"/>
-          </p:cNvSpPr>
-          <p:nvPr>
-            <p:ph type="title"/>
-          </p:nvPr>
-        </p:nvSpPr>
-        <p:spPr/>
-        <p:txBody>
-          <a:bodyPr/>
-          <a:lstStyle/>
-          <a:p>
-            <a:r>
-              <a:rPr kumimoji="1" lang="en-US" altLang="ja-JP" dirty="0" err="1"/>
-              <a:t>bit.c</a:t>
-            </a:r>
-            <a:endParaRPr kumimoji="1" lang="ja-JP" altLang="en-US" dirty="0"/>
-          </a:p>
-        </p:txBody>
-      </p:sp>
-      <p:sp>
-        <p:nvSpPr>
-          <p:cNvPr id="3" name="コンテンツ プレースホルダー 2">
-            <a:extLst>
-              <a:ext uri="{FF2B5EF4-FFF2-40B4-BE49-F238E27FC236}">
-                <a16:creationId xmlns:a16="http://schemas.microsoft.com/office/drawing/2014/main" id="{4EB2B356-EDF6-25E4-62BF-DBB51B977CFA}"/>
-              </a:ext>
-            </a:extLst>
-          </p:cNvPr>
-          <p:cNvSpPr>
-            <a:spLocks noGrp="1"/>
-          </p:cNvSpPr>
-          <p:nvPr>
-            <p:ph idx="1"/>
-          </p:nvPr>
-        </p:nvSpPr>
-        <p:spPr>
-          <a:ln>
-            <a:solidFill>
-              <a:schemeClr val="tx1"/>
-            </a:solidFill>
-          </a:ln>
-        </p:spPr>
-        <p:txBody>
-          <a:bodyPr>
-            <a:normAutofit/>
-          </a:bodyPr>
-          <a:lstStyle/>
-          <a:p>
-            <a:pPr marL="0" indent="0">
-              <a:buNone/>
-            </a:pPr>
-            <a:r>
-              <a:rPr lang="en-US" altLang="ja-JP" dirty="0" err="1">
-                <a:solidFill>
-                  <a:srgbClr val="FF0000"/>
-                </a:solidFill>
-              </a:rPr>
-              <a:t>changeStatus</a:t>
-            </a:r>
-            <a:r>
-              <a:rPr kumimoji="1" lang="en-US" altLang="ja-JP" dirty="0">
-                <a:solidFill>
-                  <a:srgbClr val="FF0000"/>
-                </a:solidFill>
-              </a:rPr>
-              <a:t>(UINT* status){</a:t>
-            </a:r>
-            <a:br>
-              <a:rPr kumimoji="1" lang="en-US" altLang="ja-JP" dirty="0">
-                <a:solidFill>
-                  <a:srgbClr val="FF0000"/>
-                </a:solidFill>
-              </a:rPr>
-            </a:br>
-            <a:r>
-              <a:rPr kumimoji="1" lang="en-US" altLang="ja-JP" dirty="0">
-                <a:solidFill>
-                  <a:srgbClr val="FF0000"/>
-                </a:solidFill>
-              </a:rPr>
-              <a:t>  int </a:t>
-            </a:r>
-            <a:r>
-              <a:rPr lang="en-US" altLang="ja-JP" dirty="0">
-                <a:solidFill>
-                  <a:srgbClr val="FF0000"/>
-                </a:solidFill>
-              </a:rPr>
-              <a:t>change;</a:t>
-            </a:r>
-            <a:br>
-              <a:rPr kumimoji="1" lang="en-US" altLang="ja-JP" dirty="0">
-                <a:solidFill>
-                  <a:srgbClr val="FF0000"/>
-                </a:solidFill>
-              </a:rPr>
-            </a:br>
-            <a:r>
-              <a:rPr lang="ja-JP" altLang="en-US" dirty="0">
-                <a:solidFill>
-                  <a:srgbClr val="FF0000"/>
-                </a:solidFill>
-              </a:rPr>
-              <a:t>　</a:t>
-            </a:r>
-            <a:r>
-              <a:rPr lang="en-US" altLang="ja-JP" dirty="0">
-                <a:solidFill>
-                  <a:srgbClr val="FF0000"/>
-                </a:solidFill>
-              </a:rPr>
-              <a:t> </a:t>
-            </a:r>
-            <a:r>
-              <a:rPr lang="en-US" altLang="ja-JP" dirty="0" err="1">
-                <a:solidFill>
-                  <a:srgbClr val="FF0000"/>
-                </a:solidFill>
-              </a:rPr>
-              <a:t>printf</a:t>
-            </a:r>
-            <a:r>
-              <a:rPr lang="en-US" altLang="ja-JP" dirty="0">
-                <a:solidFill>
-                  <a:srgbClr val="FF0000"/>
-                </a:solidFill>
-              </a:rPr>
-              <a:t>(“</a:t>
-            </a:r>
-            <a:r>
-              <a:rPr lang="ja-JP" altLang="en-US" dirty="0">
-                <a:solidFill>
-                  <a:srgbClr val="FF0000"/>
-                </a:solidFill>
-              </a:rPr>
-              <a:t>セットする状態を入力</a:t>
-            </a:r>
-            <a:r>
-              <a:rPr lang="en-US" altLang="ja-JP" dirty="0">
-                <a:solidFill>
-                  <a:srgbClr val="FF0000"/>
-                </a:solidFill>
-              </a:rPr>
-              <a:t>\n”);</a:t>
-            </a:r>
-            <a:r>
-              <a:rPr lang="ja-JP" altLang="en-US" dirty="0">
-                <a:solidFill>
-                  <a:srgbClr val="FF0000"/>
-                </a:solidFill>
-              </a:rPr>
-              <a:t> </a:t>
-            </a:r>
-            <a:br>
-              <a:rPr lang="en-US" altLang="ja-JP" dirty="0">
-                <a:solidFill>
-                  <a:srgbClr val="FF0000"/>
-                </a:solidFill>
-              </a:rPr>
-            </a:br>
-            <a:r>
-              <a:rPr lang="en-US" altLang="ja-JP" dirty="0">
-                <a:solidFill>
-                  <a:srgbClr val="FF0000"/>
-                </a:solidFill>
-              </a:rPr>
-              <a:t>  </a:t>
-            </a:r>
-            <a:r>
-              <a:rPr lang="en-US" altLang="ja-JP" dirty="0" err="1">
-                <a:solidFill>
-                  <a:srgbClr val="FF0000"/>
-                </a:solidFill>
-              </a:rPr>
-              <a:t>printf</a:t>
-            </a:r>
-            <a:r>
-              <a:rPr lang="en-US" altLang="ja-JP" dirty="0">
-                <a:solidFill>
-                  <a:srgbClr val="FF0000"/>
-                </a:solidFill>
-              </a:rPr>
-              <a:t>(“%d:</a:t>
-            </a:r>
-            <a:r>
-              <a:rPr lang="ja-JP" altLang="en-US" dirty="0">
-                <a:solidFill>
-                  <a:srgbClr val="FF0000"/>
-                </a:solidFill>
-              </a:rPr>
-              <a:t>毒 </a:t>
-            </a:r>
-            <a:r>
-              <a:rPr lang="en-US" altLang="ja-JP" dirty="0">
-                <a:solidFill>
-                  <a:srgbClr val="FF0000"/>
-                </a:solidFill>
-              </a:rPr>
-              <a:t>%d:</a:t>
-            </a:r>
-            <a:r>
-              <a:rPr lang="ja-JP" altLang="en-US" dirty="0">
-                <a:solidFill>
-                  <a:srgbClr val="FF0000"/>
-                </a:solidFill>
-              </a:rPr>
-              <a:t>眠り </a:t>
-            </a:r>
-            <a:r>
-              <a:rPr lang="en-US" altLang="ja-JP" dirty="0">
-                <a:solidFill>
-                  <a:srgbClr val="FF0000"/>
-                </a:solidFill>
-              </a:rPr>
-              <a:t>%d:</a:t>
-            </a:r>
-            <a:r>
-              <a:rPr lang="ja-JP" altLang="en-US" dirty="0">
-                <a:solidFill>
-                  <a:srgbClr val="FF0000"/>
-                </a:solidFill>
-              </a:rPr>
-              <a:t>麻痺 </a:t>
-            </a:r>
-            <a:r>
-              <a:rPr lang="en-US" altLang="ja-JP" dirty="0">
-                <a:solidFill>
-                  <a:srgbClr val="FF0000"/>
-                </a:solidFill>
-              </a:rPr>
-              <a:t>%d:</a:t>
-            </a:r>
-            <a:r>
-              <a:rPr lang="ja-JP" altLang="en-US" dirty="0">
-                <a:solidFill>
-                  <a:srgbClr val="FF0000"/>
-                </a:solidFill>
-              </a:rPr>
-              <a:t>火傷 </a:t>
-            </a:r>
-            <a:br>
-              <a:rPr lang="en-US" altLang="ja-JP" dirty="0">
-                <a:solidFill>
-                  <a:srgbClr val="FF0000"/>
-                </a:solidFill>
-              </a:rPr>
-            </a:br>
-            <a:r>
-              <a:rPr lang="en-US" altLang="ja-JP" dirty="0">
-                <a:solidFill>
-                  <a:srgbClr val="FF0000"/>
-                </a:solidFill>
-              </a:rPr>
-              <a:t>          %d:</a:t>
-            </a:r>
-            <a:r>
-              <a:rPr lang="ja-JP" altLang="en-US" dirty="0">
-                <a:solidFill>
-                  <a:srgbClr val="FF0000"/>
-                </a:solidFill>
-              </a:rPr>
-              <a:t>攻撃アップ </a:t>
-            </a:r>
-            <a:r>
-              <a:rPr lang="en-US" altLang="ja-JP" dirty="0">
-                <a:solidFill>
-                  <a:srgbClr val="FF0000"/>
-                </a:solidFill>
-              </a:rPr>
-              <a:t>%d</a:t>
-            </a:r>
-            <a:r>
-              <a:rPr lang="ja-JP" altLang="en-US" dirty="0">
-                <a:solidFill>
-                  <a:srgbClr val="FF0000"/>
-                </a:solidFill>
-              </a:rPr>
-              <a:t>攻撃ダウン＞</a:t>
-            </a:r>
-            <a:r>
-              <a:rPr lang="en-US" altLang="ja-JP" dirty="0">
-                <a:solidFill>
-                  <a:srgbClr val="FF0000"/>
-                </a:solidFill>
-              </a:rPr>
-              <a:t>”</a:t>
-            </a:r>
-            <a:br>
-              <a:rPr lang="en-US" altLang="ja-JP" dirty="0">
-                <a:solidFill>
-                  <a:srgbClr val="FF0000"/>
-                </a:solidFill>
-              </a:rPr>
-            </a:br>
-            <a:r>
-              <a:rPr lang="en-US" altLang="ja-JP" dirty="0">
-                <a:solidFill>
-                  <a:srgbClr val="FF0000"/>
-                </a:solidFill>
-              </a:rPr>
-              <a:t>          ,Poison, Sleep, Para, Burn</a:t>
-            </a:r>
-            <a:br>
-              <a:rPr lang="en-US" altLang="ja-JP" dirty="0">
-                <a:solidFill>
-                  <a:srgbClr val="FF0000"/>
-                </a:solidFill>
-              </a:rPr>
-            </a:br>
-            <a:r>
-              <a:rPr lang="en-US" altLang="ja-JP" dirty="0">
-                <a:solidFill>
-                  <a:srgbClr val="FF0000"/>
-                </a:solidFill>
-              </a:rPr>
-              <a:t>          ,</a:t>
-            </a:r>
-            <a:r>
-              <a:rPr lang="en-US" altLang="ja-JP" dirty="0" err="1">
-                <a:solidFill>
-                  <a:srgbClr val="FF0000"/>
-                </a:solidFill>
-              </a:rPr>
-              <a:t>AtkUp</a:t>
-            </a:r>
-            <a:r>
-              <a:rPr lang="en-US" altLang="ja-JP" dirty="0">
-                <a:solidFill>
-                  <a:srgbClr val="FF0000"/>
-                </a:solidFill>
-              </a:rPr>
-              <a:t>, </a:t>
-            </a:r>
-            <a:r>
-              <a:rPr lang="en-US" altLang="ja-JP" dirty="0" err="1">
-                <a:solidFill>
-                  <a:srgbClr val="FF0000"/>
-                </a:solidFill>
-              </a:rPr>
-              <a:t>AtkDown</a:t>
-            </a:r>
-            <a:r>
-              <a:rPr lang="en-US" altLang="ja-JP" dirty="0">
-                <a:solidFill>
-                  <a:srgbClr val="FF0000"/>
-                </a:solidFill>
-              </a:rPr>
-              <a:t>);</a:t>
-            </a:r>
-            <a:br>
-              <a:rPr lang="en-US" altLang="ja-JP" dirty="0">
-                <a:solidFill>
-                  <a:srgbClr val="FF0000"/>
-                </a:solidFill>
-              </a:rPr>
-            </a:br>
-            <a:r>
-              <a:rPr lang="en-US" altLang="ja-JP" dirty="0">
-                <a:solidFill>
-                  <a:srgbClr val="FF0000"/>
-                </a:solidFill>
-              </a:rPr>
-              <a:t>  </a:t>
-            </a:r>
-            <a:r>
-              <a:rPr lang="en-US" altLang="ja-JP" dirty="0" err="1">
-                <a:solidFill>
-                  <a:srgbClr val="FF0000"/>
-                </a:solidFill>
-              </a:rPr>
-              <a:t>scanf</a:t>
-            </a:r>
-            <a:r>
-              <a:rPr lang="en-US" altLang="ja-JP" dirty="0">
-                <a:solidFill>
-                  <a:srgbClr val="FF0000"/>
-                </a:solidFill>
-              </a:rPr>
-              <a:t>(“%d”, &amp;change);</a:t>
-            </a:r>
-            <a:br>
-              <a:rPr lang="en-US" altLang="ja-JP" dirty="0">
-                <a:solidFill>
-                  <a:srgbClr val="FF0000"/>
-                </a:solidFill>
-              </a:rPr>
-            </a:br>
-            <a:r>
-              <a:rPr lang="en-US" altLang="ja-JP" dirty="0">
-                <a:solidFill>
-                  <a:srgbClr val="FF0000"/>
-                </a:solidFill>
-              </a:rPr>
-              <a:t>  </a:t>
-            </a:r>
-            <a:br>
-              <a:rPr lang="en-US" altLang="ja-JP" dirty="0">
-                <a:solidFill>
-                  <a:srgbClr val="FF0000"/>
-                </a:solidFill>
-              </a:rPr>
-            </a:br>
-            <a:r>
-              <a:rPr lang="en-US" altLang="ja-JP" dirty="0">
-                <a:solidFill>
-                  <a:srgbClr val="FF0000"/>
-                </a:solidFill>
-              </a:rPr>
-              <a:t>  //</a:t>
-            </a:r>
-            <a:r>
-              <a:rPr lang="ja-JP" altLang="en-US" dirty="0">
-                <a:solidFill>
-                  <a:srgbClr val="FF0000"/>
-                </a:solidFill>
-              </a:rPr>
-              <a:t>入力された状態値を</a:t>
-            </a:r>
-            <a:r>
-              <a:rPr lang="en-US" altLang="ja-JP" dirty="0">
-                <a:solidFill>
-                  <a:srgbClr val="FF0000"/>
-                </a:solidFill>
-              </a:rPr>
-              <a:t>OR</a:t>
-            </a:r>
-            <a:r>
-              <a:rPr lang="ja-JP" altLang="en-US" dirty="0">
-                <a:solidFill>
-                  <a:srgbClr val="FF0000"/>
-                </a:solidFill>
-              </a:rPr>
-              <a:t>演算する</a:t>
-            </a:r>
-            <a:br>
-              <a:rPr lang="en-US" altLang="ja-JP" dirty="0">
-                <a:solidFill>
-                  <a:srgbClr val="FF0000"/>
-                </a:solidFill>
-              </a:rPr>
-            </a:br>
-            <a:r>
-              <a:rPr lang="en-US" altLang="ja-JP" dirty="0">
-                <a:solidFill>
-                  <a:srgbClr val="FF0000"/>
-                </a:solidFill>
-              </a:rPr>
-              <a:t>  *status |= change;</a:t>
-            </a:r>
-            <a:br>
-              <a:rPr lang="en-US" altLang="ja-JP" dirty="0">
-                <a:solidFill>
-                  <a:srgbClr val="FF0000"/>
-                </a:solidFill>
-              </a:rPr>
-            </a:br>
-            <a:r>
-              <a:rPr lang="en-US" altLang="ja-JP" dirty="0">
-                <a:solidFill>
-                  <a:srgbClr val="FF0000"/>
-                </a:solidFill>
-              </a:rPr>
-              <a:t>}  </a:t>
-            </a:r>
-            <a:endParaRPr kumimoji="1" lang="en-US" altLang="ja-JP" dirty="0">
-              <a:solidFill>
-                <a:srgbClr val="FF0000"/>
-              </a:solidFill>
-            </a:endParaRPr>
-          </a:p>
-        </p:txBody>
-      </p:sp>
-    </p:spTree>
-    <p:extLst>
-      <p:ext uri="{BB962C8B-B14F-4D97-AF65-F5344CB8AC3E}">
-        <p14:creationId xmlns:p14="http://schemas.microsoft.com/office/powerpoint/2010/main" val="3142726399"/>
-      </p:ext>
-    </p:extLst>
-  </p:cSld>
-  <p:clrMapOvr>
-    <a:masterClrMapping/>
-  </p:clrMapOvr>
-</p:sld>
-</file>
-
-<file path=ppt/slides/slide23.xml><?xml version="1.0" encoding="utf-8"?>
-<p:sld xmlns:a="http://schemas.openxmlformats.org/drawingml/2006/main" xmlns:r="http://schemas.openxmlformats.org/officeDocument/2006/relationships" xmlns:p="http://schemas.openxmlformats.org/presentationml/2006/main">
-  <p:cSld>
-    <p:spTree>
-      <p:nvGrpSpPr>
-        <p:cNvPr id="1" name=""/>
-        <p:cNvGrpSpPr/>
-        <p:nvPr/>
-      </p:nvGrpSpPr>
-      <p:grpSpPr>
-        <a:xfrm>
-          <a:off x="0" y="0"/>
-          <a:ext cx="0" cy="0"/>
-          <a:chOff x="0" y="0"/>
-          <a:chExt cx="0" cy="0"/>
-        </a:xfrm>
-      </p:grpSpPr>
-      <p:sp>
-        <p:nvSpPr>
-          <p:cNvPr id="2" name="タイトル 1">
-            <a:extLst>
-              <a:ext uri="{FF2B5EF4-FFF2-40B4-BE49-F238E27FC236}">
-                <a16:creationId xmlns:a16="http://schemas.microsoft.com/office/drawing/2014/main" id="{5B438378-E70B-D0A9-515C-B6E7AECAD9F8}"/>
-              </a:ext>
-            </a:extLst>
-          </p:cNvPr>
-          <p:cNvSpPr>
-            <a:spLocks noGrp="1"/>
-          </p:cNvSpPr>
-          <p:nvPr>
-            <p:ph type="title"/>
-          </p:nvPr>
-        </p:nvSpPr>
-        <p:spPr/>
-        <p:txBody>
-          <a:bodyPr/>
-          <a:lstStyle/>
-          <a:p>
-            <a:r>
-              <a:rPr kumimoji="1" lang="en-US" altLang="ja-JP" dirty="0" err="1"/>
-              <a:t>bit.c</a:t>
-            </a:r>
-            <a:endParaRPr kumimoji="1" lang="ja-JP" altLang="en-US" dirty="0"/>
-          </a:p>
-        </p:txBody>
-      </p:sp>
-      <p:sp>
-        <p:nvSpPr>
-          <p:cNvPr id="3" name="コンテンツ プレースホルダー 2">
-            <a:extLst>
-              <a:ext uri="{FF2B5EF4-FFF2-40B4-BE49-F238E27FC236}">
-                <a16:creationId xmlns:a16="http://schemas.microsoft.com/office/drawing/2014/main" id="{4EB2B356-EDF6-25E4-62BF-DBB51B977CFA}"/>
-              </a:ext>
-            </a:extLst>
-          </p:cNvPr>
-          <p:cNvSpPr>
-            <a:spLocks noGrp="1"/>
-          </p:cNvSpPr>
-          <p:nvPr>
-            <p:ph idx="1"/>
-          </p:nvPr>
-        </p:nvSpPr>
-        <p:spPr>
-          <a:ln>
-            <a:solidFill>
-              <a:schemeClr val="tx1"/>
-            </a:solidFill>
-          </a:ln>
-        </p:spPr>
-        <p:txBody>
-          <a:bodyPr>
-            <a:normAutofit/>
-          </a:bodyPr>
-          <a:lstStyle/>
-          <a:p>
-            <a:pPr marL="0" indent="0">
-              <a:buNone/>
-            </a:pPr>
-            <a:r>
-              <a:rPr kumimoji="1" lang="en-US" altLang="ja-JP" dirty="0"/>
-              <a:t>void </a:t>
-            </a:r>
-            <a:r>
-              <a:rPr kumimoji="1" lang="en-US" altLang="ja-JP" dirty="0" err="1"/>
-              <a:t>changeStatus</a:t>
-            </a:r>
-            <a:r>
-              <a:rPr kumimoji="1" lang="en-US" altLang="ja-JP" dirty="0"/>
-              <a:t>(UINT*)</a:t>
-            </a:r>
-            <a:br>
-              <a:rPr kumimoji="1" lang="en-US" altLang="ja-JP" dirty="0"/>
-            </a:br>
-            <a:r>
-              <a:rPr kumimoji="1" lang="en-US" altLang="ja-JP" dirty="0">
-                <a:solidFill>
-                  <a:srgbClr val="FF0000"/>
-                </a:solidFill>
-              </a:rPr>
-              <a:t>void </a:t>
-            </a:r>
-            <a:r>
-              <a:rPr kumimoji="1" lang="en-US" altLang="ja-JP" dirty="0" err="1">
-                <a:solidFill>
-                  <a:srgbClr val="FF0000"/>
-                </a:solidFill>
-              </a:rPr>
-              <a:t>clearStatus</a:t>
-            </a:r>
-            <a:r>
-              <a:rPr kumimoji="1" lang="en-US" altLang="ja-JP" dirty="0">
-                <a:solidFill>
-                  <a:srgbClr val="FF0000"/>
-                </a:solidFill>
-              </a:rPr>
-              <a:t>(UINT*)</a:t>
-            </a:r>
-            <a:br>
-              <a:rPr kumimoji="1" lang="en-US" altLang="ja-JP" dirty="0"/>
-            </a:br>
-            <a:br>
-              <a:rPr kumimoji="1" lang="en-US" altLang="ja-JP" dirty="0"/>
-            </a:br>
-            <a:r>
-              <a:rPr kumimoji="1" lang="en-US" altLang="ja-JP" dirty="0"/>
-              <a:t>main(){</a:t>
-            </a:r>
-            <a:br>
-              <a:rPr kumimoji="1" lang="en-US" altLang="ja-JP" dirty="0"/>
-            </a:br>
-            <a:r>
-              <a:rPr kumimoji="1" lang="en-US" altLang="ja-JP" dirty="0"/>
-              <a:t>  //</a:t>
-            </a:r>
-            <a:r>
-              <a:rPr kumimoji="1" lang="ja-JP" altLang="en-US" dirty="0"/>
-              <a:t>符号無し整数 </a:t>
-            </a:r>
-            <a:r>
-              <a:rPr kumimoji="1" lang="en-US" altLang="ja-JP" dirty="0"/>
-              <a:t>Status </a:t>
-            </a:r>
-            <a:r>
-              <a:rPr kumimoji="1" lang="ja-JP" altLang="en-US" dirty="0"/>
-              <a:t>を宣言して </a:t>
-            </a:r>
-            <a:r>
-              <a:rPr kumimoji="1" lang="en-US" altLang="ja-JP" dirty="0"/>
-              <a:t>Base(0) </a:t>
-            </a:r>
-            <a:r>
-              <a:rPr kumimoji="1" lang="ja-JP" altLang="en-US" dirty="0"/>
-              <a:t>を代入</a:t>
-            </a:r>
-            <a:br>
-              <a:rPr kumimoji="1" lang="en-US" altLang="ja-JP" dirty="0"/>
-            </a:br>
-            <a:r>
-              <a:rPr kumimoji="1" lang="en-US" altLang="ja-JP" dirty="0"/>
-              <a:t>  UINT Status = Base;</a:t>
-            </a:r>
-            <a:br>
-              <a:rPr kumimoji="1" lang="en-US" altLang="ja-JP" dirty="0"/>
-            </a:br>
-            <a:br>
-              <a:rPr kumimoji="1" lang="en-US" altLang="ja-JP" dirty="0"/>
-            </a:br>
-            <a:r>
-              <a:rPr kumimoji="1" lang="en-US" altLang="ja-JP" dirty="0"/>
-              <a:t>  //</a:t>
-            </a:r>
-            <a:r>
-              <a:rPr kumimoji="1" lang="ja-JP" altLang="en-US" dirty="0"/>
-              <a:t>状態を変化させる</a:t>
-            </a:r>
-            <a:br>
-              <a:rPr kumimoji="1" lang="en-US" altLang="ja-JP" dirty="0"/>
-            </a:br>
-            <a:r>
-              <a:rPr kumimoji="1" lang="en-US" altLang="ja-JP" dirty="0"/>
-              <a:t>  </a:t>
-            </a:r>
-            <a:r>
-              <a:rPr kumimoji="1" lang="en-US" altLang="ja-JP" dirty="0" err="1"/>
-              <a:t>changeStatus</a:t>
-            </a:r>
-            <a:r>
-              <a:rPr kumimoji="1" lang="en-US" altLang="ja-JP" dirty="0"/>
-              <a:t>(&amp;Status);</a:t>
-            </a:r>
-            <a:br>
-              <a:rPr lang="en-US" altLang="ja-JP" dirty="0"/>
-            </a:br>
-            <a:br>
-              <a:rPr kumimoji="1" lang="en-US" altLang="ja-JP" dirty="0"/>
-            </a:br>
-            <a:r>
-              <a:rPr kumimoji="1" lang="ja-JP" altLang="en-US" dirty="0"/>
-              <a:t>　　</a:t>
-            </a:r>
-            <a:r>
-              <a:rPr kumimoji="1" lang="en-US" altLang="ja-JP" dirty="0"/>
-              <a:t>//</a:t>
-            </a:r>
-            <a:r>
-              <a:rPr lang="ja-JP" altLang="en-US" dirty="0"/>
-              <a:t>現在の状態を表示</a:t>
-            </a:r>
-            <a:br>
-              <a:rPr lang="en-US" altLang="ja-JP" dirty="0"/>
-            </a:br>
-            <a:r>
-              <a:rPr lang="en-US" altLang="ja-JP" dirty="0"/>
-              <a:t>  </a:t>
-            </a:r>
-            <a:r>
-              <a:rPr lang="en-US" altLang="ja-JP" dirty="0" err="1"/>
-              <a:t>dispStatus</a:t>
-            </a:r>
-            <a:r>
-              <a:rPr lang="en-US" altLang="ja-JP" dirty="0"/>
-              <a:t>(Status);</a:t>
-            </a:r>
-            <a:endParaRPr kumimoji="1" lang="en-US" altLang="ja-JP" dirty="0"/>
-          </a:p>
-        </p:txBody>
-      </p:sp>
-    </p:spTree>
-    <p:extLst>
-      <p:ext uri="{BB962C8B-B14F-4D97-AF65-F5344CB8AC3E}">
-        <p14:creationId xmlns:p14="http://schemas.microsoft.com/office/powerpoint/2010/main" val="3547726515"/>
-      </p:ext>
-    </p:extLst>
-  </p:cSld>
-  <p:clrMapOvr>
-    <a:masterClrMapping/>
-  </p:clrMapOvr>
-</p:sld>
-</file>
-
-<file path=ppt/slides/slide24.xml><?xml version="1.0" encoding="utf-8"?>
-<p:sld xmlns:a="http://schemas.openxmlformats.org/drawingml/2006/main" xmlns:r="http://schemas.openxmlformats.org/officeDocument/2006/relationships" xmlns:p="http://schemas.openxmlformats.org/presentationml/2006/main">
-  <p:cSld>
-    <p:spTree>
-      <p:nvGrpSpPr>
-        <p:cNvPr id="1" name=""/>
-        <p:cNvGrpSpPr/>
-        <p:nvPr/>
-      </p:nvGrpSpPr>
-      <p:grpSpPr>
-        <a:xfrm>
-          <a:off x="0" y="0"/>
-          <a:ext cx="0" cy="0"/>
-          <a:chOff x="0" y="0"/>
-          <a:chExt cx="0" cy="0"/>
-        </a:xfrm>
-      </p:grpSpPr>
-      <p:sp>
-        <p:nvSpPr>
-          <p:cNvPr id="2" name="タイトル 1">
-            <a:extLst>
-              <a:ext uri="{FF2B5EF4-FFF2-40B4-BE49-F238E27FC236}">
-                <a16:creationId xmlns:a16="http://schemas.microsoft.com/office/drawing/2014/main" id="{5B438378-E70B-D0A9-515C-B6E7AECAD9F8}"/>
-              </a:ext>
-            </a:extLst>
-          </p:cNvPr>
-          <p:cNvSpPr>
-            <a:spLocks noGrp="1"/>
-          </p:cNvSpPr>
-          <p:nvPr>
-            <p:ph type="title"/>
-          </p:nvPr>
-        </p:nvSpPr>
-        <p:spPr/>
-        <p:txBody>
-          <a:bodyPr/>
-          <a:lstStyle/>
-          <a:p>
-            <a:r>
-              <a:rPr kumimoji="1" lang="en-US" altLang="ja-JP" dirty="0" err="1"/>
-              <a:t>bit.c</a:t>
-            </a:r>
-            <a:endParaRPr kumimoji="1" lang="ja-JP" altLang="en-US" dirty="0"/>
-          </a:p>
-        </p:txBody>
-      </p:sp>
-      <p:sp>
-        <p:nvSpPr>
-          <p:cNvPr id="3" name="コンテンツ プレースホルダー 2">
-            <a:extLst>
-              <a:ext uri="{FF2B5EF4-FFF2-40B4-BE49-F238E27FC236}">
-                <a16:creationId xmlns:a16="http://schemas.microsoft.com/office/drawing/2014/main" id="{4EB2B356-EDF6-25E4-62BF-DBB51B977CFA}"/>
-              </a:ext>
-            </a:extLst>
-          </p:cNvPr>
-          <p:cNvSpPr>
-            <a:spLocks noGrp="1"/>
-          </p:cNvSpPr>
-          <p:nvPr>
-            <p:ph idx="1"/>
-          </p:nvPr>
-        </p:nvSpPr>
-        <p:spPr>
-          <a:ln>
-            <a:solidFill>
-              <a:schemeClr val="tx1"/>
-            </a:solidFill>
-          </a:ln>
-        </p:spPr>
-        <p:txBody>
-          <a:bodyPr>
-            <a:normAutofit/>
-          </a:bodyPr>
-          <a:lstStyle/>
-          <a:p>
-            <a:pPr marL="0" indent="0">
-              <a:buNone/>
-            </a:pPr>
-            <a:r>
-              <a:rPr kumimoji="1" lang="en-US" altLang="ja-JP" dirty="0"/>
-              <a:t>  //</a:t>
-            </a:r>
-            <a:r>
-              <a:rPr kumimoji="1" lang="ja-JP" altLang="en-US" dirty="0"/>
-              <a:t>状態を変化させる</a:t>
-            </a:r>
-            <a:br>
-              <a:rPr kumimoji="1" lang="en-US" altLang="ja-JP" dirty="0"/>
-            </a:br>
-            <a:r>
-              <a:rPr kumimoji="1" lang="en-US" altLang="ja-JP" dirty="0"/>
-              <a:t>  </a:t>
-            </a:r>
-            <a:r>
-              <a:rPr kumimoji="1" lang="en-US" altLang="ja-JP" dirty="0" err="1"/>
-              <a:t>changeStatus</a:t>
-            </a:r>
-            <a:r>
-              <a:rPr kumimoji="1" lang="en-US" altLang="ja-JP" dirty="0"/>
-              <a:t>(&amp;Status);</a:t>
-            </a:r>
-            <a:br>
-              <a:rPr kumimoji="1" lang="en-US" altLang="ja-JP" dirty="0"/>
-            </a:br>
-            <a:br>
-              <a:rPr kumimoji="1" lang="en-US" altLang="ja-JP" dirty="0"/>
-            </a:br>
-            <a:r>
-              <a:rPr kumimoji="1" lang="ja-JP" altLang="en-US" dirty="0"/>
-              <a:t>　　</a:t>
-            </a:r>
-            <a:r>
-              <a:rPr kumimoji="1" lang="en-US" altLang="ja-JP" dirty="0"/>
-              <a:t>//</a:t>
-            </a:r>
-            <a:r>
-              <a:rPr lang="ja-JP" altLang="en-US" dirty="0"/>
-              <a:t>現在の状態を表示</a:t>
-            </a:r>
-            <a:br>
-              <a:rPr lang="en-US" altLang="ja-JP" dirty="0"/>
-            </a:br>
-            <a:r>
-              <a:rPr lang="en-US" altLang="ja-JP" dirty="0"/>
-              <a:t>  </a:t>
-            </a:r>
-            <a:r>
-              <a:rPr lang="en-US" altLang="ja-JP" dirty="0" err="1"/>
-              <a:t>dispStatus</a:t>
-            </a:r>
-            <a:r>
-              <a:rPr lang="en-US" altLang="ja-JP" dirty="0"/>
-              <a:t>(Status);</a:t>
-            </a:r>
-            <a:br>
-              <a:rPr lang="en-US" altLang="ja-JP" dirty="0"/>
-            </a:br>
-            <a:br>
-              <a:rPr lang="en-US" altLang="ja-JP" dirty="0"/>
-            </a:br>
-            <a:r>
-              <a:rPr lang="en-US" altLang="ja-JP" dirty="0">
-                <a:solidFill>
-                  <a:srgbClr val="FF0000"/>
-                </a:solidFill>
-              </a:rPr>
-              <a:t>  //</a:t>
-            </a:r>
-            <a:r>
-              <a:rPr lang="ja-JP" altLang="en-US" dirty="0">
-                <a:solidFill>
-                  <a:srgbClr val="FF0000"/>
-                </a:solidFill>
-              </a:rPr>
-              <a:t>状態をクリアする</a:t>
-            </a:r>
-            <a:br>
-              <a:rPr lang="en-US" altLang="ja-JP" dirty="0">
-                <a:solidFill>
-                  <a:srgbClr val="FF0000"/>
-                </a:solidFill>
-              </a:rPr>
-            </a:br>
-            <a:r>
-              <a:rPr lang="en-US" altLang="ja-JP" dirty="0">
-                <a:solidFill>
-                  <a:srgbClr val="FF0000"/>
-                </a:solidFill>
-              </a:rPr>
-              <a:t>  </a:t>
-            </a:r>
-            <a:r>
-              <a:rPr lang="en-US" altLang="ja-JP" dirty="0" err="1">
-                <a:solidFill>
-                  <a:srgbClr val="FF0000"/>
-                </a:solidFill>
-              </a:rPr>
-              <a:t>clearStatus</a:t>
-            </a:r>
-            <a:r>
-              <a:rPr lang="en-US" altLang="ja-JP" dirty="0">
-                <a:solidFill>
-                  <a:srgbClr val="FF0000"/>
-                </a:solidFill>
-              </a:rPr>
-              <a:t>(&amp;Status);</a:t>
-            </a:r>
-            <a:br>
-              <a:rPr lang="en-US" altLang="ja-JP" dirty="0">
-                <a:solidFill>
-                  <a:srgbClr val="FF0000"/>
-                </a:solidFill>
-              </a:rPr>
-            </a:br>
-            <a:br>
-              <a:rPr lang="en-US" altLang="ja-JP" dirty="0">
-                <a:solidFill>
-                  <a:srgbClr val="FF0000"/>
-                </a:solidFill>
-              </a:rPr>
-            </a:br>
-            <a:r>
-              <a:rPr lang="ja-JP" altLang="en-US" dirty="0">
-                <a:solidFill>
-                  <a:srgbClr val="FF0000"/>
-                </a:solidFill>
-              </a:rPr>
-              <a:t>　　</a:t>
-            </a:r>
-            <a:r>
-              <a:rPr lang="en-US" altLang="ja-JP" dirty="0">
-                <a:solidFill>
-                  <a:srgbClr val="FF0000"/>
-                </a:solidFill>
-              </a:rPr>
-              <a:t>//</a:t>
-            </a:r>
-            <a:r>
-              <a:rPr lang="ja-JP" altLang="en-US" dirty="0">
-                <a:solidFill>
-                  <a:srgbClr val="FF0000"/>
-                </a:solidFill>
-              </a:rPr>
-              <a:t>現在の状態を表示</a:t>
-            </a:r>
-            <a:br>
-              <a:rPr lang="en-US" altLang="ja-JP" dirty="0">
-                <a:solidFill>
-                  <a:srgbClr val="FF0000"/>
-                </a:solidFill>
-              </a:rPr>
-            </a:br>
-            <a:r>
-              <a:rPr lang="en-US" altLang="ja-JP" dirty="0">
-                <a:solidFill>
-                  <a:srgbClr val="FF0000"/>
-                </a:solidFill>
-              </a:rPr>
-              <a:t>  </a:t>
-            </a:r>
-            <a:r>
-              <a:rPr lang="en-US" altLang="ja-JP" dirty="0" err="1">
-                <a:solidFill>
-                  <a:srgbClr val="FF0000"/>
-                </a:solidFill>
-              </a:rPr>
-              <a:t>dispStatus</a:t>
-            </a:r>
-            <a:r>
-              <a:rPr lang="en-US" altLang="ja-JP" dirty="0">
-                <a:solidFill>
-                  <a:srgbClr val="FF0000"/>
-                </a:solidFill>
-              </a:rPr>
-              <a:t>(Status);</a:t>
-            </a:r>
-            <a:br>
-              <a:rPr lang="en-US" altLang="ja-JP" dirty="0">
-                <a:solidFill>
-                  <a:srgbClr val="FF0000"/>
-                </a:solidFill>
-              </a:rPr>
-            </a:br>
-            <a:r>
-              <a:rPr lang="en-US" altLang="ja-JP" dirty="0"/>
-              <a:t>}</a:t>
-            </a:r>
-            <a:endParaRPr kumimoji="1" lang="en-US" altLang="ja-JP" dirty="0"/>
-          </a:p>
-        </p:txBody>
-      </p:sp>
-    </p:spTree>
-    <p:extLst>
-      <p:ext uri="{BB962C8B-B14F-4D97-AF65-F5344CB8AC3E}">
-        <p14:creationId xmlns:p14="http://schemas.microsoft.com/office/powerpoint/2010/main" val="1501773338"/>
-      </p:ext>
-    </p:extLst>
-  </p:cSld>
-  <p:clrMapOvr>
-    <a:masterClrMapping/>
-  </p:clrMapOvr>
-</p:sld>
-</file>
-
-<file path=ppt/slides/slide25.xml><?xml version="1.0" encoding="utf-8"?>
-<p:sld xmlns:a="http://schemas.openxmlformats.org/drawingml/2006/main" xmlns:r="http://schemas.openxmlformats.org/officeDocument/2006/relationships" xmlns:p="http://schemas.openxmlformats.org/presentationml/2006/main">
-  <p:cSld>
-    <p:spTree>
-      <p:nvGrpSpPr>
-        <p:cNvPr id="1" name=""/>
-        <p:cNvGrpSpPr/>
-        <p:nvPr/>
-      </p:nvGrpSpPr>
-      <p:grpSpPr>
-        <a:xfrm>
-          <a:off x="0" y="0"/>
-          <a:ext cx="0" cy="0"/>
-          <a:chOff x="0" y="0"/>
-          <a:chExt cx="0" cy="0"/>
-        </a:xfrm>
-      </p:grpSpPr>
-      <p:sp>
-        <p:nvSpPr>
-          <p:cNvPr id="2" name="タイトル 1">
-            <a:extLst>
-              <a:ext uri="{FF2B5EF4-FFF2-40B4-BE49-F238E27FC236}">
-                <a16:creationId xmlns:a16="http://schemas.microsoft.com/office/drawing/2014/main" id="{5B438378-E70B-D0A9-515C-B6E7AECAD9F8}"/>
-              </a:ext>
-            </a:extLst>
-          </p:cNvPr>
-          <p:cNvSpPr>
-            <a:spLocks noGrp="1"/>
-          </p:cNvSpPr>
-          <p:nvPr>
-            <p:ph type="title"/>
-          </p:nvPr>
-        </p:nvSpPr>
-        <p:spPr/>
-        <p:txBody>
-          <a:bodyPr/>
-          <a:lstStyle/>
-          <a:p>
-            <a:r>
-              <a:rPr kumimoji="1" lang="en-US" altLang="ja-JP" dirty="0" err="1"/>
-              <a:t>bit.c</a:t>
-            </a:r>
-            <a:endParaRPr kumimoji="1" lang="ja-JP" altLang="en-US" dirty="0"/>
-          </a:p>
-        </p:txBody>
-      </p:sp>
-      <p:sp>
-        <p:nvSpPr>
-          <p:cNvPr id="3" name="コンテンツ プレースホルダー 2">
-            <a:extLst>
-              <a:ext uri="{FF2B5EF4-FFF2-40B4-BE49-F238E27FC236}">
-                <a16:creationId xmlns:a16="http://schemas.microsoft.com/office/drawing/2014/main" id="{4EB2B356-EDF6-25E4-62BF-DBB51B977CFA}"/>
-              </a:ext>
-            </a:extLst>
-          </p:cNvPr>
-          <p:cNvSpPr>
-            <a:spLocks noGrp="1"/>
-          </p:cNvSpPr>
-          <p:nvPr>
-            <p:ph idx="1"/>
-          </p:nvPr>
-        </p:nvSpPr>
-        <p:spPr>
-          <a:ln>
-            <a:solidFill>
-              <a:schemeClr val="tx1"/>
-            </a:solidFill>
-          </a:ln>
-        </p:spPr>
-        <p:txBody>
-          <a:bodyPr>
-            <a:normAutofit/>
-          </a:bodyPr>
-          <a:lstStyle/>
-          <a:p>
-            <a:pPr marL="0" indent="0">
-              <a:buNone/>
-            </a:pPr>
-            <a:r>
-              <a:rPr lang="en-US" altLang="ja-JP" dirty="0" err="1">
-                <a:solidFill>
-                  <a:srgbClr val="FF0000"/>
-                </a:solidFill>
-              </a:rPr>
-              <a:t>clearStatus</a:t>
-            </a:r>
-            <a:r>
-              <a:rPr kumimoji="1" lang="en-US" altLang="ja-JP" dirty="0">
-                <a:solidFill>
-                  <a:srgbClr val="FF0000"/>
-                </a:solidFill>
-              </a:rPr>
-              <a:t>(UINT* status){</a:t>
-            </a:r>
-            <a:br>
-              <a:rPr kumimoji="1" lang="en-US" altLang="ja-JP" dirty="0">
-                <a:solidFill>
-                  <a:srgbClr val="FF0000"/>
-                </a:solidFill>
-              </a:rPr>
-            </a:br>
-            <a:r>
-              <a:rPr kumimoji="1" lang="en-US" altLang="ja-JP" dirty="0">
-                <a:solidFill>
-                  <a:srgbClr val="FF0000"/>
-                </a:solidFill>
-              </a:rPr>
-              <a:t>  int </a:t>
-            </a:r>
-            <a:r>
-              <a:rPr lang="en-US" altLang="ja-JP" dirty="0">
-                <a:solidFill>
-                  <a:srgbClr val="FF0000"/>
-                </a:solidFill>
-              </a:rPr>
-              <a:t>change;</a:t>
-            </a:r>
-            <a:br>
-              <a:rPr lang="en-US" altLang="ja-JP" dirty="0">
-                <a:solidFill>
-                  <a:srgbClr val="FF0000"/>
-                </a:solidFill>
-              </a:rPr>
-            </a:br>
-            <a:r>
-              <a:rPr lang="ja-JP" altLang="en-US" dirty="0">
-                <a:solidFill>
-                  <a:srgbClr val="FF0000"/>
-                </a:solidFill>
-              </a:rPr>
-              <a:t>　</a:t>
-            </a:r>
-            <a:r>
-              <a:rPr lang="en-US" altLang="ja-JP" dirty="0">
-                <a:solidFill>
-                  <a:srgbClr val="FF0000"/>
-                </a:solidFill>
-              </a:rPr>
-              <a:t> </a:t>
-            </a:r>
-            <a:r>
-              <a:rPr lang="en-US" altLang="ja-JP" dirty="0" err="1">
-                <a:solidFill>
-                  <a:srgbClr val="FF0000"/>
-                </a:solidFill>
-              </a:rPr>
-              <a:t>printf</a:t>
-            </a:r>
-            <a:r>
-              <a:rPr lang="en-US" altLang="ja-JP" dirty="0">
-                <a:solidFill>
-                  <a:srgbClr val="FF0000"/>
-                </a:solidFill>
-              </a:rPr>
-              <a:t>(“</a:t>
-            </a:r>
-            <a:r>
-              <a:rPr lang="ja-JP" altLang="en-US" dirty="0">
-                <a:solidFill>
-                  <a:srgbClr val="FF0000"/>
-                </a:solidFill>
-              </a:rPr>
-              <a:t>解除する状態を入力</a:t>
-            </a:r>
-            <a:r>
-              <a:rPr lang="en-US" altLang="ja-JP" dirty="0">
-                <a:solidFill>
-                  <a:srgbClr val="FF0000"/>
-                </a:solidFill>
-              </a:rPr>
-              <a:t>\n”);</a:t>
-            </a:r>
-            <a:r>
-              <a:rPr lang="ja-JP" altLang="en-US" dirty="0">
-                <a:solidFill>
-                  <a:srgbClr val="FF0000"/>
-                </a:solidFill>
-              </a:rPr>
-              <a:t> </a:t>
-            </a:r>
-            <a:br>
-              <a:rPr kumimoji="1" lang="en-US" altLang="ja-JP" dirty="0">
-                <a:solidFill>
-                  <a:srgbClr val="FF0000"/>
-                </a:solidFill>
-              </a:rPr>
-            </a:br>
-            <a:r>
-              <a:rPr kumimoji="1" lang="en-US" altLang="ja-JP" dirty="0">
-                <a:solidFill>
-                  <a:srgbClr val="FF0000"/>
-                </a:solidFill>
-              </a:rPr>
-              <a:t>  </a:t>
-            </a:r>
-            <a:r>
-              <a:rPr lang="en-US" altLang="ja-JP" dirty="0" err="1">
-                <a:solidFill>
-                  <a:srgbClr val="FF0000"/>
-                </a:solidFill>
-              </a:rPr>
-              <a:t>printf</a:t>
-            </a:r>
-            <a:r>
-              <a:rPr lang="en-US" altLang="ja-JP" dirty="0">
-                <a:solidFill>
-                  <a:srgbClr val="FF0000"/>
-                </a:solidFill>
-              </a:rPr>
-              <a:t>(“%d:</a:t>
-            </a:r>
-            <a:r>
-              <a:rPr lang="ja-JP" altLang="en-US" dirty="0">
-                <a:solidFill>
-                  <a:srgbClr val="FF0000"/>
-                </a:solidFill>
-              </a:rPr>
-              <a:t>毒 </a:t>
-            </a:r>
-            <a:r>
-              <a:rPr lang="en-US" altLang="ja-JP" dirty="0">
-                <a:solidFill>
-                  <a:srgbClr val="FF0000"/>
-                </a:solidFill>
-              </a:rPr>
-              <a:t>%d:</a:t>
-            </a:r>
-            <a:r>
-              <a:rPr lang="ja-JP" altLang="en-US" dirty="0">
-                <a:solidFill>
-                  <a:srgbClr val="FF0000"/>
-                </a:solidFill>
-              </a:rPr>
-              <a:t>眠り </a:t>
-            </a:r>
-            <a:r>
-              <a:rPr lang="en-US" altLang="ja-JP" dirty="0">
-                <a:solidFill>
-                  <a:srgbClr val="FF0000"/>
-                </a:solidFill>
-              </a:rPr>
-              <a:t>%d:</a:t>
-            </a:r>
-            <a:r>
-              <a:rPr lang="ja-JP" altLang="en-US" dirty="0">
-                <a:solidFill>
-                  <a:srgbClr val="FF0000"/>
-                </a:solidFill>
-              </a:rPr>
-              <a:t>麻痺 </a:t>
-            </a:r>
-            <a:r>
-              <a:rPr lang="en-US" altLang="ja-JP" dirty="0">
-                <a:solidFill>
-                  <a:srgbClr val="FF0000"/>
-                </a:solidFill>
-              </a:rPr>
-              <a:t>%d:</a:t>
-            </a:r>
-            <a:r>
-              <a:rPr lang="ja-JP" altLang="en-US" dirty="0">
-                <a:solidFill>
-                  <a:srgbClr val="FF0000"/>
-                </a:solidFill>
-              </a:rPr>
-              <a:t>火傷 </a:t>
-            </a:r>
-            <a:br>
-              <a:rPr lang="en-US" altLang="ja-JP" dirty="0">
-                <a:solidFill>
-                  <a:srgbClr val="FF0000"/>
-                </a:solidFill>
-              </a:rPr>
-            </a:br>
-            <a:r>
-              <a:rPr lang="en-US" altLang="ja-JP" dirty="0">
-                <a:solidFill>
-                  <a:srgbClr val="FF0000"/>
-                </a:solidFill>
-              </a:rPr>
-              <a:t>          %d:</a:t>
-            </a:r>
-            <a:r>
-              <a:rPr lang="ja-JP" altLang="en-US" dirty="0">
-                <a:solidFill>
-                  <a:srgbClr val="FF0000"/>
-                </a:solidFill>
-              </a:rPr>
-              <a:t>攻撃アップ </a:t>
-            </a:r>
-            <a:r>
-              <a:rPr lang="en-US" altLang="ja-JP" dirty="0">
-                <a:solidFill>
-                  <a:srgbClr val="FF0000"/>
-                </a:solidFill>
-              </a:rPr>
-              <a:t>%d</a:t>
-            </a:r>
-            <a:r>
-              <a:rPr lang="ja-JP" altLang="en-US" dirty="0">
-                <a:solidFill>
-                  <a:srgbClr val="FF0000"/>
-                </a:solidFill>
-              </a:rPr>
-              <a:t>攻撃ダウン＞</a:t>
-            </a:r>
-            <a:r>
-              <a:rPr lang="en-US" altLang="ja-JP" dirty="0">
-                <a:solidFill>
-                  <a:srgbClr val="FF0000"/>
-                </a:solidFill>
-              </a:rPr>
-              <a:t>”</a:t>
-            </a:r>
-            <a:br>
-              <a:rPr lang="en-US" altLang="ja-JP" dirty="0">
-                <a:solidFill>
-                  <a:srgbClr val="FF0000"/>
-                </a:solidFill>
-              </a:rPr>
-            </a:br>
-            <a:r>
-              <a:rPr lang="en-US" altLang="ja-JP" dirty="0">
-                <a:solidFill>
-                  <a:srgbClr val="FF0000"/>
-                </a:solidFill>
-              </a:rPr>
-              <a:t>          ,Poison, Sleep, Para, Burn</a:t>
-            </a:r>
-            <a:br>
-              <a:rPr lang="en-US" altLang="ja-JP" dirty="0">
-                <a:solidFill>
-                  <a:srgbClr val="FF0000"/>
-                </a:solidFill>
-              </a:rPr>
-            </a:br>
-            <a:r>
-              <a:rPr lang="en-US" altLang="ja-JP" dirty="0">
-                <a:solidFill>
-                  <a:srgbClr val="FF0000"/>
-                </a:solidFill>
-              </a:rPr>
-              <a:t>          ,</a:t>
-            </a:r>
-            <a:r>
-              <a:rPr lang="en-US" altLang="ja-JP" dirty="0" err="1">
-                <a:solidFill>
-                  <a:srgbClr val="FF0000"/>
-                </a:solidFill>
-              </a:rPr>
-              <a:t>AtkUp</a:t>
-            </a:r>
-            <a:r>
-              <a:rPr lang="en-US" altLang="ja-JP" dirty="0">
-                <a:solidFill>
-                  <a:srgbClr val="FF0000"/>
-                </a:solidFill>
-              </a:rPr>
-              <a:t>, </a:t>
-            </a:r>
-            <a:r>
-              <a:rPr lang="en-US" altLang="ja-JP" dirty="0" err="1">
-                <a:solidFill>
-                  <a:srgbClr val="FF0000"/>
-                </a:solidFill>
-              </a:rPr>
-              <a:t>AtkDown</a:t>
-            </a:r>
-            <a:r>
-              <a:rPr lang="en-US" altLang="ja-JP" dirty="0">
-                <a:solidFill>
-                  <a:srgbClr val="FF0000"/>
-                </a:solidFill>
-              </a:rPr>
-              <a:t>);</a:t>
-            </a:r>
-            <a:br>
-              <a:rPr lang="en-US" altLang="ja-JP" dirty="0">
-                <a:solidFill>
-                  <a:srgbClr val="FF0000"/>
-                </a:solidFill>
-              </a:rPr>
-            </a:br>
-            <a:r>
-              <a:rPr lang="en-US" altLang="ja-JP" dirty="0">
-                <a:solidFill>
-                  <a:srgbClr val="FF0000"/>
-                </a:solidFill>
-              </a:rPr>
-              <a:t>  </a:t>
-            </a:r>
-            <a:r>
-              <a:rPr lang="en-US" altLang="ja-JP" dirty="0" err="1">
-                <a:solidFill>
-                  <a:srgbClr val="FF0000"/>
-                </a:solidFill>
-              </a:rPr>
-              <a:t>scanf</a:t>
-            </a:r>
-            <a:r>
-              <a:rPr lang="en-US" altLang="ja-JP" dirty="0">
-                <a:solidFill>
-                  <a:srgbClr val="FF0000"/>
-                </a:solidFill>
-              </a:rPr>
-              <a:t>(“%d”, &amp;change);</a:t>
-            </a:r>
-            <a:br>
-              <a:rPr lang="en-US" altLang="ja-JP" dirty="0">
-                <a:solidFill>
-                  <a:srgbClr val="FF0000"/>
-                </a:solidFill>
-              </a:rPr>
-            </a:br>
-            <a:r>
-              <a:rPr lang="en-US" altLang="ja-JP" dirty="0">
-                <a:solidFill>
-                  <a:srgbClr val="FF0000"/>
-                </a:solidFill>
-              </a:rPr>
-              <a:t>  </a:t>
-            </a:r>
-            <a:br>
-              <a:rPr lang="en-US" altLang="ja-JP" dirty="0">
-                <a:solidFill>
-                  <a:srgbClr val="FF0000"/>
-                </a:solidFill>
-              </a:rPr>
-            </a:br>
-            <a:r>
-              <a:rPr lang="en-US" altLang="ja-JP" dirty="0">
-                <a:solidFill>
-                  <a:srgbClr val="FF0000"/>
-                </a:solidFill>
-              </a:rPr>
-              <a:t>  //</a:t>
-            </a:r>
-            <a:r>
-              <a:rPr lang="ja-JP" altLang="en-US" dirty="0">
-                <a:solidFill>
-                  <a:srgbClr val="FF0000"/>
-                </a:solidFill>
-              </a:rPr>
-              <a:t>入力された状態値の反転ビットを</a:t>
-            </a:r>
-            <a:r>
-              <a:rPr lang="en-US" altLang="ja-JP" dirty="0">
-                <a:solidFill>
-                  <a:srgbClr val="FF0000"/>
-                </a:solidFill>
-              </a:rPr>
-              <a:t>AND</a:t>
-            </a:r>
-            <a:r>
-              <a:rPr lang="ja-JP" altLang="en-US" dirty="0">
-                <a:solidFill>
-                  <a:srgbClr val="FF0000"/>
-                </a:solidFill>
-              </a:rPr>
-              <a:t>演算する</a:t>
-            </a:r>
-            <a:br>
-              <a:rPr lang="en-US" altLang="ja-JP" dirty="0">
-                <a:solidFill>
-                  <a:srgbClr val="FF0000"/>
-                </a:solidFill>
-              </a:rPr>
-            </a:br>
-            <a:r>
-              <a:rPr lang="en-US" altLang="ja-JP" dirty="0">
-                <a:solidFill>
-                  <a:srgbClr val="FF0000"/>
-                </a:solidFill>
-              </a:rPr>
-              <a:t>  *status &amp;= ~change;</a:t>
-            </a:r>
-            <a:br>
-              <a:rPr lang="en-US" altLang="ja-JP" dirty="0">
-                <a:solidFill>
-                  <a:srgbClr val="FF0000"/>
-                </a:solidFill>
-              </a:rPr>
-            </a:br>
-            <a:r>
-              <a:rPr lang="en-US" altLang="ja-JP" dirty="0">
-                <a:solidFill>
-                  <a:srgbClr val="FF0000"/>
-                </a:solidFill>
-              </a:rPr>
-              <a:t>}  </a:t>
-            </a:r>
-            <a:endParaRPr kumimoji="1" lang="en-US" altLang="ja-JP" dirty="0">
-              <a:solidFill>
-                <a:srgbClr val="FF0000"/>
-              </a:solidFill>
-            </a:endParaRPr>
-          </a:p>
-        </p:txBody>
-      </p:sp>
-    </p:spTree>
-    <p:extLst>
-      <p:ext uri="{BB962C8B-B14F-4D97-AF65-F5344CB8AC3E}">
-        <p14:creationId xmlns:p14="http://schemas.microsoft.com/office/powerpoint/2010/main" val="4241685055"/>
-      </p:ext>
-    </p:extLst>
   </p:cSld>
   <p:clrMapOvr>
     <a:masterClrMapping/>
@@ -15603,29 +12159,69 @@
                 <a:latin typeface="0xProto" panose="02000009000000000000" pitchFamily="49" charset="0"/>
                 <a:cs typeface="0xProto" panose="02000009000000000000" pitchFamily="49" charset="0"/>
               </a:rPr>
-              <a:t>//0010</a:t>
-            </a:r>
-            <a:r>
-              <a:rPr sz="4000" spc="-135" dirty="0">
-                <a:solidFill>
-                  <a:srgbClr val="00AF50"/>
+              <a:t>//00</a:t>
+            </a:r>
+            <a:r>
+              <a:rPr sz="4000" dirty="0">
+                <a:solidFill>
+                  <a:srgbClr val="FF0000"/>
                 </a:solidFill>
                 <a:latin typeface="0xProto" panose="02000009000000000000" pitchFamily="49" charset="0"/>
                 <a:cs typeface="0xProto" panose="02000009000000000000" pitchFamily="49" charset="0"/>
               </a:rPr>
-              <a:t> </a:t>
-            </a:r>
-            <a:r>
-              <a:rPr sz="4000" spc="-20" dirty="0">
+              <a:t>1</a:t>
+            </a:r>
+            <a:r>
+              <a:rPr sz="4000" dirty="0">
                 <a:solidFill>
                   <a:srgbClr val="00AF50"/>
                 </a:solidFill>
                 <a:latin typeface="0xProto" panose="02000009000000000000" pitchFamily="49" charset="0"/>
                 <a:cs typeface="0xProto" panose="02000009000000000000" pitchFamily="49" charset="0"/>
               </a:rPr>
-              <a:t>0110</a:t>
-            </a:r>
-            <a:endParaRPr sz="4000">
+              <a:t>0</a:t>
+            </a:r>
+            <a:r>
+              <a:rPr sz="4000" spc="-135" dirty="0">
+                <a:solidFill>
+                  <a:srgbClr val="00AF50"/>
+                </a:solidFill>
+                <a:latin typeface="0xProto" panose="02000009000000000000" pitchFamily="49" charset="0"/>
+                <a:cs typeface="0xProto" panose="02000009000000000000" pitchFamily="49" charset="0"/>
+              </a:rPr>
+              <a:t> </a:t>
+            </a:r>
+            <a:r>
+              <a:rPr sz="4000" spc="-20" dirty="0">
+                <a:solidFill>
+                  <a:srgbClr val="00AF50"/>
+                </a:solidFill>
+                <a:latin typeface="0xProto" panose="02000009000000000000" pitchFamily="49" charset="0"/>
+                <a:cs typeface="0xProto" panose="02000009000000000000" pitchFamily="49" charset="0"/>
+              </a:rPr>
+              <a:t>0</a:t>
+            </a:r>
+            <a:r>
+              <a:rPr sz="4000" spc="-20" dirty="0">
+                <a:solidFill>
+                  <a:srgbClr val="FF0000"/>
+                </a:solidFill>
+                <a:latin typeface="0xProto" panose="02000009000000000000" pitchFamily="49" charset="0"/>
+                <a:cs typeface="0xProto" panose="02000009000000000000" pitchFamily="49" charset="0"/>
+              </a:rPr>
+              <a:t>11</a:t>
+            </a:r>
+            <a:r>
+              <a:rPr sz="4000" spc="-20" dirty="0">
+                <a:solidFill>
+                  <a:srgbClr val="00AF50"/>
+                </a:solidFill>
+                <a:latin typeface="0xProto" panose="02000009000000000000" pitchFamily="49" charset="0"/>
+                <a:cs typeface="0xProto" panose="02000009000000000000" pitchFamily="49" charset="0"/>
+              </a:rPr>
+              <a:t>0</a:t>
+            </a:r>
+            <a:endParaRPr sz="4000" dirty="0">
               <a:latin typeface="0xProto" panose="02000009000000000000" pitchFamily="49" charset="0"/>
               <a:cs typeface="0xProto" panose="02000009000000000000" pitchFamily="49" charset="0"/>
             </a:endParaRPr>
@@ -17686,7 +14282,7 @@
         </p:nvSpPr>
         <p:spPr>
           <a:xfrm>
-            <a:off x="419811" y="256997"/>
+            <a:off x="381000" y="327025"/>
             <a:ext cx="3104515" cy="697230"/>
           </a:xfrm>
           <a:prstGeom prst="rect">
@@ -17739,7 +14335,7 @@
         </p:nvSpPr>
         <p:spPr>
           <a:xfrm>
-            <a:off x="534923" y="970280"/>
+            <a:off x="533400" y="1828800"/>
             <a:ext cx="3270885" cy="2985770"/>
           </a:xfrm>
           <a:prstGeom prst="rect">
@@ -17915,7 +14511,7 @@
         </p:nvSpPr>
         <p:spPr>
           <a:xfrm>
-            <a:off x="3953255" y="970280"/>
+            <a:off x="3951732" y="1828800"/>
             <a:ext cx="4136390" cy="2927083"/>
           </a:xfrm>
           <a:prstGeom prst="rect">
@@ -18121,268 +14717,13 @@
       </p:sp>
       <p:sp>
         <p:nvSpPr>
-          <p:cNvPr id="8" name="object 8"/>
-          <p:cNvSpPr txBox="1"/>
-          <p:nvPr/>
-        </p:nvSpPr>
-        <p:spPr>
-          <a:xfrm>
-            <a:off x="8180693" y="970280"/>
-            <a:ext cx="3916679" cy="3609321"/>
-          </a:xfrm>
-          <a:prstGeom prst="rect">
-            <a:avLst/>
-          </a:prstGeom>
-          <a:ln w="28575">
-            <a:solidFill>
-              <a:srgbClr val="1CACE3"/>
-            </a:solidFill>
-          </a:ln>
-        </p:spPr>
-        <p:txBody>
-          <a:bodyPr vert="horz" wrap="square" lIns="0" tIns="36195" rIns="0" bIns="0" rtlCol="0">
-            <a:spAutoFit/>
-          </a:bodyPr>
-          <a:lstStyle/>
-          <a:p>
-            <a:pPr marL="2540" algn="ctr">
-              <a:lnSpc>
-                <a:spcPct val="100000"/>
-              </a:lnSpc>
-              <a:spcBef>
-                <a:spcPts val="285"/>
-              </a:spcBef>
-            </a:pPr>
-            <a:r>
-              <a:rPr sz="4000" b="1" spc="-40" dirty="0" err="1">
-                <a:solidFill>
-                  <a:srgbClr val="00AFEF"/>
-                </a:solidFill>
-                <a:latin typeface="Century Gothic"/>
-                <a:cs typeface="Century Gothic"/>
-              </a:rPr>
-              <a:t>XOR</a:t>
-            </a:r>
-            <a:r>
-              <a:rPr sz="4000" b="1" spc="-30" dirty="0" err="1">
-                <a:solidFill>
-                  <a:srgbClr val="00AFEF"/>
-                </a:solidFill>
-                <a:latin typeface="ＭＳ ゴシック"/>
-                <a:cs typeface="ＭＳ ゴシック"/>
-              </a:rPr>
-              <a:t>演算</a:t>
-            </a:r>
-            <a:r>
-              <a:rPr lang="en-US" sz="4000" b="1" spc="-30" dirty="0">
-                <a:solidFill>
-                  <a:srgbClr val="00AFEF"/>
-                </a:solidFill>
-                <a:latin typeface="ＭＳ ゴシック"/>
-                <a:cs typeface="ＭＳ ゴシック"/>
-              </a:rPr>
-              <a:t> </a:t>
-            </a:r>
-            <a:r>
-              <a:rPr sz="4400" b="1" spc="-10" dirty="0">
-                <a:latin typeface="Century Gothic"/>
-                <a:cs typeface="Century Gothic"/>
-              </a:rPr>
-              <a:t>^</a:t>
-            </a:r>
-            <a:endParaRPr sz="4400" b="1" dirty="0">
-              <a:latin typeface="Century Gothic"/>
-              <a:cs typeface="Century Gothic"/>
-            </a:endParaRPr>
-          </a:p>
-          <a:p>
-            <a:pPr marL="429259" marR="417830" algn="ctr">
-              <a:lnSpc>
-                <a:spcPct val="100000"/>
-              </a:lnSpc>
-              <a:spcBef>
-                <a:spcPts val="55"/>
-              </a:spcBef>
-            </a:pPr>
-            <a:r>
-              <a:rPr sz="2800" spc="-15" dirty="0">
-                <a:latin typeface="ＭＳ ゴシック"/>
-                <a:cs typeface="ＭＳ ゴシック"/>
-              </a:rPr>
-              <a:t>どちらも同じなら</a:t>
-            </a:r>
-            <a:r>
-              <a:rPr sz="2800" spc="-50" dirty="0">
-                <a:cs typeface="Century Gothic"/>
-              </a:rPr>
-              <a:t>0</a:t>
-            </a:r>
-            <a:r>
-              <a:rPr sz="2800" spc="-10" dirty="0">
-                <a:latin typeface="ＭＳ ゴシック"/>
-                <a:cs typeface="ＭＳ ゴシック"/>
-              </a:rPr>
-              <a:t>違う値なら</a:t>
-            </a:r>
-            <a:r>
-              <a:rPr sz="2800" spc="-50" dirty="0">
-                <a:cs typeface="Century Gothic"/>
-              </a:rPr>
-              <a:t>1</a:t>
-            </a:r>
-            <a:endParaRPr sz="2800" dirty="0">
-              <a:cs typeface="Century Gothic"/>
-            </a:endParaRPr>
-          </a:p>
-          <a:p>
-            <a:pPr marL="2540" algn="ctr">
-              <a:lnSpc>
-                <a:spcPts val="5230"/>
-              </a:lnSpc>
-            </a:pPr>
-            <a:r>
-              <a:rPr sz="4400" spc="-25" dirty="0">
-                <a:cs typeface="Century Gothic"/>
-              </a:rPr>
-              <a:t>0</a:t>
-            </a:r>
-            <a:r>
-              <a:rPr lang="en-US" sz="4400" spc="-25" dirty="0">
-                <a:cs typeface="Century Gothic"/>
-              </a:rPr>
-              <a:t> </a:t>
-            </a:r>
-            <a:r>
-              <a:rPr sz="4400" spc="-25" dirty="0">
-                <a:cs typeface="Century Gothic"/>
-              </a:rPr>
-              <a:t>0</a:t>
-            </a:r>
-            <a:r>
-              <a:rPr lang="en-US" sz="4400" spc="-25" dirty="0">
-                <a:cs typeface="Century Gothic"/>
-              </a:rPr>
-              <a:t> </a:t>
-            </a:r>
-            <a:r>
-              <a:rPr sz="4400" spc="-25" dirty="0">
-                <a:cs typeface="Century Gothic"/>
-              </a:rPr>
-              <a:t>1</a:t>
-            </a:r>
-            <a:endParaRPr sz="4400" dirty="0">
-              <a:cs typeface="Century Gothic"/>
-            </a:endParaRPr>
-          </a:p>
-          <a:p>
-            <a:pPr marL="2540" algn="ctr">
-              <a:lnSpc>
-                <a:spcPct val="100000"/>
-              </a:lnSpc>
-            </a:pPr>
-            <a:r>
-              <a:rPr sz="4400" spc="-25" dirty="0">
-                <a:cs typeface="Century Gothic"/>
-              </a:rPr>
-              <a:t>0</a:t>
-            </a:r>
-            <a:r>
-              <a:rPr lang="en-US" sz="4400" spc="-25" dirty="0">
-                <a:cs typeface="Century Gothic"/>
-              </a:rPr>
-              <a:t> </a:t>
-            </a:r>
-            <a:r>
-              <a:rPr sz="4400" spc="-25" dirty="0">
-                <a:cs typeface="Century Gothic"/>
-              </a:rPr>
-              <a:t>1</a:t>
-            </a:r>
-            <a:r>
-              <a:rPr lang="en-US" sz="4400" spc="-25" dirty="0">
-                <a:cs typeface="Century Gothic"/>
-              </a:rPr>
-              <a:t> </a:t>
-            </a:r>
-            <a:r>
-              <a:rPr sz="4400" spc="-25" dirty="0">
-                <a:cs typeface="Century Gothic"/>
-              </a:rPr>
-              <a:t>1</a:t>
-            </a:r>
-            <a:endParaRPr sz="4400" dirty="0">
-              <a:cs typeface="Century Gothic"/>
-            </a:endParaRPr>
-          </a:p>
-          <a:p>
-            <a:pPr marL="2540" algn="ctr">
-              <a:lnSpc>
-                <a:spcPct val="100000"/>
-              </a:lnSpc>
-            </a:pPr>
-            <a:r>
-              <a:rPr sz="4400" spc="-25" dirty="0">
-                <a:solidFill>
-                  <a:srgbClr val="FF0000"/>
-                </a:solidFill>
-                <a:cs typeface="Century Gothic"/>
-              </a:rPr>
-              <a:t>0</a:t>
-            </a:r>
-            <a:r>
-              <a:rPr lang="en-US" sz="4400" spc="-25" dirty="0">
-                <a:solidFill>
-                  <a:srgbClr val="FF0000"/>
-                </a:solidFill>
-                <a:cs typeface="Century Gothic"/>
-              </a:rPr>
-              <a:t> </a:t>
-            </a:r>
-            <a:r>
-              <a:rPr sz="4400" spc="-25" dirty="0">
-                <a:solidFill>
-                  <a:srgbClr val="FF0000"/>
-                </a:solidFill>
-                <a:cs typeface="Century Gothic"/>
-              </a:rPr>
-              <a:t>1</a:t>
-            </a:r>
-            <a:r>
-              <a:rPr lang="en-US" sz="4400" spc="-25" dirty="0">
-                <a:solidFill>
-                  <a:srgbClr val="FF0000"/>
-                </a:solidFill>
-                <a:cs typeface="Century Gothic"/>
-              </a:rPr>
-              <a:t> </a:t>
-            </a:r>
-            <a:r>
-              <a:rPr sz="4400" spc="-25" dirty="0">
-                <a:solidFill>
-                  <a:srgbClr val="FF0000"/>
-                </a:solidFill>
-                <a:cs typeface="Century Gothic"/>
-              </a:rPr>
-              <a:t>0</a:t>
-            </a:r>
-            <a:endParaRPr sz="4400" dirty="0">
-              <a:solidFill>
-                <a:srgbClr val="FF0000"/>
-              </a:solidFill>
-              <a:cs typeface="Century Gothic"/>
-            </a:endParaRPr>
-          </a:p>
-        </p:txBody>
-      </p:sp>
-      <p:sp>
-        <p:nvSpPr>
           <p:cNvPr id="12" name="object 12"/>
           <p:cNvSpPr txBox="1"/>
           <p:nvPr/>
         </p:nvSpPr>
         <p:spPr>
           <a:xfrm>
-            <a:off x="534923" y="4093638"/>
+            <a:off x="8247978" y="1828800"/>
             <a:ext cx="3258185" cy="2750185"/>
           </a:xfrm>
           <a:prstGeom prst="rect">
@@ -18588,7 +14929,7 @@
         </p:nvCxnSpPr>
         <p:spPr>
           <a:xfrm>
-            <a:off x="1524000" y="3276600"/>
+            <a:off x="1522477" y="4135120"/>
             <a:ext cx="1219200" cy="0"/>
           </a:xfrm>
           <a:prstGeom prst="line">
@@ -18629,51 +14970,8 @@
         </p:nvCxnSpPr>
         <p:spPr>
           <a:xfrm>
-            <a:off x="5486400" y="3276600"/>
+            <a:off x="5484877" y="4135120"/>
             <a:ext cx="1219200" cy="0"/>
-          </a:xfrm>
-          <a:prstGeom prst="line">
-            <a:avLst/>
-          </a:prstGeom>
-          <a:ln w="28575">
-            <a:solidFill>
-              <a:srgbClr val="FF0000"/>
-            </a:solidFill>
-          </a:ln>
-        </p:spPr>
-        <p:style>
-          <a:lnRef idx="1">
-            <a:schemeClr val="accent1"/>
-          </a:lnRef>
-          <a:fillRef idx="0">
-            <a:schemeClr val="accent1"/>
-          </a:fillRef>
-          <a:effectRef idx="0">
-            <a:schemeClr val="accent1"/>
-          </a:effectRef>
-          <a:fontRef idx="minor">
-            <a:schemeClr val="tx1"/>
-          </a:fontRef>
-        </p:style>
-      </p:cxnSp>
-      <p:cxnSp>
-        <p:nvCxnSpPr>
-          <p:cNvPr id="14" name="直線コネクタ 13">
-            <a:extLst>
-              <a:ext uri="{FF2B5EF4-FFF2-40B4-BE49-F238E27FC236}">
-                <a16:creationId xmlns:a16="http://schemas.microsoft.com/office/drawing/2014/main" id="{F1661270-3081-C878-6E6F-B608B24DD7A0}"/>
-              </a:ext>
-            </a:extLst>
-          </p:cNvPr>
-          <p:cNvCxnSpPr>
-            <a:cxnSpLocks/>
-          </p:cNvCxnSpPr>
-          <p:nvPr/>
-        </p:nvCxnSpPr>
-        <p:spPr>
-          <a:xfrm>
-            <a:off x="9144000" y="3892047"/>
-            <a:ext cx="1981200" cy="5316"/>
           </a:xfrm>
           <a:prstGeom prst="line">
             <a:avLst/>
@@ -18713,7 +15011,7 @@
         </p:nvCxnSpPr>
         <p:spPr>
           <a:xfrm>
-            <a:off x="1524000" y="6172200"/>
+            <a:off x="9237055" y="3907362"/>
             <a:ext cx="1219200" cy="0"/>
           </a:xfrm>
           <a:prstGeom prst="line">

--- a/授業資料/授業資料：ビット処理.pptx
+++ b/授業資料/授業資料：ビット処理.pptx
@@ -232,7 +232,7 @@
           <a:p>
             <a:fld id="{087996C2-12BB-4EB0-A0AF-5C45AD62C633}" type="datetimeFigureOut">
               <a:rPr kumimoji="1" lang="ja-JP" altLang="en-US" smtClean="0"/>
-              <a:t>2025/6/24</a:t>
+              <a:t>2025/7/2</a:t>
             </a:fld>
             <a:endParaRPr kumimoji="1" lang="ja-JP" altLang="en-US"/>
           </a:p>
@@ -1064,7 +1064,7 @@
           <a:p>
             <a:fld id="{1D8BD707-D9CF-40AE-B4C6-C98DA3205C09}" type="datetimeFigureOut">
               <a:rPr lang="en-US" smtClean="0"/>
-              <a:t>6/24/2025</a:t>
+              <a:t>7/2/2025</a:t>
             </a:fld>
             <a:endParaRPr lang="en-US"/>
           </a:p>
@@ -1294,7 +1294,7 @@
           <a:p>
             <a:fld id="{1D8BD707-D9CF-40AE-B4C6-C98DA3205C09}" type="datetimeFigureOut">
               <a:rPr lang="en-US" smtClean="0"/>
-              <a:t>6/24/2025</a:t>
+              <a:t>7/2/2025</a:t>
             </a:fld>
             <a:endParaRPr lang="en-US"/>
           </a:p>
@@ -1534,7 +1534,7 @@
           <a:p>
             <a:fld id="{1D8BD707-D9CF-40AE-B4C6-C98DA3205C09}" type="datetimeFigureOut">
               <a:rPr lang="en-US" smtClean="0"/>
-              <a:t>6/24/2025</a:t>
+              <a:t>7/2/2025</a:t>
             </a:fld>
             <a:endParaRPr lang="en-US"/>
           </a:p>
@@ -1780,7 +1780,7 @@
           <a:p>
             <a:fld id="{1D8BD707-D9CF-40AE-B4C6-C98DA3205C09}" type="datetimeFigureOut">
               <a:rPr lang="en-US" smtClean="0"/>
-              <a:t>6/24/2025</a:t>
+              <a:t>7/2/2025</a:t>
             </a:fld>
             <a:endParaRPr lang="en-US"/>
           </a:p>
@@ -2055,7 +2055,7 @@
           <a:p>
             <a:fld id="{1D8BD707-D9CF-40AE-B4C6-C98DA3205C09}" type="datetimeFigureOut">
               <a:rPr lang="en-US" smtClean="0"/>
-              <a:t>6/24/2025</a:t>
+              <a:t>7/2/2025</a:t>
             </a:fld>
             <a:endParaRPr lang="en-US"/>
           </a:p>
@@ -2384,7 +2384,7 @@
           <a:p>
             <a:fld id="{1D8BD707-D9CF-40AE-B4C6-C98DA3205C09}" type="datetimeFigureOut">
               <a:rPr lang="en-US" smtClean="0"/>
-              <a:t>6/24/2025</a:t>
+              <a:t>7/2/2025</a:t>
             </a:fld>
             <a:endParaRPr lang="en-US"/>
           </a:p>
@@ -2860,7 +2860,7 @@
           <a:p>
             <a:fld id="{1D8BD707-D9CF-40AE-B4C6-C98DA3205C09}" type="datetimeFigureOut">
               <a:rPr lang="en-US" smtClean="0"/>
-              <a:t>6/24/2025</a:t>
+              <a:t>7/2/2025</a:t>
             </a:fld>
             <a:endParaRPr lang="en-US"/>
           </a:p>
@@ -3001,7 +3001,7 @@
           <a:p>
             <a:fld id="{1D8BD707-D9CF-40AE-B4C6-C98DA3205C09}" type="datetimeFigureOut">
               <a:rPr lang="en-US" smtClean="0"/>
-              <a:t>6/24/2025</a:t>
+              <a:t>7/2/2025</a:t>
             </a:fld>
             <a:endParaRPr lang="en-US"/>
           </a:p>
@@ -3114,7 +3114,7 @@
           <a:p>
             <a:fld id="{1D8BD707-D9CF-40AE-B4C6-C98DA3205C09}" type="datetimeFigureOut">
               <a:rPr lang="en-US" smtClean="0"/>
-              <a:t>6/24/2025</a:t>
+              <a:t>7/2/2025</a:t>
             </a:fld>
             <a:endParaRPr lang="en-US"/>
           </a:p>
@@ -3457,7 +3457,7 @@
           <a:p>
             <a:fld id="{1D8BD707-D9CF-40AE-B4C6-C98DA3205C09}" type="datetimeFigureOut">
               <a:rPr lang="en-US" smtClean="0"/>
-              <a:t>6/24/2025</a:t>
+              <a:t>7/2/2025</a:t>
             </a:fld>
             <a:endParaRPr lang="en-US"/>
           </a:p>
@@ -3761,7 +3761,7 @@
           <a:p>
             <a:fld id="{1D8BD707-D9CF-40AE-B4C6-C98DA3205C09}" type="datetimeFigureOut">
               <a:rPr lang="en-US" smtClean="0"/>
-              <a:t>6/24/2025</a:t>
+              <a:t>7/2/2025</a:t>
             </a:fld>
             <a:endParaRPr lang="en-US"/>
           </a:p>
@@ -4034,7 +4034,7 @@
           <a:p>
             <a:fld id="{1D8BD707-D9CF-40AE-B4C6-C98DA3205C09}" type="datetimeFigureOut">
               <a:rPr lang="en-US" smtClean="0"/>
-              <a:t>6/24/2025</a:t>
+              <a:t>7/2/2025</a:t>
             </a:fld>
             <a:endParaRPr lang="en-US"/>
           </a:p>
@@ -5974,8 +5974,13 @@
           <a:p>
             <a:r>
               <a:rPr kumimoji="1" lang="ja-JP" altLang="en-US" b="1" dirty="0"/>
-              <a:t>状態を数値で表現する</a:t>
-            </a:r>
+              <a:t>状態を数値で表現</a:t>
+            </a:r>
+            <a:r>
+              <a:rPr lang="ja-JP" altLang="en-US" b="1" dirty="0"/>
+              <a:t>した例</a:t>
+            </a:r>
+            <a:endParaRPr kumimoji="1" lang="ja-JP" altLang="en-US" b="1" dirty="0"/>
           </a:p>
         </p:txBody>
       </p:sp>
@@ -6008,7 +6013,22 @@
             </a:r>
             <a:r>
               <a:rPr lang="en-US" altLang="ja-JP" dirty="0"/>
-              <a:t>Base = 0,			//0000 0000</a:t>
+              <a:t>Base = </a:t>
+            </a:r>
+            <a:r>
+              <a:rPr lang="en-US" altLang="ja-JP" dirty="0">
+                <a:solidFill>
+                  <a:schemeClr val="tx1">
+                    <a:lumMod val="50000"/>
+                    <a:lumOff val="50000"/>
+                  </a:schemeClr>
+                </a:solidFill>
+              </a:rPr>
+              <a:t>0b</a:t>
+            </a:r>
+            <a:r>
+              <a:rPr lang="en-US" altLang="ja-JP" dirty="0"/>
+              <a:t>00000000</a:t>
             </a:r>
             <a:br>
               <a:rPr lang="en-US" altLang="ja-JP" dirty="0"/>
@@ -6030,7 +6050,22 @@
             </a:r>
             <a:r>
               <a:rPr lang="en-US" altLang="ja-JP" dirty="0"/>
-              <a:t> 		= 1 &lt;&lt; 0,	//0000 000</a:t>
+              <a:t> 		= </a:t>
+            </a:r>
+            <a:r>
+              <a:rPr lang="en-US" altLang="ja-JP" dirty="0">
+                <a:solidFill>
+                  <a:schemeClr val="tx1">
+                    <a:lumMod val="50000"/>
+                    <a:lumOff val="50000"/>
+                  </a:schemeClr>
+                </a:solidFill>
+              </a:rPr>
+              <a:t>0b</a:t>
+            </a:r>
+            <a:r>
+              <a:rPr lang="en-US" altLang="ja-JP" dirty="0"/>
+              <a:t>0000000</a:t>
             </a:r>
             <a:r>
               <a:rPr lang="en-US" altLang="ja-JP" dirty="0">
@@ -6056,7 +6091,22 @@
             </a:r>
             <a:r>
               <a:rPr lang="en-US" altLang="ja-JP" dirty="0"/>
-              <a:t> 		= 1 &lt;&lt; 1,	//0000 00</a:t>
+              <a:t> 		= </a:t>
+            </a:r>
+            <a:r>
+              <a:rPr lang="en-US" altLang="ja-JP" dirty="0">
+                <a:solidFill>
+                  <a:schemeClr val="tx1">
+                    <a:lumMod val="50000"/>
+                    <a:lumOff val="50000"/>
+                  </a:schemeClr>
+                </a:solidFill>
+              </a:rPr>
+              <a:t>0b</a:t>
+            </a:r>
+            <a:r>
+              <a:rPr lang="en-US" altLang="ja-JP" dirty="0"/>
+              <a:t>000000</a:t>
             </a:r>
             <a:r>
               <a:rPr lang="en-US" altLang="ja-JP" dirty="0">
@@ -6086,7 +6136,22 @@
             </a:r>
             <a:r>
               <a:rPr lang="en-US" altLang="ja-JP" dirty="0"/>
-              <a:t>      	= 1 &lt;&lt; 2,	//0000 0</a:t>
+              <a:t>      	= </a:t>
+            </a:r>
+            <a:r>
+              <a:rPr lang="en-US" altLang="ja-JP" dirty="0">
+                <a:solidFill>
+                  <a:schemeClr val="tx1">
+                    <a:lumMod val="50000"/>
+                    <a:lumOff val="50000"/>
+                  </a:schemeClr>
+                </a:solidFill>
+              </a:rPr>
+              <a:t>0b</a:t>
+            </a:r>
+            <a:r>
+              <a:rPr lang="en-US" altLang="ja-JP" dirty="0"/>
+              <a:t>00000</a:t>
             </a:r>
             <a:r>
               <a:rPr lang="en-US" altLang="ja-JP" dirty="0">
@@ -6116,7 +6181,22 @@
             </a:r>
             <a:r>
               <a:rPr lang="en-US" altLang="ja-JP" dirty="0"/>
-              <a:t>      	= 1 &lt;&lt; 3,	//0000 </a:t>
+              <a:t>      	= </a:t>
+            </a:r>
+            <a:r>
+              <a:rPr lang="en-US" altLang="ja-JP" dirty="0">
+                <a:solidFill>
+                  <a:schemeClr val="tx1">
+                    <a:lumMod val="50000"/>
+                    <a:lumOff val="50000"/>
+                  </a:schemeClr>
+                </a:solidFill>
+              </a:rPr>
+              <a:t>0b</a:t>
+            </a:r>
+            <a:r>
+              <a:rPr lang="en-US" altLang="ja-JP" dirty="0"/>
+              <a:t>0000</a:t>
             </a:r>
             <a:r>
               <a:rPr lang="en-US" altLang="ja-JP" dirty="0">
@@ -6154,11 +6234,26 @@
             </a:r>
             <a:r>
               <a:rPr lang="en-US" altLang="ja-JP" dirty="0"/>
-              <a:t>  	= 1 &lt;&lt; 4,	//000</a:t>
+              <a:t>  	= </a:t>
             </a:r>
             <a:r>
               <a:rPr lang="en-US" altLang="ja-JP" dirty="0">
                 <a:solidFill>
+                  <a:schemeClr val="tx1">
+                    <a:lumMod val="50000"/>
+                    <a:lumOff val="50000"/>
+                  </a:schemeClr>
+                </a:solidFill>
+              </a:rPr>
+              <a:t>0b</a:t>
+            </a:r>
+            <a:r>
+              <a:rPr lang="en-US" altLang="ja-JP" dirty="0"/>
+              <a:t>000</a:t>
+            </a:r>
+            <a:r>
+              <a:rPr lang="en-US" altLang="ja-JP" dirty="0">
+                <a:solidFill>
                   <a:srgbClr val="7030A0"/>
                 </a:solidFill>
               </a:rPr>
@@ -6166,7 +6261,7 @@
             </a:r>
             <a:r>
               <a:rPr lang="en-US" altLang="ja-JP" dirty="0"/>
-              <a:t> 0000</a:t>
+              <a:t>0000</a:t>
             </a:r>
           </a:p>
           <a:p>
@@ -6200,11 +6295,26 @@
             </a:r>
             <a:r>
               <a:rPr lang="en-US" altLang="ja-JP" dirty="0"/>
-              <a:t>= 1 &lt;&lt; 5		//00</a:t>
+              <a:t>= </a:t>
             </a:r>
             <a:r>
               <a:rPr lang="en-US" altLang="ja-JP" dirty="0">
                 <a:solidFill>
+                  <a:schemeClr val="tx1">
+                    <a:lumMod val="50000"/>
+                    <a:lumOff val="50000"/>
+                  </a:schemeClr>
+                </a:solidFill>
+              </a:rPr>
+              <a:t>0b</a:t>
+            </a:r>
+            <a:r>
+              <a:rPr lang="en-US" altLang="ja-JP" dirty="0"/>
+              <a:t>00</a:t>
+            </a:r>
+            <a:r>
+              <a:rPr lang="en-US" altLang="ja-JP" dirty="0">
+                <a:solidFill>
                   <a:srgbClr val="FF9900"/>
                 </a:solidFill>
               </a:rPr>
@@ -6212,7 +6322,7 @@
             </a:r>
             <a:r>
               <a:rPr lang="en-US" altLang="ja-JP" dirty="0"/>
-              <a:t>0 0000</a:t>
+              <a:t>00000</a:t>
             </a:r>
           </a:p>
           <a:p>
@@ -9508,7 +9618,15 @@
                   <a:srgbClr val="00B050"/>
                 </a:solidFill>
               </a:rPr>
-              <a:t>Paralysis</a:t>
+              <a:t>Para	</a:t>
+            </a:r>
+            <a:r>
+              <a:rPr kumimoji="1" lang="ja-JP" altLang="en-US" dirty="0">
+                <a:solidFill>
+                  <a:srgbClr val="00B050"/>
+                </a:solidFill>
+              </a:rPr>
+              <a:t>　　</a:t>
             </a:r>
             <a:r>
               <a:rPr kumimoji="1" lang="en-US" altLang="ja-JP" dirty="0"/>
@@ -9547,7 +9665,7 @@
                   <a:srgbClr val="00B050"/>
                 </a:solidFill>
               </a:rPr>
-              <a:t>Paralysis</a:t>
+              <a:t>Para</a:t>
             </a:r>
             <a:r>
               <a:rPr kumimoji="1" lang="en-US" altLang="ja-JP" dirty="0"/>
